--- a/jinlu/EC_new.pptx
+++ b/jinlu/EC_new.pptx
@@ -10,27 +10,21 @@
     <p:sldId id="258" r:id="rId4"/>
     <p:sldId id="259" r:id="rId5"/>
     <p:sldId id="260" r:id="rId6"/>
-    <p:sldId id="261" r:id="rId7"/>
-    <p:sldId id="262" r:id="rId8"/>
-    <p:sldId id="263" r:id="rId9"/>
-    <p:sldId id="264" r:id="rId10"/>
-    <p:sldId id="265" r:id="rId11"/>
-    <p:sldId id="266" r:id="rId12"/>
-    <p:sldId id="267" r:id="rId13"/>
-    <p:sldId id="268" r:id="rId14"/>
-    <p:sldId id="270" r:id="rId15"/>
-    <p:sldId id="269" r:id="rId16"/>
-    <p:sldId id="271" r:id="rId17"/>
-    <p:sldId id="272" r:id="rId18"/>
-    <p:sldId id="273" r:id="rId19"/>
-    <p:sldId id="274" r:id="rId20"/>
-    <p:sldId id="275" r:id="rId21"/>
-    <p:sldId id="276" r:id="rId22"/>
-    <p:sldId id="277" r:id="rId23"/>
-    <p:sldId id="278" r:id="rId24"/>
-    <p:sldId id="279" r:id="rId25"/>
-    <p:sldId id="280" r:id="rId26"/>
-    <p:sldId id="281" r:id="rId27"/>
+    <p:sldId id="262" r:id="rId7"/>
+    <p:sldId id="263" r:id="rId8"/>
+    <p:sldId id="264" r:id="rId9"/>
+    <p:sldId id="265" r:id="rId10"/>
+    <p:sldId id="272" r:id="rId11"/>
+    <p:sldId id="273" r:id="rId12"/>
+    <p:sldId id="274" r:id="rId13"/>
+    <p:sldId id="275" r:id="rId14"/>
+    <p:sldId id="276" r:id="rId15"/>
+    <p:sldId id="277" r:id="rId16"/>
+    <p:sldId id="278" r:id="rId17"/>
+    <p:sldId id="279" r:id="rId18"/>
+    <p:sldId id="281" r:id="rId19"/>
+    <p:sldId id="283" r:id="rId20"/>
+    <p:sldId id="282" r:id="rId21"/>
   </p:sldIdLst>
   <p:sldSz cx="12192000" cy="6858000"/>
   <p:notesSz cx="6858000" cy="9144000"/>
@@ -139,17 +133,10 @@
             <p14:sldId id="258"/>
             <p14:sldId id="259"/>
             <p14:sldId id="260"/>
-            <p14:sldId id="261"/>
             <p14:sldId id="262"/>
             <p14:sldId id="263"/>
             <p14:sldId id="264"/>
             <p14:sldId id="265"/>
-            <p14:sldId id="266"/>
-            <p14:sldId id="267"/>
-            <p14:sldId id="268"/>
-            <p14:sldId id="270"/>
-            <p14:sldId id="269"/>
-            <p14:sldId id="271"/>
             <p14:sldId id="272"/>
             <p14:sldId id="273"/>
             <p14:sldId id="274"/>
@@ -170,11 +157,15 @@
         </p14:section>
         <p14:section name="comparison" id="{8334661D-A758-4F6B-8213-FEE5CC0EDA58}">
           <p14:sldIdLst>
-            <p14:sldId id="280"/>
             <p14:sldId id="281"/>
+            <p14:sldId id="283"/>
+            <p14:sldId id="282"/>
           </p14:sldIdLst>
         </p14:section>
       </p14:sectionLst>
+    </p:ext>
+    <p:ext uri="{EFAFB233-063F-42B5-8137-9DF3F51BA10A}">
+      <p15:sldGuideLst xmlns:p15="http://schemas.microsoft.com/office/powerpoint/2012/main"/>
     </p:ext>
   </p:extLst>
 </p:presentation>
@@ -184,8 +175,8 @@
 <pc:chgInfo xmlns:a="http://schemas.openxmlformats.org/drawingml/2006/main" xmlns:r="http://schemas.openxmlformats.org/officeDocument/2006/relationships" xmlns:ac="http://schemas.microsoft.com/office/drawing/2013/main/command" xmlns:pc="http://schemas.microsoft.com/office/powerpoint/2013/main/command">
   <pc:docChgLst>
     <pc:chgData name="Jinlu Liu" userId="78a8ae01-c209-4833-a803-14efb296c1fa" providerId="ADAL" clId="{605EAD0C-2C14-49C9-9B36-055E4CDC6D39}"/>
-    <pc:docChg chg="custSel addSld modSld sldOrd addSection modSection">
-      <pc:chgData name="Jinlu Liu" userId="78a8ae01-c209-4833-a803-14efb296c1fa" providerId="ADAL" clId="{605EAD0C-2C14-49C9-9B36-055E4CDC6D39}" dt="2024-04-03T15:19:25.534" v="331" actId="1076"/>
+    <pc:docChg chg="custSel addSld delSld modSld sldOrd addSection modSection">
+      <pc:chgData name="Jinlu Liu" userId="78a8ae01-c209-4833-a803-14efb296c1fa" providerId="ADAL" clId="{605EAD0C-2C14-49C9-9B36-055E4CDC6D39}" dt="2024-04-12T09:38:25.924" v="432" actId="1076"/>
       <pc:docMkLst>
         <pc:docMk/>
       </pc:docMkLst>
@@ -229,7 +220,7 @@
         </pc:spChg>
       </pc:sldChg>
       <pc:sldChg chg="addSp delSp modSp new mod">
-        <pc:chgData name="Jinlu Liu" userId="78a8ae01-c209-4833-a803-14efb296c1fa" providerId="ADAL" clId="{605EAD0C-2C14-49C9-9B36-055E4CDC6D39}" dt="2024-04-03T13:03:11.939" v="26" actId="1076"/>
+        <pc:chgData name="Jinlu Liu" userId="78a8ae01-c209-4833-a803-14efb296c1fa" providerId="ADAL" clId="{605EAD0C-2C14-49C9-9B36-055E4CDC6D39}" dt="2024-04-12T09:16:44.455" v="337"/>
         <pc:sldMkLst>
           <pc:docMk/>
           <pc:sldMk cId="4187908222" sldId="257"/>
@@ -251,13 +242,21 @@
           </ac:spMkLst>
         </pc:spChg>
         <pc:spChg chg="add mod">
-          <ac:chgData name="Jinlu Liu" userId="78a8ae01-c209-4833-a803-14efb296c1fa" providerId="ADAL" clId="{605EAD0C-2C14-49C9-9B36-055E4CDC6D39}" dt="2024-04-03T13:03:11.939" v="26" actId="1076"/>
+          <ac:chgData name="Jinlu Liu" userId="78a8ae01-c209-4833-a803-14efb296c1fa" providerId="ADAL" clId="{605EAD0C-2C14-49C9-9B36-055E4CDC6D39}" dt="2024-04-12T09:16:31.940" v="336" actId="20577"/>
           <ac:spMkLst>
             <pc:docMk/>
             <pc:sldMk cId="4187908222" sldId="257"/>
             <ac:spMk id="4" creationId="{07E12273-FABF-4838-A3AD-E108A4F75E9C}"/>
           </ac:spMkLst>
         </pc:spChg>
+        <pc:picChg chg="add mod">
+          <ac:chgData name="Jinlu Liu" userId="78a8ae01-c209-4833-a803-14efb296c1fa" providerId="ADAL" clId="{605EAD0C-2C14-49C9-9B36-055E4CDC6D39}" dt="2024-04-12T09:16:44.455" v="337"/>
+          <ac:picMkLst>
+            <pc:docMk/>
+            <pc:sldMk cId="4187908222" sldId="257"/>
+            <ac:picMk id="3" creationId="{1C08116B-6845-4B12-BE03-DCA7372425F8}"/>
+          </ac:picMkLst>
+        </pc:picChg>
         <pc:picChg chg="add del mod">
           <ac:chgData name="Jinlu Liu" userId="78a8ae01-c209-4833-a803-14efb296c1fa" providerId="ADAL" clId="{605EAD0C-2C14-49C9-9B36-055E4CDC6D39}" dt="2024-04-03T13:02:53.550" v="20" actId="478"/>
           <ac:picMkLst>
@@ -266,8 +265,8 @@
             <ac:picMk id="5" creationId="{57FDE27C-7FD9-424F-995A-988C61709ED9}"/>
           </ac:picMkLst>
         </pc:picChg>
-        <pc:picChg chg="add mod">
-          <ac:chgData name="Jinlu Liu" userId="78a8ae01-c209-4833-a803-14efb296c1fa" providerId="ADAL" clId="{605EAD0C-2C14-49C9-9B36-055E4CDC6D39}" dt="2024-04-03T13:03:03.106" v="22" actId="1076"/>
+        <pc:picChg chg="add del mod">
+          <ac:chgData name="Jinlu Liu" userId="78a8ae01-c209-4833-a803-14efb296c1fa" providerId="ADAL" clId="{605EAD0C-2C14-49C9-9B36-055E4CDC6D39}" dt="2024-04-12T09:16:29.193" v="332" actId="478"/>
           <ac:picMkLst>
             <pc:docMk/>
             <pc:sldMk cId="4187908222" sldId="257"/>
@@ -276,7 +275,7 @@
         </pc:picChg>
       </pc:sldChg>
       <pc:sldChg chg="addSp delSp modSp new mod">
-        <pc:chgData name="Jinlu Liu" userId="78a8ae01-c209-4833-a803-14efb296c1fa" providerId="ADAL" clId="{605EAD0C-2C14-49C9-9B36-055E4CDC6D39}" dt="2024-04-03T13:03:30.694" v="30"/>
+        <pc:chgData name="Jinlu Liu" userId="78a8ae01-c209-4833-a803-14efb296c1fa" providerId="ADAL" clId="{605EAD0C-2C14-49C9-9B36-055E4CDC6D39}" dt="2024-04-12T09:16:54.722" v="339"/>
         <pc:sldMkLst>
           <pc:docMk/>
           <pc:sldMk cId="3896668668" sldId="258"/>
@@ -306,7 +305,15 @@
           </ac:spMkLst>
         </pc:spChg>
         <pc:picChg chg="add mod">
-          <ac:chgData name="Jinlu Liu" userId="78a8ae01-c209-4833-a803-14efb296c1fa" providerId="ADAL" clId="{605EAD0C-2C14-49C9-9B36-055E4CDC6D39}" dt="2024-04-03T13:03:30.694" v="30"/>
+          <ac:chgData name="Jinlu Liu" userId="78a8ae01-c209-4833-a803-14efb296c1fa" providerId="ADAL" clId="{605EAD0C-2C14-49C9-9B36-055E4CDC6D39}" dt="2024-04-12T09:16:54.722" v="339"/>
+          <ac:picMkLst>
+            <pc:docMk/>
+            <pc:sldMk cId="3896668668" sldId="258"/>
+            <ac:picMk id="3" creationId="{EF873782-F378-4B07-A2BE-AB4DC7093C7D}"/>
+          </ac:picMkLst>
+        </pc:picChg>
+        <pc:picChg chg="add del mod">
+          <ac:chgData name="Jinlu Liu" userId="78a8ae01-c209-4833-a803-14efb296c1fa" providerId="ADAL" clId="{605EAD0C-2C14-49C9-9B36-055E4CDC6D39}" dt="2024-04-12T09:16:48.816" v="338" actId="478"/>
           <ac:picMkLst>
             <pc:docMk/>
             <pc:sldMk cId="3896668668" sldId="258"/>
@@ -315,7 +322,7 @@
         </pc:picChg>
       </pc:sldChg>
       <pc:sldChg chg="addSp delSp modSp new mod">
-        <pc:chgData name="Jinlu Liu" userId="78a8ae01-c209-4833-a803-14efb296c1fa" providerId="ADAL" clId="{605EAD0C-2C14-49C9-9B36-055E4CDC6D39}" dt="2024-04-03T13:15:52.823" v="34"/>
+        <pc:chgData name="Jinlu Liu" userId="78a8ae01-c209-4833-a803-14efb296c1fa" providerId="ADAL" clId="{605EAD0C-2C14-49C9-9B36-055E4CDC6D39}" dt="2024-04-12T09:17:03.771" v="341"/>
         <pc:sldMkLst>
           <pc:docMk/>
           <pc:sldMk cId="2191283333" sldId="259"/>
@@ -345,7 +352,15 @@
           </ac:spMkLst>
         </pc:spChg>
         <pc:picChg chg="add mod">
-          <ac:chgData name="Jinlu Liu" userId="78a8ae01-c209-4833-a803-14efb296c1fa" providerId="ADAL" clId="{605EAD0C-2C14-49C9-9B36-055E4CDC6D39}" dt="2024-04-03T13:15:52.823" v="34"/>
+          <ac:chgData name="Jinlu Liu" userId="78a8ae01-c209-4833-a803-14efb296c1fa" providerId="ADAL" clId="{605EAD0C-2C14-49C9-9B36-055E4CDC6D39}" dt="2024-04-12T09:17:03.771" v="341"/>
+          <ac:picMkLst>
+            <pc:docMk/>
+            <pc:sldMk cId="2191283333" sldId="259"/>
+            <ac:picMk id="3" creationId="{967629A5-D9D5-4AB0-82A6-0B403D546676}"/>
+          </ac:picMkLst>
+        </pc:picChg>
+        <pc:picChg chg="add del mod">
+          <ac:chgData name="Jinlu Liu" userId="78a8ae01-c209-4833-a803-14efb296c1fa" providerId="ADAL" clId="{605EAD0C-2C14-49C9-9B36-055E4CDC6D39}" dt="2024-04-12T09:16:57.472" v="340" actId="478"/>
           <ac:picMkLst>
             <pc:docMk/>
             <pc:sldMk cId="2191283333" sldId="259"/>
@@ -354,7 +369,7 @@
         </pc:picChg>
       </pc:sldChg>
       <pc:sldChg chg="addSp delSp modSp new mod">
-        <pc:chgData name="Jinlu Liu" userId="78a8ae01-c209-4833-a803-14efb296c1fa" providerId="ADAL" clId="{605EAD0C-2C14-49C9-9B36-055E4CDC6D39}" dt="2024-04-03T13:16:24.357" v="40" actId="1076"/>
+        <pc:chgData name="Jinlu Liu" userId="78a8ae01-c209-4833-a803-14efb296c1fa" providerId="ADAL" clId="{605EAD0C-2C14-49C9-9B36-055E4CDC6D39}" dt="2024-04-12T09:17:24.138" v="345" actId="1076"/>
         <pc:sldMkLst>
           <pc:docMk/>
           <pc:sldMk cId="1924944567" sldId="260"/>
@@ -384,7 +399,15 @@
           </ac:spMkLst>
         </pc:spChg>
         <pc:picChg chg="add mod">
-          <ac:chgData name="Jinlu Liu" userId="78a8ae01-c209-4833-a803-14efb296c1fa" providerId="ADAL" clId="{605EAD0C-2C14-49C9-9B36-055E4CDC6D39}" dt="2024-04-03T13:16:24.357" v="40" actId="1076"/>
+          <ac:chgData name="Jinlu Liu" userId="78a8ae01-c209-4833-a803-14efb296c1fa" providerId="ADAL" clId="{605EAD0C-2C14-49C9-9B36-055E4CDC6D39}" dt="2024-04-12T09:17:24.138" v="345" actId="1076"/>
+          <ac:picMkLst>
+            <pc:docMk/>
+            <pc:sldMk cId="1924944567" sldId="260"/>
+            <ac:picMk id="3" creationId="{B7F82D4C-06B5-4AAD-A269-EABC31C43D10}"/>
+          </ac:picMkLst>
+        </pc:picChg>
+        <pc:picChg chg="add del mod">
+          <ac:chgData name="Jinlu Liu" userId="78a8ae01-c209-4833-a803-14efb296c1fa" providerId="ADAL" clId="{605EAD0C-2C14-49C9-9B36-055E4CDC6D39}" dt="2024-04-12T09:17:11.545" v="342" actId="478"/>
           <ac:picMkLst>
             <pc:docMk/>
             <pc:sldMk cId="1924944567" sldId="260"/>
@@ -392,8 +415,8 @@
           </ac:picMkLst>
         </pc:picChg>
       </pc:sldChg>
-      <pc:sldChg chg="addSp delSp modSp new mod">
-        <pc:chgData name="Jinlu Liu" userId="78a8ae01-c209-4833-a803-14efb296c1fa" providerId="ADAL" clId="{605EAD0C-2C14-49C9-9B36-055E4CDC6D39}" dt="2024-04-03T13:17:01.684" v="46" actId="1076"/>
+      <pc:sldChg chg="addSp delSp modSp new del mod">
+        <pc:chgData name="Jinlu Liu" userId="78a8ae01-c209-4833-a803-14efb296c1fa" providerId="ADAL" clId="{605EAD0C-2C14-49C9-9B36-055E4CDC6D39}" dt="2024-04-12T09:17:34.234" v="347" actId="2696"/>
         <pc:sldMkLst>
           <pc:docMk/>
           <pc:sldMk cId="1897945006" sldId="261"/>
@@ -422,8 +445,8 @@
             <ac:spMk id="4" creationId="{B91FCB69-3CC7-4B63-A633-926F87EA91EF}"/>
           </ac:spMkLst>
         </pc:spChg>
-        <pc:picChg chg="add mod">
-          <ac:chgData name="Jinlu Liu" userId="78a8ae01-c209-4833-a803-14efb296c1fa" providerId="ADAL" clId="{605EAD0C-2C14-49C9-9B36-055E4CDC6D39}" dt="2024-04-03T13:17:01.684" v="46" actId="1076"/>
+        <pc:picChg chg="add del mod">
+          <ac:chgData name="Jinlu Liu" userId="78a8ae01-c209-4833-a803-14efb296c1fa" providerId="ADAL" clId="{605EAD0C-2C14-49C9-9B36-055E4CDC6D39}" dt="2024-04-12T09:17:29.032" v="346" actId="478"/>
           <ac:picMkLst>
             <pc:docMk/>
             <pc:sldMk cId="1897945006" sldId="261"/>
@@ -432,7 +455,7 @@
         </pc:picChg>
       </pc:sldChg>
       <pc:sldChg chg="addSp delSp modSp new mod">
-        <pc:chgData name="Jinlu Liu" userId="78a8ae01-c209-4833-a803-14efb296c1fa" providerId="ADAL" clId="{605EAD0C-2C14-49C9-9B36-055E4CDC6D39}" dt="2024-04-03T13:17:59.624" v="121" actId="1076"/>
+        <pc:chgData name="Jinlu Liu" userId="78a8ae01-c209-4833-a803-14efb296c1fa" providerId="ADAL" clId="{605EAD0C-2C14-49C9-9B36-055E4CDC6D39}" dt="2024-04-12T09:18:00.423" v="358" actId="14100"/>
         <pc:sldMkLst>
           <pc:docMk/>
           <pc:sldMk cId="3079009305" sldId="262"/>
@@ -462,7 +485,15 @@
           </ac:spMkLst>
         </pc:spChg>
         <pc:picChg chg="add mod">
-          <ac:chgData name="Jinlu Liu" userId="78a8ae01-c209-4833-a803-14efb296c1fa" providerId="ADAL" clId="{605EAD0C-2C14-49C9-9B36-055E4CDC6D39}" dt="2024-04-03T13:17:56.624" v="120" actId="1076"/>
+          <ac:chgData name="Jinlu Liu" userId="78a8ae01-c209-4833-a803-14efb296c1fa" providerId="ADAL" clId="{605EAD0C-2C14-49C9-9B36-055E4CDC6D39}" dt="2024-04-12T09:18:00.423" v="358" actId="14100"/>
+          <ac:picMkLst>
+            <pc:docMk/>
+            <pc:sldMk cId="3079009305" sldId="262"/>
+            <ac:picMk id="3" creationId="{2D63DB4E-6B94-4371-B299-D4F09F90D136}"/>
+          </ac:picMkLst>
+        </pc:picChg>
+        <pc:picChg chg="add del mod">
+          <ac:chgData name="Jinlu Liu" userId="78a8ae01-c209-4833-a803-14efb296c1fa" providerId="ADAL" clId="{605EAD0C-2C14-49C9-9B36-055E4CDC6D39}" dt="2024-04-12T09:17:37.258" v="348" actId="478"/>
           <ac:picMkLst>
             <pc:docMk/>
             <pc:sldMk cId="3079009305" sldId="262"/>
@@ -470,7 +501,15 @@
           </ac:picMkLst>
         </pc:picChg>
         <pc:picChg chg="add mod">
-          <ac:chgData name="Jinlu Liu" userId="78a8ae01-c209-4833-a803-14efb296c1fa" providerId="ADAL" clId="{605EAD0C-2C14-49C9-9B36-055E4CDC6D39}" dt="2024-04-03T13:17:59.624" v="121" actId="1076"/>
+          <ac:chgData name="Jinlu Liu" userId="78a8ae01-c209-4833-a803-14efb296c1fa" providerId="ADAL" clId="{605EAD0C-2C14-49C9-9B36-055E4CDC6D39}" dt="2024-04-12T09:17:48.626" v="353" actId="1076"/>
+          <ac:picMkLst>
+            <pc:docMk/>
+            <pc:sldMk cId="3079009305" sldId="262"/>
+            <ac:picMk id="7" creationId="{A08C04D4-F176-4E54-AE79-BB53C692E7C6}"/>
+          </ac:picMkLst>
+        </pc:picChg>
+        <pc:picChg chg="add del mod">
+          <ac:chgData name="Jinlu Liu" userId="78a8ae01-c209-4833-a803-14efb296c1fa" providerId="ADAL" clId="{605EAD0C-2C14-49C9-9B36-055E4CDC6D39}" dt="2024-04-12T09:17:37.258" v="348" actId="478"/>
           <ac:picMkLst>
             <pc:docMk/>
             <pc:sldMk cId="3079009305" sldId="262"/>
@@ -479,7 +518,7 @@
         </pc:picChg>
       </pc:sldChg>
       <pc:sldChg chg="addSp delSp modSp new mod">
-        <pc:chgData name="Jinlu Liu" userId="78a8ae01-c209-4833-a803-14efb296c1fa" providerId="ADAL" clId="{605EAD0C-2C14-49C9-9B36-055E4CDC6D39}" dt="2024-04-03T13:18:35.811" v="129" actId="14100"/>
+        <pc:chgData name="Jinlu Liu" userId="78a8ae01-c209-4833-a803-14efb296c1fa" providerId="ADAL" clId="{605EAD0C-2C14-49C9-9B36-055E4CDC6D39}" dt="2024-04-12T09:18:14.899" v="362" actId="1076"/>
         <pc:sldMkLst>
           <pc:docMk/>
           <pc:sldMk cId="3355012088" sldId="263"/>
@@ -509,7 +548,15 @@
           </ac:spMkLst>
         </pc:spChg>
         <pc:picChg chg="add mod">
-          <ac:chgData name="Jinlu Liu" userId="78a8ae01-c209-4833-a803-14efb296c1fa" providerId="ADAL" clId="{605EAD0C-2C14-49C9-9B36-055E4CDC6D39}" dt="2024-04-03T13:18:33.179" v="128" actId="1076"/>
+          <ac:chgData name="Jinlu Liu" userId="78a8ae01-c209-4833-a803-14efb296c1fa" providerId="ADAL" clId="{605EAD0C-2C14-49C9-9B36-055E4CDC6D39}" dt="2024-04-12T09:18:14.899" v="362" actId="1076"/>
+          <ac:picMkLst>
+            <pc:docMk/>
+            <pc:sldMk cId="3355012088" sldId="263"/>
+            <ac:picMk id="3" creationId="{5E93330B-B9AC-44D9-AB22-A473DB17E1DD}"/>
+          </ac:picMkLst>
+        </pc:picChg>
+        <pc:picChg chg="add del mod">
+          <ac:chgData name="Jinlu Liu" userId="78a8ae01-c209-4833-a803-14efb296c1fa" providerId="ADAL" clId="{605EAD0C-2C14-49C9-9B36-055E4CDC6D39}" dt="2024-04-12T09:18:05.812" v="359" actId="478"/>
           <ac:picMkLst>
             <pc:docMk/>
             <pc:sldMk cId="3355012088" sldId="263"/>
@@ -518,7 +565,7 @@
         </pc:picChg>
       </pc:sldChg>
       <pc:sldChg chg="addSp delSp modSp new mod">
-        <pc:chgData name="Jinlu Liu" userId="78a8ae01-c209-4833-a803-14efb296c1fa" providerId="ADAL" clId="{605EAD0C-2C14-49C9-9B36-055E4CDC6D39}" dt="2024-04-03T13:18:55.074" v="133"/>
+        <pc:chgData name="Jinlu Liu" userId="78a8ae01-c209-4833-a803-14efb296c1fa" providerId="ADAL" clId="{605EAD0C-2C14-49C9-9B36-055E4CDC6D39}" dt="2024-04-12T09:18:23.659" v="364"/>
         <pc:sldMkLst>
           <pc:docMk/>
           <pc:sldMk cId="4180811600" sldId="264"/>
@@ -548,7 +595,15 @@
           </ac:spMkLst>
         </pc:spChg>
         <pc:picChg chg="add mod">
-          <ac:chgData name="Jinlu Liu" userId="78a8ae01-c209-4833-a803-14efb296c1fa" providerId="ADAL" clId="{605EAD0C-2C14-49C9-9B36-055E4CDC6D39}" dt="2024-04-03T13:18:55.074" v="133"/>
+          <ac:chgData name="Jinlu Liu" userId="78a8ae01-c209-4833-a803-14efb296c1fa" providerId="ADAL" clId="{605EAD0C-2C14-49C9-9B36-055E4CDC6D39}" dt="2024-04-12T09:18:23.659" v="364"/>
+          <ac:picMkLst>
+            <pc:docMk/>
+            <pc:sldMk cId="4180811600" sldId="264"/>
+            <ac:picMk id="3" creationId="{8C106C78-D0EF-46D0-903A-4C420DAFFCED}"/>
+          </ac:picMkLst>
+        </pc:picChg>
+        <pc:picChg chg="add del mod">
+          <ac:chgData name="Jinlu Liu" userId="78a8ae01-c209-4833-a803-14efb296c1fa" providerId="ADAL" clId="{605EAD0C-2C14-49C9-9B36-055E4CDC6D39}" dt="2024-04-12T09:18:17.892" v="363" actId="478"/>
           <ac:picMkLst>
             <pc:docMk/>
             <pc:sldMk cId="4180811600" sldId="264"/>
@@ -557,7 +612,7 @@
         </pc:picChg>
       </pc:sldChg>
       <pc:sldChg chg="addSp delSp modSp new mod">
-        <pc:chgData name="Jinlu Liu" userId="78a8ae01-c209-4833-a803-14efb296c1fa" providerId="ADAL" clId="{605EAD0C-2C14-49C9-9B36-055E4CDC6D39}" dt="2024-04-03T13:19:15.417" v="137"/>
+        <pc:chgData name="Jinlu Liu" userId="78a8ae01-c209-4833-a803-14efb296c1fa" providerId="ADAL" clId="{605EAD0C-2C14-49C9-9B36-055E4CDC6D39}" dt="2024-04-12T09:18:36.037" v="366"/>
         <pc:sldMkLst>
           <pc:docMk/>
           <pc:sldMk cId="2720887239" sldId="265"/>
@@ -587,7 +642,15 @@
           </ac:spMkLst>
         </pc:spChg>
         <pc:picChg chg="add mod">
-          <ac:chgData name="Jinlu Liu" userId="78a8ae01-c209-4833-a803-14efb296c1fa" providerId="ADAL" clId="{605EAD0C-2C14-49C9-9B36-055E4CDC6D39}" dt="2024-04-03T13:19:15.417" v="137"/>
+          <ac:chgData name="Jinlu Liu" userId="78a8ae01-c209-4833-a803-14efb296c1fa" providerId="ADAL" clId="{605EAD0C-2C14-49C9-9B36-055E4CDC6D39}" dt="2024-04-12T09:18:36.037" v="366"/>
+          <ac:picMkLst>
+            <pc:docMk/>
+            <pc:sldMk cId="2720887239" sldId="265"/>
+            <ac:picMk id="3" creationId="{BDC9D30F-321F-430B-942C-BE9D38F0DBEE}"/>
+          </ac:picMkLst>
+        </pc:picChg>
+        <pc:picChg chg="add del mod">
+          <ac:chgData name="Jinlu Liu" userId="78a8ae01-c209-4833-a803-14efb296c1fa" providerId="ADAL" clId="{605EAD0C-2C14-49C9-9B36-055E4CDC6D39}" dt="2024-04-12T09:18:29.978" v="365" actId="478"/>
           <ac:picMkLst>
             <pc:docMk/>
             <pc:sldMk cId="2720887239" sldId="265"/>
@@ -595,8 +658,8 @@
           </ac:picMkLst>
         </pc:picChg>
       </pc:sldChg>
-      <pc:sldChg chg="addSp delSp modSp new mod">
-        <pc:chgData name="Jinlu Liu" userId="78a8ae01-c209-4833-a803-14efb296c1fa" providerId="ADAL" clId="{605EAD0C-2C14-49C9-9B36-055E4CDC6D39}" dt="2024-04-03T13:19:55.843" v="158" actId="1076"/>
+      <pc:sldChg chg="addSp delSp modSp new del mod">
+        <pc:chgData name="Jinlu Liu" userId="78a8ae01-c209-4833-a803-14efb296c1fa" providerId="ADAL" clId="{605EAD0C-2C14-49C9-9B36-055E4CDC6D39}" dt="2024-04-12T09:18:49.544" v="368" actId="47"/>
         <pc:sldMkLst>
           <pc:docMk/>
           <pc:sldMk cId="905340556" sldId="266"/>
@@ -625,8 +688,8 @@
             <ac:picMk id="5" creationId="{F9487F2A-DC09-4C65-93A0-B9B38CC79FEB}"/>
           </ac:picMkLst>
         </pc:picChg>
-        <pc:picChg chg="add mod">
-          <ac:chgData name="Jinlu Liu" userId="78a8ae01-c209-4833-a803-14efb296c1fa" providerId="ADAL" clId="{605EAD0C-2C14-49C9-9B36-055E4CDC6D39}" dt="2024-04-03T13:19:55.843" v="158" actId="1076"/>
+        <pc:picChg chg="add del mod">
+          <ac:chgData name="Jinlu Liu" userId="78a8ae01-c209-4833-a803-14efb296c1fa" providerId="ADAL" clId="{605EAD0C-2C14-49C9-9B36-055E4CDC6D39}" dt="2024-04-12T09:18:40.663" v="367" actId="478"/>
           <ac:picMkLst>
             <pc:docMk/>
             <pc:sldMk cId="905340556" sldId="266"/>
@@ -634,8 +697,8 @@
           </ac:picMkLst>
         </pc:picChg>
       </pc:sldChg>
-      <pc:sldChg chg="addSp delSp modSp new mod">
-        <pc:chgData name="Jinlu Liu" userId="78a8ae01-c209-4833-a803-14efb296c1fa" providerId="ADAL" clId="{605EAD0C-2C14-49C9-9B36-055E4CDC6D39}" dt="2024-04-03T13:20:15.705" v="166" actId="1076"/>
+      <pc:sldChg chg="addSp delSp modSp new del mod">
+        <pc:chgData name="Jinlu Liu" userId="78a8ae01-c209-4833-a803-14efb296c1fa" providerId="ADAL" clId="{605EAD0C-2C14-49C9-9B36-055E4CDC6D39}" dt="2024-04-12T09:18:49.544" v="368" actId="47"/>
         <pc:sldMkLst>
           <pc:docMk/>
           <pc:sldMk cId="50681955" sldId="267"/>
@@ -665,8 +728,8 @@
           </ac:picMkLst>
         </pc:picChg>
       </pc:sldChg>
-      <pc:sldChg chg="addSp delSp modSp new mod">
-        <pc:chgData name="Jinlu Liu" userId="78a8ae01-c209-4833-a803-14efb296c1fa" providerId="ADAL" clId="{605EAD0C-2C14-49C9-9B36-055E4CDC6D39}" dt="2024-04-03T15:19:25.534" v="331" actId="1076"/>
+      <pc:sldChg chg="addSp delSp modSp new del mod">
+        <pc:chgData name="Jinlu Liu" userId="78a8ae01-c209-4833-a803-14efb296c1fa" providerId="ADAL" clId="{605EAD0C-2C14-49C9-9B36-055E4CDC6D39}" dt="2024-04-12T09:18:49.544" v="368" actId="47"/>
         <pc:sldMkLst>
           <pc:docMk/>
           <pc:sldMk cId="1546910887" sldId="268"/>
@@ -704,8 +767,8 @@
           </ac:picMkLst>
         </pc:picChg>
       </pc:sldChg>
-      <pc:sldChg chg="addSp delSp modSp new mod">
-        <pc:chgData name="Jinlu Liu" userId="78a8ae01-c209-4833-a803-14efb296c1fa" providerId="ADAL" clId="{605EAD0C-2C14-49C9-9B36-055E4CDC6D39}" dt="2024-04-03T13:21:07.065" v="193" actId="1076"/>
+      <pc:sldChg chg="addSp delSp modSp new del mod">
+        <pc:chgData name="Jinlu Liu" userId="78a8ae01-c209-4833-a803-14efb296c1fa" providerId="ADAL" clId="{605EAD0C-2C14-49C9-9B36-055E4CDC6D39}" dt="2024-04-12T09:18:54.990" v="369" actId="47"/>
         <pc:sldMkLst>
           <pc:docMk/>
           <pc:sldMk cId="3306511744" sldId="269"/>
@@ -735,8 +798,8 @@
           </ac:picMkLst>
         </pc:picChg>
       </pc:sldChg>
-      <pc:sldChg chg="addSp delSp modSp new mod ord">
-        <pc:chgData name="Jinlu Liu" userId="78a8ae01-c209-4833-a803-14efb296c1fa" providerId="ADAL" clId="{605EAD0C-2C14-49C9-9B36-055E4CDC6D39}" dt="2024-04-03T13:20:55.830" v="187" actId="1076"/>
+      <pc:sldChg chg="addSp delSp modSp new del mod ord">
+        <pc:chgData name="Jinlu Liu" userId="78a8ae01-c209-4833-a803-14efb296c1fa" providerId="ADAL" clId="{605EAD0C-2C14-49C9-9B36-055E4CDC6D39}" dt="2024-04-12T09:18:49.544" v="368" actId="47"/>
         <pc:sldMkLst>
           <pc:docMk/>
           <pc:sldMk cId="3080251035" sldId="270"/>
@@ -766,8 +829,8 @@
           </ac:picMkLst>
         </pc:picChg>
       </pc:sldChg>
-      <pc:sldChg chg="addSp delSp modSp new mod">
-        <pc:chgData name="Jinlu Liu" userId="78a8ae01-c209-4833-a803-14efb296c1fa" providerId="ADAL" clId="{605EAD0C-2C14-49C9-9B36-055E4CDC6D39}" dt="2024-04-03T13:21:17.414" v="197" actId="14100"/>
+      <pc:sldChg chg="addSp delSp modSp new del mod">
+        <pc:chgData name="Jinlu Liu" userId="78a8ae01-c209-4833-a803-14efb296c1fa" providerId="ADAL" clId="{605EAD0C-2C14-49C9-9B36-055E4CDC6D39}" dt="2024-04-12T09:18:54.990" v="369" actId="47"/>
         <pc:sldMkLst>
           <pc:docMk/>
           <pc:sldMk cId="3056516239" sldId="271"/>
@@ -798,7 +861,7 @@
         </pc:picChg>
       </pc:sldChg>
       <pc:sldChg chg="addSp delSp modSp new mod">
-        <pc:chgData name="Jinlu Liu" userId="78a8ae01-c209-4833-a803-14efb296c1fa" providerId="ADAL" clId="{605EAD0C-2C14-49C9-9B36-055E4CDC6D39}" dt="2024-04-03T13:21:48.246" v="204"/>
+        <pc:chgData name="Jinlu Liu" userId="78a8ae01-c209-4833-a803-14efb296c1fa" providerId="ADAL" clId="{605EAD0C-2C14-49C9-9B36-055E4CDC6D39}" dt="2024-04-12T09:20:54.957" v="373"/>
         <pc:sldMkLst>
           <pc:docMk/>
           <pc:sldMk cId="109841601" sldId="272"/>
@@ -835,8 +898,24 @@
             <ac:spMk id="5" creationId="{259B3E88-6BDD-4A94-90CD-06BD8CACF240}"/>
           </ac:spMkLst>
         </pc:spChg>
+        <pc:picChg chg="add del mod">
+          <ac:chgData name="Jinlu Liu" userId="78a8ae01-c209-4833-a803-14efb296c1fa" providerId="ADAL" clId="{605EAD0C-2C14-49C9-9B36-055E4CDC6D39}" dt="2024-04-12T09:19:11.512" v="372" actId="478"/>
+          <ac:picMkLst>
+            <pc:docMk/>
+            <pc:sldMk cId="109841601" sldId="272"/>
+            <ac:picMk id="3" creationId="{4E90AA99-A28C-4621-A0A4-F7563CFFA097}"/>
+          </ac:picMkLst>
+        </pc:picChg>
         <pc:picChg chg="add mod">
-          <ac:chgData name="Jinlu Liu" userId="78a8ae01-c209-4833-a803-14efb296c1fa" providerId="ADAL" clId="{605EAD0C-2C14-49C9-9B36-055E4CDC6D39}" dt="2024-04-03T13:21:48.246" v="204"/>
+          <ac:chgData name="Jinlu Liu" userId="78a8ae01-c209-4833-a803-14efb296c1fa" providerId="ADAL" clId="{605EAD0C-2C14-49C9-9B36-055E4CDC6D39}" dt="2024-04-12T09:20:54.957" v="373"/>
+          <ac:picMkLst>
+            <pc:docMk/>
+            <pc:sldMk cId="109841601" sldId="272"/>
+            <ac:picMk id="6" creationId="{A9DDEA2D-06FB-44B0-9DC2-A3611C8F8184}"/>
+          </ac:picMkLst>
+        </pc:picChg>
+        <pc:picChg chg="add del mod">
+          <ac:chgData name="Jinlu Liu" userId="78a8ae01-c209-4833-a803-14efb296c1fa" providerId="ADAL" clId="{605EAD0C-2C14-49C9-9B36-055E4CDC6D39}" dt="2024-04-12T09:18:58.668" v="370" actId="478"/>
           <ac:picMkLst>
             <pc:docMk/>
             <pc:sldMk cId="109841601" sldId="272"/>
@@ -845,7 +924,7 @@
         </pc:picChg>
       </pc:sldChg>
       <pc:sldChg chg="addSp delSp modSp new mod">
-        <pc:chgData name="Jinlu Liu" userId="78a8ae01-c209-4833-a803-14efb296c1fa" providerId="ADAL" clId="{605EAD0C-2C14-49C9-9B36-055E4CDC6D39}" dt="2024-04-03T13:22:27.360" v="211" actId="1076"/>
+        <pc:chgData name="Jinlu Liu" userId="78a8ae01-c209-4833-a803-14efb296c1fa" providerId="ADAL" clId="{605EAD0C-2C14-49C9-9B36-055E4CDC6D39}" dt="2024-04-12T09:21:09.141" v="377" actId="1076"/>
         <pc:sldMkLst>
           <pc:docMk/>
           <pc:sldMk cId="4247530302" sldId="273"/>
@@ -875,7 +954,15 @@
           </ac:spMkLst>
         </pc:spChg>
         <pc:picChg chg="add mod">
-          <ac:chgData name="Jinlu Liu" userId="78a8ae01-c209-4833-a803-14efb296c1fa" providerId="ADAL" clId="{605EAD0C-2C14-49C9-9B36-055E4CDC6D39}" dt="2024-04-03T13:22:27.360" v="211" actId="1076"/>
+          <ac:chgData name="Jinlu Liu" userId="78a8ae01-c209-4833-a803-14efb296c1fa" providerId="ADAL" clId="{605EAD0C-2C14-49C9-9B36-055E4CDC6D39}" dt="2024-04-12T09:21:09.141" v="377" actId="1076"/>
+          <ac:picMkLst>
+            <pc:docMk/>
+            <pc:sldMk cId="4247530302" sldId="273"/>
+            <ac:picMk id="3" creationId="{1ECA8A7E-6FEA-4C62-8679-8ED678163191}"/>
+          </ac:picMkLst>
+        </pc:picChg>
+        <pc:picChg chg="add del mod">
+          <ac:chgData name="Jinlu Liu" userId="78a8ae01-c209-4833-a803-14efb296c1fa" providerId="ADAL" clId="{605EAD0C-2C14-49C9-9B36-055E4CDC6D39}" dt="2024-04-12T09:20:58.681" v="374" actId="478"/>
           <ac:picMkLst>
             <pc:docMk/>
             <pc:sldMk cId="4247530302" sldId="273"/>
@@ -884,7 +971,7 @@
         </pc:picChg>
       </pc:sldChg>
       <pc:sldChg chg="addSp delSp modSp new mod">
-        <pc:chgData name="Jinlu Liu" userId="78a8ae01-c209-4833-a803-14efb296c1fa" providerId="ADAL" clId="{605EAD0C-2C14-49C9-9B36-055E4CDC6D39}" dt="2024-04-03T13:23:00.464" v="220" actId="1076"/>
+        <pc:chgData name="Jinlu Liu" userId="78a8ae01-c209-4833-a803-14efb296c1fa" providerId="ADAL" clId="{605EAD0C-2C14-49C9-9B36-055E4CDC6D39}" dt="2024-04-12T09:21:26.130" v="383" actId="1076"/>
         <pc:sldMkLst>
           <pc:docMk/>
           <pc:sldMk cId="2518443356" sldId="274"/>
@@ -914,7 +1001,15 @@
           </ac:spMkLst>
         </pc:spChg>
         <pc:picChg chg="add mod">
-          <ac:chgData name="Jinlu Liu" userId="78a8ae01-c209-4833-a803-14efb296c1fa" providerId="ADAL" clId="{605EAD0C-2C14-49C9-9B36-055E4CDC6D39}" dt="2024-04-03T13:23:00.464" v="220" actId="1076"/>
+          <ac:chgData name="Jinlu Liu" userId="78a8ae01-c209-4833-a803-14efb296c1fa" providerId="ADAL" clId="{605EAD0C-2C14-49C9-9B36-055E4CDC6D39}" dt="2024-04-12T09:21:26.130" v="383" actId="1076"/>
+          <ac:picMkLst>
+            <pc:docMk/>
+            <pc:sldMk cId="2518443356" sldId="274"/>
+            <ac:picMk id="3" creationId="{B3C3B49C-B566-49FE-8638-E2B79EFCE204}"/>
+          </ac:picMkLst>
+        </pc:picChg>
+        <pc:picChg chg="add del mod">
+          <ac:chgData name="Jinlu Liu" userId="78a8ae01-c209-4833-a803-14efb296c1fa" providerId="ADAL" clId="{605EAD0C-2C14-49C9-9B36-055E4CDC6D39}" dt="2024-04-12T09:21:11.611" v="378" actId="478"/>
           <ac:picMkLst>
             <pc:docMk/>
             <pc:sldMk cId="2518443356" sldId="274"/>
@@ -923,7 +1018,7 @@
         </pc:picChg>
       </pc:sldChg>
       <pc:sldChg chg="addSp delSp modSp new mod">
-        <pc:chgData name="Jinlu Liu" userId="78a8ae01-c209-4833-a803-14efb296c1fa" providerId="ADAL" clId="{605EAD0C-2C14-49C9-9B36-055E4CDC6D39}" dt="2024-04-03T13:26:59.307" v="227" actId="14100"/>
+        <pc:chgData name="Jinlu Liu" userId="78a8ae01-c209-4833-a803-14efb296c1fa" providerId="ADAL" clId="{605EAD0C-2C14-49C9-9B36-055E4CDC6D39}" dt="2024-04-12T09:21:42.944" v="389" actId="1076"/>
         <pc:sldMkLst>
           <pc:docMk/>
           <pc:sldMk cId="1536788149" sldId="275"/>
@@ -953,7 +1048,15 @@
           </ac:spMkLst>
         </pc:spChg>
         <pc:picChg chg="add mod">
-          <ac:chgData name="Jinlu Liu" userId="78a8ae01-c209-4833-a803-14efb296c1fa" providerId="ADAL" clId="{605EAD0C-2C14-49C9-9B36-055E4CDC6D39}" dt="2024-04-03T13:26:59.307" v="227" actId="14100"/>
+          <ac:chgData name="Jinlu Liu" userId="78a8ae01-c209-4833-a803-14efb296c1fa" providerId="ADAL" clId="{605EAD0C-2C14-49C9-9B36-055E4CDC6D39}" dt="2024-04-12T09:21:42.944" v="389" actId="1076"/>
+          <ac:picMkLst>
+            <pc:docMk/>
+            <pc:sldMk cId="1536788149" sldId="275"/>
+            <ac:picMk id="3" creationId="{BD5D8679-DAB7-4FA1-BCD5-5CFAD584B238}"/>
+          </ac:picMkLst>
+        </pc:picChg>
+        <pc:picChg chg="add del mod">
+          <ac:chgData name="Jinlu Liu" userId="78a8ae01-c209-4833-a803-14efb296c1fa" providerId="ADAL" clId="{605EAD0C-2C14-49C9-9B36-055E4CDC6D39}" dt="2024-04-12T09:21:31.354" v="384" actId="478"/>
           <ac:picMkLst>
             <pc:docMk/>
             <pc:sldMk cId="1536788149" sldId="275"/>
@@ -1125,8 +1228,8 @@
           </ac:picMkLst>
         </pc:picChg>
       </pc:sldChg>
-      <pc:sldChg chg="addSp delSp modSp new mod ord">
-        <pc:chgData name="Jinlu Liu" userId="78a8ae01-c209-4833-a803-14efb296c1fa" providerId="ADAL" clId="{605EAD0C-2C14-49C9-9B36-055E4CDC6D39}" dt="2024-04-03T14:00:47.013" v="312"/>
+      <pc:sldChg chg="addSp delSp modSp new del mod ord">
+        <pc:chgData name="Jinlu Liu" userId="78a8ae01-c209-4833-a803-14efb296c1fa" providerId="ADAL" clId="{605EAD0C-2C14-49C9-9B36-055E4CDC6D39}" dt="2024-04-12T09:33:42.421" v="396" actId="47"/>
         <pc:sldMkLst>
           <pc:docMk/>
           <pc:sldMk cId="1423286353" sldId="280"/>
@@ -1156,31 +1259,39 @@
           </ac:spMkLst>
         </pc:spChg>
         <pc:spChg chg="add mod">
-          <ac:chgData name="Jinlu Liu" userId="78a8ae01-c209-4833-a803-14efb296c1fa" providerId="ADAL" clId="{605EAD0C-2C14-49C9-9B36-055E4CDC6D39}" dt="2024-04-03T13:45:03.717" v="284"/>
+          <ac:chgData name="Jinlu Liu" userId="78a8ae01-c209-4833-a803-14efb296c1fa" providerId="ADAL" clId="{605EAD0C-2C14-49C9-9B36-055E4CDC6D39}" dt="2024-04-12T09:22:05.058" v="391" actId="20577"/>
           <ac:spMkLst>
             <pc:docMk/>
             <pc:sldMk cId="1423286353" sldId="280"/>
             <ac:spMk id="5" creationId="{A88EBD0B-FD81-4C03-A072-9D72C97A026F}"/>
           </ac:spMkLst>
         </pc:spChg>
-        <pc:picChg chg="add mod">
-          <ac:chgData name="Jinlu Liu" userId="78a8ae01-c209-4833-a803-14efb296c1fa" providerId="ADAL" clId="{605EAD0C-2C14-49C9-9B36-055E4CDC6D39}" dt="2024-04-03T13:46:02.435" v="305" actId="1076"/>
+        <pc:picChg chg="add del mod">
+          <ac:chgData name="Jinlu Liu" userId="78a8ae01-c209-4833-a803-14efb296c1fa" providerId="ADAL" clId="{605EAD0C-2C14-49C9-9B36-055E4CDC6D39}" dt="2024-04-12T09:22:30.522" v="395" actId="478"/>
+          <ac:picMkLst>
+            <pc:docMk/>
+            <pc:sldMk cId="1423286353" sldId="280"/>
+            <ac:picMk id="3" creationId="{0D922872-34EF-4138-A76C-CDC95111B94B}"/>
+          </ac:picMkLst>
+        </pc:picChg>
+        <pc:picChg chg="add del mod">
+          <ac:chgData name="Jinlu Liu" userId="78a8ae01-c209-4833-a803-14efb296c1fa" providerId="ADAL" clId="{605EAD0C-2C14-49C9-9B36-055E4CDC6D39}" dt="2024-04-12T09:22:07.843" v="392" actId="478"/>
           <ac:picMkLst>
             <pc:docMk/>
             <pc:sldMk cId="1423286353" sldId="280"/>
             <ac:picMk id="7" creationId="{39C95951-B78D-4AB2-810E-50388AE07FFC}"/>
           </ac:picMkLst>
         </pc:picChg>
-        <pc:picChg chg="add mod">
-          <ac:chgData name="Jinlu Liu" userId="78a8ae01-c209-4833-a803-14efb296c1fa" providerId="ADAL" clId="{605EAD0C-2C14-49C9-9B36-055E4CDC6D39}" dt="2024-04-03T13:45:46.872" v="297" actId="14100"/>
+        <pc:picChg chg="add del mod">
+          <ac:chgData name="Jinlu Liu" userId="78a8ae01-c209-4833-a803-14efb296c1fa" providerId="ADAL" clId="{605EAD0C-2C14-49C9-9B36-055E4CDC6D39}" dt="2024-04-12T09:22:07.843" v="392" actId="478"/>
           <ac:picMkLst>
             <pc:docMk/>
             <pc:sldMk cId="1423286353" sldId="280"/>
             <ac:picMk id="9" creationId="{F5AB2A54-574A-4F53-ACFC-98B861F8670E}"/>
           </ac:picMkLst>
         </pc:picChg>
-        <pc:picChg chg="add mod">
-          <ac:chgData name="Jinlu Liu" userId="78a8ae01-c209-4833-a803-14efb296c1fa" providerId="ADAL" clId="{605EAD0C-2C14-49C9-9B36-055E4CDC6D39}" dt="2024-04-03T13:45:57.395" v="300" actId="14100"/>
+        <pc:picChg chg="add del mod">
+          <ac:chgData name="Jinlu Liu" userId="78a8ae01-c209-4833-a803-14efb296c1fa" providerId="ADAL" clId="{605EAD0C-2C14-49C9-9B36-055E4CDC6D39}" dt="2024-04-12T09:22:07.843" v="392" actId="478"/>
           <ac:picMkLst>
             <pc:docMk/>
             <pc:sldMk cId="1423286353" sldId="280"/>
@@ -1189,7 +1300,7 @@
         </pc:picChg>
       </pc:sldChg>
       <pc:sldChg chg="addSp delSp modSp new mod ord">
-        <pc:chgData name="Jinlu Liu" userId="78a8ae01-c209-4833-a803-14efb296c1fa" providerId="ADAL" clId="{605EAD0C-2C14-49C9-9B36-055E4CDC6D39}" dt="2024-04-03T14:01:09.498" v="318" actId="1076"/>
+        <pc:chgData name="Jinlu Liu" userId="78a8ae01-c209-4833-a803-14efb296c1fa" providerId="ADAL" clId="{605EAD0C-2C14-49C9-9B36-055E4CDC6D39}" dt="2024-04-12T09:37:06.504" v="399" actId="1076"/>
         <pc:sldMkLst>
           <pc:docMk/>
           <pc:sldMk cId="3809036169" sldId="281"/>
@@ -1219,11 +1330,296 @@
           </ac:spMkLst>
         </pc:spChg>
         <pc:picChg chg="add mod">
-          <ac:chgData name="Jinlu Liu" userId="78a8ae01-c209-4833-a803-14efb296c1fa" providerId="ADAL" clId="{605EAD0C-2C14-49C9-9B36-055E4CDC6D39}" dt="2024-04-03T14:01:09.498" v="318" actId="1076"/>
+          <ac:chgData name="Jinlu Liu" userId="78a8ae01-c209-4833-a803-14efb296c1fa" providerId="ADAL" clId="{605EAD0C-2C14-49C9-9B36-055E4CDC6D39}" dt="2024-04-12T09:37:06.504" v="399" actId="1076"/>
+          <ac:picMkLst>
+            <pc:docMk/>
+            <pc:sldMk cId="3809036169" sldId="281"/>
+            <ac:picMk id="3" creationId="{3304C93B-6719-4105-B1F2-6EC642B44786}"/>
+          </ac:picMkLst>
+        </pc:picChg>
+        <pc:picChg chg="add del mod">
+          <ac:chgData name="Jinlu Liu" userId="78a8ae01-c209-4833-a803-14efb296c1fa" providerId="ADAL" clId="{605EAD0C-2C14-49C9-9B36-055E4CDC6D39}" dt="2024-04-12T09:36:56.632" v="397" actId="478"/>
           <ac:picMkLst>
             <pc:docMk/>
             <pc:sldMk cId="3809036169" sldId="281"/>
             <ac:picMk id="6" creationId="{066A1229-727C-4E86-9206-0D4020821944}"/>
+          </ac:picMkLst>
+        </pc:picChg>
+      </pc:sldChg>
+      <pc:sldChg chg="addSp delSp modSp mod">
+        <pc:chgData name="Jinlu Liu" userId="78a8ae01-c209-4833-a803-14efb296c1fa" providerId="ADAL" clId="{605EAD0C-2C14-49C9-9B36-055E4CDC6D39}" dt="2024-04-12T09:38:25.924" v="432" actId="1076"/>
+        <pc:sldMkLst>
+          <pc:docMk/>
+          <pc:sldMk cId="1301081757" sldId="282"/>
+        </pc:sldMkLst>
+        <pc:spChg chg="add del mod">
+          <ac:chgData name="Jinlu Liu" userId="78a8ae01-c209-4833-a803-14efb296c1fa" providerId="ADAL" clId="{605EAD0C-2C14-49C9-9B36-055E4CDC6D39}" dt="2024-04-12T09:37:30.251" v="404"/>
+          <ac:spMkLst>
+            <pc:docMk/>
+            <pc:sldMk cId="1301081757" sldId="282"/>
+            <ac:spMk id="3" creationId="{2F16CE3E-15DE-4641-988B-EDFBE25678EC}"/>
+          </ac:spMkLst>
+        </pc:spChg>
+        <pc:picChg chg="del">
+          <ac:chgData name="Jinlu Liu" userId="78a8ae01-c209-4833-a803-14efb296c1fa" providerId="ADAL" clId="{605EAD0C-2C14-49C9-9B36-055E4CDC6D39}" dt="2024-04-12T09:37:23.811" v="403" actId="478"/>
+          <ac:picMkLst>
+            <pc:docMk/>
+            <pc:sldMk cId="1301081757" sldId="282"/>
+            <ac:picMk id="5" creationId="{9D9EEEE6-9639-5605-1313-DB6CF3864597}"/>
+          </ac:picMkLst>
+        </pc:picChg>
+        <pc:picChg chg="add mod">
+          <ac:chgData name="Jinlu Liu" userId="78a8ae01-c209-4833-a803-14efb296c1fa" providerId="ADAL" clId="{605EAD0C-2C14-49C9-9B36-055E4CDC6D39}" dt="2024-04-12T09:37:46.704" v="418" actId="1076"/>
+          <ac:picMkLst>
+            <pc:docMk/>
+            <pc:sldMk cId="1301081757" sldId="282"/>
+            <ac:picMk id="6" creationId="{54A1D9A8-FA01-48FD-82DD-A4A4E61892A6}"/>
+          </ac:picMkLst>
+        </pc:picChg>
+        <pc:picChg chg="del">
+          <ac:chgData name="Jinlu Liu" userId="78a8ae01-c209-4833-a803-14efb296c1fa" providerId="ADAL" clId="{605EAD0C-2C14-49C9-9B36-055E4CDC6D39}" dt="2024-04-12T09:37:23.811" v="403" actId="478"/>
+          <ac:picMkLst>
+            <pc:docMk/>
+            <pc:sldMk cId="1301081757" sldId="282"/>
+            <ac:picMk id="7" creationId="{2E774FCE-A0D8-0342-120A-71706A3EE23A}"/>
+          </ac:picMkLst>
+        </pc:picChg>
+        <pc:picChg chg="del">
+          <ac:chgData name="Jinlu Liu" userId="78a8ae01-c209-4833-a803-14efb296c1fa" providerId="ADAL" clId="{605EAD0C-2C14-49C9-9B36-055E4CDC6D39}" dt="2024-04-12T09:37:23.811" v="403" actId="478"/>
+          <ac:picMkLst>
+            <pc:docMk/>
+            <pc:sldMk cId="1301081757" sldId="282"/>
+            <ac:picMk id="9" creationId="{F42BA9FF-5B6C-B1F0-9884-EE9346BDCFA3}"/>
+          </ac:picMkLst>
+        </pc:picChg>
+        <pc:picChg chg="add mod">
+          <ac:chgData name="Jinlu Liu" userId="78a8ae01-c209-4833-a803-14efb296c1fa" providerId="ADAL" clId="{605EAD0C-2C14-49C9-9B36-055E4CDC6D39}" dt="2024-04-12T09:37:52.783" v="421" actId="14100"/>
+          <ac:picMkLst>
+            <pc:docMk/>
+            <pc:sldMk cId="1301081757" sldId="282"/>
+            <ac:picMk id="10" creationId="{B72F3DC1-0B86-4FD8-B398-74AA980C9C2C}"/>
+          </ac:picMkLst>
+        </pc:picChg>
+        <pc:picChg chg="del">
+          <ac:chgData name="Jinlu Liu" userId="78a8ae01-c209-4833-a803-14efb296c1fa" providerId="ADAL" clId="{605EAD0C-2C14-49C9-9B36-055E4CDC6D39}" dt="2024-04-12T09:37:23.811" v="403" actId="478"/>
+          <ac:picMkLst>
+            <pc:docMk/>
+            <pc:sldMk cId="1301081757" sldId="282"/>
+            <ac:picMk id="11" creationId="{A74A5697-34F6-34D9-6254-F51DDA0F6992}"/>
+          </ac:picMkLst>
+        </pc:picChg>
+        <pc:picChg chg="del">
+          <ac:chgData name="Jinlu Liu" userId="78a8ae01-c209-4833-a803-14efb296c1fa" providerId="ADAL" clId="{605EAD0C-2C14-49C9-9B36-055E4CDC6D39}" dt="2024-04-12T09:37:23.811" v="403" actId="478"/>
+          <ac:picMkLst>
+            <pc:docMk/>
+            <pc:sldMk cId="1301081757" sldId="282"/>
+            <ac:picMk id="13" creationId="{08A8F202-BB8E-66CE-9840-104356F6BC40}"/>
+          </ac:picMkLst>
+        </pc:picChg>
+        <pc:picChg chg="add mod">
+          <ac:chgData name="Jinlu Liu" userId="78a8ae01-c209-4833-a803-14efb296c1fa" providerId="ADAL" clId="{605EAD0C-2C14-49C9-9B36-055E4CDC6D39}" dt="2024-04-12T09:37:56.883" v="423" actId="14100"/>
+          <ac:picMkLst>
+            <pc:docMk/>
+            <pc:sldMk cId="1301081757" sldId="282"/>
+            <ac:picMk id="14" creationId="{91F898EB-9248-49EB-BE93-A2C58D6C356D}"/>
+          </ac:picMkLst>
+        </pc:picChg>
+        <pc:picChg chg="del">
+          <ac:chgData name="Jinlu Liu" userId="78a8ae01-c209-4833-a803-14efb296c1fa" providerId="ADAL" clId="{605EAD0C-2C14-49C9-9B36-055E4CDC6D39}" dt="2024-04-12T09:37:23.811" v="403" actId="478"/>
+          <ac:picMkLst>
+            <pc:docMk/>
+            <pc:sldMk cId="1301081757" sldId="282"/>
+            <ac:picMk id="15" creationId="{BD4B6706-FB02-C2A4-281F-5701D4866AB3}"/>
+          </ac:picMkLst>
+        </pc:picChg>
+        <pc:picChg chg="add mod">
+          <ac:chgData name="Jinlu Liu" userId="78a8ae01-c209-4833-a803-14efb296c1fa" providerId="ADAL" clId="{605EAD0C-2C14-49C9-9B36-055E4CDC6D39}" dt="2024-04-12T09:38:03.693" v="425" actId="14100"/>
+          <ac:picMkLst>
+            <pc:docMk/>
+            <pc:sldMk cId="1301081757" sldId="282"/>
+            <ac:picMk id="17" creationId="{81428D5F-DD3A-4E10-B790-FECFF6F376BA}"/>
+          </ac:picMkLst>
+        </pc:picChg>
+        <pc:picChg chg="add mod">
+          <ac:chgData name="Jinlu Liu" userId="78a8ae01-c209-4833-a803-14efb296c1fa" providerId="ADAL" clId="{605EAD0C-2C14-49C9-9B36-055E4CDC6D39}" dt="2024-04-12T09:38:11.058" v="427" actId="14100"/>
+          <ac:picMkLst>
+            <pc:docMk/>
+            <pc:sldMk cId="1301081757" sldId="282"/>
+            <ac:picMk id="19" creationId="{652C2DAA-3BEA-4891-8FA5-D4E42AF89C8B}"/>
+          </ac:picMkLst>
+        </pc:picChg>
+        <pc:picChg chg="add mod">
+          <ac:chgData name="Jinlu Liu" userId="78a8ae01-c209-4833-a803-14efb296c1fa" providerId="ADAL" clId="{605EAD0C-2C14-49C9-9B36-055E4CDC6D39}" dt="2024-04-12T09:38:25.924" v="432" actId="1076"/>
+          <ac:picMkLst>
+            <pc:docMk/>
+            <pc:sldMk cId="1301081757" sldId="282"/>
+            <ac:picMk id="21" creationId="{9F07F99F-93A7-4089-B770-0948F7AD989F}"/>
+          </ac:picMkLst>
+        </pc:picChg>
+      </pc:sldChg>
+      <pc:sldChg chg="addSp delSp modSp mod">
+        <pc:chgData name="Jinlu Liu" userId="78a8ae01-c209-4833-a803-14efb296c1fa" providerId="ADAL" clId="{605EAD0C-2C14-49C9-9B36-055E4CDC6D39}" dt="2024-04-12T09:37:17.710" v="402" actId="1076"/>
+        <pc:sldMkLst>
+          <pc:docMk/>
+          <pc:sldMk cId="211120387" sldId="283"/>
+        </pc:sldMkLst>
+        <pc:spChg chg="add del mod">
+          <ac:chgData name="Jinlu Liu" userId="78a8ae01-c209-4833-a803-14efb296c1fa" providerId="ADAL" clId="{605EAD0C-2C14-49C9-9B36-055E4CDC6D39}" dt="2024-04-12T09:37:15.578" v="401"/>
+          <ac:spMkLst>
+            <pc:docMk/>
+            <pc:sldMk cId="211120387" sldId="283"/>
+            <ac:spMk id="3" creationId="{EC439B68-6BBE-4F83-A124-5C42BAC83EAD}"/>
+          </ac:spMkLst>
+        </pc:spChg>
+        <pc:picChg chg="add mod">
+          <ac:chgData name="Jinlu Liu" userId="78a8ae01-c209-4833-a803-14efb296c1fa" providerId="ADAL" clId="{605EAD0C-2C14-49C9-9B36-055E4CDC6D39}" dt="2024-04-12T09:37:17.710" v="402" actId="1076"/>
+          <ac:picMkLst>
+            <pc:docMk/>
+            <pc:sldMk cId="211120387" sldId="283"/>
+            <ac:picMk id="5" creationId="{6439DED4-03D9-48B6-9965-177F22110333}"/>
+          </ac:picMkLst>
+        </pc:picChg>
+        <pc:picChg chg="del">
+          <ac:chgData name="Jinlu Liu" userId="78a8ae01-c209-4833-a803-14efb296c1fa" providerId="ADAL" clId="{605EAD0C-2C14-49C9-9B36-055E4CDC6D39}" dt="2024-04-12T09:37:09.191" v="400" actId="478"/>
+          <ac:picMkLst>
+            <pc:docMk/>
+            <pc:sldMk cId="211120387" sldId="283"/>
+            <ac:picMk id="10" creationId="{355934D4-5A55-9111-C9B5-80806FF7B601}"/>
+          </ac:picMkLst>
+        </pc:picChg>
+      </pc:sldChg>
+    </pc:docChg>
+  </pc:docChgLst>
+  <pc:docChgLst>
+    <pc:chgData name="Sara Wade" userId="56d07005-45d4-4f24-afb3-351c20b10138" providerId="ADAL" clId="{F8DBE1C8-B86C-B645-AB5B-B9F0D1F9A30D}"/>
+    <pc:docChg chg="custSel addSld modSld modSection">
+      <pc:chgData name="Sara Wade" userId="56d07005-45d4-4f24-afb3-351c20b10138" providerId="ADAL" clId="{F8DBE1C8-B86C-B645-AB5B-B9F0D1F9A30D}" dt="2024-04-04T15:12:17.951" v="379" actId="20577"/>
+      <pc:docMkLst>
+        <pc:docMk/>
+      </pc:docMkLst>
+      <pc:sldChg chg="addSp delSp modSp new mod">
+        <pc:chgData name="Sara Wade" userId="56d07005-45d4-4f24-afb3-351c20b10138" providerId="ADAL" clId="{F8DBE1C8-B86C-B645-AB5B-B9F0D1F9A30D}" dt="2024-04-04T14:19:19.168" v="24" actId="1076"/>
+        <pc:sldMkLst>
+          <pc:docMk/>
+          <pc:sldMk cId="1301081757" sldId="282"/>
+        </pc:sldMkLst>
+        <pc:spChg chg="del">
+          <ac:chgData name="Sara Wade" userId="56d07005-45d4-4f24-afb3-351c20b10138" providerId="ADAL" clId="{F8DBE1C8-B86C-B645-AB5B-B9F0D1F9A30D}" dt="2024-04-04T14:16:44.794" v="1" actId="21"/>
+          <ac:spMkLst>
+            <pc:docMk/>
+            <pc:sldMk cId="1301081757" sldId="282"/>
+            <ac:spMk id="2" creationId="{FD8F04FC-F7D4-C9CB-3E64-482F91C037DD}"/>
+          </ac:spMkLst>
+        </pc:spChg>
+        <pc:spChg chg="del">
+          <ac:chgData name="Sara Wade" userId="56d07005-45d4-4f24-afb3-351c20b10138" providerId="ADAL" clId="{F8DBE1C8-B86C-B645-AB5B-B9F0D1F9A30D}" dt="2024-04-04T14:17:14.657" v="2"/>
+          <ac:spMkLst>
+            <pc:docMk/>
+            <pc:sldMk cId="1301081757" sldId="282"/>
+            <ac:spMk id="3" creationId="{2F75341A-3E00-E12E-2BF0-6FDC86522AF0}"/>
+          </ac:spMkLst>
+        </pc:spChg>
+        <pc:picChg chg="add mod">
+          <ac:chgData name="Sara Wade" userId="56d07005-45d4-4f24-afb3-351c20b10138" providerId="ADAL" clId="{F8DBE1C8-B86C-B645-AB5B-B9F0D1F9A30D}" dt="2024-04-04T14:17:57.056" v="19" actId="1076"/>
+          <ac:picMkLst>
+            <pc:docMk/>
+            <pc:sldMk cId="1301081757" sldId="282"/>
+            <ac:picMk id="5" creationId="{9D9EEEE6-9639-5605-1313-DB6CF3864597}"/>
+          </ac:picMkLst>
+        </pc:picChg>
+        <pc:picChg chg="add mod">
+          <ac:chgData name="Sara Wade" userId="56d07005-45d4-4f24-afb3-351c20b10138" providerId="ADAL" clId="{F8DBE1C8-B86C-B645-AB5B-B9F0D1F9A30D}" dt="2024-04-04T14:17:58.621" v="20" actId="1076"/>
+          <ac:picMkLst>
+            <pc:docMk/>
+            <pc:sldMk cId="1301081757" sldId="282"/>
+            <ac:picMk id="7" creationId="{2E774FCE-A0D8-0342-120A-71706A3EE23A}"/>
+          </ac:picMkLst>
+        </pc:picChg>
+        <pc:picChg chg="add mod">
+          <ac:chgData name="Sara Wade" userId="56d07005-45d4-4f24-afb3-351c20b10138" providerId="ADAL" clId="{F8DBE1C8-B86C-B645-AB5B-B9F0D1F9A30D}" dt="2024-04-04T14:18:00.139" v="21" actId="1076"/>
+          <ac:picMkLst>
+            <pc:docMk/>
+            <pc:sldMk cId="1301081757" sldId="282"/>
+            <ac:picMk id="9" creationId="{F42BA9FF-5B6C-B1F0-9884-EE9346BDCFA3}"/>
+          </ac:picMkLst>
+        </pc:picChg>
+        <pc:picChg chg="add mod">
+          <ac:chgData name="Sara Wade" userId="56d07005-45d4-4f24-afb3-351c20b10138" providerId="ADAL" clId="{F8DBE1C8-B86C-B645-AB5B-B9F0D1F9A30D}" dt="2024-04-04T14:19:19.168" v="24" actId="1076"/>
+          <ac:picMkLst>
+            <pc:docMk/>
+            <pc:sldMk cId="1301081757" sldId="282"/>
+            <ac:picMk id="11" creationId="{A74A5697-34F6-34D9-6254-F51DDA0F6992}"/>
+          </ac:picMkLst>
+        </pc:picChg>
+        <pc:picChg chg="add mod">
+          <ac:chgData name="Sara Wade" userId="56d07005-45d4-4f24-afb3-351c20b10138" providerId="ADAL" clId="{F8DBE1C8-B86C-B645-AB5B-B9F0D1F9A30D}" dt="2024-04-04T14:19:15.727" v="22" actId="1076"/>
+          <ac:picMkLst>
+            <pc:docMk/>
+            <pc:sldMk cId="1301081757" sldId="282"/>
+            <ac:picMk id="13" creationId="{08A8F202-BB8E-66CE-9840-104356F6BC40}"/>
+          </ac:picMkLst>
+        </pc:picChg>
+        <pc:picChg chg="add mod">
+          <ac:chgData name="Sara Wade" userId="56d07005-45d4-4f24-afb3-351c20b10138" providerId="ADAL" clId="{F8DBE1C8-B86C-B645-AB5B-B9F0D1F9A30D}" dt="2024-04-04T14:19:17.600" v="23" actId="1076"/>
+          <ac:picMkLst>
+            <pc:docMk/>
+            <pc:sldMk cId="1301081757" sldId="282"/>
+            <ac:picMk id="15" creationId="{BD4B6706-FB02-C2A4-281F-5701D4866AB3}"/>
+          </ac:picMkLst>
+        </pc:picChg>
+      </pc:sldChg>
+      <pc:sldChg chg="addSp delSp modSp new mod">
+        <pc:chgData name="Sara Wade" userId="56d07005-45d4-4f24-afb3-351c20b10138" providerId="ADAL" clId="{F8DBE1C8-B86C-B645-AB5B-B9F0D1F9A30D}" dt="2024-04-04T15:12:17.951" v="379" actId="20577"/>
+        <pc:sldMkLst>
+          <pc:docMk/>
+          <pc:sldMk cId="211120387" sldId="283"/>
+        </pc:sldMkLst>
+        <pc:spChg chg="del">
+          <ac:chgData name="Sara Wade" userId="56d07005-45d4-4f24-afb3-351c20b10138" providerId="ADAL" clId="{F8DBE1C8-B86C-B645-AB5B-B9F0D1F9A30D}" dt="2024-04-04T15:04:04.357" v="27" actId="21"/>
+          <ac:spMkLst>
+            <pc:docMk/>
+            <pc:sldMk cId="211120387" sldId="283"/>
+            <ac:spMk id="2" creationId="{D76FD3A4-D8A9-5C2C-5A87-7417C1F40C7B}"/>
+          </ac:spMkLst>
+        </pc:spChg>
+        <pc:spChg chg="del">
+          <ac:chgData name="Sara Wade" userId="56d07005-45d4-4f24-afb3-351c20b10138" providerId="ADAL" clId="{F8DBE1C8-B86C-B645-AB5B-B9F0D1F9A30D}" dt="2024-04-04T15:03:59.476" v="26"/>
+          <ac:spMkLst>
+            <pc:docMk/>
+            <pc:sldMk cId="211120387" sldId="283"/>
+            <ac:spMk id="3" creationId="{C97B848D-6D34-099C-C64C-418D2E14CF19}"/>
+          </ac:spMkLst>
+        </pc:spChg>
+        <pc:spChg chg="add mod">
+          <ac:chgData name="Sara Wade" userId="56d07005-45d4-4f24-afb3-351c20b10138" providerId="ADAL" clId="{F8DBE1C8-B86C-B645-AB5B-B9F0D1F9A30D}" dt="2024-04-04T15:12:17.951" v="379" actId="20577"/>
+          <ac:spMkLst>
+            <pc:docMk/>
+            <pc:sldMk cId="211120387" sldId="283"/>
+            <ac:spMk id="6" creationId="{3E47F0E1-FB1F-6B21-DA02-059A1131FF2C}"/>
+          </ac:spMkLst>
+        </pc:spChg>
+        <pc:spChg chg="add del mod">
+          <ac:chgData name="Sara Wade" userId="56d07005-45d4-4f24-afb3-351c20b10138" providerId="ADAL" clId="{F8DBE1C8-B86C-B645-AB5B-B9F0D1F9A30D}" dt="2024-04-04T15:09:47.716" v="274"/>
+          <ac:spMkLst>
+            <pc:docMk/>
+            <pc:sldMk cId="211120387" sldId="283"/>
+            <ac:spMk id="8" creationId="{E8620DD3-8917-34F0-B466-72FBC90C285A}"/>
+          </ac:spMkLst>
+        </pc:spChg>
+        <pc:picChg chg="add del mod">
+          <ac:chgData name="Sara Wade" userId="56d07005-45d4-4f24-afb3-351c20b10138" providerId="ADAL" clId="{F8DBE1C8-B86C-B645-AB5B-B9F0D1F9A30D}" dt="2024-04-04T15:09:42.822" v="273" actId="21"/>
+          <ac:picMkLst>
+            <pc:docMk/>
+            <pc:sldMk cId="211120387" sldId="283"/>
+            <ac:picMk id="5" creationId="{F9F03499-293C-92AD-E055-DB132F93E641}"/>
+          </ac:picMkLst>
+        </pc:picChg>
+        <pc:picChg chg="add mod">
+          <ac:chgData name="Sara Wade" userId="56d07005-45d4-4f24-afb3-351c20b10138" providerId="ADAL" clId="{F8DBE1C8-B86C-B645-AB5B-B9F0D1F9A30D}" dt="2024-04-04T15:09:50.380" v="275" actId="1076"/>
+          <ac:picMkLst>
+            <pc:docMk/>
+            <pc:sldMk cId="211120387" sldId="283"/>
+            <ac:picMk id="10" creationId="{355934D4-5A55-9111-C9B5-80806FF7B601}"/>
           </ac:picMkLst>
         </pc:picChg>
       </pc:sldChg>
@@ -1381,7 +1777,7 @@
           <a:p>
             <a:fld id="{305B9913-CA8E-4C40-A9DB-FE795F829002}" type="datetimeFigureOut">
               <a:rPr lang="en-GB" smtClean="0"/>
-              <a:t>03/04/2024</a:t>
+              <a:t>12/04/2024</a:t>
             </a:fld>
             <a:endParaRPr lang="en-GB"/>
           </a:p>
@@ -1581,7 +1977,7 @@
           <a:p>
             <a:fld id="{305B9913-CA8E-4C40-A9DB-FE795F829002}" type="datetimeFigureOut">
               <a:rPr lang="en-GB" smtClean="0"/>
-              <a:t>03/04/2024</a:t>
+              <a:t>12/04/2024</a:t>
             </a:fld>
             <a:endParaRPr lang="en-GB"/>
           </a:p>
@@ -1791,7 +2187,7 @@
           <a:p>
             <a:fld id="{305B9913-CA8E-4C40-A9DB-FE795F829002}" type="datetimeFigureOut">
               <a:rPr lang="en-GB" smtClean="0"/>
-              <a:t>03/04/2024</a:t>
+              <a:t>12/04/2024</a:t>
             </a:fld>
             <a:endParaRPr lang="en-GB"/>
           </a:p>
@@ -1991,7 +2387,7 @@
           <a:p>
             <a:fld id="{305B9913-CA8E-4C40-A9DB-FE795F829002}" type="datetimeFigureOut">
               <a:rPr lang="en-GB" smtClean="0"/>
-              <a:t>03/04/2024</a:t>
+              <a:t>12/04/2024</a:t>
             </a:fld>
             <a:endParaRPr lang="en-GB"/>
           </a:p>
@@ -2267,7 +2663,7 @@
           <a:p>
             <a:fld id="{305B9913-CA8E-4C40-A9DB-FE795F829002}" type="datetimeFigureOut">
               <a:rPr lang="en-GB" smtClean="0"/>
-              <a:t>03/04/2024</a:t>
+              <a:t>12/04/2024</a:t>
             </a:fld>
             <a:endParaRPr lang="en-GB"/>
           </a:p>
@@ -2535,7 +2931,7 @@
           <a:p>
             <a:fld id="{305B9913-CA8E-4C40-A9DB-FE795F829002}" type="datetimeFigureOut">
               <a:rPr lang="en-GB" smtClean="0"/>
-              <a:t>03/04/2024</a:t>
+              <a:t>12/04/2024</a:t>
             </a:fld>
             <a:endParaRPr lang="en-GB"/>
           </a:p>
@@ -2950,7 +3346,7 @@
           <a:p>
             <a:fld id="{305B9913-CA8E-4C40-A9DB-FE795F829002}" type="datetimeFigureOut">
               <a:rPr lang="en-GB" smtClean="0"/>
-              <a:t>03/04/2024</a:t>
+              <a:t>12/04/2024</a:t>
             </a:fld>
             <a:endParaRPr lang="en-GB"/>
           </a:p>
@@ -3092,7 +3488,7 @@
           <a:p>
             <a:fld id="{305B9913-CA8E-4C40-A9DB-FE795F829002}" type="datetimeFigureOut">
               <a:rPr lang="en-GB" smtClean="0"/>
-              <a:t>03/04/2024</a:t>
+              <a:t>12/04/2024</a:t>
             </a:fld>
             <a:endParaRPr lang="en-GB"/>
           </a:p>
@@ -3205,7 +3601,7 @@
           <a:p>
             <a:fld id="{305B9913-CA8E-4C40-A9DB-FE795F829002}" type="datetimeFigureOut">
               <a:rPr lang="en-GB" smtClean="0"/>
-              <a:t>03/04/2024</a:t>
+              <a:t>12/04/2024</a:t>
             </a:fld>
             <a:endParaRPr lang="en-GB"/>
           </a:p>
@@ -3518,7 +3914,7 @@
           <a:p>
             <a:fld id="{305B9913-CA8E-4C40-A9DB-FE795F829002}" type="datetimeFigureOut">
               <a:rPr lang="en-GB" smtClean="0"/>
-              <a:t>03/04/2024</a:t>
+              <a:t>12/04/2024</a:t>
             </a:fld>
             <a:endParaRPr lang="en-GB"/>
           </a:p>
@@ -3807,7 +4203,7 @@
           <a:p>
             <a:fld id="{305B9913-CA8E-4C40-A9DB-FE795F829002}" type="datetimeFigureOut">
               <a:rPr lang="en-GB" smtClean="0"/>
-              <a:t>03/04/2024</a:t>
+              <a:t>12/04/2024</a:t>
             </a:fld>
             <a:endParaRPr lang="en-GB"/>
           </a:p>
@@ -4050,7 +4446,7 @@
           <a:p>
             <a:fld id="{305B9913-CA8E-4C40-A9DB-FE795F829002}" type="datetimeFigureOut">
               <a:rPr lang="en-GB" smtClean="0"/>
-              <a:t>03/04/2024</a:t>
+              <a:t>12/04/2024</a:t>
             </a:fld>
             <a:endParaRPr lang="en-GB"/>
           </a:p>
@@ -4813,503 +5209,6 @@
       </p:grpSpPr>
       <p:sp>
         <p:nvSpPr>
-          <p:cNvPr id="4" name="TextBox 3">
-            <a:extLst>
-              <a:ext uri="{FF2B5EF4-FFF2-40B4-BE49-F238E27FC236}">
-                <a16:creationId xmlns:a16="http://schemas.microsoft.com/office/drawing/2014/main" id="{5E93AB38-572B-4D75-978D-705B488F27ED}"/>
-              </a:ext>
-            </a:extLst>
-          </p:cNvPr>
-          <p:cNvSpPr txBox="1"/>
-          <p:nvPr/>
-        </p:nvSpPr>
-        <p:spPr>
-          <a:xfrm>
-            <a:off x="983609" y="687789"/>
-            <a:ext cx="6094602" cy="323165"/>
-          </a:xfrm>
-          <a:prstGeom prst="rect">
-            <a:avLst/>
-          </a:prstGeom>
-          <a:noFill/>
-        </p:spPr>
-        <p:txBody>
-          <a:bodyPr wrap="square">
-            <a:spAutoFit/>
-          </a:bodyPr>
-          <a:lstStyle/>
-          <a:p>
-            <a:r>
-              <a:rPr lang="en-GB" sz="1500" dirty="0"/>
-              <a:t>Comparison of allocation proportions across any two mice:</a:t>
-            </a:r>
-          </a:p>
-        </p:txBody>
-      </p:sp>
-      <p:pic>
-        <p:nvPicPr>
-          <p:cNvPr id="6" name="Picture 5">
-            <a:extLst>
-              <a:ext uri="{FF2B5EF4-FFF2-40B4-BE49-F238E27FC236}">
-                <a16:creationId xmlns:a16="http://schemas.microsoft.com/office/drawing/2014/main" id="{D20FF60B-29A6-46C6-A322-4A8A0D4AAE4B}"/>
-              </a:ext>
-            </a:extLst>
-          </p:cNvPr>
-          <p:cNvPicPr>
-            <a:picLocks noChangeAspect="1"/>
-          </p:cNvPicPr>
-          <p:nvPr/>
-        </p:nvPicPr>
-        <p:blipFill>
-          <a:blip r:embed="rId2">
-            <a:extLst>
-              <a:ext uri="{28A0092B-C50C-407E-A947-70E740481C1C}">
-                <a14:useLocalDpi xmlns:a14="http://schemas.microsoft.com/office/drawing/2010/main" val="0"/>
-              </a:ext>
-            </a:extLst>
-          </a:blip>
-          <a:stretch>
-            <a:fillRect/>
-          </a:stretch>
-        </p:blipFill>
-        <p:spPr>
-          <a:xfrm>
-            <a:off x="0" y="1600200"/>
-            <a:ext cx="12192000" cy="3657600"/>
-          </a:xfrm>
-          <a:prstGeom prst="rect">
-            <a:avLst/>
-          </a:prstGeom>
-        </p:spPr>
-      </p:pic>
-    </p:spTree>
-    <p:extLst>
-      <p:ext uri="{BB962C8B-B14F-4D97-AF65-F5344CB8AC3E}">
-        <p14:creationId xmlns:p14="http://schemas.microsoft.com/office/powerpoint/2010/main" val="2720887239"/>
-      </p:ext>
-    </p:extLst>
-  </p:cSld>
-  <p:clrMapOvr>
-    <a:masterClrMapping/>
-  </p:clrMapOvr>
-</p:sld>
-</file>
-
-<file path=ppt/slides/slide11.xml><?xml version="1.0" encoding="utf-8"?>
-<p:sld xmlns:a="http://schemas.openxmlformats.org/drawingml/2006/main" xmlns:r="http://schemas.openxmlformats.org/officeDocument/2006/relationships" xmlns:p="http://schemas.openxmlformats.org/presentationml/2006/main">
-  <p:cSld>
-    <p:spTree>
-      <p:nvGrpSpPr>
-        <p:cNvPr id="1" name=""/>
-        <p:cNvGrpSpPr/>
-        <p:nvPr/>
-      </p:nvGrpSpPr>
-      <p:grpSpPr>
-        <a:xfrm>
-          <a:off x="0" y="0"/>
-          <a:ext cx="0" cy="0"/>
-          <a:chOff x="0" y="0"/>
-          <a:chExt cx="0" cy="0"/>
-        </a:xfrm>
-      </p:grpSpPr>
-      <p:pic>
-        <p:nvPicPr>
-          <p:cNvPr id="7" name="Picture 6">
-            <a:extLst>
-              <a:ext uri="{FF2B5EF4-FFF2-40B4-BE49-F238E27FC236}">
-                <a16:creationId xmlns:a16="http://schemas.microsoft.com/office/drawing/2014/main" id="{3269EF1A-A8E3-4E32-9293-46180D14C2A5}"/>
-              </a:ext>
-            </a:extLst>
-          </p:cNvPr>
-          <p:cNvPicPr>
-            <a:picLocks noChangeAspect="1"/>
-          </p:cNvPicPr>
-          <p:nvPr/>
-        </p:nvPicPr>
-        <p:blipFill>
-          <a:blip r:embed="rId2">
-            <a:extLst>
-              <a:ext uri="{28A0092B-C50C-407E-A947-70E740481C1C}">
-                <a14:useLocalDpi xmlns:a14="http://schemas.microsoft.com/office/drawing/2010/main" val="0"/>
-              </a:ext>
-            </a:extLst>
-          </a:blip>
-          <a:stretch>
-            <a:fillRect/>
-          </a:stretch>
-        </p:blipFill>
-        <p:spPr>
-          <a:xfrm>
-            <a:off x="1006680" y="898763"/>
-            <a:ext cx="9488387" cy="5060473"/>
-          </a:xfrm>
-          <a:prstGeom prst="rect">
-            <a:avLst/>
-          </a:prstGeom>
-        </p:spPr>
-      </p:pic>
-    </p:spTree>
-    <p:extLst>
-      <p:ext uri="{BB962C8B-B14F-4D97-AF65-F5344CB8AC3E}">
-        <p14:creationId xmlns:p14="http://schemas.microsoft.com/office/powerpoint/2010/main" val="905340556"/>
-      </p:ext>
-    </p:extLst>
-  </p:cSld>
-  <p:clrMapOvr>
-    <a:masterClrMapping/>
-  </p:clrMapOvr>
-</p:sld>
-</file>
-
-<file path=ppt/slides/slide12.xml><?xml version="1.0" encoding="utf-8"?>
-<p:sld xmlns:a="http://schemas.openxmlformats.org/drawingml/2006/main" xmlns:r="http://schemas.openxmlformats.org/officeDocument/2006/relationships" xmlns:p="http://schemas.openxmlformats.org/presentationml/2006/main">
-  <p:cSld>
-    <p:spTree>
-      <p:nvGrpSpPr>
-        <p:cNvPr id="1" name=""/>
-        <p:cNvGrpSpPr/>
-        <p:nvPr/>
-      </p:nvGrpSpPr>
-      <p:grpSpPr>
-        <a:xfrm>
-          <a:off x="0" y="0"/>
-          <a:ext cx="0" cy="0"/>
-          <a:chOff x="0" y="0"/>
-          <a:chExt cx="0" cy="0"/>
-        </a:xfrm>
-      </p:grpSpPr>
-      <p:pic>
-        <p:nvPicPr>
-          <p:cNvPr id="4" name="Picture 3">
-            <a:extLst>
-              <a:ext uri="{FF2B5EF4-FFF2-40B4-BE49-F238E27FC236}">
-                <a16:creationId xmlns:a16="http://schemas.microsoft.com/office/drawing/2014/main" id="{68AD797B-201A-41D2-838A-84DDB9DA84D9}"/>
-              </a:ext>
-            </a:extLst>
-          </p:cNvPr>
-          <p:cNvPicPr>
-            <a:picLocks noChangeAspect="1"/>
-          </p:cNvPicPr>
-          <p:nvPr/>
-        </p:nvPicPr>
-        <p:blipFill>
-          <a:blip r:embed="rId2">
-            <a:extLst>
-              <a:ext uri="{28A0092B-C50C-407E-A947-70E740481C1C}">
-                <a14:useLocalDpi xmlns:a14="http://schemas.microsoft.com/office/drawing/2010/main" val="0"/>
-              </a:ext>
-            </a:extLst>
-          </a:blip>
-          <a:stretch>
-            <a:fillRect/>
-          </a:stretch>
-        </p:blipFill>
-        <p:spPr>
-          <a:xfrm>
-            <a:off x="1206967" y="886058"/>
-            <a:ext cx="8845852" cy="4717788"/>
-          </a:xfrm>
-          <a:prstGeom prst="rect">
-            <a:avLst/>
-          </a:prstGeom>
-        </p:spPr>
-      </p:pic>
-    </p:spTree>
-    <p:extLst>
-      <p:ext uri="{BB962C8B-B14F-4D97-AF65-F5344CB8AC3E}">
-        <p14:creationId xmlns:p14="http://schemas.microsoft.com/office/powerpoint/2010/main" val="50681955"/>
-      </p:ext>
-    </p:extLst>
-  </p:cSld>
-  <p:clrMapOvr>
-    <a:masterClrMapping/>
-  </p:clrMapOvr>
-</p:sld>
-</file>
-
-<file path=ppt/slides/slide13.xml><?xml version="1.0" encoding="utf-8"?>
-<p:sld xmlns:a="http://schemas.openxmlformats.org/drawingml/2006/main" xmlns:r="http://schemas.openxmlformats.org/officeDocument/2006/relationships" xmlns:p="http://schemas.openxmlformats.org/presentationml/2006/main">
-  <p:cSld>
-    <p:spTree>
-      <p:nvGrpSpPr>
-        <p:cNvPr id="1" name=""/>
-        <p:cNvGrpSpPr/>
-        <p:nvPr/>
-      </p:nvGrpSpPr>
-      <p:grpSpPr>
-        <a:xfrm>
-          <a:off x="0" y="0"/>
-          <a:ext cx="0" cy="0"/>
-          <a:chOff x="0" y="0"/>
-          <a:chExt cx="0" cy="0"/>
-        </a:xfrm>
-      </p:grpSpPr>
-      <p:pic>
-        <p:nvPicPr>
-          <p:cNvPr id="6" name="Picture 5">
-            <a:extLst>
-              <a:ext uri="{FF2B5EF4-FFF2-40B4-BE49-F238E27FC236}">
-                <a16:creationId xmlns:a16="http://schemas.microsoft.com/office/drawing/2014/main" id="{2A2602A6-45E1-488B-A808-75A33747E566}"/>
-              </a:ext>
-            </a:extLst>
-          </p:cNvPr>
-          <p:cNvPicPr>
-            <a:picLocks noChangeAspect="1"/>
-          </p:cNvPicPr>
-          <p:nvPr/>
-        </p:nvPicPr>
-        <p:blipFill>
-          <a:blip r:embed="rId2">
-            <a:extLst>
-              <a:ext uri="{28A0092B-C50C-407E-A947-70E740481C1C}">
-                <a14:useLocalDpi xmlns:a14="http://schemas.microsoft.com/office/drawing/2010/main" val="0"/>
-              </a:ext>
-            </a:extLst>
-          </a:blip>
-          <a:stretch>
-            <a:fillRect/>
-          </a:stretch>
-        </p:blipFill>
-        <p:spPr>
-          <a:xfrm>
-            <a:off x="469783" y="692907"/>
-            <a:ext cx="10260347" cy="5472185"/>
-          </a:xfrm>
-          <a:prstGeom prst="rect">
-            <a:avLst/>
-          </a:prstGeom>
-        </p:spPr>
-      </p:pic>
-    </p:spTree>
-    <p:extLst>
-      <p:ext uri="{BB962C8B-B14F-4D97-AF65-F5344CB8AC3E}">
-        <p14:creationId xmlns:p14="http://schemas.microsoft.com/office/powerpoint/2010/main" val="1546910887"/>
-      </p:ext>
-    </p:extLst>
-  </p:cSld>
-  <p:clrMapOvr>
-    <a:masterClrMapping/>
-  </p:clrMapOvr>
-</p:sld>
-</file>
-
-<file path=ppt/slides/slide14.xml><?xml version="1.0" encoding="utf-8"?>
-<p:sld xmlns:a="http://schemas.openxmlformats.org/drawingml/2006/main" xmlns:r="http://schemas.openxmlformats.org/officeDocument/2006/relationships" xmlns:p="http://schemas.openxmlformats.org/presentationml/2006/main">
-  <p:cSld>
-    <p:spTree>
-      <p:nvGrpSpPr>
-        <p:cNvPr id="1" name=""/>
-        <p:cNvGrpSpPr/>
-        <p:nvPr/>
-      </p:nvGrpSpPr>
-      <p:grpSpPr>
-        <a:xfrm>
-          <a:off x="0" y="0"/>
-          <a:ext cx="0" cy="0"/>
-          <a:chOff x="0" y="0"/>
-          <a:chExt cx="0" cy="0"/>
-        </a:xfrm>
-      </p:grpSpPr>
-      <p:pic>
-        <p:nvPicPr>
-          <p:cNvPr id="5" name="Picture 4">
-            <a:extLst>
-              <a:ext uri="{FF2B5EF4-FFF2-40B4-BE49-F238E27FC236}">
-                <a16:creationId xmlns:a16="http://schemas.microsoft.com/office/drawing/2014/main" id="{ADB17911-7846-4071-BB2C-10DF74FC8EC7}"/>
-              </a:ext>
-            </a:extLst>
-          </p:cNvPr>
-          <p:cNvPicPr>
-            <a:picLocks noChangeAspect="1"/>
-          </p:cNvPicPr>
-          <p:nvPr/>
-        </p:nvPicPr>
-        <p:blipFill>
-          <a:blip r:embed="rId2">
-            <a:extLst>
-              <a:ext uri="{28A0092B-C50C-407E-A947-70E740481C1C}">
-                <a14:useLocalDpi xmlns:a14="http://schemas.microsoft.com/office/drawing/2010/main" val="0"/>
-              </a:ext>
-            </a:extLst>
-          </a:blip>
-          <a:stretch>
-            <a:fillRect/>
-          </a:stretch>
-        </p:blipFill>
-        <p:spPr>
-          <a:xfrm>
-            <a:off x="1132514" y="899253"/>
-            <a:ext cx="8590327" cy="4581507"/>
-          </a:xfrm>
-          <a:prstGeom prst="rect">
-            <a:avLst/>
-          </a:prstGeom>
-        </p:spPr>
-      </p:pic>
-    </p:spTree>
-    <p:extLst>
-      <p:ext uri="{BB962C8B-B14F-4D97-AF65-F5344CB8AC3E}">
-        <p14:creationId xmlns:p14="http://schemas.microsoft.com/office/powerpoint/2010/main" val="3080251035"/>
-      </p:ext>
-    </p:extLst>
-  </p:cSld>
-  <p:clrMapOvr>
-    <a:masterClrMapping/>
-  </p:clrMapOvr>
-</p:sld>
-</file>
-
-<file path=ppt/slides/slide15.xml><?xml version="1.0" encoding="utf-8"?>
-<p:sld xmlns:a="http://schemas.openxmlformats.org/drawingml/2006/main" xmlns:r="http://schemas.openxmlformats.org/officeDocument/2006/relationships" xmlns:p="http://schemas.openxmlformats.org/presentationml/2006/main">
-  <p:cSld>
-    <p:spTree>
-      <p:nvGrpSpPr>
-        <p:cNvPr id="1" name=""/>
-        <p:cNvGrpSpPr/>
-        <p:nvPr/>
-      </p:nvGrpSpPr>
-      <p:grpSpPr>
-        <a:xfrm>
-          <a:off x="0" y="0"/>
-          <a:ext cx="0" cy="0"/>
-          <a:chOff x="0" y="0"/>
-          <a:chExt cx="0" cy="0"/>
-        </a:xfrm>
-      </p:grpSpPr>
-      <p:pic>
-        <p:nvPicPr>
-          <p:cNvPr id="5" name="Picture 4">
-            <a:extLst>
-              <a:ext uri="{FF2B5EF4-FFF2-40B4-BE49-F238E27FC236}">
-                <a16:creationId xmlns:a16="http://schemas.microsoft.com/office/drawing/2014/main" id="{E790D5F6-14CD-4A4E-9337-C0D723E26EE4}"/>
-              </a:ext>
-            </a:extLst>
-          </p:cNvPr>
-          <p:cNvPicPr>
-            <a:picLocks noChangeAspect="1"/>
-          </p:cNvPicPr>
-          <p:nvPr/>
-        </p:nvPicPr>
-        <p:blipFill>
-          <a:blip r:embed="rId2">
-            <a:extLst>
-              <a:ext uri="{28A0092B-C50C-407E-A947-70E740481C1C}">
-                <a14:useLocalDpi xmlns:a14="http://schemas.microsoft.com/office/drawing/2010/main" val="0"/>
-              </a:ext>
-            </a:extLst>
-          </a:blip>
-          <a:stretch>
-            <a:fillRect/>
-          </a:stretch>
-        </p:blipFill>
-        <p:spPr>
-          <a:xfrm>
-            <a:off x="1375795" y="882475"/>
-            <a:ext cx="8296712" cy="4424913"/>
-          </a:xfrm>
-          <a:prstGeom prst="rect">
-            <a:avLst/>
-          </a:prstGeom>
-        </p:spPr>
-      </p:pic>
-    </p:spTree>
-    <p:extLst>
-      <p:ext uri="{BB962C8B-B14F-4D97-AF65-F5344CB8AC3E}">
-        <p14:creationId xmlns:p14="http://schemas.microsoft.com/office/powerpoint/2010/main" val="3306511744"/>
-      </p:ext>
-    </p:extLst>
-  </p:cSld>
-  <p:clrMapOvr>
-    <a:masterClrMapping/>
-  </p:clrMapOvr>
-</p:sld>
-</file>
-
-<file path=ppt/slides/slide16.xml><?xml version="1.0" encoding="utf-8"?>
-<p:sld xmlns:a="http://schemas.openxmlformats.org/drawingml/2006/main" xmlns:r="http://schemas.openxmlformats.org/officeDocument/2006/relationships" xmlns:p="http://schemas.openxmlformats.org/presentationml/2006/main">
-  <p:cSld>
-    <p:spTree>
-      <p:nvGrpSpPr>
-        <p:cNvPr id="1" name=""/>
-        <p:cNvGrpSpPr/>
-        <p:nvPr/>
-      </p:nvGrpSpPr>
-      <p:grpSpPr>
-        <a:xfrm>
-          <a:off x="0" y="0"/>
-          <a:ext cx="0" cy="0"/>
-          <a:chOff x="0" y="0"/>
-          <a:chExt cx="0" cy="0"/>
-        </a:xfrm>
-      </p:grpSpPr>
-      <p:pic>
-        <p:nvPicPr>
-          <p:cNvPr id="5" name="Picture 4">
-            <a:extLst>
-              <a:ext uri="{FF2B5EF4-FFF2-40B4-BE49-F238E27FC236}">
-                <a16:creationId xmlns:a16="http://schemas.microsoft.com/office/drawing/2014/main" id="{5F308E4F-FA82-4BF2-A3CF-D25B76A68D76}"/>
-              </a:ext>
-            </a:extLst>
-          </p:cNvPr>
-          <p:cNvPicPr>
-            <a:picLocks noChangeAspect="1"/>
-          </p:cNvPicPr>
-          <p:nvPr/>
-        </p:nvPicPr>
-        <p:blipFill>
-          <a:blip r:embed="rId2">
-            <a:extLst>
-              <a:ext uri="{28A0092B-C50C-407E-A947-70E740481C1C}">
-                <a14:useLocalDpi xmlns:a14="http://schemas.microsoft.com/office/drawing/2010/main" val="0"/>
-              </a:ext>
-            </a:extLst>
-          </a:blip>
-          <a:stretch>
-            <a:fillRect/>
-          </a:stretch>
-        </p:blipFill>
-        <p:spPr>
-          <a:xfrm>
-            <a:off x="1157680" y="916030"/>
-            <a:ext cx="8569442" cy="4570369"/>
-          </a:xfrm>
-          <a:prstGeom prst="rect">
-            <a:avLst/>
-          </a:prstGeom>
-        </p:spPr>
-      </p:pic>
-    </p:spTree>
-    <p:extLst>
-      <p:ext uri="{BB962C8B-B14F-4D97-AF65-F5344CB8AC3E}">
-        <p14:creationId xmlns:p14="http://schemas.microsoft.com/office/powerpoint/2010/main" val="3056516239"/>
-      </p:ext>
-    </p:extLst>
-  </p:cSld>
-  <p:clrMapOvr>
-    <a:masterClrMapping/>
-  </p:clrMapOvr>
-</p:sld>
-</file>
-
-<file path=ppt/slides/slide17.xml><?xml version="1.0" encoding="utf-8"?>
-<p:sld xmlns:a="http://schemas.openxmlformats.org/drawingml/2006/main" xmlns:r="http://schemas.openxmlformats.org/officeDocument/2006/relationships" xmlns:p="http://schemas.openxmlformats.org/presentationml/2006/main">
-  <p:cSld>
-    <p:spTree>
-      <p:nvGrpSpPr>
-        <p:cNvPr id="1" name=""/>
-        <p:cNvGrpSpPr/>
-        <p:nvPr/>
-      </p:nvGrpSpPr>
-      <p:grpSpPr>
-        <a:xfrm>
-          <a:off x="0" y="0"/>
-          <a:ext cx="0" cy="0"/>
-          <a:chOff x="0" y="0"/>
-          <a:chExt cx="0" cy="0"/>
-        </a:xfrm>
-      </p:grpSpPr>
-      <p:sp>
-        <p:nvSpPr>
           <p:cNvPr id="4" name="Title 1">
             <a:extLst>
               <a:ext uri="{FF2B5EF4-FFF2-40B4-BE49-F238E27FC236}">
@@ -5345,10 +5244,10 @@
       </p:sp>
       <p:pic>
         <p:nvPicPr>
-          <p:cNvPr id="7" name="Picture 6">
-            <a:extLst>
-              <a:ext uri="{FF2B5EF4-FFF2-40B4-BE49-F238E27FC236}">
-                <a16:creationId xmlns:a16="http://schemas.microsoft.com/office/drawing/2014/main" id="{0B4755F6-638F-4B0B-AD23-E274F69555E6}"/>
+          <p:cNvPr id="6" name="Picture 5">
+            <a:extLst>
+              <a:ext uri="{FF2B5EF4-FFF2-40B4-BE49-F238E27FC236}">
+                <a16:creationId xmlns:a16="http://schemas.microsoft.com/office/drawing/2014/main" id="{A9DDEA2D-06FB-44B0-9DC2-A3611C8F8184}"/>
               </a:ext>
             </a:extLst>
           </p:cNvPr>
@@ -5392,7 +5291,613 @@
 </p:sld>
 </file>
 
-<file path=ppt/slides/slide18.xml><?xml version="1.0" encoding="utf-8"?>
+<file path=ppt/slides/slide11.xml><?xml version="1.0" encoding="utf-8"?>
+<p:sld xmlns:a="http://schemas.openxmlformats.org/drawingml/2006/main" xmlns:r="http://schemas.openxmlformats.org/officeDocument/2006/relationships" xmlns:p="http://schemas.openxmlformats.org/presentationml/2006/main">
+  <p:cSld>
+    <p:spTree>
+      <p:nvGrpSpPr>
+        <p:cNvPr id="1" name=""/>
+        <p:cNvGrpSpPr/>
+        <p:nvPr/>
+      </p:nvGrpSpPr>
+      <p:grpSpPr>
+        <a:xfrm>
+          <a:off x="0" y="0"/>
+          <a:ext cx="0" cy="0"/>
+          <a:chOff x="0" y="0"/>
+          <a:chExt cx="0" cy="0"/>
+        </a:xfrm>
+      </p:grpSpPr>
+      <p:sp>
+        <p:nvSpPr>
+          <p:cNvPr id="6" name="Title 1">
+            <a:extLst>
+              <a:ext uri="{FF2B5EF4-FFF2-40B4-BE49-F238E27FC236}">
+                <a16:creationId xmlns:a16="http://schemas.microsoft.com/office/drawing/2014/main" id="{A6DBA07B-0ED9-40FA-8610-06B55AE0139A}"/>
+              </a:ext>
+            </a:extLst>
+          </p:cNvPr>
+          <p:cNvSpPr>
+            <a:spLocks noGrp="1"/>
+          </p:cNvSpPr>
+          <p:nvPr>
+            <p:ph type="title"/>
+          </p:nvPr>
+        </p:nvSpPr>
+        <p:spPr>
+          <a:xfrm>
+            <a:off x="838200" y="365125"/>
+            <a:ext cx="10515600" cy="616387"/>
+          </a:xfrm>
+        </p:spPr>
+        <p:txBody>
+          <a:bodyPr>
+            <a:normAutofit/>
+          </a:bodyPr>
+          <a:lstStyle/>
+          <a:p>
+            <a:r>
+              <a:rPr lang="en-GB" sz="1500" dirty="0"/>
+              <a:t>Posterior predictive check with three replicated datasets: (number of zeros of each region). This is used to assess the fit of the model to the data.</a:t>
+            </a:r>
+          </a:p>
+        </p:txBody>
+      </p:sp>
+      <p:pic>
+        <p:nvPicPr>
+          <p:cNvPr id="3" name="Picture 2">
+            <a:extLst>
+              <a:ext uri="{FF2B5EF4-FFF2-40B4-BE49-F238E27FC236}">
+                <a16:creationId xmlns:a16="http://schemas.microsoft.com/office/drawing/2014/main" id="{1ECA8A7E-6FEA-4C62-8679-8ED678163191}"/>
+              </a:ext>
+            </a:extLst>
+          </p:cNvPr>
+          <p:cNvPicPr>
+            <a:picLocks noChangeAspect="1"/>
+          </p:cNvPicPr>
+          <p:nvPr/>
+        </p:nvPicPr>
+        <p:blipFill>
+          <a:blip r:embed="rId2">
+            <a:extLst>
+              <a:ext uri="{28A0092B-C50C-407E-A947-70E740481C1C}">
+                <a14:useLocalDpi xmlns:a14="http://schemas.microsoft.com/office/drawing/2010/main" val="0"/>
+              </a:ext>
+            </a:extLst>
+          </a:blip>
+          <a:stretch>
+            <a:fillRect/>
+          </a:stretch>
+        </p:blipFill>
+        <p:spPr>
+          <a:xfrm>
+            <a:off x="838200" y="1134931"/>
+            <a:ext cx="7865378" cy="4588137"/>
+          </a:xfrm>
+          <a:prstGeom prst="rect">
+            <a:avLst/>
+          </a:prstGeom>
+        </p:spPr>
+      </p:pic>
+    </p:spTree>
+    <p:extLst>
+      <p:ext uri="{BB962C8B-B14F-4D97-AF65-F5344CB8AC3E}">
+        <p14:creationId xmlns:p14="http://schemas.microsoft.com/office/powerpoint/2010/main" val="4247530302"/>
+      </p:ext>
+    </p:extLst>
+  </p:cSld>
+  <p:clrMapOvr>
+    <a:masterClrMapping/>
+  </p:clrMapOvr>
+</p:sld>
+</file>
+
+<file path=ppt/slides/slide12.xml><?xml version="1.0" encoding="utf-8"?>
+<p:sld xmlns:a="http://schemas.openxmlformats.org/drawingml/2006/main" xmlns:r="http://schemas.openxmlformats.org/officeDocument/2006/relationships" xmlns:p="http://schemas.openxmlformats.org/presentationml/2006/main">
+  <p:cSld>
+    <p:spTree>
+      <p:nvGrpSpPr>
+        <p:cNvPr id="1" name=""/>
+        <p:cNvGrpSpPr/>
+        <p:nvPr/>
+      </p:nvGrpSpPr>
+      <p:grpSpPr>
+        <a:xfrm>
+          <a:off x="0" y="0"/>
+          <a:ext cx="0" cy="0"/>
+          <a:chOff x="0" y="0"/>
+          <a:chExt cx="0" cy="0"/>
+        </a:xfrm>
+      </p:grpSpPr>
+      <p:sp>
+        <p:nvSpPr>
+          <p:cNvPr id="4" name="Title 1">
+            <a:extLst>
+              <a:ext uri="{FF2B5EF4-FFF2-40B4-BE49-F238E27FC236}">
+                <a16:creationId xmlns:a16="http://schemas.microsoft.com/office/drawing/2014/main" id="{68FEA7F7-A326-43A0-A564-76F2CB63C93D}"/>
+              </a:ext>
+            </a:extLst>
+          </p:cNvPr>
+          <p:cNvSpPr>
+            <a:spLocks noGrp="1"/>
+          </p:cNvSpPr>
+          <p:nvPr>
+            <p:ph type="title"/>
+          </p:nvPr>
+        </p:nvSpPr>
+        <p:spPr>
+          <a:xfrm>
+            <a:off x="838200" y="365125"/>
+            <a:ext cx="10515600" cy="817723"/>
+          </a:xfrm>
+        </p:spPr>
+        <p:txBody>
+          <a:bodyPr>
+            <a:normAutofit/>
+          </a:bodyPr>
+          <a:lstStyle/>
+          <a:p>
+            <a:r>
+              <a:rPr lang="en-GB" sz="1500" dirty="0"/>
+              <a:t>Distribution of non-zero projection strengths for the observed and replicated data.</a:t>
+            </a:r>
+          </a:p>
+        </p:txBody>
+      </p:sp>
+      <p:pic>
+        <p:nvPicPr>
+          <p:cNvPr id="3" name="Picture 2">
+            <a:extLst>
+              <a:ext uri="{FF2B5EF4-FFF2-40B4-BE49-F238E27FC236}">
+                <a16:creationId xmlns:a16="http://schemas.microsoft.com/office/drawing/2014/main" id="{B3C3B49C-B566-49FE-8638-E2B79EFCE204}"/>
+              </a:ext>
+            </a:extLst>
+          </p:cNvPr>
+          <p:cNvPicPr>
+            <a:picLocks noChangeAspect="1"/>
+          </p:cNvPicPr>
+          <p:nvPr/>
+        </p:nvPicPr>
+        <p:blipFill>
+          <a:blip r:embed="rId2">
+            <a:extLst>
+              <a:ext uri="{28A0092B-C50C-407E-A947-70E740481C1C}">
+                <a14:useLocalDpi xmlns:a14="http://schemas.microsoft.com/office/drawing/2010/main" val="0"/>
+              </a:ext>
+            </a:extLst>
+          </a:blip>
+          <a:stretch>
+            <a:fillRect/>
+          </a:stretch>
+        </p:blipFill>
+        <p:spPr>
+          <a:xfrm>
+            <a:off x="838200" y="1370377"/>
+            <a:ext cx="7631285" cy="4451583"/>
+          </a:xfrm>
+          <a:prstGeom prst="rect">
+            <a:avLst/>
+          </a:prstGeom>
+        </p:spPr>
+      </p:pic>
+    </p:spTree>
+    <p:extLst>
+      <p:ext uri="{BB962C8B-B14F-4D97-AF65-F5344CB8AC3E}">
+        <p14:creationId xmlns:p14="http://schemas.microsoft.com/office/powerpoint/2010/main" val="2518443356"/>
+      </p:ext>
+    </p:extLst>
+  </p:cSld>
+  <p:clrMapOvr>
+    <a:masterClrMapping/>
+  </p:clrMapOvr>
+</p:sld>
+</file>
+
+<file path=ppt/slides/slide13.xml><?xml version="1.0" encoding="utf-8"?>
+<p:sld xmlns:a="http://schemas.openxmlformats.org/drawingml/2006/main" xmlns:r="http://schemas.openxmlformats.org/officeDocument/2006/relationships" xmlns:p="http://schemas.openxmlformats.org/presentationml/2006/main">
+  <p:cSld>
+    <p:spTree>
+      <p:nvGrpSpPr>
+        <p:cNvPr id="1" name=""/>
+        <p:cNvGrpSpPr/>
+        <p:nvPr/>
+      </p:nvGrpSpPr>
+      <p:grpSpPr>
+        <a:xfrm>
+          <a:off x="0" y="0"/>
+          <a:ext cx="0" cy="0"/>
+          <a:chOff x="0" y="0"/>
+          <a:chExt cx="0" cy="0"/>
+        </a:xfrm>
+      </p:grpSpPr>
+      <p:sp>
+        <p:nvSpPr>
+          <p:cNvPr id="4" name="Title 1">
+            <a:extLst>
+              <a:ext uri="{FF2B5EF4-FFF2-40B4-BE49-F238E27FC236}">
+                <a16:creationId xmlns:a16="http://schemas.microsoft.com/office/drawing/2014/main" id="{816FE418-7905-411D-9484-15B51F543B4B}"/>
+              </a:ext>
+            </a:extLst>
+          </p:cNvPr>
+          <p:cNvSpPr>
+            <a:spLocks noGrp="1"/>
+          </p:cNvSpPr>
+          <p:nvPr>
+            <p:ph type="title"/>
+          </p:nvPr>
+        </p:nvSpPr>
+        <p:spPr>
+          <a:xfrm>
+            <a:off x="838200" y="365126"/>
+            <a:ext cx="10515600" cy="943558"/>
+          </a:xfrm>
+        </p:spPr>
+        <p:txBody>
+          <a:bodyPr>
+            <a:normAutofit/>
+          </a:bodyPr>
+          <a:lstStyle/>
+          <a:p>
+            <a:r>
+              <a:rPr lang="en-GB" sz="1500" dirty="0"/>
+              <a:t>We can also carry out posterior predictive check with single replicated dataset. Figure below compares the distribution of projection strengths of neurons in mouse 1.</a:t>
+            </a:r>
+          </a:p>
+        </p:txBody>
+      </p:sp>
+      <p:pic>
+        <p:nvPicPr>
+          <p:cNvPr id="3" name="Picture 2">
+            <a:extLst>
+              <a:ext uri="{FF2B5EF4-FFF2-40B4-BE49-F238E27FC236}">
+                <a16:creationId xmlns:a16="http://schemas.microsoft.com/office/drawing/2014/main" id="{BD5D8679-DAB7-4FA1-BCD5-5CFAD584B238}"/>
+              </a:ext>
+            </a:extLst>
+          </p:cNvPr>
+          <p:cNvPicPr>
+            <a:picLocks noChangeAspect="1"/>
+          </p:cNvPicPr>
+          <p:nvPr/>
+        </p:nvPicPr>
+        <p:blipFill>
+          <a:blip r:embed="rId2">
+            <a:extLst>
+              <a:ext uri="{28A0092B-C50C-407E-A947-70E740481C1C}">
+                <a14:useLocalDpi xmlns:a14="http://schemas.microsoft.com/office/drawing/2010/main" val="0"/>
+              </a:ext>
+            </a:extLst>
+          </a:blip>
+          <a:stretch>
+            <a:fillRect/>
+          </a:stretch>
+        </p:blipFill>
+        <p:spPr>
+          <a:xfrm>
+            <a:off x="838200" y="1308684"/>
+            <a:ext cx="8637165" cy="5038346"/>
+          </a:xfrm>
+          <a:prstGeom prst="rect">
+            <a:avLst/>
+          </a:prstGeom>
+        </p:spPr>
+      </p:pic>
+    </p:spTree>
+    <p:extLst>
+      <p:ext uri="{BB962C8B-B14F-4D97-AF65-F5344CB8AC3E}">
+        <p14:creationId xmlns:p14="http://schemas.microsoft.com/office/powerpoint/2010/main" val="1536788149"/>
+      </p:ext>
+    </p:extLst>
+  </p:cSld>
+  <p:clrMapOvr>
+    <a:masterClrMapping/>
+  </p:clrMapOvr>
+</p:sld>
+</file>
+
+<file path=ppt/slides/slide14.xml><?xml version="1.0" encoding="utf-8"?>
+<p:sld xmlns:a="http://schemas.openxmlformats.org/drawingml/2006/main" xmlns:r="http://schemas.openxmlformats.org/officeDocument/2006/relationships" xmlns:p="http://schemas.openxmlformats.org/presentationml/2006/main">
+  <p:cSld>
+    <p:spTree>
+      <p:nvGrpSpPr>
+        <p:cNvPr id="1" name=""/>
+        <p:cNvGrpSpPr/>
+        <p:nvPr/>
+      </p:nvGrpSpPr>
+      <p:grpSpPr>
+        <a:xfrm>
+          <a:off x="0" y="0"/>
+          <a:ext cx="0" cy="0"/>
+          <a:chOff x="0" y="0"/>
+          <a:chExt cx="0" cy="0"/>
+        </a:xfrm>
+      </p:grpSpPr>
+      <p:sp>
+        <p:nvSpPr>
+          <p:cNvPr id="4" name="TextBox 3">
+            <a:extLst>
+              <a:ext uri="{FF2B5EF4-FFF2-40B4-BE49-F238E27FC236}">
+                <a16:creationId xmlns:a16="http://schemas.microsoft.com/office/drawing/2014/main" id="{A55ADBBD-18DC-4F68-88B9-BEC2B2B4E073}"/>
+              </a:ext>
+            </a:extLst>
+          </p:cNvPr>
+          <p:cNvSpPr txBox="1"/>
+          <p:nvPr/>
+        </p:nvSpPr>
+        <p:spPr>
+          <a:xfrm>
+            <a:off x="1392573" y="486561"/>
+            <a:ext cx="2506392" cy="369332"/>
+          </a:xfrm>
+          <a:prstGeom prst="rect">
+            <a:avLst/>
+          </a:prstGeom>
+          <a:noFill/>
+        </p:spPr>
+        <p:txBody>
+          <a:bodyPr wrap="none" rtlCol="0">
+            <a:spAutoFit/>
+          </a:bodyPr>
+          <a:lstStyle/>
+          <a:p>
+            <a:r>
+              <a:rPr lang="en-GB" dirty="0"/>
+              <a:t>k-means with 30 clusters</a:t>
+            </a:r>
+          </a:p>
+        </p:txBody>
+      </p:sp>
+      <p:pic>
+        <p:nvPicPr>
+          <p:cNvPr id="8" name="Picture 7">
+            <a:extLst>
+              <a:ext uri="{FF2B5EF4-FFF2-40B4-BE49-F238E27FC236}">
+                <a16:creationId xmlns:a16="http://schemas.microsoft.com/office/drawing/2014/main" id="{87E096E7-3F37-49B8-AC03-1CAD56E2531F}"/>
+              </a:ext>
+            </a:extLst>
+          </p:cNvPr>
+          <p:cNvPicPr>
+            <a:picLocks noChangeAspect="1"/>
+          </p:cNvPicPr>
+          <p:nvPr/>
+        </p:nvPicPr>
+        <p:blipFill>
+          <a:blip r:embed="rId2">
+            <a:extLst>
+              <a:ext uri="{28A0092B-C50C-407E-A947-70E740481C1C}">
+                <a14:useLocalDpi xmlns:a14="http://schemas.microsoft.com/office/drawing/2010/main" val="0"/>
+              </a:ext>
+            </a:extLst>
+          </a:blip>
+          <a:stretch>
+            <a:fillRect/>
+          </a:stretch>
+        </p:blipFill>
+        <p:spPr>
+          <a:xfrm>
+            <a:off x="1392573" y="1073791"/>
+            <a:ext cx="5217952" cy="5217952"/>
+          </a:xfrm>
+          <a:prstGeom prst="rect">
+            <a:avLst/>
+          </a:prstGeom>
+        </p:spPr>
+      </p:pic>
+    </p:spTree>
+    <p:extLst>
+      <p:ext uri="{BB962C8B-B14F-4D97-AF65-F5344CB8AC3E}">
+        <p14:creationId xmlns:p14="http://schemas.microsoft.com/office/powerpoint/2010/main" val="1992865588"/>
+      </p:ext>
+    </p:extLst>
+  </p:cSld>
+  <p:clrMapOvr>
+    <a:masterClrMapping/>
+  </p:clrMapOvr>
+</p:sld>
+</file>
+
+<file path=ppt/slides/slide15.xml><?xml version="1.0" encoding="utf-8"?>
+<p:sld xmlns:a="http://schemas.openxmlformats.org/drawingml/2006/main" xmlns:r="http://schemas.openxmlformats.org/officeDocument/2006/relationships" xmlns:p="http://schemas.openxmlformats.org/presentationml/2006/main">
+  <p:cSld>
+    <p:spTree>
+      <p:nvGrpSpPr>
+        <p:cNvPr id="1" name=""/>
+        <p:cNvGrpSpPr/>
+        <p:nvPr/>
+      </p:nvGrpSpPr>
+      <p:grpSpPr>
+        <a:xfrm>
+          <a:off x="0" y="0"/>
+          <a:ext cx="0" cy="0"/>
+          <a:chOff x="0" y="0"/>
+          <a:chExt cx="0" cy="0"/>
+        </a:xfrm>
+      </p:grpSpPr>
+      <p:sp>
+        <p:nvSpPr>
+          <p:cNvPr id="4" name="TextBox 3">
+            <a:extLst>
+              <a:ext uri="{FF2B5EF4-FFF2-40B4-BE49-F238E27FC236}">
+                <a16:creationId xmlns:a16="http://schemas.microsoft.com/office/drawing/2014/main" id="{EF226F45-CF42-4A6A-BDD7-51403ABF6A0B}"/>
+              </a:ext>
+            </a:extLst>
+          </p:cNvPr>
+          <p:cNvSpPr txBox="1"/>
+          <p:nvPr/>
+        </p:nvSpPr>
+        <p:spPr>
+          <a:xfrm>
+            <a:off x="1392573" y="486561"/>
+            <a:ext cx="2506392" cy="369332"/>
+          </a:xfrm>
+          <a:prstGeom prst="rect">
+            <a:avLst/>
+          </a:prstGeom>
+          <a:noFill/>
+        </p:spPr>
+        <p:txBody>
+          <a:bodyPr wrap="none" rtlCol="0">
+            <a:spAutoFit/>
+          </a:bodyPr>
+          <a:lstStyle/>
+          <a:p>
+            <a:r>
+              <a:rPr lang="en-GB" dirty="0"/>
+              <a:t>k-means with 50 clusters</a:t>
+            </a:r>
+          </a:p>
+        </p:txBody>
+      </p:sp>
+      <p:pic>
+        <p:nvPicPr>
+          <p:cNvPr id="6" name="Picture 5">
+            <a:extLst>
+              <a:ext uri="{FF2B5EF4-FFF2-40B4-BE49-F238E27FC236}">
+                <a16:creationId xmlns:a16="http://schemas.microsoft.com/office/drawing/2014/main" id="{923ADC95-A644-493E-8EBB-5592029B7E67}"/>
+              </a:ext>
+            </a:extLst>
+          </p:cNvPr>
+          <p:cNvPicPr>
+            <a:picLocks noChangeAspect="1"/>
+          </p:cNvPicPr>
+          <p:nvPr/>
+        </p:nvPicPr>
+        <p:blipFill>
+          <a:blip r:embed="rId2">
+            <a:extLst>
+              <a:ext uri="{28A0092B-C50C-407E-A947-70E740481C1C}">
+                <a14:useLocalDpi xmlns:a14="http://schemas.microsoft.com/office/drawing/2010/main" val="0"/>
+              </a:ext>
+            </a:extLst>
+          </a:blip>
+          <a:stretch>
+            <a:fillRect/>
+          </a:stretch>
+        </p:blipFill>
+        <p:spPr>
+          <a:xfrm>
+            <a:off x="1392573" y="1031628"/>
+            <a:ext cx="5457039" cy="5457039"/>
+          </a:xfrm>
+          <a:prstGeom prst="rect">
+            <a:avLst/>
+          </a:prstGeom>
+        </p:spPr>
+      </p:pic>
+    </p:spTree>
+    <p:extLst>
+      <p:ext uri="{BB962C8B-B14F-4D97-AF65-F5344CB8AC3E}">
+        <p14:creationId xmlns:p14="http://schemas.microsoft.com/office/powerpoint/2010/main" val="3241683728"/>
+      </p:ext>
+    </p:extLst>
+  </p:cSld>
+  <p:clrMapOvr>
+    <a:masterClrMapping/>
+  </p:clrMapOvr>
+</p:sld>
+</file>
+
+<file path=ppt/slides/slide16.xml><?xml version="1.0" encoding="utf-8"?>
+<p:sld xmlns:a="http://schemas.openxmlformats.org/drawingml/2006/main" xmlns:r="http://schemas.openxmlformats.org/officeDocument/2006/relationships" xmlns:p="http://schemas.openxmlformats.org/presentationml/2006/main">
+  <p:cSld>
+    <p:spTree>
+      <p:nvGrpSpPr>
+        <p:cNvPr id="1" name=""/>
+        <p:cNvGrpSpPr/>
+        <p:nvPr/>
+      </p:nvGrpSpPr>
+      <p:grpSpPr>
+        <a:xfrm>
+          <a:off x="0" y="0"/>
+          <a:ext cx="0" cy="0"/>
+          <a:chOff x="0" y="0"/>
+          <a:chExt cx="0" cy="0"/>
+        </a:xfrm>
+      </p:grpSpPr>
+      <p:sp>
+        <p:nvSpPr>
+          <p:cNvPr id="4" name="TextBox 3">
+            <a:extLst>
+              <a:ext uri="{FF2B5EF4-FFF2-40B4-BE49-F238E27FC236}">
+                <a16:creationId xmlns:a16="http://schemas.microsoft.com/office/drawing/2014/main" id="{CA68F086-73DF-4A69-8C9C-C04160B27E94}"/>
+              </a:ext>
+            </a:extLst>
+          </p:cNvPr>
+          <p:cNvSpPr txBox="1"/>
+          <p:nvPr/>
+        </p:nvSpPr>
+        <p:spPr>
+          <a:xfrm>
+            <a:off x="1392573" y="486561"/>
+            <a:ext cx="2506392" cy="369332"/>
+          </a:xfrm>
+          <a:prstGeom prst="rect">
+            <a:avLst/>
+          </a:prstGeom>
+          <a:noFill/>
+        </p:spPr>
+        <p:txBody>
+          <a:bodyPr wrap="none" rtlCol="0">
+            <a:spAutoFit/>
+          </a:bodyPr>
+          <a:lstStyle/>
+          <a:p>
+            <a:r>
+              <a:rPr lang="en-GB" dirty="0"/>
+              <a:t>k-means with 70 clusters</a:t>
+            </a:r>
+          </a:p>
+        </p:txBody>
+      </p:sp>
+      <p:pic>
+        <p:nvPicPr>
+          <p:cNvPr id="6" name="Picture 5">
+            <a:extLst>
+              <a:ext uri="{FF2B5EF4-FFF2-40B4-BE49-F238E27FC236}">
+                <a16:creationId xmlns:a16="http://schemas.microsoft.com/office/drawing/2014/main" id="{6E6FAC0E-5E4A-4289-AF5D-5DB393482F74}"/>
+              </a:ext>
+            </a:extLst>
+          </p:cNvPr>
+          <p:cNvPicPr>
+            <a:picLocks noChangeAspect="1"/>
+          </p:cNvPicPr>
+          <p:nvPr/>
+        </p:nvPicPr>
+        <p:blipFill>
+          <a:blip r:embed="rId2">
+            <a:extLst>
+              <a:ext uri="{28A0092B-C50C-407E-A947-70E740481C1C}">
+                <a14:useLocalDpi xmlns:a14="http://schemas.microsoft.com/office/drawing/2010/main" val="0"/>
+              </a:ext>
+            </a:extLst>
+          </a:blip>
+          <a:stretch>
+            <a:fillRect/>
+          </a:stretch>
+        </p:blipFill>
+        <p:spPr>
+          <a:xfrm>
+            <a:off x="1392573" y="1149074"/>
+            <a:ext cx="5402510" cy="5402510"/>
+          </a:xfrm>
+          <a:prstGeom prst="rect">
+            <a:avLst/>
+          </a:prstGeom>
+        </p:spPr>
+      </p:pic>
+    </p:spTree>
+    <p:extLst>
+      <p:ext uri="{BB962C8B-B14F-4D97-AF65-F5344CB8AC3E}">
+        <p14:creationId xmlns:p14="http://schemas.microsoft.com/office/powerpoint/2010/main" val="455782353"/>
+      </p:ext>
+    </p:extLst>
+  </p:cSld>
+  <p:clrMapOvr>
+    <a:masterClrMapping/>
+  </p:clrMapOvr>
+</p:sld>
+</file>
+
+<file path=ppt/slides/slide17.xml><?xml version="1.0" encoding="utf-8"?>
 <p:sld xmlns:a="http://schemas.openxmlformats.org/drawingml/2006/main" xmlns:r="http://schemas.openxmlformats.org/officeDocument/2006/relationships" xmlns:p="http://schemas.openxmlformats.org/presentationml/2006/main">
   <p:cSld>
     <p:spTree>
@@ -5414,7 +5919,7 @@
           <p:cNvPr id="5" name="Picture 4">
             <a:extLst>
               <a:ext uri="{FF2B5EF4-FFF2-40B4-BE49-F238E27FC236}">
-                <a16:creationId xmlns:a16="http://schemas.microsoft.com/office/drawing/2014/main" id="{A685C26F-E691-48F2-AC94-7A71DC1A7BC8}"/>
+                <a16:creationId xmlns:a16="http://schemas.microsoft.com/office/drawing/2014/main" id="{4E336E4B-D93B-47C2-AB8A-DF274EEF7F87}"/>
               </a:ext>
             </a:extLst>
           </p:cNvPr>
@@ -5437,8 +5942,8 @@
         </p:blipFill>
         <p:spPr>
           <a:xfrm>
-            <a:off x="1169565" y="1325461"/>
-            <a:ext cx="8084290" cy="4715836"/>
+            <a:off x="1215704" y="855893"/>
+            <a:ext cx="5545821" cy="5545821"/>
           </a:xfrm>
           <a:prstGeom prst="rect">
             <a:avLst/>
@@ -5447,10 +5952,75 @@
       </p:pic>
       <p:sp>
         <p:nvSpPr>
-          <p:cNvPr id="6" name="Title 1">
-            <a:extLst>
-              <a:ext uri="{FF2B5EF4-FFF2-40B4-BE49-F238E27FC236}">
-                <a16:creationId xmlns:a16="http://schemas.microsoft.com/office/drawing/2014/main" id="{A6DBA07B-0ED9-40FA-8610-06B55AE0139A}"/>
+          <p:cNvPr id="6" name="TextBox 5">
+            <a:extLst>
+              <a:ext uri="{FF2B5EF4-FFF2-40B4-BE49-F238E27FC236}">
+                <a16:creationId xmlns:a16="http://schemas.microsoft.com/office/drawing/2014/main" id="{AF234559-99C1-4DBA-9AA9-B55DB21FFFF1}"/>
+              </a:ext>
+            </a:extLst>
+          </p:cNvPr>
+          <p:cNvSpPr txBox="1"/>
+          <p:nvPr/>
+        </p:nvSpPr>
+        <p:spPr>
+          <a:xfrm>
+            <a:off x="1392573" y="486561"/>
+            <a:ext cx="9068499" cy="369332"/>
+          </a:xfrm>
+          <a:prstGeom prst="rect">
+            <a:avLst/>
+          </a:prstGeom>
+          <a:noFill/>
+        </p:spPr>
+        <p:txBody>
+          <a:bodyPr wrap="square" rtlCol="0">
+            <a:spAutoFit/>
+          </a:bodyPr>
+          <a:lstStyle/>
+          <a:p>
+            <a:r>
+              <a:rPr lang="en-GB" dirty="0"/>
+              <a:t>Heatmap of the Binomial model which detects 208 motifs: </a:t>
+            </a:r>
+          </a:p>
+        </p:txBody>
+      </p:sp>
+    </p:spTree>
+    <p:extLst>
+      <p:ext uri="{BB962C8B-B14F-4D97-AF65-F5344CB8AC3E}">
+        <p14:creationId xmlns:p14="http://schemas.microsoft.com/office/powerpoint/2010/main" val="1479363705"/>
+      </p:ext>
+    </p:extLst>
+  </p:cSld>
+  <p:clrMapOvr>
+    <a:masterClrMapping/>
+  </p:clrMapOvr>
+</p:sld>
+</file>
+
+<file path=ppt/slides/slide18.xml><?xml version="1.0" encoding="utf-8"?>
+<p:sld xmlns:a="http://schemas.openxmlformats.org/drawingml/2006/main" xmlns:r="http://schemas.openxmlformats.org/officeDocument/2006/relationships" xmlns:p="http://schemas.openxmlformats.org/presentationml/2006/main">
+  <p:cSld>
+    <p:spTree>
+      <p:nvGrpSpPr>
+        <p:cNvPr id="1" name=""/>
+        <p:cNvGrpSpPr/>
+        <p:nvPr/>
+      </p:nvGrpSpPr>
+      <p:grpSpPr>
+        <a:xfrm>
+          <a:off x="0" y="0"/>
+          <a:ext cx="0" cy="0"/>
+          <a:chOff x="0" y="0"/>
+          <a:chExt cx="0" cy="0"/>
+        </a:xfrm>
+      </p:grpSpPr>
+      <p:sp>
+        <p:nvSpPr>
+          <p:cNvPr id="4" name="Title 1">
+            <a:extLst>
+              <a:ext uri="{FF2B5EF4-FFF2-40B4-BE49-F238E27FC236}">
+                <a16:creationId xmlns:a16="http://schemas.microsoft.com/office/drawing/2014/main" id="{2477414C-7355-4DF6-BAE9-A415B505CE03}"/>
               </a:ext>
             </a:extLst>
           </p:cNvPr>
@@ -5464,7 +6034,7 @@
         <p:spPr>
           <a:xfrm>
             <a:off x="838200" y="365125"/>
-            <a:ext cx="10515600" cy="616387"/>
+            <a:ext cx="10515600" cy="1325563"/>
           </a:xfrm>
         </p:spPr>
         <p:txBody>
@@ -5474,16 +6044,52 @@
           <a:lstStyle/>
           <a:p>
             <a:r>
-              <a:rPr lang="en-GB" sz="1500" dirty="0"/>
-              <a:t>Posterior predictive check with three replicated datasets: (number of zeros of each region). This is used to assess the fit of the model to the data.</a:t>
-            </a:r>
-          </a:p>
-        </p:txBody>
-      </p:sp>
+              <a:rPr lang="en-GB" sz="2000" dirty="0"/>
+              <a:t>Comparison of cluster estimates using VI (values shown are standardized to range [0,1])</a:t>
+            </a:r>
+          </a:p>
+        </p:txBody>
+      </p:sp>
+      <p:pic>
+        <p:nvPicPr>
+          <p:cNvPr id="3" name="Picture 2">
+            <a:extLst>
+              <a:ext uri="{FF2B5EF4-FFF2-40B4-BE49-F238E27FC236}">
+                <a16:creationId xmlns:a16="http://schemas.microsoft.com/office/drawing/2014/main" id="{3304C93B-6719-4105-B1F2-6EC642B44786}"/>
+              </a:ext>
+            </a:extLst>
+          </p:cNvPr>
+          <p:cNvPicPr>
+            <a:picLocks noChangeAspect="1"/>
+          </p:cNvPicPr>
+          <p:nvPr/>
+        </p:nvPicPr>
+        <p:blipFill>
+          <a:blip r:embed="rId2">
+            <a:extLst>
+              <a:ext uri="{28A0092B-C50C-407E-A947-70E740481C1C}">
+                <a14:useLocalDpi xmlns:a14="http://schemas.microsoft.com/office/drawing/2010/main" val="0"/>
+              </a:ext>
+            </a:extLst>
+          </a:blip>
+          <a:stretch>
+            <a:fillRect/>
+          </a:stretch>
+        </p:blipFill>
+        <p:spPr>
+          <a:xfrm>
+            <a:off x="838200" y="2131272"/>
+            <a:ext cx="5410955" cy="800212"/>
+          </a:xfrm>
+          <a:prstGeom prst="rect">
+            <a:avLst/>
+          </a:prstGeom>
+        </p:spPr>
+      </p:pic>
     </p:spTree>
     <p:extLst>
       <p:ext uri="{BB962C8B-B14F-4D97-AF65-F5344CB8AC3E}">
-        <p14:creationId xmlns:p14="http://schemas.microsoft.com/office/powerpoint/2010/main" val="4247530302"/>
+        <p14:creationId xmlns:p14="http://schemas.microsoft.com/office/powerpoint/2010/main" val="3809036169"/>
       </p:ext>
     </p:extLst>
   </p:cSld>
@@ -5512,52 +6118,64 @@
       </p:grpSpPr>
       <p:sp>
         <p:nvSpPr>
-          <p:cNvPr id="4" name="Title 1">
-            <a:extLst>
-              <a:ext uri="{FF2B5EF4-FFF2-40B4-BE49-F238E27FC236}">
-                <a16:creationId xmlns:a16="http://schemas.microsoft.com/office/drawing/2014/main" id="{68FEA7F7-A326-43A0-A564-76F2CB63C93D}"/>
-              </a:ext>
-            </a:extLst>
-          </p:cNvPr>
-          <p:cNvSpPr>
-            <a:spLocks noGrp="1"/>
-          </p:cNvSpPr>
-          <p:nvPr>
-            <p:ph type="title"/>
-          </p:nvPr>
+          <p:cNvPr id="6" name="TextBox 5">
+            <a:extLst>
+              <a:ext uri="{FF2B5EF4-FFF2-40B4-BE49-F238E27FC236}">
+                <a16:creationId xmlns:a16="http://schemas.microsoft.com/office/drawing/2014/main" id="{3E47F0E1-FB1F-6B21-DA02-059A1131FF2C}"/>
+              </a:ext>
+            </a:extLst>
+          </p:cNvPr>
+          <p:cNvSpPr txBox="1"/>
+          <p:nvPr/>
         </p:nvSpPr>
         <p:spPr>
           <a:xfrm>
-            <a:off x="838200" y="365125"/>
-            <a:ext cx="10515600" cy="817723"/>
+            <a:off x="1702938" y="4462670"/>
+            <a:ext cx="9031323" cy="923330"/>
           </a:xfrm>
+          <a:prstGeom prst="rect">
+            <a:avLst/>
+          </a:prstGeom>
+          <a:noFill/>
         </p:spPr>
         <p:txBody>
-          <a:bodyPr>
-            <a:normAutofit/>
+          <a:bodyPr wrap="square" rtlCol="0">
+            <a:spAutoFit/>
           </a:bodyPr>
           <a:lstStyle/>
           <a:p>
             <a:r>
-              <a:rPr lang="en-GB" sz="1500" dirty="0"/>
-              <a:t>Distribution of non-zero projection strengths for the observed and replicated data.</a:t>
+              <a:rPr lang="en-US" dirty="0"/>
+              <a:t>Posterior expected total variation distance between the mixing measures for all mouse pairs:</a:t>
+            </a:r>
+          </a:p>
+          <a:p>
+            <a:pPr marL="285750" indent="-285750">
+              <a:buFont typeface="Arial" panose="020B0604020202020204" pitchFamily="34" charset="0"/>
+              <a:buChar char="•"/>
+            </a:pPr>
+            <a:r>
+              <a:rPr lang="en-US" dirty="0"/>
+              <a:t>Ranges from 0 and 1, with 0 for equivalence and 1 if there is no overlap in the support (i.e. no overlap in the projection motifs)</a:t>
             </a:r>
           </a:p>
         </p:txBody>
       </p:sp>
       <p:pic>
         <p:nvPicPr>
-          <p:cNvPr id="6" name="Picture 5">
-            <a:extLst>
-              <a:ext uri="{FF2B5EF4-FFF2-40B4-BE49-F238E27FC236}">
-                <a16:creationId xmlns:a16="http://schemas.microsoft.com/office/drawing/2014/main" id="{2DF55256-FFE8-4D82-B109-D0F03E516006}"/>
+          <p:cNvPr id="5" name="Content Placeholder 4">
+            <a:extLst>
+              <a:ext uri="{FF2B5EF4-FFF2-40B4-BE49-F238E27FC236}">
+                <a16:creationId xmlns:a16="http://schemas.microsoft.com/office/drawing/2014/main" id="{6439DED4-03D9-48B6-9965-177F22110333}"/>
               </a:ext>
             </a:extLst>
           </p:cNvPr>
           <p:cNvPicPr>
-            <a:picLocks noChangeAspect="1"/>
+            <a:picLocks noGrp="1" noChangeAspect="1"/>
           </p:cNvPicPr>
-          <p:nvPr/>
+          <p:nvPr>
+            <p:ph idx="1"/>
+          </p:nvPr>
         </p:nvPicPr>
         <p:blipFill>
           <a:blip r:embed="rId2">
@@ -5573,18 +6191,15 @@
         </p:blipFill>
         <p:spPr>
           <a:xfrm>
-            <a:off x="838200" y="1471684"/>
-            <a:ext cx="8322578" cy="4854837"/>
+            <a:off x="3660273" y="0"/>
+            <a:ext cx="4351338" cy="4351338"/>
           </a:xfrm>
-          <a:prstGeom prst="rect">
-            <a:avLst/>
-          </a:prstGeom>
         </p:spPr>
       </p:pic>
     </p:spTree>
     <p:extLst>
       <p:ext uri="{BB962C8B-B14F-4D97-AF65-F5344CB8AC3E}">
-        <p14:creationId xmlns:p14="http://schemas.microsoft.com/office/powerpoint/2010/main" val="2518443356"/>
+        <p14:creationId xmlns:p14="http://schemas.microsoft.com/office/powerpoint/2010/main" val="211120387"/>
       </p:ext>
     </p:extLst>
   </p:cSld>
@@ -5823,17 +6438,17 @@
             </a:pPr>
             <a:r>
               <a:rPr lang="en-GB" sz="1500" dirty="0"/>
-              <a:t>There are 121 clusters (motifs) in total:</a:t>
+              <a:t>There are 130 clusters (motifs) in total:</a:t>
             </a:r>
           </a:p>
         </p:txBody>
       </p:sp>
       <p:pic>
         <p:nvPicPr>
-          <p:cNvPr id="7" name="Picture 6">
-            <a:extLst>
-              <a:ext uri="{FF2B5EF4-FFF2-40B4-BE49-F238E27FC236}">
-                <a16:creationId xmlns:a16="http://schemas.microsoft.com/office/drawing/2014/main" id="{34C786AF-BD3A-468A-B0AC-E744F670FD66}"/>
+          <p:cNvPr id="3" name="Picture 2">
+            <a:extLst>
+              <a:ext uri="{FF2B5EF4-FFF2-40B4-BE49-F238E27FC236}">
+                <a16:creationId xmlns:a16="http://schemas.microsoft.com/office/drawing/2014/main" id="{1C08116B-6845-4B12-BE03-DCA7372425F8}"/>
               </a:ext>
             </a:extLst>
           </p:cNvPr>
@@ -5856,7 +6471,7 @@
         </p:blipFill>
         <p:spPr>
           <a:xfrm>
-            <a:off x="0" y="1847955"/>
+            <a:off x="0" y="1722120"/>
             <a:ext cx="12192000" cy="3413760"/>
           </a:xfrm>
           <a:prstGeom prst="rect">
@@ -5894,54 +6509,21 @@
           <a:chExt cx="0" cy="0"/>
         </a:xfrm>
       </p:grpSpPr>
-      <p:sp>
-        <p:nvSpPr>
-          <p:cNvPr id="4" name="Title 1">
-            <a:extLst>
-              <a:ext uri="{FF2B5EF4-FFF2-40B4-BE49-F238E27FC236}">
-                <a16:creationId xmlns:a16="http://schemas.microsoft.com/office/drawing/2014/main" id="{816FE418-7905-411D-9484-15B51F543B4B}"/>
-              </a:ext>
-            </a:extLst>
-          </p:cNvPr>
-          <p:cNvSpPr>
-            <a:spLocks noGrp="1"/>
-          </p:cNvSpPr>
-          <p:nvPr>
-            <p:ph type="title"/>
-          </p:nvPr>
-        </p:nvSpPr>
-        <p:spPr>
-          <a:xfrm>
-            <a:off x="838200" y="365126"/>
-            <a:ext cx="10515600" cy="943558"/>
-          </a:xfrm>
-        </p:spPr>
-        <p:txBody>
-          <a:bodyPr>
-            <a:normAutofit/>
-          </a:bodyPr>
-          <a:lstStyle/>
-          <a:p>
-            <a:r>
-              <a:rPr lang="en-GB" sz="1500" dirty="0"/>
-              <a:t>We can also carry out posterior predictive check with single replicated dataset. Figure below compares the distribution of projection strengths of neurons in mouse 1.</a:t>
-            </a:r>
-          </a:p>
-        </p:txBody>
-      </p:sp>
       <p:pic>
         <p:nvPicPr>
-          <p:cNvPr id="6" name="Picture 5">
-            <a:extLst>
-              <a:ext uri="{FF2B5EF4-FFF2-40B4-BE49-F238E27FC236}">
-                <a16:creationId xmlns:a16="http://schemas.microsoft.com/office/drawing/2014/main" id="{BD378248-C977-4FF4-83A2-AEBC64960120}"/>
+          <p:cNvPr id="6" name="Content Placeholder 5">
+            <a:extLst>
+              <a:ext uri="{FF2B5EF4-FFF2-40B4-BE49-F238E27FC236}">
+                <a16:creationId xmlns:a16="http://schemas.microsoft.com/office/drawing/2014/main" id="{54A1D9A8-FA01-48FD-82DD-A4A4E61892A6}"/>
               </a:ext>
             </a:extLst>
           </p:cNvPr>
           <p:cNvPicPr>
-            <a:picLocks noChangeAspect="1"/>
+            <a:picLocks noGrp="1" noChangeAspect="1"/>
           </p:cNvPicPr>
-          <p:nvPr/>
+          <p:nvPr>
+            <p:ph idx="1"/>
+          </p:nvPr>
         </p:nvPicPr>
         <p:blipFill>
           <a:blip r:embed="rId2">
@@ -5957,8 +6539,185 @@
         </p:blipFill>
         <p:spPr>
           <a:xfrm>
-            <a:off x="838200" y="1308684"/>
-            <a:ext cx="8834306" cy="5153345"/>
+            <a:off x="493954" y="385893"/>
+            <a:ext cx="3148537" cy="3148537"/>
+          </a:xfrm>
+        </p:spPr>
+      </p:pic>
+      <p:pic>
+        <p:nvPicPr>
+          <p:cNvPr id="10" name="Picture 9">
+            <a:extLst>
+              <a:ext uri="{FF2B5EF4-FFF2-40B4-BE49-F238E27FC236}">
+                <a16:creationId xmlns:a16="http://schemas.microsoft.com/office/drawing/2014/main" id="{B72F3DC1-0B86-4FD8-B398-74AA980C9C2C}"/>
+              </a:ext>
+            </a:extLst>
+          </p:cNvPr>
+          <p:cNvPicPr>
+            <a:picLocks noChangeAspect="1"/>
+          </p:cNvPicPr>
+          <p:nvPr/>
+        </p:nvPicPr>
+        <p:blipFill>
+          <a:blip r:embed="rId3">
+            <a:extLst>
+              <a:ext uri="{28A0092B-C50C-407E-A947-70E740481C1C}">
+                <a14:useLocalDpi xmlns:a14="http://schemas.microsoft.com/office/drawing/2010/main" val="0"/>
+              </a:ext>
+            </a:extLst>
+          </a:blip>
+          <a:stretch>
+            <a:fillRect/>
+          </a:stretch>
+        </p:blipFill>
+        <p:spPr>
+          <a:xfrm>
+            <a:off x="3897721" y="388138"/>
+            <a:ext cx="3148538" cy="3148538"/>
+          </a:xfrm>
+          <a:prstGeom prst="rect">
+            <a:avLst/>
+          </a:prstGeom>
+        </p:spPr>
+      </p:pic>
+      <p:pic>
+        <p:nvPicPr>
+          <p:cNvPr id="14" name="Picture 13">
+            <a:extLst>
+              <a:ext uri="{FF2B5EF4-FFF2-40B4-BE49-F238E27FC236}">
+                <a16:creationId xmlns:a16="http://schemas.microsoft.com/office/drawing/2014/main" id="{91F898EB-9248-49EB-BE93-A2C58D6C356D}"/>
+              </a:ext>
+            </a:extLst>
+          </p:cNvPr>
+          <p:cNvPicPr>
+            <a:picLocks noChangeAspect="1"/>
+          </p:cNvPicPr>
+          <p:nvPr/>
+        </p:nvPicPr>
+        <p:blipFill>
+          <a:blip r:embed="rId4">
+            <a:extLst>
+              <a:ext uri="{28A0092B-C50C-407E-A947-70E740481C1C}">
+                <a14:useLocalDpi xmlns:a14="http://schemas.microsoft.com/office/drawing/2010/main" val="0"/>
+              </a:ext>
+            </a:extLst>
+          </a:blip>
+          <a:stretch>
+            <a:fillRect/>
+          </a:stretch>
+        </p:blipFill>
+        <p:spPr>
+          <a:xfrm>
+            <a:off x="7301489" y="385893"/>
+            <a:ext cx="3148537" cy="3148537"/>
+          </a:xfrm>
+          <a:prstGeom prst="rect">
+            <a:avLst/>
+          </a:prstGeom>
+        </p:spPr>
+      </p:pic>
+      <p:pic>
+        <p:nvPicPr>
+          <p:cNvPr id="17" name="Picture 16">
+            <a:extLst>
+              <a:ext uri="{FF2B5EF4-FFF2-40B4-BE49-F238E27FC236}">
+                <a16:creationId xmlns:a16="http://schemas.microsoft.com/office/drawing/2014/main" id="{81428D5F-DD3A-4E10-B790-FECFF6F376BA}"/>
+              </a:ext>
+            </a:extLst>
+          </p:cNvPr>
+          <p:cNvPicPr>
+            <a:picLocks noChangeAspect="1"/>
+          </p:cNvPicPr>
+          <p:nvPr/>
+        </p:nvPicPr>
+        <p:blipFill>
+          <a:blip r:embed="rId5">
+            <a:extLst>
+              <a:ext uri="{28A0092B-C50C-407E-A947-70E740481C1C}">
+                <a14:useLocalDpi xmlns:a14="http://schemas.microsoft.com/office/drawing/2010/main" val="0"/>
+              </a:ext>
+            </a:extLst>
+          </a:blip>
+          <a:stretch>
+            <a:fillRect/>
+          </a:stretch>
+        </p:blipFill>
+        <p:spPr>
+          <a:xfrm>
+            <a:off x="494038" y="3598878"/>
+            <a:ext cx="3148537" cy="3148537"/>
+          </a:xfrm>
+          <a:prstGeom prst="rect">
+            <a:avLst/>
+          </a:prstGeom>
+        </p:spPr>
+      </p:pic>
+      <p:pic>
+        <p:nvPicPr>
+          <p:cNvPr id="19" name="Picture 18">
+            <a:extLst>
+              <a:ext uri="{FF2B5EF4-FFF2-40B4-BE49-F238E27FC236}">
+                <a16:creationId xmlns:a16="http://schemas.microsoft.com/office/drawing/2014/main" id="{652C2DAA-3BEA-4891-8FA5-D4E42AF89C8B}"/>
+              </a:ext>
+            </a:extLst>
+          </p:cNvPr>
+          <p:cNvPicPr>
+            <a:picLocks noChangeAspect="1"/>
+          </p:cNvPicPr>
+          <p:nvPr/>
+        </p:nvPicPr>
+        <p:blipFill>
+          <a:blip r:embed="rId6">
+            <a:extLst>
+              <a:ext uri="{28A0092B-C50C-407E-A947-70E740481C1C}">
+                <a14:useLocalDpi xmlns:a14="http://schemas.microsoft.com/office/drawing/2010/main" val="0"/>
+              </a:ext>
+            </a:extLst>
+          </a:blip>
+          <a:stretch>
+            <a:fillRect/>
+          </a:stretch>
+        </p:blipFill>
+        <p:spPr>
+          <a:xfrm>
+            <a:off x="3897721" y="3598878"/>
+            <a:ext cx="3148537" cy="3148537"/>
+          </a:xfrm>
+          <a:prstGeom prst="rect">
+            <a:avLst/>
+          </a:prstGeom>
+        </p:spPr>
+      </p:pic>
+      <p:pic>
+        <p:nvPicPr>
+          <p:cNvPr id="21" name="Picture 20">
+            <a:extLst>
+              <a:ext uri="{FF2B5EF4-FFF2-40B4-BE49-F238E27FC236}">
+                <a16:creationId xmlns:a16="http://schemas.microsoft.com/office/drawing/2014/main" id="{9F07F99F-93A7-4089-B770-0948F7AD989F}"/>
+              </a:ext>
+            </a:extLst>
+          </p:cNvPr>
+          <p:cNvPicPr>
+            <a:picLocks noChangeAspect="1"/>
+          </p:cNvPicPr>
+          <p:nvPr/>
+        </p:nvPicPr>
+        <p:blipFill>
+          <a:blip r:embed="rId7">
+            <a:extLst>
+              <a:ext uri="{28A0092B-C50C-407E-A947-70E740481C1C}">
+                <a14:useLocalDpi xmlns:a14="http://schemas.microsoft.com/office/drawing/2010/main" val="0"/>
+              </a:ext>
+            </a:extLst>
+          </a:blip>
+          <a:stretch>
+            <a:fillRect/>
+          </a:stretch>
+        </p:blipFill>
+        <p:spPr>
+          <a:xfrm>
+            <a:off x="7301404" y="3598878"/>
+            <a:ext cx="3148537" cy="3148537"/>
           </a:xfrm>
           <a:prstGeom prst="rect">
             <a:avLst/>
@@ -5968,685 +6727,7 @@
     </p:spTree>
     <p:extLst>
       <p:ext uri="{BB962C8B-B14F-4D97-AF65-F5344CB8AC3E}">
-        <p14:creationId xmlns:p14="http://schemas.microsoft.com/office/powerpoint/2010/main" val="1536788149"/>
-      </p:ext>
-    </p:extLst>
-  </p:cSld>
-  <p:clrMapOvr>
-    <a:masterClrMapping/>
-  </p:clrMapOvr>
-</p:sld>
-</file>
-
-<file path=ppt/slides/slide21.xml><?xml version="1.0" encoding="utf-8"?>
-<p:sld xmlns:a="http://schemas.openxmlformats.org/drawingml/2006/main" xmlns:r="http://schemas.openxmlformats.org/officeDocument/2006/relationships" xmlns:p="http://schemas.openxmlformats.org/presentationml/2006/main">
-  <p:cSld>
-    <p:spTree>
-      <p:nvGrpSpPr>
-        <p:cNvPr id="1" name=""/>
-        <p:cNvGrpSpPr/>
-        <p:nvPr/>
-      </p:nvGrpSpPr>
-      <p:grpSpPr>
-        <a:xfrm>
-          <a:off x="0" y="0"/>
-          <a:ext cx="0" cy="0"/>
-          <a:chOff x="0" y="0"/>
-          <a:chExt cx="0" cy="0"/>
-        </a:xfrm>
-      </p:grpSpPr>
-      <p:sp>
-        <p:nvSpPr>
-          <p:cNvPr id="4" name="TextBox 3">
-            <a:extLst>
-              <a:ext uri="{FF2B5EF4-FFF2-40B4-BE49-F238E27FC236}">
-                <a16:creationId xmlns:a16="http://schemas.microsoft.com/office/drawing/2014/main" id="{A55ADBBD-18DC-4F68-88B9-BEC2B2B4E073}"/>
-              </a:ext>
-            </a:extLst>
-          </p:cNvPr>
-          <p:cNvSpPr txBox="1"/>
-          <p:nvPr/>
-        </p:nvSpPr>
-        <p:spPr>
-          <a:xfrm>
-            <a:off x="1392573" y="486561"/>
-            <a:ext cx="2506392" cy="369332"/>
-          </a:xfrm>
-          <a:prstGeom prst="rect">
-            <a:avLst/>
-          </a:prstGeom>
-          <a:noFill/>
-        </p:spPr>
-        <p:txBody>
-          <a:bodyPr wrap="none" rtlCol="0">
-            <a:spAutoFit/>
-          </a:bodyPr>
-          <a:lstStyle/>
-          <a:p>
-            <a:r>
-              <a:rPr lang="en-GB" dirty="0"/>
-              <a:t>k-means with 30 clusters</a:t>
-            </a:r>
-          </a:p>
-        </p:txBody>
-      </p:sp>
-      <p:pic>
-        <p:nvPicPr>
-          <p:cNvPr id="8" name="Picture 7">
-            <a:extLst>
-              <a:ext uri="{FF2B5EF4-FFF2-40B4-BE49-F238E27FC236}">
-                <a16:creationId xmlns:a16="http://schemas.microsoft.com/office/drawing/2014/main" id="{87E096E7-3F37-49B8-AC03-1CAD56E2531F}"/>
-              </a:ext>
-            </a:extLst>
-          </p:cNvPr>
-          <p:cNvPicPr>
-            <a:picLocks noChangeAspect="1"/>
-          </p:cNvPicPr>
-          <p:nvPr/>
-        </p:nvPicPr>
-        <p:blipFill>
-          <a:blip r:embed="rId2">
-            <a:extLst>
-              <a:ext uri="{28A0092B-C50C-407E-A947-70E740481C1C}">
-                <a14:useLocalDpi xmlns:a14="http://schemas.microsoft.com/office/drawing/2010/main" val="0"/>
-              </a:ext>
-            </a:extLst>
-          </a:blip>
-          <a:stretch>
-            <a:fillRect/>
-          </a:stretch>
-        </p:blipFill>
-        <p:spPr>
-          <a:xfrm>
-            <a:off x="1392573" y="1073791"/>
-            <a:ext cx="5217952" cy="5217952"/>
-          </a:xfrm>
-          <a:prstGeom prst="rect">
-            <a:avLst/>
-          </a:prstGeom>
-        </p:spPr>
-      </p:pic>
-    </p:spTree>
-    <p:extLst>
-      <p:ext uri="{BB962C8B-B14F-4D97-AF65-F5344CB8AC3E}">
-        <p14:creationId xmlns:p14="http://schemas.microsoft.com/office/powerpoint/2010/main" val="1992865588"/>
-      </p:ext>
-    </p:extLst>
-  </p:cSld>
-  <p:clrMapOvr>
-    <a:masterClrMapping/>
-  </p:clrMapOvr>
-</p:sld>
-</file>
-
-<file path=ppt/slides/slide22.xml><?xml version="1.0" encoding="utf-8"?>
-<p:sld xmlns:a="http://schemas.openxmlformats.org/drawingml/2006/main" xmlns:r="http://schemas.openxmlformats.org/officeDocument/2006/relationships" xmlns:p="http://schemas.openxmlformats.org/presentationml/2006/main">
-  <p:cSld>
-    <p:spTree>
-      <p:nvGrpSpPr>
-        <p:cNvPr id="1" name=""/>
-        <p:cNvGrpSpPr/>
-        <p:nvPr/>
-      </p:nvGrpSpPr>
-      <p:grpSpPr>
-        <a:xfrm>
-          <a:off x="0" y="0"/>
-          <a:ext cx="0" cy="0"/>
-          <a:chOff x="0" y="0"/>
-          <a:chExt cx="0" cy="0"/>
-        </a:xfrm>
-      </p:grpSpPr>
-      <p:sp>
-        <p:nvSpPr>
-          <p:cNvPr id="4" name="TextBox 3">
-            <a:extLst>
-              <a:ext uri="{FF2B5EF4-FFF2-40B4-BE49-F238E27FC236}">
-                <a16:creationId xmlns:a16="http://schemas.microsoft.com/office/drawing/2014/main" id="{EF226F45-CF42-4A6A-BDD7-51403ABF6A0B}"/>
-              </a:ext>
-            </a:extLst>
-          </p:cNvPr>
-          <p:cNvSpPr txBox="1"/>
-          <p:nvPr/>
-        </p:nvSpPr>
-        <p:spPr>
-          <a:xfrm>
-            <a:off x="1392573" y="486561"/>
-            <a:ext cx="2506392" cy="369332"/>
-          </a:xfrm>
-          <a:prstGeom prst="rect">
-            <a:avLst/>
-          </a:prstGeom>
-          <a:noFill/>
-        </p:spPr>
-        <p:txBody>
-          <a:bodyPr wrap="none" rtlCol="0">
-            <a:spAutoFit/>
-          </a:bodyPr>
-          <a:lstStyle/>
-          <a:p>
-            <a:r>
-              <a:rPr lang="en-GB" dirty="0"/>
-              <a:t>k-means with 50 clusters</a:t>
-            </a:r>
-          </a:p>
-        </p:txBody>
-      </p:sp>
-      <p:pic>
-        <p:nvPicPr>
-          <p:cNvPr id="6" name="Picture 5">
-            <a:extLst>
-              <a:ext uri="{FF2B5EF4-FFF2-40B4-BE49-F238E27FC236}">
-                <a16:creationId xmlns:a16="http://schemas.microsoft.com/office/drawing/2014/main" id="{923ADC95-A644-493E-8EBB-5592029B7E67}"/>
-              </a:ext>
-            </a:extLst>
-          </p:cNvPr>
-          <p:cNvPicPr>
-            <a:picLocks noChangeAspect="1"/>
-          </p:cNvPicPr>
-          <p:nvPr/>
-        </p:nvPicPr>
-        <p:blipFill>
-          <a:blip r:embed="rId2">
-            <a:extLst>
-              <a:ext uri="{28A0092B-C50C-407E-A947-70E740481C1C}">
-                <a14:useLocalDpi xmlns:a14="http://schemas.microsoft.com/office/drawing/2010/main" val="0"/>
-              </a:ext>
-            </a:extLst>
-          </a:blip>
-          <a:stretch>
-            <a:fillRect/>
-          </a:stretch>
-        </p:blipFill>
-        <p:spPr>
-          <a:xfrm>
-            <a:off x="1392573" y="1031628"/>
-            <a:ext cx="5457039" cy="5457039"/>
-          </a:xfrm>
-          <a:prstGeom prst="rect">
-            <a:avLst/>
-          </a:prstGeom>
-        </p:spPr>
-      </p:pic>
-    </p:spTree>
-    <p:extLst>
-      <p:ext uri="{BB962C8B-B14F-4D97-AF65-F5344CB8AC3E}">
-        <p14:creationId xmlns:p14="http://schemas.microsoft.com/office/powerpoint/2010/main" val="3241683728"/>
-      </p:ext>
-    </p:extLst>
-  </p:cSld>
-  <p:clrMapOvr>
-    <a:masterClrMapping/>
-  </p:clrMapOvr>
-</p:sld>
-</file>
-
-<file path=ppt/slides/slide23.xml><?xml version="1.0" encoding="utf-8"?>
-<p:sld xmlns:a="http://schemas.openxmlformats.org/drawingml/2006/main" xmlns:r="http://schemas.openxmlformats.org/officeDocument/2006/relationships" xmlns:p="http://schemas.openxmlformats.org/presentationml/2006/main">
-  <p:cSld>
-    <p:spTree>
-      <p:nvGrpSpPr>
-        <p:cNvPr id="1" name=""/>
-        <p:cNvGrpSpPr/>
-        <p:nvPr/>
-      </p:nvGrpSpPr>
-      <p:grpSpPr>
-        <a:xfrm>
-          <a:off x="0" y="0"/>
-          <a:ext cx="0" cy="0"/>
-          <a:chOff x="0" y="0"/>
-          <a:chExt cx="0" cy="0"/>
-        </a:xfrm>
-      </p:grpSpPr>
-      <p:sp>
-        <p:nvSpPr>
-          <p:cNvPr id="4" name="TextBox 3">
-            <a:extLst>
-              <a:ext uri="{FF2B5EF4-FFF2-40B4-BE49-F238E27FC236}">
-                <a16:creationId xmlns:a16="http://schemas.microsoft.com/office/drawing/2014/main" id="{CA68F086-73DF-4A69-8C9C-C04160B27E94}"/>
-              </a:ext>
-            </a:extLst>
-          </p:cNvPr>
-          <p:cNvSpPr txBox="1"/>
-          <p:nvPr/>
-        </p:nvSpPr>
-        <p:spPr>
-          <a:xfrm>
-            <a:off x="1392573" y="486561"/>
-            <a:ext cx="2506392" cy="369332"/>
-          </a:xfrm>
-          <a:prstGeom prst="rect">
-            <a:avLst/>
-          </a:prstGeom>
-          <a:noFill/>
-        </p:spPr>
-        <p:txBody>
-          <a:bodyPr wrap="none" rtlCol="0">
-            <a:spAutoFit/>
-          </a:bodyPr>
-          <a:lstStyle/>
-          <a:p>
-            <a:r>
-              <a:rPr lang="en-GB" dirty="0"/>
-              <a:t>k-means with 70 clusters</a:t>
-            </a:r>
-          </a:p>
-        </p:txBody>
-      </p:sp>
-      <p:pic>
-        <p:nvPicPr>
-          <p:cNvPr id="6" name="Picture 5">
-            <a:extLst>
-              <a:ext uri="{FF2B5EF4-FFF2-40B4-BE49-F238E27FC236}">
-                <a16:creationId xmlns:a16="http://schemas.microsoft.com/office/drawing/2014/main" id="{6E6FAC0E-5E4A-4289-AF5D-5DB393482F74}"/>
-              </a:ext>
-            </a:extLst>
-          </p:cNvPr>
-          <p:cNvPicPr>
-            <a:picLocks noChangeAspect="1"/>
-          </p:cNvPicPr>
-          <p:nvPr/>
-        </p:nvPicPr>
-        <p:blipFill>
-          <a:blip r:embed="rId2">
-            <a:extLst>
-              <a:ext uri="{28A0092B-C50C-407E-A947-70E740481C1C}">
-                <a14:useLocalDpi xmlns:a14="http://schemas.microsoft.com/office/drawing/2010/main" val="0"/>
-              </a:ext>
-            </a:extLst>
-          </a:blip>
-          <a:stretch>
-            <a:fillRect/>
-          </a:stretch>
-        </p:blipFill>
-        <p:spPr>
-          <a:xfrm>
-            <a:off x="1392573" y="1149074"/>
-            <a:ext cx="5402510" cy="5402510"/>
-          </a:xfrm>
-          <a:prstGeom prst="rect">
-            <a:avLst/>
-          </a:prstGeom>
-        </p:spPr>
-      </p:pic>
-    </p:spTree>
-    <p:extLst>
-      <p:ext uri="{BB962C8B-B14F-4D97-AF65-F5344CB8AC3E}">
-        <p14:creationId xmlns:p14="http://schemas.microsoft.com/office/powerpoint/2010/main" val="455782353"/>
-      </p:ext>
-    </p:extLst>
-  </p:cSld>
-  <p:clrMapOvr>
-    <a:masterClrMapping/>
-  </p:clrMapOvr>
-</p:sld>
-</file>
-
-<file path=ppt/slides/slide24.xml><?xml version="1.0" encoding="utf-8"?>
-<p:sld xmlns:a="http://schemas.openxmlformats.org/drawingml/2006/main" xmlns:r="http://schemas.openxmlformats.org/officeDocument/2006/relationships" xmlns:p="http://schemas.openxmlformats.org/presentationml/2006/main">
-  <p:cSld>
-    <p:spTree>
-      <p:nvGrpSpPr>
-        <p:cNvPr id="1" name=""/>
-        <p:cNvGrpSpPr/>
-        <p:nvPr/>
-      </p:nvGrpSpPr>
-      <p:grpSpPr>
-        <a:xfrm>
-          <a:off x="0" y="0"/>
-          <a:ext cx="0" cy="0"/>
-          <a:chOff x="0" y="0"/>
-          <a:chExt cx="0" cy="0"/>
-        </a:xfrm>
-      </p:grpSpPr>
-      <p:pic>
-        <p:nvPicPr>
-          <p:cNvPr id="5" name="Picture 4">
-            <a:extLst>
-              <a:ext uri="{FF2B5EF4-FFF2-40B4-BE49-F238E27FC236}">
-                <a16:creationId xmlns:a16="http://schemas.microsoft.com/office/drawing/2014/main" id="{4E336E4B-D93B-47C2-AB8A-DF274EEF7F87}"/>
-              </a:ext>
-            </a:extLst>
-          </p:cNvPr>
-          <p:cNvPicPr>
-            <a:picLocks noChangeAspect="1"/>
-          </p:cNvPicPr>
-          <p:nvPr/>
-        </p:nvPicPr>
-        <p:blipFill>
-          <a:blip r:embed="rId2">
-            <a:extLst>
-              <a:ext uri="{28A0092B-C50C-407E-A947-70E740481C1C}">
-                <a14:useLocalDpi xmlns:a14="http://schemas.microsoft.com/office/drawing/2010/main" val="0"/>
-              </a:ext>
-            </a:extLst>
-          </a:blip>
-          <a:stretch>
-            <a:fillRect/>
-          </a:stretch>
-        </p:blipFill>
-        <p:spPr>
-          <a:xfrm>
-            <a:off x="1215704" y="855893"/>
-            <a:ext cx="5545821" cy="5545821"/>
-          </a:xfrm>
-          <a:prstGeom prst="rect">
-            <a:avLst/>
-          </a:prstGeom>
-        </p:spPr>
-      </p:pic>
-      <p:sp>
-        <p:nvSpPr>
-          <p:cNvPr id="6" name="TextBox 5">
-            <a:extLst>
-              <a:ext uri="{FF2B5EF4-FFF2-40B4-BE49-F238E27FC236}">
-                <a16:creationId xmlns:a16="http://schemas.microsoft.com/office/drawing/2014/main" id="{AF234559-99C1-4DBA-9AA9-B55DB21FFFF1}"/>
-              </a:ext>
-            </a:extLst>
-          </p:cNvPr>
-          <p:cNvSpPr txBox="1"/>
-          <p:nvPr/>
-        </p:nvSpPr>
-        <p:spPr>
-          <a:xfrm>
-            <a:off x="1392573" y="486561"/>
-            <a:ext cx="9068499" cy="369332"/>
-          </a:xfrm>
-          <a:prstGeom prst="rect">
-            <a:avLst/>
-          </a:prstGeom>
-          <a:noFill/>
-        </p:spPr>
-        <p:txBody>
-          <a:bodyPr wrap="square" rtlCol="0">
-            <a:spAutoFit/>
-          </a:bodyPr>
-          <a:lstStyle/>
-          <a:p>
-            <a:r>
-              <a:rPr lang="en-GB" dirty="0"/>
-              <a:t>Heatmap of the Binomial model which detects 208 motifs: </a:t>
-            </a:r>
-          </a:p>
-        </p:txBody>
-      </p:sp>
-    </p:spTree>
-    <p:extLst>
-      <p:ext uri="{BB962C8B-B14F-4D97-AF65-F5344CB8AC3E}">
-        <p14:creationId xmlns:p14="http://schemas.microsoft.com/office/powerpoint/2010/main" val="1479363705"/>
-      </p:ext>
-    </p:extLst>
-  </p:cSld>
-  <p:clrMapOvr>
-    <a:masterClrMapping/>
-  </p:clrMapOvr>
-</p:sld>
-</file>
-
-<file path=ppt/slides/slide25.xml><?xml version="1.0" encoding="utf-8"?>
-<p:sld xmlns:a="http://schemas.openxmlformats.org/drawingml/2006/main" xmlns:r="http://schemas.openxmlformats.org/officeDocument/2006/relationships" xmlns:p="http://schemas.openxmlformats.org/presentationml/2006/main">
-  <p:cSld>
-    <p:spTree>
-      <p:nvGrpSpPr>
-        <p:cNvPr id="1" name=""/>
-        <p:cNvGrpSpPr/>
-        <p:nvPr/>
-      </p:nvGrpSpPr>
-      <p:grpSpPr>
-        <a:xfrm>
-          <a:off x="0" y="0"/>
-          <a:ext cx="0" cy="0"/>
-          <a:chOff x="0" y="0"/>
-          <a:chExt cx="0" cy="0"/>
-        </a:xfrm>
-      </p:grpSpPr>
-      <p:sp>
-        <p:nvSpPr>
-          <p:cNvPr id="5" name="TextBox 4">
-            <a:extLst>
-              <a:ext uri="{FF2B5EF4-FFF2-40B4-BE49-F238E27FC236}">
-                <a16:creationId xmlns:a16="http://schemas.microsoft.com/office/drawing/2014/main" id="{A88EBD0B-FD81-4C03-A072-9D72C97A026F}"/>
-              </a:ext>
-            </a:extLst>
-          </p:cNvPr>
-          <p:cNvSpPr txBox="1"/>
-          <p:nvPr/>
-        </p:nvSpPr>
-        <p:spPr>
-          <a:xfrm>
-            <a:off x="1046666" y="472783"/>
-            <a:ext cx="3212983" cy="2585323"/>
-          </a:xfrm>
-          <a:prstGeom prst="rect">
-            <a:avLst/>
-          </a:prstGeom>
-          <a:noFill/>
-        </p:spPr>
-        <p:txBody>
-          <a:bodyPr wrap="square" rtlCol="0">
-            <a:spAutoFit/>
-          </a:bodyPr>
-          <a:lstStyle/>
-          <a:p>
-            <a:r>
-              <a:rPr lang="en-GB" dirty="0"/>
-              <a:t>For some of the large Binomial motifs, we present the projection strengths of each neuron to each region, color-coded by the corresponding Bayesian allocations. There are ten motifs identified by the Binomial model with more than 100 allocated neurons.</a:t>
-            </a:r>
-          </a:p>
-        </p:txBody>
-      </p:sp>
-      <p:pic>
-        <p:nvPicPr>
-          <p:cNvPr id="7" name="Picture 6">
-            <a:extLst>
-              <a:ext uri="{FF2B5EF4-FFF2-40B4-BE49-F238E27FC236}">
-                <a16:creationId xmlns:a16="http://schemas.microsoft.com/office/drawing/2014/main" id="{39C95951-B78D-4AB2-810E-50388AE07FFC}"/>
-              </a:ext>
-            </a:extLst>
-          </p:cNvPr>
-          <p:cNvPicPr>
-            <a:picLocks noChangeAspect="1"/>
-          </p:cNvPicPr>
-          <p:nvPr/>
-        </p:nvPicPr>
-        <p:blipFill>
-          <a:blip r:embed="rId2">
-            <a:extLst>
-              <a:ext uri="{28A0092B-C50C-407E-A947-70E740481C1C}">
-                <a14:useLocalDpi xmlns:a14="http://schemas.microsoft.com/office/drawing/2010/main" val="0"/>
-              </a:ext>
-            </a:extLst>
-          </a:blip>
-          <a:stretch>
-            <a:fillRect/>
-          </a:stretch>
-        </p:blipFill>
-        <p:spPr>
-          <a:xfrm>
-            <a:off x="499146" y="3429000"/>
-            <a:ext cx="4805474" cy="3003422"/>
-          </a:xfrm>
-          <a:prstGeom prst="rect">
-            <a:avLst/>
-          </a:prstGeom>
-        </p:spPr>
-      </p:pic>
-      <p:pic>
-        <p:nvPicPr>
-          <p:cNvPr id="9" name="Picture 8">
-            <a:extLst>
-              <a:ext uri="{FF2B5EF4-FFF2-40B4-BE49-F238E27FC236}">
-                <a16:creationId xmlns:a16="http://schemas.microsoft.com/office/drawing/2014/main" id="{F5AB2A54-574A-4F53-ACFC-98B861F8670E}"/>
-              </a:ext>
-            </a:extLst>
-          </p:cNvPr>
-          <p:cNvPicPr>
-            <a:picLocks noChangeAspect="1"/>
-          </p:cNvPicPr>
-          <p:nvPr/>
-        </p:nvPicPr>
-        <p:blipFill>
-          <a:blip r:embed="rId3">
-            <a:extLst>
-              <a:ext uri="{28A0092B-C50C-407E-A947-70E740481C1C}">
-                <a14:useLocalDpi xmlns:a14="http://schemas.microsoft.com/office/drawing/2010/main" val="0"/>
-              </a:ext>
-            </a:extLst>
-          </a:blip>
-          <a:stretch>
-            <a:fillRect/>
-          </a:stretch>
-        </p:blipFill>
-        <p:spPr>
-          <a:xfrm>
-            <a:off x="6254689" y="360570"/>
-            <a:ext cx="4407718" cy="2754824"/>
-          </a:xfrm>
-          <a:prstGeom prst="rect">
-            <a:avLst/>
-          </a:prstGeom>
-        </p:spPr>
-      </p:pic>
-      <p:pic>
-        <p:nvPicPr>
-          <p:cNvPr id="11" name="Picture 10">
-            <a:extLst>
-              <a:ext uri="{FF2B5EF4-FFF2-40B4-BE49-F238E27FC236}">
-                <a16:creationId xmlns:a16="http://schemas.microsoft.com/office/drawing/2014/main" id="{C58DD038-879B-44EA-9A60-99D9832B3B00}"/>
-              </a:ext>
-            </a:extLst>
-          </p:cNvPr>
-          <p:cNvPicPr>
-            <a:picLocks noChangeAspect="1"/>
-          </p:cNvPicPr>
-          <p:nvPr/>
-        </p:nvPicPr>
-        <p:blipFill>
-          <a:blip r:embed="rId4">
-            <a:extLst>
-              <a:ext uri="{28A0092B-C50C-407E-A947-70E740481C1C}">
-                <a14:useLocalDpi xmlns:a14="http://schemas.microsoft.com/office/drawing/2010/main" val="0"/>
-              </a:ext>
-            </a:extLst>
-          </a:blip>
-          <a:stretch>
-            <a:fillRect/>
-          </a:stretch>
-        </p:blipFill>
-        <p:spPr>
-          <a:xfrm>
-            <a:off x="6254689" y="3531368"/>
-            <a:ext cx="4516775" cy="2822984"/>
-          </a:xfrm>
-          <a:prstGeom prst="rect">
-            <a:avLst/>
-          </a:prstGeom>
-        </p:spPr>
-      </p:pic>
-    </p:spTree>
-    <p:extLst>
-      <p:ext uri="{BB962C8B-B14F-4D97-AF65-F5344CB8AC3E}">
-        <p14:creationId xmlns:p14="http://schemas.microsoft.com/office/powerpoint/2010/main" val="1423286353"/>
-      </p:ext>
-    </p:extLst>
-  </p:cSld>
-  <p:clrMapOvr>
-    <a:masterClrMapping/>
-  </p:clrMapOvr>
-</p:sld>
-</file>
-
-<file path=ppt/slides/slide26.xml><?xml version="1.0" encoding="utf-8"?>
-<p:sld xmlns:a="http://schemas.openxmlformats.org/drawingml/2006/main" xmlns:r="http://schemas.openxmlformats.org/officeDocument/2006/relationships" xmlns:p="http://schemas.openxmlformats.org/presentationml/2006/main">
-  <p:cSld>
-    <p:spTree>
-      <p:nvGrpSpPr>
-        <p:cNvPr id="1" name=""/>
-        <p:cNvGrpSpPr/>
-        <p:nvPr/>
-      </p:nvGrpSpPr>
-      <p:grpSpPr>
-        <a:xfrm>
-          <a:off x="0" y="0"/>
-          <a:ext cx="0" cy="0"/>
-          <a:chOff x="0" y="0"/>
-          <a:chExt cx="0" cy="0"/>
-        </a:xfrm>
-      </p:grpSpPr>
-      <p:sp>
-        <p:nvSpPr>
-          <p:cNvPr id="4" name="Title 1">
-            <a:extLst>
-              <a:ext uri="{FF2B5EF4-FFF2-40B4-BE49-F238E27FC236}">
-                <a16:creationId xmlns:a16="http://schemas.microsoft.com/office/drawing/2014/main" id="{2477414C-7355-4DF6-BAE9-A415B505CE03}"/>
-              </a:ext>
-            </a:extLst>
-          </p:cNvPr>
-          <p:cNvSpPr>
-            <a:spLocks noGrp="1"/>
-          </p:cNvSpPr>
-          <p:nvPr>
-            <p:ph type="title"/>
-          </p:nvPr>
-        </p:nvSpPr>
-        <p:spPr>
-          <a:xfrm>
-            <a:off x="838200" y="365125"/>
-            <a:ext cx="10515600" cy="1325563"/>
-          </a:xfrm>
-        </p:spPr>
-        <p:txBody>
-          <a:bodyPr>
-            <a:normAutofit/>
-          </a:bodyPr>
-          <a:lstStyle/>
-          <a:p>
-            <a:r>
-              <a:rPr lang="en-GB" sz="2000" dirty="0"/>
-              <a:t>Comparison of cluster estimates using VI (values shown are standardized to range [0,1])</a:t>
-            </a:r>
-          </a:p>
-        </p:txBody>
-      </p:sp>
-      <p:pic>
-        <p:nvPicPr>
-          <p:cNvPr id="6" name="Picture 5">
-            <a:extLst>
-              <a:ext uri="{FF2B5EF4-FFF2-40B4-BE49-F238E27FC236}">
-                <a16:creationId xmlns:a16="http://schemas.microsoft.com/office/drawing/2014/main" id="{066A1229-727C-4E86-9206-0D4020821944}"/>
-              </a:ext>
-            </a:extLst>
-          </p:cNvPr>
-          <p:cNvPicPr>
-            <a:picLocks noChangeAspect="1"/>
-          </p:cNvPicPr>
-          <p:nvPr/>
-        </p:nvPicPr>
-        <p:blipFill>
-          <a:blip r:embed="rId2">
-            <a:extLst>
-              <a:ext uri="{28A0092B-C50C-407E-A947-70E740481C1C}">
-                <a14:useLocalDpi xmlns:a14="http://schemas.microsoft.com/office/drawing/2010/main" val="0"/>
-              </a:ext>
-            </a:extLst>
-          </a:blip>
-          <a:stretch>
-            <a:fillRect/>
-          </a:stretch>
-        </p:blipFill>
-        <p:spPr>
-          <a:xfrm>
-            <a:off x="838200" y="2513540"/>
-            <a:ext cx="5410955" cy="790685"/>
-          </a:xfrm>
-          <a:prstGeom prst="rect">
-            <a:avLst/>
-          </a:prstGeom>
-        </p:spPr>
-      </p:pic>
-    </p:spTree>
-    <p:extLst>
-      <p:ext uri="{BB962C8B-B14F-4D97-AF65-F5344CB8AC3E}">
-        <p14:creationId xmlns:p14="http://schemas.microsoft.com/office/powerpoint/2010/main" val="3809036169"/>
+        <p14:creationId xmlns:p14="http://schemas.microsoft.com/office/powerpoint/2010/main" val="1301081757"/>
       </p:ext>
     </p:extLst>
   </p:cSld>
@@ -6710,10 +6791,10 @@
       </p:sp>
       <p:pic>
         <p:nvPicPr>
-          <p:cNvPr id="6" name="Picture 5">
-            <a:extLst>
-              <a:ext uri="{FF2B5EF4-FFF2-40B4-BE49-F238E27FC236}">
-                <a16:creationId xmlns:a16="http://schemas.microsoft.com/office/drawing/2014/main" id="{966B9A80-CA77-4D5F-B5D7-7A88AF3164ED}"/>
+          <p:cNvPr id="3" name="Picture 2">
+            <a:extLst>
+              <a:ext uri="{FF2B5EF4-FFF2-40B4-BE49-F238E27FC236}">
+                <a16:creationId xmlns:a16="http://schemas.microsoft.com/office/drawing/2014/main" id="{EF873782-F378-4B07-A2BE-AB4DC7093C7D}"/>
               </a:ext>
             </a:extLst>
           </p:cNvPr>
@@ -6811,10 +6892,10 @@
       </p:sp>
       <p:pic>
         <p:nvPicPr>
-          <p:cNvPr id="6" name="Picture 5">
-            <a:extLst>
-              <a:ext uri="{FF2B5EF4-FFF2-40B4-BE49-F238E27FC236}">
-                <a16:creationId xmlns:a16="http://schemas.microsoft.com/office/drawing/2014/main" id="{A0976DE9-8D6D-4493-A40F-D1D72F7E36FA}"/>
+          <p:cNvPr id="3" name="Picture 2">
+            <a:extLst>
+              <a:ext uri="{FF2B5EF4-FFF2-40B4-BE49-F238E27FC236}">
+                <a16:creationId xmlns:a16="http://schemas.microsoft.com/office/drawing/2014/main" id="{967629A5-D9D5-4AB0-82A6-0B403D546676}"/>
               </a:ext>
             </a:extLst>
           </p:cNvPr>
@@ -6915,10 +6996,10 @@
       </p:sp>
       <p:pic>
         <p:nvPicPr>
-          <p:cNvPr id="6" name="Picture 5">
-            <a:extLst>
-              <a:ext uri="{FF2B5EF4-FFF2-40B4-BE49-F238E27FC236}">
-                <a16:creationId xmlns:a16="http://schemas.microsoft.com/office/drawing/2014/main" id="{277DB8FE-B930-4BE8-87BB-389EF31B1B17}"/>
+          <p:cNvPr id="3" name="Picture 2">
+            <a:extLst>
+              <a:ext uri="{FF2B5EF4-FFF2-40B4-BE49-F238E27FC236}">
+                <a16:creationId xmlns:a16="http://schemas.microsoft.com/office/drawing/2014/main" id="{B7F82D4C-06B5-4AAD-A269-EABC31C43D10}"/>
               </a:ext>
             </a:extLst>
           </p:cNvPr>
@@ -6941,8 +7022,8 @@
         </p:blipFill>
         <p:spPr>
           <a:xfrm>
-            <a:off x="359720" y="360378"/>
-            <a:ext cx="11297000" cy="6455429"/>
+            <a:off x="661419" y="365358"/>
+            <a:ext cx="10869161" cy="6210949"/>
           </a:xfrm>
           <a:prstGeom prst="rect">
             <a:avLst/>
@@ -6981,48 +7062,45 @@
       </p:grpSpPr>
       <p:sp>
         <p:nvSpPr>
-          <p:cNvPr id="4" name="TextBox 3">
-            <a:extLst>
-              <a:ext uri="{FF2B5EF4-FFF2-40B4-BE49-F238E27FC236}">
-                <a16:creationId xmlns:a16="http://schemas.microsoft.com/office/drawing/2014/main" id="{B91FCB69-3CC7-4B63-A633-926F87EA91EF}"/>
-              </a:ext>
-            </a:extLst>
-          </p:cNvPr>
-          <p:cNvSpPr txBox="1"/>
-          <p:nvPr/>
+          <p:cNvPr id="4" name="Title 1">
+            <a:extLst>
+              <a:ext uri="{FF2B5EF4-FFF2-40B4-BE49-F238E27FC236}">
+                <a16:creationId xmlns:a16="http://schemas.microsoft.com/office/drawing/2014/main" id="{BB2FB8EC-A971-4627-94CE-45DCF4666838}"/>
+              </a:ext>
+            </a:extLst>
+          </p:cNvPr>
+          <p:cNvSpPr>
+            <a:spLocks noGrp="1"/>
+          </p:cNvSpPr>
+          <p:nvPr>
+            <p:ph type="title"/>
+          </p:nvPr>
         </p:nvSpPr>
         <p:spPr>
           <a:xfrm>
-            <a:off x="535280" y="100916"/>
-            <a:ext cx="11121440" cy="323165"/>
+            <a:off x="838200" y="365125"/>
+            <a:ext cx="10515600" cy="1027447"/>
           </a:xfrm>
-          <a:prstGeom prst="rect">
-            <a:avLst/>
-          </a:prstGeom>
-          <a:noFill/>
         </p:spPr>
         <p:txBody>
-          <a:bodyPr wrap="square">
-            <a:spAutoFit/>
+          <a:bodyPr>
+            <a:normAutofit/>
           </a:bodyPr>
           <a:lstStyle/>
           <a:p>
-            <a:pPr marL="0" indent="0">
-              <a:buNone/>
-            </a:pPr>
             <a:r>
               <a:rPr lang="en-GB" sz="1500" dirty="0"/>
-              <a:t>Projection probabilities of neurons in each cluster, color-coded by the EC:</a:t>
+              <a:t>Heatmap of posterior similarity matrix</a:t>
             </a:r>
           </a:p>
         </p:txBody>
       </p:sp>
       <p:pic>
         <p:nvPicPr>
-          <p:cNvPr id="6" name="Picture 5">
-            <a:extLst>
-              <a:ext uri="{FF2B5EF4-FFF2-40B4-BE49-F238E27FC236}">
-                <a16:creationId xmlns:a16="http://schemas.microsoft.com/office/drawing/2014/main" id="{78F19F8A-4E62-4B3D-A9A4-F17AA31B0984}"/>
+          <p:cNvPr id="3" name="Picture 2">
+            <a:extLst>
+              <a:ext uri="{FF2B5EF4-FFF2-40B4-BE49-F238E27FC236}">
+                <a16:creationId xmlns:a16="http://schemas.microsoft.com/office/drawing/2014/main" id="{2D63DB4E-6B94-4371-B299-D4F09F90D136}"/>
               </a:ext>
             </a:extLst>
           </p:cNvPr>
@@ -7045,8 +7123,44 @@
         </p:blipFill>
         <p:spPr>
           <a:xfrm>
-            <a:off x="251670" y="424081"/>
-            <a:ext cx="11121440" cy="6116792"/>
+            <a:off x="6141789" y="1081829"/>
+            <a:ext cx="5212011" cy="5212011"/>
+          </a:xfrm>
+          <a:prstGeom prst="rect">
+            <a:avLst/>
+          </a:prstGeom>
+        </p:spPr>
+      </p:pic>
+      <p:pic>
+        <p:nvPicPr>
+          <p:cNvPr id="7" name="Picture 6">
+            <a:extLst>
+              <a:ext uri="{FF2B5EF4-FFF2-40B4-BE49-F238E27FC236}">
+                <a16:creationId xmlns:a16="http://schemas.microsoft.com/office/drawing/2014/main" id="{A08C04D4-F176-4E54-AE79-BB53C692E7C6}"/>
+              </a:ext>
+            </a:extLst>
+          </p:cNvPr>
+          <p:cNvPicPr>
+            <a:picLocks noChangeAspect="1"/>
+          </p:cNvPicPr>
+          <p:nvPr/>
+        </p:nvPicPr>
+        <p:blipFill>
+          <a:blip r:embed="rId3">
+            <a:extLst>
+              <a:ext uri="{28A0092B-C50C-407E-A947-70E740481C1C}">
+                <a14:useLocalDpi xmlns:a14="http://schemas.microsoft.com/office/drawing/2010/main" val="0"/>
+              </a:ext>
+            </a:extLst>
+          </a:blip>
+          <a:stretch>
+            <a:fillRect/>
+          </a:stretch>
+        </p:blipFill>
+        <p:spPr>
+          <a:xfrm>
+            <a:off x="400225" y="1081829"/>
+            <a:ext cx="5212011" cy="5212011"/>
           </a:xfrm>
           <a:prstGeom prst="rect">
             <a:avLst/>
@@ -7056,7 +7170,7 @@
     </p:spTree>
     <p:extLst>
       <p:ext uri="{BB962C8B-B14F-4D97-AF65-F5344CB8AC3E}">
-        <p14:creationId xmlns:p14="http://schemas.microsoft.com/office/powerpoint/2010/main" val="1897945006"/>
+        <p14:creationId xmlns:p14="http://schemas.microsoft.com/office/powerpoint/2010/main" val="3079009305"/>
       </p:ext>
     </p:extLst>
   </p:cSld>
@@ -7088,7 +7202,7 @@
           <p:cNvPr id="4" name="Title 1">
             <a:extLst>
               <a:ext uri="{FF2B5EF4-FFF2-40B4-BE49-F238E27FC236}">
-                <a16:creationId xmlns:a16="http://schemas.microsoft.com/office/drawing/2014/main" id="{BB2FB8EC-A971-4627-94CE-45DCF4666838}"/>
+                <a16:creationId xmlns:a16="http://schemas.microsoft.com/office/drawing/2014/main" id="{01D44790-17AF-4529-A4AF-8444C144A314}"/>
               </a:ext>
             </a:extLst>
           </p:cNvPr>
@@ -7101,8 +7215,8 @@
         </p:nvSpPr>
         <p:spPr>
           <a:xfrm>
-            <a:off x="838200" y="365125"/>
-            <a:ext cx="10515600" cy="1027447"/>
+            <a:off x="838200" y="365126"/>
+            <a:ext cx="10515600" cy="503238"/>
           </a:xfrm>
         </p:spPr>
         <p:txBody>
@@ -7113,17 +7227,17 @@
           <a:p>
             <a:r>
               <a:rPr lang="en-GB" sz="1500" dirty="0"/>
-              <a:t>Heatmap of posterior similarity matrix</a:t>
+              <a:t>Projection strength of neurons, reordered by the allocations.</a:t>
             </a:r>
           </a:p>
         </p:txBody>
       </p:sp>
       <p:pic>
         <p:nvPicPr>
-          <p:cNvPr id="6" name="Picture 5">
-            <a:extLst>
-              <a:ext uri="{FF2B5EF4-FFF2-40B4-BE49-F238E27FC236}">
-                <a16:creationId xmlns:a16="http://schemas.microsoft.com/office/drawing/2014/main" id="{F8D394FB-B57E-4D21-9D61-9777D1A24FB3}"/>
+          <p:cNvPr id="3" name="Picture 2">
+            <a:extLst>
+              <a:ext uri="{FF2B5EF4-FFF2-40B4-BE49-F238E27FC236}">
+                <a16:creationId xmlns:a16="http://schemas.microsoft.com/office/drawing/2014/main" id="{5E93330B-B9AC-44D9-AB22-A473DB17E1DD}"/>
               </a:ext>
             </a:extLst>
           </p:cNvPr>
@@ -7146,44 +7260,8 @@
         </p:blipFill>
         <p:spPr>
           <a:xfrm>
-            <a:off x="432732" y="1369357"/>
-            <a:ext cx="5215506" cy="5215506"/>
-          </a:xfrm>
-          <a:prstGeom prst="rect">
-            <a:avLst/>
-          </a:prstGeom>
-        </p:spPr>
-      </p:pic>
-      <p:pic>
-        <p:nvPicPr>
-          <p:cNvPr id="8" name="Picture 7">
-            <a:extLst>
-              <a:ext uri="{FF2B5EF4-FFF2-40B4-BE49-F238E27FC236}">
-                <a16:creationId xmlns:a16="http://schemas.microsoft.com/office/drawing/2014/main" id="{FACFD8ED-3220-4171-8AA2-BA782351F0A8}"/>
-              </a:ext>
-            </a:extLst>
-          </p:cNvPr>
-          <p:cNvPicPr>
-            <a:picLocks noChangeAspect="1"/>
-          </p:cNvPicPr>
-          <p:nvPr/>
-        </p:nvPicPr>
-        <p:blipFill>
-          <a:blip r:embed="rId3">
-            <a:extLst>
-              <a:ext uri="{28A0092B-C50C-407E-A947-70E740481C1C}">
-                <a14:useLocalDpi xmlns:a14="http://schemas.microsoft.com/office/drawing/2010/main" val="0"/>
-              </a:ext>
-            </a:extLst>
-          </a:blip>
-          <a:stretch>
-            <a:fillRect/>
-          </a:stretch>
-        </p:blipFill>
-        <p:spPr>
-          <a:xfrm>
-            <a:off x="6096000" y="1369357"/>
-            <a:ext cx="5215506" cy="5215506"/>
+            <a:off x="838200" y="926779"/>
+            <a:ext cx="5566095" cy="5566095"/>
           </a:xfrm>
           <a:prstGeom prst="rect">
             <a:avLst/>
@@ -7193,7 +7271,7 @@
     </p:spTree>
     <p:extLst>
       <p:ext uri="{BB962C8B-B14F-4D97-AF65-F5344CB8AC3E}">
-        <p14:creationId xmlns:p14="http://schemas.microsoft.com/office/powerpoint/2010/main" val="3079009305"/>
+        <p14:creationId xmlns:p14="http://schemas.microsoft.com/office/powerpoint/2010/main" val="3355012088"/>
       </p:ext>
     </p:extLst>
   </p:cSld>
@@ -7222,10 +7300,10 @@
       </p:grpSpPr>
       <p:sp>
         <p:nvSpPr>
-          <p:cNvPr id="4" name="Title 1">
-            <a:extLst>
-              <a:ext uri="{FF2B5EF4-FFF2-40B4-BE49-F238E27FC236}">
-                <a16:creationId xmlns:a16="http://schemas.microsoft.com/office/drawing/2014/main" id="{01D44790-17AF-4529-A4AF-8444C144A314}"/>
+          <p:cNvPr id="4" name="Content Placeholder 2">
+            <a:extLst>
+              <a:ext uri="{FF2B5EF4-FFF2-40B4-BE49-F238E27FC236}">
+                <a16:creationId xmlns:a16="http://schemas.microsoft.com/office/drawing/2014/main" id="{29CB1825-1378-4A63-8816-5B37B3DE9214}"/>
               </a:ext>
             </a:extLst>
           </p:cNvPr>
@@ -7233,13 +7311,13 @@
             <a:spLocks noGrp="1"/>
           </p:cNvSpPr>
           <p:nvPr>
-            <p:ph type="title"/>
+            <p:ph idx="1"/>
           </p:nvPr>
         </p:nvSpPr>
         <p:spPr>
           <a:xfrm>
-            <a:off x="838200" y="365126"/>
-            <a:ext cx="10515600" cy="503238"/>
+            <a:off x="838200" y="525332"/>
+            <a:ext cx="10515600" cy="724628"/>
           </a:xfrm>
         </p:spPr>
         <p:txBody>
@@ -7248,19 +7326,22 @@
           </a:bodyPr>
           <a:lstStyle/>
           <a:p>
+            <a:pPr marL="0" indent="0">
+              <a:buNone/>
+            </a:pPr>
             <a:r>
               <a:rPr lang="en-GB" sz="1500" dirty="0"/>
-              <a:t>Projection strength of neurons, reordered by the allocations.</a:t>
+              <a:t>Distribution of the sum of counts across all brain regions for neurons within each cluster:</a:t>
             </a:r>
           </a:p>
         </p:txBody>
       </p:sp>
       <p:pic>
         <p:nvPicPr>
-          <p:cNvPr id="6" name="Picture 5">
-            <a:extLst>
-              <a:ext uri="{FF2B5EF4-FFF2-40B4-BE49-F238E27FC236}">
-                <a16:creationId xmlns:a16="http://schemas.microsoft.com/office/drawing/2014/main" id="{0CCC8BD5-63A0-4019-B5A6-66308B00E084}"/>
+          <p:cNvPr id="3" name="Picture 2">
+            <a:extLst>
+              <a:ext uri="{FF2B5EF4-FFF2-40B4-BE49-F238E27FC236}">
+                <a16:creationId xmlns:a16="http://schemas.microsoft.com/office/drawing/2014/main" id="{8C106C78-D0EF-46D0-903A-4C420DAFFCED}"/>
               </a:ext>
             </a:extLst>
           </p:cNvPr>
@@ -7283,8 +7364,8 @@
         </p:blipFill>
         <p:spPr>
           <a:xfrm>
-            <a:off x="527807" y="868364"/>
-            <a:ext cx="5490594" cy="5490594"/>
+            <a:off x="0" y="1234440"/>
+            <a:ext cx="12192000" cy="4389120"/>
           </a:xfrm>
           <a:prstGeom prst="rect">
             <a:avLst/>
@@ -7294,7 +7375,7 @@
     </p:spTree>
     <p:extLst>
       <p:ext uri="{BB962C8B-B14F-4D97-AF65-F5344CB8AC3E}">
-        <p14:creationId xmlns:p14="http://schemas.microsoft.com/office/powerpoint/2010/main" val="3355012088"/>
+        <p14:creationId xmlns:p14="http://schemas.microsoft.com/office/powerpoint/2010/main" val="4180811600"/>
       </p:ext>
     </p:extLst>
   </p:cSld>
@@ -7323,48 +7404,45 @@
       </p:grpSpPr>
       <p:sp>
         <p:nvSpPr>
-          <p:cNvPr id="4" name="Content Placeholder 2">
-            <a:extLst>
-              <a:ext uri="{FF2B5EF4-FFF2-40B4-BE49-F238E27FC236}">
-                <a16:creationId xmlns:a16="http://schemas.microsoft.com/office/drawing/2014/main" id="{29CB1825-1378-4A63-8816-5B37B3DE9214}"/>
-              </a:ext>
-            </a:extLst>
-          </p:cNvPr>
-          <p:cNvSpPr>
-            <a:spLocks noGrp="1"/>
-          </p:cNvSpPr>
-          <p:nvPr>
-            <p:ph idx="1"/>
-          </p:nvPr>
+          <p:cNvPr id="4" name="TextBox 3">
+            <a:extLst>
+              <a:ext uri="{FF2B5EF4-FFF2-40B4-BE49-F238E27FC236}">
+                <a16:creationId xmlns:a16="http://schemas.microsoft.com/office/drawing/2014/main" id="{5E93AB38-572B-4D75-978D-705B488F27ED}"/>
+              </a:ext>
+            </a:extLst>
+          </p:cNvPr>
+          <p:cNvSpPr txBox="1"/>
+          <p:nvPr/>
         </p:nvSpPr>
         <p:spPr>
           <a:xfrm>
-            <a:off x="838200" y="525332"/>
-            <a:ext cx="10515600" cy="724628"/>
+            <a:off x="983609" y="687789"/>
+            <a:ext cx="6094602" cy="323165"/>
           </a:xfrm>
+          <a:prstGeom prst="rect">
+            <a:avLst/>
+          </a:prstGeom>
+          <a:noFill/>
         </p:spPr>
         <p:txBody>
-          <a:bodyPr>
-            <a:normAutofit/>
+          <a:bodyPr wrap="square">
+            <a:spAutoFit/>
           </a:bodyPr>
           <a:lstStyle/>
           <a:p>
-            <a:pPr marL="0" indent="0">
-              <a:buNone/>
-            </a:pPr>
             <a:r>
               <a:rPr lang="en-GB" sz="1500" dirty="0"/>
-              <a:t>Distribution of the sum of counts across all brain regions for neurons within each cluster:</a:t>
+              <a:t>Comparison of allocation proportions across any two mice:</a:t>
             </a:r>
           </a:p>
         </p:txBody>
       </p:sp>
       <p:pic>
         <p:nvPicPr>
-          <p:cNvPr id="6" name="Picture 5">
-            <a:extLst>
-              <a:ext uri="{FF2B5EF4-FFF2-40B4-BE49-F238E27FC236}">
-                <a16:creationId xmlns:a16="http://schemas.microsoft.com/office/drawing/2014/main" id="{B364647A-D486-4ADA-9F57-F72ABF679ABF}"/>
+          <p:cNvPr id="3" name="Picture 2">
+            <a:extLst>
+              <a:ext uri="{FF2B5EF4-FFF2-40B4-BE49-F238E27FC236}">
+                <a16:creationId xmlns:a16="http://schemas.microsoft.com/office/drawing/2014/main" id="{BDC9D30F-321F-430B-942C-BE9D38F0DBEE}"/>
               </a:ext>
             </a:extLst>
           </p:cNvPr>
@@ -7387,8 +7465,8 @@
         </p:blipFill>
         <p:spPr>
           <a:xfrm>
-            <a:off x="0" y="1234440"/>
-            <a:ext cx="12192000" cy="4389120"/>
+            <a:off x="0" y="1600200"/>
+            <a:ext cx="12192000" cy="3657600"/>
           </a:xfrm>
           <a:prstGeom prst="rect">
             <a:avLst/>
@@ -7398,7 +7476,7 @@
     </p:spTree>
     <p:extLst>
       <p:ext uri="{BB962C8B-B14F-4D97-AF65-F5344CB8AC3E}">
-        <p14:creationId xmlns:p14="http://schemas.microsoft.com/office/powerpoint/2010/main" val="4180811600"/>
+        <p14:creationId xmlns:p14="http://schemas.microsoft.com/office/powerpoint/2010/main" val="2720887239"/>
       </p:ext>
     </p:extLst>
   </p:cSld>

--- a/jinlu/EC_new.pptx
+++ b/jinlu/EC_new.pptx
@@ -6,23 +6,23 @@
   </p:sldMasterIdLst>
   <p:sldIdLst>
     <p:sldId id="256" r:id="rId2"/>
-    <p:sldId id="257" r:id="rId3"/>
-    <p:sldId id="258" r:id="rId4"/>
-    <p:sldId id="259" r:id="rId5"/>
-    <p:sldId id="260" r:id="rId6"/>
-    <p:sldId id="262" r:id="rId7"/>
-    <p:sldId id="263" r:id="rId8"/>
-    <p:sldId id="264" r:id="rId9"/>
-    <p:sldId id="265" r:id="rId10"/>
-    <p:sldId id="272" r:id="rId11"/>
-    <p:sldId id="273" r:id="rId12"/>
-    <p:sldId id="274" r:id="rId13"/>
-    <p:sldId id="275" r:id="rId14"/>
-    <p:sldId id="276" r:id="rId15"/>
-    <p:sldId id="277" r:id="rId16"/>
-    <p:sldId id="278" r:id="rId17"/>
-    <p:sldId id="279" r:id="rId18"/>
-    <p:sldId id="281" r:id="rId19"/>
+    <p:sldId id="284" r:id="rId3"/>
+    <p:sldId id="257" r:id="rId4"/>
+    <p:sldId id="258" r:id="rId5"/>
+    <p:sldId id="259" r:id="rId6"/>
+    <p:sldId id="260" r:id="rId7"/>
+    <p:sldId id="262" r:id="rId8"/>
+    <p:sldId id="263" r:id="rId9"/>
+    <p:sldId id="264" r:id="rId10"/>
+    <p:sldId id="265" r:id="rId11"/>
+    <p:sldId id="272" r:id="rId12"/>
+    <p:sldId id="273" r:id="rId13"/>
+    <p:sldId id="274" r:id="rId14"/>
+    <p:sldId id="275" r:id="rId15"/>
+    <p:sldId id="276" r:id="rId16"/>
+    <p:sldId id="277" r:id="rId17"/>
+    <p:sldId id="278" r:id="rId18"/>
+    <p:sldId id="279" r:id="rId19"/>
     <p:sldId id="283" r:id="rId20"/>
     <p:sldId id="282" r:id="rId21"/>
   </p:sldIdLst>
@@ -129,6 +129,7 @@
         <p14:section name="Default Section" id="{ACA553DF-F81F-4C69-890A-833E338E17B0}">
           <p14:sldIdLst>
             <p14:sldId id="256"/>
+            <p14:sldId id="284"/>
             <p14:sldId id="257"/>
             <p14:sldId id="258"/>
             <p14:sldId id="259"/>
@@ -155,9 +156,8 @@
             <p14:sldId id="279"/>
           </p14:sldIdLst>
         </p14:section>
-        <p14:section name="comparison" id="{8334661D-A758-4F6B-8213-FEE5CC0EDA58}">
+        <p14:section name="Similarity between mice" id="{7059D7A5-976B-41ED-B306-D0D97A5CFAEF}">
           <p14:sldIdLst>
-            <p14:sldId id="281"/>
             <p14:sldId id="283"/>
             <p14:sldId id="282"/>
           </p14:sldIdLst>
@@ -175,8 +175,8 @@
 <pc:chgInfo xmlns:a="http://schemas.openxmlformats.org/drawingml/2006/main" xmlns:r="http://schemas.openxmlformats.org/officeDocument/2006/relationships" xmlns:ac="http://schemas.microsoft.com/office/drawing/2013/main/command" xmlns:pc="http://schemas.microsoft.com/office/powerpoint/2013/main/command">
   <pc:docChgLst>
     <pc:chgData name="Jinlu Liu" userId="78a8ae01-c209-4833-a803-14efb296c1fa" providerId="ADAL" clId="{605EAD0C-2C14-49C9-9B36-055E4CDC6D39}"/>
-    <pc:docChg chg="custSel addSld delSld modSld sldOrd addSection modSection">
-      <pc:chgData name="Jinlu Liu" userId="78a8ae01-c209-4833-a803-14efb296c1fa" providerId="ADAL" clId="{605EAD0C-2C14-49C9-9B36-055E4CDC6D39}" dt="2024-04-12T09:38:25.924" v="432" actId="1076"/>
+    <pc:docChg chg="undo custSel addSld delSld modSld sldOrd addSection delSection modSection">
+      <pc:chgData name="Jinlu Liu" userId="78a8ae01-c209-4833-a803-14efb296c1fa" providerId="ADAL" clId="{605EAD0C-2C14-49C9-9B36-055E4CDC6D39}" dt="2024-04-19T09:00:03.900" v="547" actId="17846"/>
       <pc:docMkLst>
         <pc:docMk/>
       </pc:docMkLst>
@@ -220,7 +220,7 @@
         </pc:spChg>
       </pc:sldChg>
       <pc:sldChg chg="addSp delSp modSp new mod">
-        <pc:chgData name="Jinlu Liu" userId="78a8ae01-c209-4833-a803-14efb296c1fa" providerId="ADAL" clId="{605EAD0C-2C14-49C9-9B36-055E4CDC6D39}" dt="2024-04-12T09:16:44.455" v="337"/>
+        <pc:chgData name="Jinlu Liu" userId="78a8ae01-c209-4833-a803-14efb296c1fa" providerId="ADAL" clId="{605EAD0C-2C14-49C9-9B36-055E4CDC6D39}" dt="2024-04-19T08:53:59.935" v="439" actId="20577"/>
         <pc:sldMkLst>
           <pc:docMk/>
           <pc:sldMk cId="4187908222" sldId="257"/>
@@ -242,15 +242,15 @@
           </ac:spMkLst>
         </pc:spChg>
         <pc:spChg chg="add mod">
-          <ac:chgData name="Jinlu Liu" userId="78a8ae01-c209-4833-a803-14efb296c1fa" providerId="ADAL" clId="{605EAD0C-2C14-49C9-9B36-055E4CDC6D39}" dt="2024-04-12T09:16:31.940" v="336" actId="20577"/>
+          <ac:chgData name="Jinlu Liu" userId="78a8ae01-c209-4833-a803-14efb296c1fa" providerId="ADAL" clId="{605EAD0C-2C14-49C9-9B36-055E4CDC6D39}" dt="2024-04-19T08:53:59.935" v="439" actId="20577"/>
           <ac:spMkLst>
             <pc:docMk/>
             <pc:sldMk cId="4187908222" sldId="257"/>
             <ac:spMk id="4" creationId="{07E12273-FABF-4838-A3AD-E108A4F75E9C}"/>
           </ac:spMkLst>
         </pc:spChg>
-        <pc:picChg chg="add mod">
-          <ac:chgData name="Jinlu Liu" userId="78a8ae01-c209-4833-a803-14efb296c1fa" providerId="ADAL" clId="{605EAD0C-2C14-49C9-9B36-055E4CDC6D39}" dt="2024-04-12T09:16:44.455" v="337"/>
+        <pc:picChg chg="add del mod">
+          <ac:chgData name="Jinlu Liu" userId="78a8ae01-c209-4833-a803-14efb296c1fa" providerId="ADAL" clId="{605EAD0C-2C14-49C9-9B36-055E4CDC6D39}" dt="2024-04-19T08:53:51.402" v="433" actId="478"/>
           <ac:picMkLst>
             <pc:docMk/>
             <pc:sldMk cId="4187908222" sldId="257"/>
@@ -265,6 +265,14 @@
             <ac:picMk id="5" creationId="{57FDE27C-7FD9-424F-995A-988C61709ED9}"/>
           </ac:picMkLst>
         </pc:picChg>
+        <pc:picChg chg="add mod">
+          <ac:chgData name="Jinlu Liu" userId="78a8ae01-c209-4833-a803-14efb296c1fa" providerId="ADAL" clId="{605EAD0C-2C14-49C9-9B36-055E4CDC6D39}" dt="2024-04-19T08:53:54.851" v="434"/>
+          <ac:picMkLst>
+            <pc:docMk/>
+            <pc:sldMk cId="4187908222" sldId="257"/>
+            <ac:picMk id="5" creationId="{DFBB9CE5-2F27-4CEA-BA6D-EF2D7094C21E}"/>
+          </ac:picMkLst>
+        </pc:picChg>
         <pc:picChg chg="add del mod">
           <ac:chgData name="Jinlu Liu" userId="78a8ae01-c209-4833-a803-14efb296c1fa" providerId="ADAL" clId="{605EAD0C-2C14-49C9-9B36-055E4CDC6D39}" dt="2024-04-12T09:16:29.193" v="332" actId="478"/>
           <ac:picMkLst>
@@ -275,7 +283,7 @@
         </pc:picChg>
       </pc:sldChg>
       <pc:sldChg chg="addSp delSp modSp new mod">
-        <pc:chgData name="Jinlu Liu" userId="78a8ae01-c209-4833-a803-14efb296c1fa" providerId="ADAL" clId="{605EAD0C-2C14-49C9-9B36-055E4CDC6D39}" dt="2024-04-12T09:16:54.722" v="339"/>
+        <pc:chgData name="Jinlu Liu" userId="78a8ae01-c209-4833-a803-14efb296c1fa" providerId="ADAL" clId="{605EAD0C-2C14-49C9-9B36-055E4CDC6D39}" dt="2024-04-19T08:54:07.602" v="441"/>
         <pc:sldMkLst>
           <pc:docMk/>
           <pc:sldMk cId="3896668668" sldId="258"/>
@@ -304,14 +312,22 @@
             <ac:spMk id="4" creationId="{46C9519F-335B-450E-9690-4EA4B81F0009}"/>
           </ac:spMkLst>
         </pc:spChg>
-        <pc:picChg chg="add mod">
-          <ac:chgData name="Jinlu Liu" userId="78a8ae01-c209-4833-a803-14efb296c1fa" providerId="ADAL" clId="{605EAD0C-2C14-49C9-9B36-055E4CDC6D39}" dt="2024-04-12T09:16:54.722" v="339"/>
+        <pc:picChg chg="add del mod">
+          <ac:chgData name="Jinlu Liu" userId="78a8ae01-c209-4833-a803-14efb296c1fa" providerId="ADAL" clId="{605EAD0C-2C14-49C9-9B36-055E4CDC6D39}" dt="2024-04-19T08:54:04.239" v="440" actId="478"/>
           <ac:picMkLst>
             <pc:docMk/>
             <pc:sldMk cId="3896668668" sldId="258"/>
             <ac:picMk id="3" creationId="{EF873782-F378-4B07-A2BE-AB4DC7093C7D}"/>
           </ac:picMkLst>
         </pc:picChg>
+        <pc:picChg chg="add mod">
+          <ac:chgData name="Jinlu Liu" userId="78a8ae01-c209-4833-a803-14efb296c1fa" providerId="ADAL" clId="{605EAD0C-2C14-49C9-9B36-055E4CDC6D39}" dt="2024-04-19T08:54:07.602" v="441"/>
+          <ac:picMkLst>
+            <pc:docMk/>
+            <pc:sldMk cId="3896668668" sldId="258"/>
+            <ac:picMk id="5" creationId="{CE25FC9A-00DF-4C90-8D8B-85E0FD5CAA75}"/>
+          </ac:picMkLst>
+        </pc:picChg>
         <pc:picChg chg="add del mod">
           <ac:chgData name="Jinlu Liu" userId="78a8ae01-c209-4833-a803-14efb296c1fa" providerId="ADAL" clId="{605EAD0C-2C14-49C9-9B36-055E4CDC6D39}" dt="2024-04-12T09:16:48.816" v="338" actId="478"/>
           <ac:picMkLst>
@@ -321,8 +337,8 @@
           </ac:picMkLst>
         </pc:picChg>
       </pc:sldChg>
-      <pc:sldChg chg="addSp delSp modSp new mod">
-        <pc:chgData name="Jinlu Liu" userId="78a8ae01-c209-4833-a803-14efb296c1fa" providerId="ADAL" clId="{605EAD0C-2C14-49C9-9B36-055E4CDC6D39}" dt="2024-04-12T09:17:03.771" v="341"/>
+      <pc:sldChg chg="addSp delSp modSp new add del mod">
+        <pc:chgData name="Jinlu Liu" userId="78a8ae01-c209-4833-a803-14efb296c1fa" providerId="ADAL" clId="{605EAD0C-2C14-49C9-9B36-055E4CDC6D39}" dt="2024-04-19T08:54:42.897" v="451" actId="47"/>
         <pc:sldMkLst>
           <pc:docMk/>
           <pc:sldMk cId="2191283333" sldId="259"/>
@@ -351,14 +367,22 @@
             <ac:spMk id="4" creationId="{70279AB2-6084-465F-AAAD-F8E4794ACA96}"/>
           </ac:spMkLst>
         </pc:spChg>
-        <pc:picChg chg="add mod">
-          <ac:chgData name="Jinlu Liu" userId="78a8ae01-c209-4833-a803-14efb296c1fa" providerId="ADAL" clId="{605EAD0C-2C14-49C9-9B36-055E4CDC6D39}" dt="2024-04-12T09:17:03.771" v="341"/>
+        <pc:picChg chg="add del mod">
+          <ac:chgData name="Jinlu Liu" userId="78a8ae01-c209-4833-a803-14efb296c1fa" providerId="ADAL" clId="{605EAD0C-2C14-49C9-9B36-055E4CDC6D39}" dt="2024-04-19T08:54:11.506" v="442" actId="478"/>
           <ac:picMkLst>
             <pc:docMk/>
             <pc:sldMk cId="2191283333" sldId="259"/>
             <ac:picMk id="3" creationId="{967629A5-D9D5-4AB0-82A6-0B403D546676}"/>
           </ac:picMkLst>
         </pc:picChg>
+        <pc:picChg chg="add mod">
+          <ac:chgData name="Jinlu Liu" userId="78a8ae01-c209-4833-a803-14efb296c1fa" providerId="ADAL" clId="{605EAD0C-2C14-49C9-9B36-055E4CDC6D39}" dt="2024-04-19T08:54:14.286" v="443"/>
+          <ac:picMkLst>
+            <pc:docMk/>
+            <pc:sldMk cId="2191283333" sldId="259"/>
+            <ac:picMk id="5" creationId="{5386CE3A-BC92-4871-9E5B-76E5CFFB0E73}"/>
+          </ac:picMkLst>
+        </pc:picChg>
         <pc:picChg chg="add del mod">
           <ac:chgData name="Jinlu Liu" userId="78a8ae01-c209-4833-a803-14efb296c1fa" providerId="ADAL" clId="{605EAD0C-2C14-49C9-9B36-055E4CDC6D39}" dt="2024-04-12T09:16:57.472" v="340" actId="478"/>
           <ac:picMkLst>
@@ -369,7 +393,7 @@
         </pc:picChg>
       </pc:sldChg>
       <pc:sldChg chg="addSp delSp modSp new mod">
-        <pc:chgData name="Jinlu Liu" userId="78a8ae01-c209-4833-a803-14efb296c1fa" providerId="ADAL" clId="{605EAD0C-2C14-49C9-9B36-055E4CDC6D39}" dt="2024-04-12T09:17:24.138" v="345" actId="1076"/>
+        <pc:chgData name="Jinlu Liu" userId="78a8ae01-c209-4833-a803-14efb296c1fa" providerId="ADAL" clId="{605EAD0C-2C14-49C9-9B36-055E4CDC6D39}" dt="2024-04-19T08:54:56.692" v="456" actId="1076"/>
         <pc:sldMkLst>
           <pc:docMk/>
           <pc:sldMk cId="1924944567" sldId="260"/>
@@ -398,12 +422,20 @@
             <ac:spMk id="4" creationId="{7BA59813-A062-4F02-A4E2-F3F9ADAC38F8}"/>
           </ac:spMkLst>
         </pc:spChg>
-        <pc:picChg chg="add mod">
-          <ac:chgData name="Jinlu Liu" userId="78a8ae01-c209-4833-a803-14efb296c1fa" providerId="ADAL" clId="{605EAD0C-2C14-49C9-9B36-055E4CDC6D39}" dt="2024-04-12T09:17:24.138" v="345" actId="1076"/>
+        <pc:picChg chg="add del mod">
+          <ac:chgData name="Jinlu Liu" userId="78a8ae01-c209-4833-a803-14efb296c1fa" providerId="ADAL" clId="{605EAD0C-2C14-49C9-9B36-055E4CDC6D39}" dt="2024-04-19T08:54:47.545" v="452" actId="478"/>
           <ac:picMkLst>
             <pc:docMk/>
             <pc:sldMk cId="1924944567" sldId="260"/>
             <ac:picMk id="3" creationId="{B7F82D4C-06B5-4AAD-A269-EABC31C43D10}"/>
+          </ac:picMkLst>
+        </pc:picChg>
+        <pc:picChg chg="add mod">
+          <ac:chgData name="Jinlu Liu" userId="78a8ae01-c209-4833-a803-14efb296c1fa" providerId="ADAL" clId="{605EAD0C-2C14-49C9-9B36-055E4CDC6D39}" dt="2024-04-19T08:54:56.692" v="456" actId="1076"/>
+          <ac:picMkLst>
+            <pc:docMk/>
+            <pc:sldMk cId="1924944567" sldId="260"/>
+            <ac:picMk id="5" creationId="{536353DC-D66F-497C-8316-42346B986AE3}"/>
           </ac:picMkLst>
         </pc:picChg>
         <pc:picChg chg="add del mod">
@@ -455,7 +487,7 @@
         </pc:picChg>
       </pc:sldChg>
       <pc:sldChg chg="addSp delSp modSp new mod">
-        <pc:chgData name="Jinlu Liu" userId="78a8ae01-c209-4833-a803-14efb296c1fa" providerId="ADAL" clId="{605EAD0C-2C14-49C9-9B36-055E4CDC6D39}" dt="2024-04-12T09:18:00.423" v="358" actId="14100"/>
+        <pc:chgData name="Jinlu Liu" userId="78a8ae01-c209-4833-a803-14efb296c1fa" providerId="ADAL" clId="{605EAD0C-2C14-49C9-9B36-055E4CDC6D39}" dt="2024-04-19T08:55:28.732" v="466" actId="14100"/>
         <pc:sldMkLst>
           <pc:docMk/>
           <pc:sldMk cId="3079009305" sldId="262"/>
@@ -484,14 +516,22 @@
             <ac:spMk id="4" creationId="{BB2FB8EC-A971-4627-94CE-45DCF4666838}"/>
           </ac:spMkLst>
         </pc:spChg>
-        <pc:picChg chg="add mod">
-          <ac:chgData name="Jinlu Liu" userId="78a8ae01-c209-4833-a803-14efb296c1fa" providerId="ADAL" clId="{605EAD0C-2C14-49C9-9B36-055E4CDC6D39}" dt="2024-04-12T09:18:00.423" v="358" actId="14100"/>
+        <pc:picChg chg="add del mod">
+          <ac:chgData name="Jinlu Liu" userId="78a8ae01-c209-4833-a803-14efb296c1fa" providerId="ADAL" clId="{605EAD0C-2C14-49C9-9B36-055E4CDC6D39}" dt="2024-04-19T08:55:01.275" v="457" actId="478"/>
           <ac:picMkLst>
             <pc:docMk/>
             <pc:sldMk cId="3079009305" sldId="262"/>
             <ac:picMk id="3" creationId="{2D63DB4E-6B94-4371-B299-D4F09F90D136}"/>
           </ac:picMkLst>
         </pc:picChg>
+        <pc:picChg chg="add mod">
+          <ac:chgData name="Jinlu Liu" userId="78a8ae01-c209-4833-a803-14efb296c1fa" providerId="ADAL" clId="{605EAD0C-2C14-49C9-9B36-055E4CDC6D39}" dt="2024-04-19T08:55:28.732" v="466" actId="14100"/>
+          <ac:picMkLst>
+            <pc:docMk/>
+            <pc:sldMk cId="3079009305" sldId="262"/>
+            <ac:picMk id="5" creationId="{AB34BBE2-0986-4372-9D63-E9B6092BEF18}"/>
+          </ac:picMkLst>
+        </pc:picChg>
         <pc:picChg chg="add del mod">
           <ac:chgData name="Jinlu Liu" userId="78a8ae01-c209-4833-a803-14efb296c1fa" providerId="ADAL" clId="{605EAD0C-2C14-49C9-9B36-055E4CDC6D39}" dt="2024-04-12T09:17:37.258" v="348" actId="478"/>
           <ac:picMkLst>
@@ -500,14 +540,22 @@
             <ac:picMk id="6" creationId="{F8D394FB-B57E-4D21-9D61-9777D1A24FB3}"/>
           </ac:picMkLst>
         </pc:picChg>
-        <pc:picChg chg="add mod">
-          <ac:chgData name="Jinlu Liu" userId="78a8ae01-c209-4833-a803-14efb296c1fa" providerId="ADAL" clId="{605EAD0C-2C14-49C9-9B36-055E4CDC6D39}" dt="2024-04-12T09:17:48.626" v="353" actId="1076"/>
+        <pc:picChg chg="add del mod">
+          <ac:chgData name="Jinlu Liu" userId="78a8ae01-c209-4833-a803-14efb296c1fa" providerId="ADAL" clId="{605EAD0C-2C14-49C9-9B36-055E4CDC6D39}" dt="2024-04-19T08:55:01.275" v="457" actId="478"/>
           <ac:picMkLst>
             <pc:docMk/>
             <pc:sldMk cId="3079009305" sldId="262"/>
             <ac:picMk id="7" creationId="{A08C04D4-F176-4E54-AE79-BB53C692E7C6}"/>
           </ac:picMkLst>
         </pc:picChg>
+        <pc:picChg chg="add mod">
+          <ac:chgData name="Jinlu Liu" userId="78a8ae01-c209-4833-a803-14efb296c1fa" providerId="ADAL" clId="{605EAD0C-2C14-49C9-9B36-055E4CDC6D39}" dt="2024-04-19T08:55:18.440" v="462" actId="1076"/>
+          <ac:picMkLst>
+            <pc:docMk/>
+            <pc:sldMk cId="3079009305" sldId="262"/>
+            <ac:picMk id="8" creationId="{AE8E6EEA-A94E-4ADB-B8E2-DFAEFF144B8D}"/>
+          </ac:picMkLst>
+        </pc:picChg>
         <pc:picChg chg="add del mod">
           <ac:chgData name="Jinlu Liu" userId="78a8ae01-c209-4833-a803-14efb296c1fa" providerId="ADAL" clId="{605EAD0C-2C14-49C9-9B36-055E4CDC6D39}" dt="2024-04-12T09:17:37.258" v="348" actId="478"/>
           <ac:picMkLst>
@@ -518,7 +566,7 @@
         </pc:picChg>
       </pc:sldChg>
       <pc:sldChg chg="addSp delSp modSp new mod">
-        <pc:chgData name="Jinlu Liu" userId="78a8ae01-c209-4833-a803-14efb296c1fa" providerId="ADAL" clId="{605EAD0C-2C14-49C9-9B36-055E4CDC6D39}" dt="2024-04-12T09:18:14.899" v="362" actId="1076"/>
+        <pc:chgData name="Jinlu Liu" userId="78a8ae01-c209-4833-a803-14efb296c1fa" providerId="ADAL" clId="{605EAD0C-2C14-49C9-9B36-055E4CDC6D39}" dt="2024-04-19T08:55:44.059" v="470" actId="1076"/>
         <pc:sldMkLst>
           <pc:docMk/>
           <pc:sldMk cId="3355012088" sldId="263"/>
@@ -547,14 +595,22 @@
             <ac:spMk id="4" creationId="{01D44790-17AF-4529-A4AF-8444C144A314}"/>
           </ac:spMkLst>
         </pc:spChg>
-        <pc:picChg chg="add mod">
-          <ac:chgData name="Jinlu Liu" userId="78a8ae01-c209-4833-a803-14efb296c1fa" providerId="ADAL" clId="{605EAD0C-2C14-49C9-9B36-055E4CDC6D39}" dt="2024-04-12T09:18:14.899" v="362" actId="1076"/>
+        <pc:picChg chg="add del mod">
+          <ac:chgData name="Jinlu Liu" userId="78a8ae01-c209-4833-a803-14efb296c1fa" providerId="ADAL" clId="{605EAD0C-2C14-49C9-9B36-055E4CDC6D39}" dt="2024-04-19T08:55:33.486" v="467" actId="478"/>
           <ac:picMkLst>
             <pc:docMk/>
             <pc:sldMk cId="3355012088" sldId="263"/>
             <ac:picMk id="3" creationId="{5E93330B-B9AC-44D9-AB22-A473DB17E1DD}"/>
           </ac:picMkLst>
         </pc:picChg>
+        <pc:picChg chg="add mod">
+          <ac:chgData name="Jinlu Liu" userId="78a8ae01-c209-4833-a803-14efb296c1fa" providerId="ADAL" clId="{605EAD0C-2C14-49C9-9B36-055E4CDC6D39}" dt="2024-04-19T08:55:44.059" v="470" actId="1076"/>
+          <ac:picMkLst>
+            <pc:docMk/>
+            <pc:sldMk cId="3355012088" sldId="263"/>
+            <ac:picMk id="5" creationId="{905C5EEB-14FA-458F-8480-5190CD9F9B09}"/>
+          </ac:picMkLst>
+        </pc:picChg>
         <pc:picChg chg="add del mod">
           <ac:chgData name="Jinlu Liu" userId="78a8ae01-c209-4833-a803-14efb296c1fa" providerId="ADAL" clId="{605EAD0C-2C14-49C9-9B36-055E4CDC6D39}" dt="2024-04-12T09:18:05.812" v="359" actId="478"/>
           <ac:picMkLst>
@@ -565,7 +621,7 @@
         </pc:picChg>
       </pc:sldChg>
       <pc:sldChg chg="addSp delSp modSp new mod">
-        <pc:chgData name="Jinlu Liu" userId="78a8ae01-c209-4833-a803-14efb296c1fa" providerId="ADAL" clId="{605EAD0C-2C14-49C9-9B36-055E4CDC6D39}" dt="2024-04-12T09:18:23.659" v="364"/>
+        <pc:chgData name="Jinlu Liu" userId="78a8ae01-c209-4833-a803-14efb296c1fa" providerId="ADAL" clId="{605EAD0C-2C14-49C9-9B36-055E4CDC6D39}" dt="2024-04-19T08:55:49.799" v="472"/>
         <pc:sldMkLst>
           <pc:docMk/>
           <pc:sldMk cId="4180811600" sldId="264"/>
@@ -594,14 +650,22 @@
             <ac:spMk id="4" creationId="{29CB1825-1378-4A63-8816-5B37B3DE9214}"/>
           </ac:spMkLst>
         </pc:spChg>
-        <pc:picChg chg="add mod">
-          <ac:chgData name="Jinlu Liu" userId="78a8ae01-c209-4833-a803-14efb296c1fa" providerId="ADAL" clId="{605EAD0C-2C14-49C9-9B36-055E4CDC6D39}" dt="2024-04-12T09:18:23.659" v="364"/>
+        <pc:picChg chg="add del mod">
+          <ac:chgData name="Jinlu Liu" userId="78a8ae01-c209-4833-a803-14efb296c1fa" providerId="ADAL" clId="{605EAD0C-2C14-49C9-9B36-055E4CDC6D39}" dt="2024-04-19T08:55:46.733" v="471" actId="478"/>
           <ac:picMkLst>
             <pc:docMk/>
             <pc:sldMk cId="4180811600" sldId="264"/>
             <ac:picMk id="3" creationId="{8C106C78-D0EF-46D0-903A-4C420DAFFCED}"/>
           </ac:picMkLst>
         </pc:picChg>
+        <pc:picChg chg="add mod">
+          <ac:chgData name="Jinlu Liu" userId="78a8ae01-c209-4833-a803-14efb296c1fa" providerId="ADAL" clId="{605EAD0C-2C14-49C9-9B36-055E4CDC6D39}" dt="2024-04-19T08:55:49.799" v="472"/>
+          <ac:picMkLst>
+            <pc:docMk/>
+            <pc:sldMk cId="4180811600" sldId="264"/>
+            <ac:picMk id="5" creationId="{349DACA7-BA16-45D8-B0D9-2DBFDC161415}"/>
+          </ac:picMkLst>
+        </pc:picChg>
         <pc:picChg chg="add del mod">
           <ac:chgData name="Jinlu Liu" userId="78a8ae01-c209-4833-a803-14efb296c1fa" providerId="ADAL" clId="{605EAD0C-2C14-49C9-9B36-055E4CDC6D39}" dt="2024-04-12T09:18:17.892" v="363" actId="478"/>
           <ac:picMkLst>
@@ -612,7 +676,7 @@
         </pc:picChg>
       </pc:sldChg>
       <pc:sldChg chg="addSp delSp modSp new mod">
-        <pc:chgData name="Jinlu Liu" userId="78a8ae01-c209-4833-a803-14efb296c1fa" providerId="ADAL" clId="{605EAD0C-2C14-49C9-9B36-055E4CDC6D39}" dt="2024-04-12T09:18:36.037" v="366"/>
+        <pc:chgData name="Jinlu Liu" userId="78a8ae01-c209-4833-a803-14efb296c1fa" providerId="ADAL" clId="{605EAD0C-2C14-49C9-9B36-055E4CDC6D39}" dt="2024-04-19T08:55:58.938" v="474"/>
         <pc:sldMkLst>
           <pc:docMk/>
           <pc:sldMk cId="2720887239" sldId="265"/>
@@ -641,12 +705,20 @@
             <ac:spMk id="4" creationId="{5E93AB38-572B-4D75-978D-705B488F27ED}"/>
           </ac:spMkLst>
         </pc:spChg>
-        <pc:picChg chg="add mod">
-          <ac:chgData name="Jinlu Liu" userId="78a8ae01-c209-4833-a803-14efb296c1fa" providerId="ADAL" clId="{605EAD0C-2C14-49C9-9B36-055E4CDC6D39}" dt="2024-04-12T09:18:36.037" v="366"/>
+        <pc:picChg chg="add del mod">
+          <ac:chgData name="Jinlu Liu" userId="78a8ae01-c209-4833-a803-14efb296c1fa" providerId="ADAL" clId="{605EAD0C-2C14-49C9-9B36-055E4CDC6D39}" dt="2024-04-19T08:55:55.143" v="473" actId="478"/>
           <ac:picMkLst>
             <pc:docMk/>
             <pc:sldMk cId="2720887239" sldId="265"/>
             <ac:picMk id="3" creationId="{BDC9D30F-321F-430B-942C-BE9D38F0DBEE}"/>
+          </ac:picMkLst>
+        </pc:picChg>
+        <pc:picChg chg="add mod">
+          <ac:chgData name="Jinlu Liu" userId="78a8ae01-c209-4833-a803-14efb296c1fa" providerId="ADAL" clId="{605EAD0C-2C14-49C9-9B36-055E4CDC6D39}" dt="2024-04-19T08:55:58.938" v="474"/>
+          <ac:picMkLst>
+            <pc:docMk/>
+            <pc:sldMk cId="2720887239" sldId="265"/>
+            <ac:picMk id="5" creationId="{5E38412D-625B-4510-BA86-747430E7B56C}"/>
           </ac:picMkLst>
         </pc:picChg>
         <pc:picChg chg="add del mod">
@@ -861,7 +933,7 @@
         </pc:picChg>
       </pc:sldChg>
       <pc:sldChg chg="addSp delSp modSp new mod">
-        <pc:chgData name="Jinlu Liu" userId="78a8ae01-c209-4833-a803-14efb296c1fa" providerId="ADAL" clId="{605EAD0C-2C14-49C9-9B36-055E4CDC6D39}" dt="2024-04-12T09:20:54.957" v="373"/>
+        <pc:chgData name="Jinlu Liu" userId="78a8ae01-c209-4833-a803-14efb296c1fa" providerId="ADAL" clId="{605EAD0C-2C14-49C9-9B36-055E4CDC6D39}" dt="2024-04-19T08:56:11.275" v="476"/>
         <pc:sldMkLst>
           <pc:docMk/>
           <pc:sldMk cId="109841601" sldId="272"/>
@@ -898,6 +970,14 @@
             <ac:spMk id="5" creationId="{259B3E88-6BDD-4A94-90CD-06BD8CACF240}"/>
           </ac:spMkLst>
         </pc:spChg>
+        <pc:picChg chg="add mod">
+          <ac:chgData name="Jinlu Liu" userId="78a8ae01-c209-4833-a803-14efb296c1fa" providerId="ADAL" clId="{605EAD0C-2C14-49C9-9B36-055E4CDC6D39}" dt="2024-04-19T08:56:11.275" v="476"/>
+          <ac:picMkLst>
+            <pc:docMk/>
+            <pc:sldMk cId="109841601" sldId="272"/>
+            <ac:picMk id="3" creationId="{0CF272DB-9B37-45E0-960D-93A87450872B}"/>
+          </ac:picMkLst>
+        </pc:picChg>
         <pc:picChg chg="add del mod">
           <ac:chgData name="Jinlu Liu" userId="78a8ae01-c209-4833-a803-14efb296c1fa" providerId="ADAL" clId="{605EAD0C-2C14-49C9-9B36-055E4CDC6D39}" dt="2024-04-12T09:19:11.512" v="372" actId="478"/>
           <ac:picMkLst>
@@ -906,8 +986,8 @@
             <ac:picMk id="3" creationId="{4E90AA99-A28C-4621-A0A4-F7563CFFA097}"/>
           </ac:picMkLst>
         </pc:picChg>
-        <pc:picChg chg="add mod">
-          <ac:chgData name="Jinlu Liu" userId="78a8ae01-c209-4833-a803-14efb296c1fa" providerId="ADAL" clId="{605EAD0C-2C14-49C9-9B36-055E4CDC6D39}" dt="2024-04-12T09:20:54.957" v="373"/>
+        <pc:picChg chg="add del mod">
+          <ac:chgData name="Jinlu Liu" userId="78a8ae01-c209-4833-a803-14efb296c1fa" providerId="ADAL" clId="{605EAD0C-2C14-49C9-9B36-055E4CDC6D39}" dt="2024-04-19T08:56:07.982" v="475" actId="478"/>
           <ac:picMkLst>
             <pc:docMk/>
             <pc:sldMk cId="109841601" sldId="272"/>
@@ -924,7 +1004,7 @@
         </pc:picChg>
       </pc:sldChg>
       <pc:sldChg chg="addSp delSp modSp new mod">
-        <pc:chgData name="Jinlu Liu" userId="78a8ae01-c209-4833-a803-14efb296c1fa" providerId="ADAL" clId="{605EAD0C-2C14-49C9-9B36-055E4CDC6D39}" dt="2024-04-12T09:21:09.141" v="377" actId="1076"/>
+        <pc:chgData name="Jinlu Liu" userId="78a8ae01-c209-4833-a803-14efb296c1fa" providerId="ADAL" clId="{605EAD0C-2C14-49C9-9B36-055E4CDC6D39}" dt="2024-04-19T08:56:25.221" v="480" actId="1076"/>
         <pc:sldMkLst>
           <pc:docMk/>
           <pc:sldMk cId="4247530302" sldId="273"/>
@@ -953,14 +1033,22 @@
             <ac:spMk id="6" creationId="{A6DBA07B-0ED9-40FA-8610-06B55AE0139A}"/>
           </ac:spMkLst>
         </pc:spChg>
-        <pc:picChg chg="add mod">
-          <ac:chgData name="Jinlu Liu" userId="78a8ae01-c209-4833-a803-14efb296c1fa" providerId="ADAL" clId="{605EAD0C-2C14-49C9-9B36-055E4CDC6D39}" dt="2024-04-12T09:21:09.141" v="377" actId="1076"/>
+        <pc:picChg chg="add del mod">
+          <ac:chgData name="Jinlu Liu" userId="78a8ae01-c209-4833-a803-14efb296c1fa" providerId="ADAL" clId="{605EAD0C-2C14-49C9-9B36-055E4CDC6D39}" dt="2024-04-19T08:56:14.453" v="477" actId="478"/>
           <ac:picMkLst>
             <pc:docMk/>
             <pc:sldMk cId="4247530302" sldId="273"/>
             <ac:picMk id="3" creationId="{1ECA8A7E-6FEA-4C62-8679-8ED678163191}"/>
           </ac:picMkLst>
         </pc:picChg>
+        <pc:picChg chg="add mod">
+          <ac:chgData name="Jinlu Liu" userId="78a8ae01-c209-4833-a803-14efb296c1fa" providerId="ADAL" clId="{605EAD0C-2C14-49C9-9B36-055E4CDC6D39}" dt="2024-04-19T08:56:25.221" v="480" actId="1076"/>
+          <ac:picMkLst>
+            <pc:docMk/>
+            <pc:sldMk cId="4247530302" sldId="273"/>
+            <ac:picMk id="4" creationId="{C3EB412E-59CB-4113-8885-8DAFBA6EFF02}"/>
+          </ac:picMkLst>
+        </pc:picChg>
         <pc:picChg chg="add del mod">
           <ac:chgData name="Jinlu Liu" userId="78a8ae01-c209-4833-a803-14efb296c1fa" providerId="ADAL" clId="{605EAD0C-2C14-49C9-9B36-055E4CDC6D39}" dt="2024-04-12T09:20:58.681" v="374" actId="478"/>
           <ac:picMkLst>
@@ -971,7 +1059,7 @@
         </pc:picChg>
       </pc:sldChg>
       <pc:sldChg chg="addSp delSp modSp new mod">
-        <pc:chgData name="Jinlu Liu" userId="78a8ae01-c209-4833-a803-14efb296c1fa" providerId="ADAL" clId="{605EAD0C-2C14-49C9-9B36-055E4CDC6D39}" dt="2024-04-12T09:21:26.130" v="383" actId="1076"/>
+        <pc:chgData name="Jinlu Liu" userId="78a8ae01-c209-4833-a803-14efb296c1fa" providerId="ADAL" clId="{605EAD0C-2C14-49C9-9B36-055E4CDC6D39}" dt="2024-04-19T08:56:44.629" v="488" actId="1076"/>
         <pc:sldMkLst>
           <pc:docMk/>
           <pc:sldMk cId="2518443356" sldId="274"/>
@@ -1000,14 +1088,22 @@
             <ac:spMk id="4" creationId="{68FEA7F7-A326-43A0-A564-76F2CB63C93D}"/>
           </ac:spMkLst>
         </pc:spChg>
-        <pc:picChg chg="add mod">
-          <ac:chgData name="Jinlu Liu" userId="78a8ae01-c209-4833-a803-14efb296c1fa" providerId="ADAL" clId="{605EAD0C-2C14-49C9-9B36-055E4CDC6D39}" dt="2024-04-12T09:21:26.130" v="383" actId="1076"/>
+        <pc:picChg chg="add del mod">
+          <ac:chgData name="Jinlu Liu" userId="78a8ae01-c209-4833-a803-14efb296c1fa" providerId="ADAL" clId="{605EAD0C-2C14-49C9-9B36-055E4CDC6D39}" dt="2024-04-19T08:56:28.647" v="481" actId="478"/>
           <ac:picMkLst>
             <pc:docMk/>
             <pc:sldMk cId="2518443356" sldId="274"/>
             <ac:picMk id="3" creationId="{B3C3B49C-B566-49FE-8638-E2B79EFCE204}"/>
           </ac:picMkLst>
         </pc:picChg>
+        <pc:picChg chg="add mod">
+          <ac:chgData name="Jinlu Liu" userId="78a8ae01-c209-4833-a803-14efb296c1fa" providerId="ADAL" clId="{605EAD0C-2C14-49C9-9B36-055E4CDC6D39}" dt="2024-04-19T08:56:44.629" v="488" actId="1076"/>
+          <ac:picMkLst>
+            <pc:docMk/>
+            <pc:sldMk cId="2518443356" sldId="274"/>
+            <ac:picMk id="5" creationId="{99C94245-FCD0-494A-BE59-896DF5271419}"/>
+          </ac:picMkLst>
+        </pc:picChg>
         <pc:picChg chg="add del mod">
           <ac:chgData name="Jinlu Liu" userId="78a8ae01-c209-4833-a803-14efb296c1fa" providerId="ADAL" clId="{605EAD0C-2C14-49C9-9B36-055E4CDC6D39}" dt="2024-04-12T09:21:11.611" v="378" actId="478"/>
           <ac:picMkLst>
@@ -1018,7 +1114,7 @@
         </pc:picChg>
       </pc:sldChg>
       <pc:sldChg chg="addSp delSp modSp new mod">
-        <pc:chgData name="Jinlu Liu" userId="78a8ae01-c209-4833-a803-14efb296c1fa" providerId="ADAL" clId="{605EAD0C-2C14-49C9-9B36-055E4CDC6D39}" dt="2024-04-12T09:21:42.944" v="389" actId="1076"/>
+        <pc:chgData name="Jinlu Liu" userId="78a8ae01-c209-4833-a803-14efb296c1fa" providerId="ADAL" clId="{605EAD0C-2C14-49C9-9B36-055E4CDC6D39}" dt="2024-04-19T08:56:55.806" v="492" actId="1076"/>
         <pc:sldMkLst>
           <pc:docMk/>
           <pc:sldMk cId="1536788149" sldId="275"/>
@@ -1047,14 +1143,22 @@
             <ac:spMk id="4" creationId="{816FE418-7905-411D-9484-15B51F543B4B}"/>
           </ac:spMkLst>
         </pc:spChg>
-        <pc:picChg chg="add mod">
-          <ac:chgData name="Jinlu Liu" userId="78a8ae01-c209-4833-a803-14efb296c1fa" providerId="ADAL" clId="{605EAD0C-2C14-49C9-9B36-055E4CDC6D39}" dt="2024-04-12T09:21:42.944" v="389" actId="1076"/>
+        <pc:picChg chg="add del mod">
+          <ac:chgData name="Jinlu Liu" userId="78a8ae01-c209-4833-a803-14efb296c1fa" providerId="ADAL" clId="{605EAD0C-2C14-49C9-9B36-055E4CDC6D39}" dt="2024-04-19T08:56:48.559" v="489" actId="478"/>
           <ac:picMkLst>
             <pc:docMk/>
             <pc:sldMk cId="1536788149" sldId="275"/>
             <ac:picMk id="3" creationId="{BD5D8679-DAB7-4FA1-BCD5-5CFAD584B238}"/>
           </ac:picMkLst>
         </pc:picChg>
+        <pc:picChg chg="add mod">
+          <ac:chgData name="Jinlu Liu" userId="78a8ae01-c209-4833-a803-14efb296c1fa" providerId="ADAL" clId="{605EAD0C-2C14-49C9-9B36-055E4CDC6D39}" dt="2024-04-19T08:56:55.806" v="492" actId="1076"/>
+          <ac:picMkLst>
+            <pc:docMk/>
+            <pc:sldMk cId="1536788149" sldId="275"/>
+            <ac:picMk id="5" creationId="{3AEC3925-D7AC-4968-816D-72249DAF23D4}"/>
+          </ac:picMkLst>
+        </pc:picChg>
         <pc:picChg chg="add del mod">
           <ac:chgData name="Jinlu Liu" userId="78a8ae01-c209-4833-a803-14efb296c1fa" providerId="ADAL" clId="{605EAD0C-2C14-49C9-9B36-055E4CDC6D39}" dt="2024-04-12T09:21:31.354" v="384" actId="478"/>
           <ac:picMkLst>
@@ -1065,7 +1169,7 @@
         </pc:picChg>
       </pc:sldChg>
       <pc:sldChg chg="addSp delSp modSp new mod">
-        <pc:chgData name="Jinlu Liu" userId="78a8ae01-c209-4833-a803-14efb296c1fa" providerId="ADAL" clId="{605EAD0C-2C14-49C9-9B36-055E4CDC6D39}" dt="2024-04-03T13:39:37.610" v="240" actId="14100"/>
+        <pc:chgData name="Jinlu Liu" userId="78a8ae01-c209-4833-a803-14efb296c1fa" providerId="ADAL" clId="{605EAD0C-2C14-49C9-9B36-055E4CDC6D39}" dt="2024-04-19T08:57:08.050" v="496" actId="1076"/>
         <pc:sldMkLst>
           <pc:docMk/>
           <pc:sldMk cId="1992865588" sldId="276"/>
@@ -1094,6 +1198,14 @@
             <ac:spMk id="4" creationId="{A55ADBBD-18DC-4F68-88B9-BEC2B2B4E073}"/>
           </ac:spMkLst>
         </pc:spChg>
+        <pc:picChg chg="add mod">
+          <ac:chgData name="Jinlu Liu" userId="78a8ae01-c209-4833-a803-14efb296c1fa" providerId="ADAL" clId="{605EAD0C-2C14-49C9-9B36-055E4CDC6D39}" dt="2024-04-19T08:57:08.050" v="496" actId="1076"/>
+          <ac:picMkLst>
+            <pc:docMk/>
+            <pc:sldMk cId="1992865588" sldId="276"/>
+            <ac:picMk id="3" creationId="{7AF5F290-D4D9-4D5F-8258-0D017359087B}"/>
+          </ac:picMkLst>
+        </pc:picChg>
         <pc:picChg chg="add del mod">
           <ac:chgData name="Jinlu Liu" userId="78a8ae01-c209-4833-a803-14efb296c1fa" providerId="ADAL" clId="{605EAD0C-2C14-49C9-9B36-055E4CDC6D39}" dt="2024-04-03T13:29:47.084" v="236" actId="478"/>
           <ac:picMkLst>
@@ -1102,8 +1214,8 @@
             <ac:picMk id="6" creationId="{811F3209-D67B-4E94-B31F-82DE53335705}"/>
           </ac:picMkLst>
         </pc:picChg>
-        <pc:picChg chg="add mod">
-          <ac:chgData name="Jinlu Liu" userId="78a8ae01-c209-4833-a803-14efb296c1fa" providerId="ADAL" clId="{605EAD0C-2C14-49C9-9B36-055E4CDC6D39}" dt="2024-04-03T13:39:37.610" v="240" actId="14100"/>
+        <pc:picChg chg="add del mod">
+          <ac:chgData name="Jinlu Liu" userId="78a8ae01-c209-4833-a803-14efb296c1fa" providerId="ADAL" clId="{605EAD0C-2C14-49C9-9B36-055E4CDC6D39}" dt="2024-04-19T08:57:00.663" v="493" actId="478"/>
           <ac:picMkLst>
             <pc:docMk/>
             <pc:sldMk cId="1992865588" sldId="276"/>
@@ -1112,7 +1224,7 @@
         </pc:picChg>
       </pc:sldChg>
       <pc:sldChg chg="addSp delSp modSp new mod">
-        <pc:chgData name="Jinlu Liu" userId="78a8ae01-c209-4833-a803-14efb296c1fa" providerId="ADAL" clId="{605EAD0C-2C14-49C9-9B36-055E4CDC6D39}" dt="2024-04-03T13:39:55.672" v="250" actId="1076"/>
+        <pc:chgData name="Jinlu Liu" userId="78a8ae01-c209-4833-a803-14efb296c1fa" providerId="ADAL" clId="{605EAD0C-2C14-49C9-9B36-055E4CDC6D39}" dt="2024-04-19T08:57:20.509" v="502" actId="1076"/>
         <pc:sldMkLst>
           <pc:docMk/>
           <pc:sldMk cId="3241683728" sldId="277"/>
@@ -1142,7 +1254,15 @@
           </ac:spMkLst>
         </pc:spChg>
         <pc:picChg chg="add mod">
-          <ac:chgData name="Jinlu Liu" userId="78a8ae01-c209-4833-a803-14efb296c1fa" providerId="ADAL" clId="{605EAD0C-2C14-49C9-9B36-055E4CDC6D39}" dt="2024-04-03T13:39:55.672" v="250" actId="1076"/>
+          <ac:chgData name="Jinlu Liu" userId="78a8ae01-c209-4833-a803-14efb296c1fa" providerId="ADAL" clId="{605EAD0C-2C14-49C9-9B36-055E4CDC6D39}" dt="2024-04-19T08:57:20.509" v="502" actId="1076"/>
+          <ac:picMkLst>
+            <pc:docMk/>
+            <pc:sldMk cId="3241683728" sldId="277"/>
+            <ac:picMk id="3" creationId="{A3E8E98A-FB51-4AA1-AEC3-988D7ED79DA4}"/>
+          </ac:picMkLst>
+        </pc:picChg>
+        <pc:picChg chg="add del mod">
+          <ac:chgData name="Jinlu Liu" userId="78a8ae01-c209-4833-a803-14efb296c1fa" providerId="ADAL" clId="{605EAD0C-2C14-49C9-9B36-055E4CDC6D39}" dt="2024-04-19T08:57:10.696" v="497" actId="478"/>
           <ac:picMkLst>
             <pc:docMk/>
             <pc:sldMk cId="3241683728" sldId="277"/>
@@ -1151,7 +1271,7 @@
         </pc:picChg>
       </pc:sldChg>
       <pc:sldChg chg="addSp delSp modSp new mod">
-        <pc:chgData name="Jinlu Liu" userId="78a8ae01-c209-4833-a803-14efb296c1fa" providerId="ADAL" clId="{605EAD0C-2C14-49C9-9B36-055E4CDC6D39}" dt="2024-04-03T13:40:39.277" v="259" actId="14100"/>
+        <pc:chgData name="Jinlu Liu" userId="78a8ae01-c209-4833-a803-14efb296c1fa" providerId="ADAL" clId="{605EAD0C-2C14-49C9-9B36-055E4CDC6D39}" dt="2024-04-19T08:57:30.592" v="507" actId="14100"/>
         <pc:sldMkLst>
           <pc:docMk/>
           <pc:sldMk cId="455782353" sldId="278"/>
@@ -1181,7 +1301,15 @@
           </ac:spMkLst>
         </pc:spChg>
         <pc:picChg chg="add mod">
-          <ac:chgData name="Jinlu Liu" userId="78a8ae01-c209-4833-a803-14efb296c1fa" providerId="ADAL" clId="{605EAD0C-2C14-49C9-9B36-055E4CDC6D39}" dt="2024-04-03T13:40:39.277" v="259" actId="14100"/>
+          <ac:chgData name="Jinlu Liu" userId="78a8ae01-c209-4833-a803-14efb296c1fa" providerId="ADAL" clId="{605EAD0C-2C14-49C9-9B36-055E4CDC6D39}" dt="2024-04-19T08:57:30.592" v="507" actId="14100"/>
+          <ac:picMkLst>
+            <pc:docMk/>
+            <pc:sldMk cId="455782353" sldId="278"/>
+            <ac:picMk id="3" creationId="{F6DCC225-E627-4A3F-B506-ADB0159B220E}"/>
+          </ac:picMkLst>
+        </pc:picChg>
+        <pc:picChg chg="add del mod">
+          <ac:chgData name="Jinlu Liu" userId="78a8ae01-c209-4833-a803-14efb296c1fa" providerId="ADAL" clId="{605EAD0C-2C14-49C9-9B36-055E4CDC6D39}" dt="2024-04-19T08:57:23.197" v="503" actId="478"/>
           <ac:picMkLst>
             <pc:docMk/>
             <pc:sldMk cId="455782353" sldId="278"/>
@@ -1299,8 +1427,8 @@
           </ac:picMkLst>
         </pc:picChg>
       </pc:sldChg>
-      <pc:sldChg chg="addSp delSp modSp new mod ord">
-        <pc:chgData name="Jinlu Liu" userId="78a8ae01-c209-4833-a803-14efb296c1fa" providerId="ADAL" clId="{605EAD0C-2C14-49C9-9B36-055E4CDC6D39}" dt="2024-04-12T09:37:06.504" v="399" actId="1076"/>
+      <pc:sldChg chg="addSp delSp modSp new del mod ord">
+        <pc:chgData name="Jinlu Liu" userId="78a8ae01-c209-4833-a803-14efb296c1fa" providerId="ADAL" clId="{605EAD0C-2C14-49C9-9B36-055E4CDC6D39}" dt="2024-04-19T08:57:43.123" v="508" actId="2696"/>
         <pc:sldMkLst>
           <pc:docMk/>
           <pc:sldMk cId="3809036169" sldId="281"/>
@@ -1347,12 +1475,20 @@
         </pc:picChg>
       </pc:sldChg>
       <pc:sldChg chg="addSp delSp modSp mod">
-        <pc:chgData name="Jinlu Liu" userId="78a8ae01-c209-4833-a803-14efb296c1fa" providerId="ADAL" clId="{605EAD0C-2C14-49C9-9B36-055E4CDC6D39}" dt="2024-04-12T09:38:25.924" v="432" actId="1076"/>
+        <pc:chgData name="Jinlu Liu" userId="78a8ae01-c209-4833-a803-14efb296c1fa" providerId="ADAL" clId="{605EAD0C-2C14-49C9-9B36-055E4CDC6D39}" dt="2024-04-19T08:59:36.256" v="543" actId="14100"/>
         <pc:sldMkLst>
           <pc:docMk/>
           <pc:sldMk cId="1301081757" sldId="282"/>
         </pc:sldMkLst>
         <pc:spChg chg="add del mod">
+          <ac:chgData name="Jinlu Liu" userId="78a8ae01-c209-4833-a803-14efb296c1fa" providerId="ADAL" clId="{605EAD0C-2C14-49C9-9B36-055E4CDC6D39}" dt="2024-04-19T08:58:18.516" v="517"/>
+          <ac:spMkLst>
+            <pc:docMk/>
+            <pc:sldMk cId="1301081757" sldId="282"/>
+            <ac:spMk id="3" creationId="{27B348B4-5B81-4DD8-9DF5-8D83A9F77656}"/>
+          </ac:spMkLst>
+        </pc:spChg>
+        <pc:spChg chg="add del mod">
           <ac:chgData name="Jinlu Liu" userId="78a8ae01-c209-4833-a803-14efb296c1fa" providerId="ADAL" clId="{605EAD0C-2C14-49C9-9B36-055E4CDC6D39}" dt="2024-04-12T09:37:30.251" v="404"/>
           <ac:spMkLst>
             <pc:docMk/>
@@ -1360,6 +1496,14 @@
             <ac:spMk id="3" creationId="{2F16CE3E-15DE-4641-988B-EDFBE25678EC}"/>
           </ac:spMkLst>
         </pc:spChg>
+        <pc:picChg chg="add mod">
+          <ac:chgData name="Jinlu Liu" userId="78a8ae01-c209-4833-a803-14efb296c1fa" providerId="ADAL" clId="{605EAD0C-2C14-49C9-9B36-055E4CDC6D39}" dt="2024-04-19T08:58:24.252" v="520" actId="1076"/>
+          <ac:picMkLst>
+            <pc:docMk/>
+            <pc:sldMk cId="1301081757" sldId="282"/>
+            <ac:picMk id="5" creationId="{64DFC7DE-F503-4943-AF39-ED6B0C7B6849}"/>
+          </ac:picMkLst>
+        </pc:picChg>
         <pc:picChg chg="del">
           <ac:chgData name="Jinlu Liu" userId="78a8ae01-c209-4833-a803-14efb296c1fa" providerId="ADAL" clId="{605EAD0C-2C14-49C9-9B36-055E4CDC6D39}" dt="2024-04-12T09:37:23.811" v="403" actId="478"/>
           <ac:picMkLst>
@@ -1368,8 +1512,8 @@
             <ac:picMk id="5" creationId="{9D9EEEE6-9639-5605-1313-DB6CF3864597}"/>
           </ac:picMkLst>
         </pc:picChg>
-        <pc:picChg chg="add mod">
-          <ac:chgData name="Jinlu Liu" userId="78a8ae01-c209-4833-a803-14efb296c1fa" providerId="ADAL" clId="{605EAD0C-2C14-49C9-9B36-055E4CDC6D39}" dt="2024-04-12T09:37:46.704" v="418" actId="1076"/>
+        <pc:picChg chg="add del mod">
+          <ac:chgData name="Jinlu Liu" userId="78a8ae01-c209-4833-a803-14efb296c1fa" providerId="ADAL" clId="{605EAD0C-2C14-49C9-9B36-055E4CDC6D39}" dt="2024-04-19T08:58:14.282" v="516" actId="478"/>
           <ac:picMkLst>
             <pc:docMk/>
             <pc:sldMk cId="1301081757" sldId="282"/>
@@ -1384,6 +1528,14 @@
             <ac:picMk id="7" creationId="{2E774FCE-A0D8-0342-120A-71706A3EE23A}"/>
           </ac:picMkLst>
         </pc:picChg>
+        <pc:picChg chg="add mod">
+          <ac:chgData name="Jinlu Liu" userId="78a8ae01-c209-4833-a803-14efb296c1fa" providerId="ADAL" clId="{605EAD0C-2C14-49C9-9B36-055E4CDC6D39}" dt="2024-04-19T08:58:42.901" v="525" actId="14100"/>
+          <ac:picMkLst>
+            <pc:docMk/>
+            <pc:sldMk cId="1301081757" sldId="282"/>
+            <ac:picMk id="8" creationId="{6C03D06F-BF93-418F-9CC4-025E84DA82AC}"/>
+          </ac:picMkLst>
+        </pc:picChg>
         <pc:picChg chg="del">
           <ac:chgData name="Jinlu Liu" userId="78a8ae01-c209-4833-a803-14efb296c1fa" providerId="ADAL" clId="{605EAD0C-2C14-49C9-9B36-055E4CDC6D39}" dt="2024-04-12T09:37:23.811" v="403" actId="478"/>
           <ac:picMkLst>
@@ -1392,8 +1544,8 @@
             <ac:picMk id="9" creationId="{F42BA9FF-5B6C-B1F0-9884-EE9346BDCFA3}"/>
           </ac:picMkLst>
         </pc:picChg>
-        <pc:picChg chg="add mod">
-          <ac:chgData name="Jinlu Liu" userId="78a8ae01-c209-4833-a803-14efb296c1fa" providerId="ADAL" clId="{605EAD0C-2C14-49C9-9B36-055E4CDC6D39}" dt="2024-04-12T09:37:52.783" v="421" actId="14100"/>
+        <pc:picChg chg="add del mod">
+          <ac:chgData name="Jinlu Liu" userId="78a8ae01-c209-4833-a803-14efb296c1fa" providerId="ADAL" clId="{605EAD0C-2C14-49C9-9B36-055E4CDC6D39}" dt="2024-04-19T08:58:14.282" v="516" actId="478"/>
           <ac:picMkLst>
             <pc:docMk/>
             <pc:sldMk cId="1301081757" sldId="282"/>
@@ -1408,6 +1560,14 @@
             <ac:picMk id="11" creationId="{A74A5697-34F6-34D9-6254-F51DDA0F6992}"/>
           </ac:picMkLst>
         </pc:picChg>
+        <pc:picChg chg="add mod">
+          <ac:chgData name="Jinlu Liu" userId="78a8ae01-c209-4833-a803-14efb296c1fa" providerId="ADAL" clId="{605EAD0C-2C14-49C9-9B36-055E4CDC6D39}" dt="2024-04-19T08:58:52.847" v="529" actId="14100"/>
+          <ac:picMkLst>
+            <pc:docMk/>
+            <pc:sldMk cId="1301081757" sldId="282"/>
+            <ac:picMk id="11" creationId="{EF317AAD-2A12-4F48-92FB-8D0B46D64547}"/>
+          </ac:picMkLst>
+        </pc:picChg>
         <pc:picChg chg="del">
           <ac:chgData name="Jinlu Liu" userId="78a8ae01-c209-4833-a803-14efb296c1fa" providerId="ADAL" clId="{605EAD0C-2C14-49C9-9B36-055E4CDC6D39}" dt="2024-04-12T09:37:23.811" v="403" actId="478"/>
           <ac:picMkLst>
@@ -1417,7 +1577,15 @@
           </ac:picMkLst>
         </pc:picChg>
         <pc:picChg chg="add mod">
-          <ac:chgData name="Jinlu Liu" userId="78a8ae01-c209-4833-a803-14efb296c1fa" providerId="ADAL" clId="{605EAD0C-2C14-49C9-9B36-055E4CDC6D39}" dt="2024-04-12T09:37:56.883" v="423" actId="14100"/>
+          <ac:chgData name="Jinlu Liu" userId="78a8ae01-c209-4833-a803-14efb296c1fa" providerId="ADAL" clId="{605EAD0C-2C14-49C9-9B36-055E4CDC6D39}" dt="2024-04-19T08:59:04.165" v="533" actId="14100"/>
+          <ac:picMkLst>
+            <pc:docMk/>
+            <pc:sldMk cId="1301081757" sldId="282"/>
+            <ac:picMk id="13" creationId="{B5B2F94A-E799-4D91-9FB3-5D9E7DF93937}"/>
+          </ac:picMkLst>
+        </pc:picChg>
+        <pc:picChg chg="add del mod">
+          <ac:chgData name="Jinlu Liu" userId="78a8ae01-c209-4833-a803-14efb296c1fa" providerId="ADAL" clId="{605EAD0C-2C14-49C9-9B36-055E4CDC6D39}" dt="2024-04-19T08:58:14.282" v="516" actId="478"/>
           <ac:picMkLst>
             <pc:docMk/>
             <pc:sldMk cId="1301081757" sldId="282"/>
@@ -1433,15 +1601,23 @@
           </ac:picMkLst>
         </pc:picChg>
         <pc:picChg chg="add mod">
-          <ac:chgData name="Jinlu Liu" userId="78a8ae01-c209-4833-a803-14efb296c1fa" providerId="ADAL" clId="{605EAD0C-2C14-49C9-9B36-055E4CDC6D39}" dt="2024-04-12T09:38:03.693" v="425" actId="14100"/>
+          <ac:chgData name="Jinlu Liu" userId="78a8ae01-c209-4833-a803-14efb296c1fa" providerId="ADAL" clId="{605EAD0C-2C14-49C9-9B36-055E4CDC6D39}" dt="2024-04-19T08:59:24.885" v="539" actId="14100"/>
+          <ac:picMkLst>
+            <pc:docMk/>
+            <pc:sldMk cId="1301081757" sldId="282"/>
+            <ac:picMk id="16" creationId="{F004501E-286B-4398-8AA3-96DD733CF661}"/>
+          </ac:picMkLst>
+        </pc:picChg>
+        <pc:picChg chg="add del mod">
+          <ac:chgData name="Jinlu Liu" userId="78a8ae01-c209-4833-a803-14efb296c1fa" providerId="ADAL" clId="{605EAD0C-2C14-49C9-9B36-055E4CDC6D39}" dt="2024-04-19T08:58:14.282" v="516" actId="478"/>
           <ac:picMkLst>
             <pc:docMk/>
             <pc:sldMk cId="1301081757" sldId="282"/>
             <ac:picMk id="17" creationId="{81428D5F-DD3A-4E10-B790-FECFF6F376BA}"/>
           </ac:picMkLst>
         </pc:picChg>
-        <pc:picChg chg="add mod">
-          <ac:chgData name="Jinlu Liu" userId="78a8ae01-c209-4833-a803-14efb296c1fa" providerId="ADAL" clId="{605EAD0C-2C14-49C9-9B36-055E4CDC6D39}" dt="2024-04-12T09:38:11.058" v="427" actId="14100"/>
+        <pc:picChg chg="add del mod">
+          <ac:chgData name="Jinlu Liu" userId="78a8ae01-c209-4833-a803-14efb296c1fa" providerId="ADAL" clId="{605EAD0C-2C14-49C9-9B36-055E4CDC6D39}" dt="2024-04-19T08:58:14.282" v="516" actId="478"/>
           <ac:picMkLst>
             <pc:docMk/>
             <pc:sldMk cId="1301081757" sldId="282"/>
@@ -1449,7 +1625,15 @@
           </ac:picMkLst>
         </pc:picChg>
         <pc:picChg chg="add mod">
-          <ac:chgData name="Jinlu Liu" userId="78a8ae01-c209-4833-a803-14efb296c1fa" providerId="ADAL" clId="{605EAD0C-2C14-49C9-9B36-055E4CDC6D39}" dt="2024-04-12T09:38:25.924" v="432" actId="1076"/>
+          <ac:chgData name="Jinlu Liu" userId="78a8ae01-c209-4833-a803-14efb296c1fa" providerId="ADAL" clId="{605EAD0C-2C14-49C9-9B36-055E4CDC6D39}" dt="2024-04-19T08:59:36.256" v="543" actId="14100"/>
+          <ac:picMkLst>
+            <pc:docMk/>
+            <pc:sldMk cId="1301081757" sldId="282"/>
+            <ac:picMk id="20" creationId="{CB3D6F32-285A-4681-A8B2-A4A4D29B9814}"/>
+          </ac:picMkLst>
+        </pc:picChg>
+        <pc:picChg chg="add del mod">
+          <ac:chgData name="Jinlu Liu" userId="78a8ae01-c209-4833-a803-14efb296c1fa" providerId="ADAL" clId="{605EAD0C-2C14-49C9-9B36-055E4CDC6D39}" dt="2024-04-19T08:58:14.282" v="516" actId="478"/>
           <ac:picMkLst>
             <pc:docMk/>
             <pc:sldMk cId="1301081757" sldId="282"/>
@@ -1458,12 +1642,20 @@
         </pc:picChg>
       </pc:sldChg>
       <pc:sldChg chg="addSp delSp modSp mod">
-        <pc:chgData name="Jinlu Liu" userId="78a8ae01-c209-4833-a803-14efb296c1fa" providerId="ADAL" clId="{605EAD0C-2C14-49C9-9B36-055E4CDC6D39}" dt="2024-04-12T09:37:17.710" v="402" actId="1076"/>
+        <pc:chgData name="Jinlu Liu" userId="78a8ae01-c209-4833-a803-14efb296c1fa" providerId="ADAL" clId="{605EAD0C-2C14-49C9-9B36-055E4CDC6D39}" dt="2024-04-19T08:58:08.686" v="515" actId="1076"/>
         <pc:sldMkLst>
           <pc:docMk/>
           <pc:sldMk cId="211120387" sldId="283"/>
         </pc:sldMkLst>
         <pc:spChg chg="add del mod">
+          <ac:chgData name="Jinlu Liu" userId="78a8ae01-c209-4833-a803-14efb296c1fa" providerId="ADAL" clId="{605EAD0C-2C14-49C9-9B36-055E4CDC6D39}" dt="2024-04-19T08:58:02.403" v="511"/>
+          <ac:spMkLst>
+            <pc:docMk/>
+            <pc:sldMk cId="211120387" sldId="283"/>
+            <ac:spMk id="3" creationId="{68F05A1C-72D6-4D6C-9BAB-1B4B251C9B87}"/>
+          </ac:spMkLst>
+        </pc:spChg>
+        <pc:spChg chg="add del mod">
           <ac:chgData name="Jinlu Liu" userId="78a8ae01-c209-4833-a803-14efb296c1fa" providerId="ADAL" clId="{605EAD0C-2C14-49C9-9B36-055E4CDC6D39}" dt="2024-04-12T09:37:15.578" v="401"/>
           <ac:spMkLst>
             <pc:docMk/>
@@ -1471,14 +1663,22 @@
             <ac:spMk id="3" creationId="{EC439B68-6BBE-4F83-A124-5C42BAC83EAD}"/>
           </ac:spMkLst>
         </pc:spChg>
-        <pc:picChg chg="add mod">
-          <ac:chgData name="Jinlu Liu" userId="78a8ae01-c209-4833-a803-14efb296c1fa" providerId="ADAL" clId="{605EAD0C-2C14-49C9-9B36-055E4CDC6D39}" dt="2024-04-12T09:37:17.710" v="402" actId="1076"/>
+        <pc:picChg chg="add del mod">
+          <ac:chgData name="Jinlu Liu" userId="78a8ae01-c209-4833-a803-14efb296c1fa" providerId="ADAL" clId="{605EAD0C-2C14-49C9-9B36-055E4CDC6D39}" dt="2024-04-19T08:57:58.783" v="510" actId="478"/>
           <ac:picMkLst>
             <pc:docMk/>
             <pc:sldMk cId="211120387" sldId="283"/>
             <ac:picMk id="5" creationId="{6439DED4-03D9-48B6-9965-177F22110333}"/>
           </ac:picMkLst>
         </pc:picChg>
+        <pc:picChg chg="add mod">
+          <ac:chgData name="Jinlu Liu" userId="78a8ae01-c209-4833-a803-14efb296c1fa" providerId="ADAL" clId="{605EAD0C-2C14-49C9-9B36-055E4CDC6D39}" dt="2024-04-19T08:58:08.686" v="515" actId="1076"/>
+          <ac:picMkLst>
+            <pc:docMk/>
+            <pc:sldMk cId="211120387" sldId="283"/>
+            <ac:picMk id="7" creationId="{4292E51D-21B6-4DE1-BACF-BA637E122923}"/>
+          </ac:picMkLst>
+        </pc:picChg>
         <pc:picChg chg="del">
           <ac:chgData name="Jinlu Liu" userId="78a8ae01-c209-4833-a803-14efb296c1fa" providerId="ADAL" clId="{605EAD0C-2C14-49C9-9B36-055E4CDC6D39}" dt="2024-04-12T09:37:09.191" v="400" actId="478"/>
           <ac:picMkLst>
@@ -1487,6 +1687,44 @@
             <ac:picMk id="10" creationId="{355934D4-5A55-9111-C9B5-80806FF7B601}"/>
           </ac:picMkLst>
         </pc:picChg>
+      </pc:sldChg>
+      <pc:sldChg chg="addSp delSp modSp new mod">
+        <pc:chgData name="Jinlu Liu" userId="78a8ae01-c209-4833-a803-14efb296c1fa" providerId="ADAL" clId="{605EAD0C-2C14-49C9-9B36-055E4CDC6D39}" dt="2024-04-19T08:54:36.279" v="449" actId="14100"/>
+        <pc:sldMkLst>
+          <pc:docMk/>
+          <pc:sldMk cId="2427716972" sldId="284"/>
+        </pc:sldMkLst>
+        <pc:spChg chg="del">
+          <ac:chgData name="Jinlu Liu" userId="78a8ae01-c209-4833-a803-14efb296c1fa" providerId="ADAL" clId="{605EAD0C-2C14-49C9-9B36-055E4CDC6D39}" dt="2024-04-19T08:54:24.103" v="445"/>
+          <ac:spMkLst>
+            <pc:docMk/>
+            <pc:sldMk cId="2427716972" sldId="284"/>
+            <ac:spMk id="3" creationId="{CE95E14F-7358-4344-B895-295CCC445A45}"/>
+          </ac:spMkLst>
+        </pc:spChg>
+        <pc:picChg chg="add mod">
+          <ac:chgData name="Jinlu Liu" userId="78a8ae01-c209-4833-a803-14efb296c1fa" providerId="ADAL" clId="{605EAD0C-2C14-49C9-9B36-055E4CDC6D39}" dt="2024-04-19T08:54:28.057" v="446" actId="1076"/>
+          <ac:picMkLst>
+            <pc:docMk/>
+            <pc:sldMk cId="2427716972" sldId="284"/>
+            <ac:picMk id="5" creationId="{DF9ED396-5B5D-4F8E-BE9E-72DE0B8288C9}"/>
+          </ac:picMkLst>
+        </pc:picChg>
+        <pc:picChg chg="add mod">
+          <ac:chgData name="Jinlu Liu" userId="78a8ae01-c209-4833-a803-14efb296c1fa" providerId="ADAL" clId="{605EAD0C-2C14-49C9-9B36-055E4CDC6D39}" dt="2024-04-19T08:54:36.279" v="449" actId="14100"/>
+          <ac:picMkLst>
+            <pc:docMk/>
+            <pc:sldMk cId="2427716972" sldId="284"/>
+            <ac:picMk id="7" creationId="{0B413866-1872-45BF-A202-80B0952C3037}"/>
+          </ac:picMkLst>
+        </pc:picChg>
+      </pc:sldChg>
+      <pc:sldChg chg="new del">
+        <pc:chgData name="Jinlu Liu" userId="78a8ae01-c209-4833-a803-14efb296c1fa" providerId="ADAL" clId="{605EAD0C-2C14-49C9-9B36-055E4CDC6D39}" dt="2024-04-19T08:59:47.096" v="545" actId="47"/>
+        <pc:sldMkLst>
+          <pc:docMk/>
+          <pc:sldMk cId="379933699" sldId="285"/>
+        </pc:sldMkLst>
       </pc:sldChg>
     </pc:docChg>
   </pc:docChgLst>
@@ -1777,7 +2015,7 @@
           <a:p>
             <a:fld id="{305B9913-CA8E-4C40-A9DB-FE795F829002}" type="datetimeFigureOut">
               <a:rPr lang="en-GB" smtClean="0"/>
-              <a:t>12/04/2024</a:t>
+              <a:t>19/04/2024</a:t>
             </a:fld>
             <a:endParaRPr lang="en-GB"/>
           </a:p>
@@ -1977,7 +2215,7 @@
           <a:p>
             <a:fld id="{305B9913-CA8E-4C40-A9DB-FE795F829002}" type="datetimeFigureOut">
               <a:rPr lang="en-GB" smtClean="0"/>
-              <a:t>12/04/2024</a:t>
+              <a:t>19/04/2024</a:t>
             </a:fld>
             <a:endParaRPr lang="en-GB"/>
           </a:p>
@@ -2187,7 +2425,7 @@
           <a:p>
             <a:fld id="{305B9913-CA8E-4C40-A9DB-FE795F829002}" type="datetimeFigureOut">
               <a:rPr lang="en-GB" smtClean="0"/>
-              <a:t>12/04/2024</a:t>
+              <a:t>19/04/2024</a:t>
             </a:fld>
             <a:endParaRPr lang="en-GB"/>
           </a:p>
@@ -2387,7 +2625,7 @@
           <a:p>
             <a:fld id="{305B9913-CA8E-4C40-A9DB-FE795F829002}" type="datetimeFigureOut">
               <a:rPr lang="en-GB" smtClean="0"/>
-              <a:t>12/04/2024</a:t>
+              <a:t>19/04/2024</a:t>
             </a:fld>
             <a:endParaRPr lang="en-GB"/>
           </a:p>
@@ -2663,7 +2901,7 @@
           <a:p>
             <a:fld id="{305B9913-CA8E-4C40-A9DB-FE795F829002}" type="datetimeFigureOut">
               <a:rPr lang="en-GB" smtClean="0"/>
-              <a:t>12/04/2024</a:t>
+              <a:t>19/04/2024</a:t>
             </a:fld>
             <a:endParaRPr lang="en-GB"/>
           </a:p>
@@ -2931,7 +3169,7 @@
           <a:p>
             <a:fld id="{305B9913-CA8E-4C40-A9DB-FE795F829002}" type="datetimeFigureOut">
               <a:rPr lang="en-GB" smtClean="0"/>
-              <a:t>12/04/2024</a:t>
+              <a:t>19/04/2024</a:t>
             </a:fld>
             <a:endParaRPr lang="en-GB"/>
           </a:p>
@@ -3346,7 +3584,7 @@
           <a:p>
             <a:fld id="{305B9913-CA8E-4C40-A9DB-FE795F829002}" type="datetimeFigureOut">
               <a:rPr lang="en-GB" smtClean="0"/>
-              <a:t>12/04/2024</a:t>
+              <a:t>19/04/2024</a:t>
             </a:fld>
             <a:endParaRPr lang="en-GB"/>
           </a:p>
@@ -3488,7 +3726,7 @@
           <a:p>
             <a:fld id="{305B9913-CA8E-4C40-A9DB-FE795F829002}" type="datetimeFigureOut">
               <a:rPr lang="en-GB" smtClean="0"/>
-              <a:t>12/04/2024</a:t>
+              <a:t>19/04/2024</a:t>
             </a:fld>
             <a:endParaRPr lang="en-GB"/>
           </a:p>
@@ -3601,7 +3839,7 @@
           <a:p>
             <a:fld id="{305B9913-CA8E-4C40-A9DB-FE795F829002}" type="datetimeFigureOut">
               <a:rPr lang="en-GB" smtClean="0"/>
-              <a:t>12/04/2024</a:t>
+              <a:t>19/04/2024</a:t>
             </a:fld>
             <a:endParaRPr lang="en-GB"/>
           </a:p>
@@ -3914,7 +4152,7 @@
           <a:p>
             <a:fld id="{305B9913-CA8E-4C40-A9DB-FE795F829002}" type="datetimeFigureOut">
               <a:rPr lang="en-GB" smtClean="0"/>
-              <a:t>12/04/2024</a:t>
+              <a:t>19/04/2024</a:t>
             </a:fld>
             <a:endParaRPr lang="en-GB"/>
           </a:p>
@@ -4203,7 +4441,7 @@
           <a:p>
             <a:fld id="{305B9913-CA8E-4C40-A9DB-FE795F829002}" type="datetimeFigureOut">
               <a:rPr lang="en-GB" smtClean="0"/>
-              <a:t>12/04/2024</a:t>
+              <a:t>19/04/2024</a:t>
             </a:fld>
             <a:endParaRPr lang="en-GB"/>
           </a:p>
@@ -4446,7 +4684,7 @@
           <a:p>
             <a:fld id="{305B9913-CA8E-4C40-A9DB-FE795F829002}" type="datetimeFigureOut">
               <a:rPr lang="en-GB" smtClean="0"/>
-              <a:t>12/04/2024</a:t>
+              <a:t>19/04/2024</a:t>
             </a:fld>
             <a:endParaRPr lang="en-GB"/>
           </a:p>
@@ -5209,6 +5447,107 @@
       </p:grpSpPr>
       <p:sp>
         <p:nvSpPr>
+          <p:cNvPr id="4" name="TextBox 3">
+            <a:extLst>
+              <a:ext uri="{FF2B5EF4-FFF2-40B4-BE49-F238E27FC236}">
+                <a16:creationId xmlns:a16="http://schemas.microsoft.com/office/drawing/2014/main" id="{5E93AB38-572B-4D75-978D-705B488F27ED}"/>
+              </a:ext>
+            </a:extLst>
+          </p:cNvPr>
+          <p:cNvSpPr txBox="1"/>
+          <p:nvPr/>
+        </p:nvSpPr>
+        <p:spPr>
+          <a:xfrm>
+            <a:off x="983609" y="687789"/>
+            <a:ext cx="6094602" cy="323165"/>
+          </a:xfrm>
+          <a:prstGeom prst="rect">
+            <a:avLst/>
+          </a:prstGeom>
+          <a:noFill/>
+        </p:spPr>
+        <p:txBody>
+          <a:bodyPr wrap="square">
+            <a:spAutoFit/>
+          </a:bodyPr>
+          <a:lstStyle/>
+          <a:p>
+            <a:r>
+              <a:rPr lang="en-GB" sz="1500" dirty="0"/>
+              <a:t>Comparison of allocation proportions across any two mice:</a:t>
+            </a:r>
+          </a:p>
+        </p:txBody>
+      </p:sp>
+      <p:pic>
+        <p:nvPicPr>
+          <p:cNvPr id="5" name="Picture 4">
+            <a:extLst>
+              <a:ext uri="{FF2B5EF4-FFF2-40B4-BE49-F238E27FC236}">
+                <a16:creationId xmlns:a16="http://schemas.microsoft.com/office/drawing/2014/main" id="{5E38412D-625B-4510-BA86-747430E7B56C}"/>
+              </a:ext>
+            </a:extLst>
+          </p:cNvPr>
+          <p:cNvPicPr>
+            <a:picLocks noChangeAspect="1"/>
+          </p:cNvPicPr>
+          <p:nvPr/>
+        </p:nvPicPr>
+        <p:blipFill>
+          <a:blip r:embed="rId2">
+            <a:extLst>
+              <a:ext uri="{28A0092B-C50C-407E-A947-70E740481C1C}">
+                <a14:useLocalDpi xmlns:a14="http://schemas.microsoft.com/office/drawing/2010/main" val="0"/>
+              </a:ext>
+            </a:extLst>
+          </a:blip>
+          <a:stretch>
+            <a:fillRect/>
+          </a:stretch>
+        </p:blipFill>
+        <p:spPr>
+          <a:xfrm>
+            <a:off x="0" y="1600200"/>
+            <a:ext cx="12192000" cy="3657600"/>
+          </a:xfrm>
+          <a:prstGeom prst="rect">
+            <a:avLst/>
+          </a:prstGeom>
+        </p:spPr>
+      </p:pic>
+    </p:spTree>
+    <p:extLst>
+      <p:ext uri="{BB962C8B-B14F-4D97-AF65-F5344CB8AC3E}">
+        <p14:creationId xmlns:p14="http://schemas.microsoft.com/office/powerpoint/2010/main" val="2720887239"/>
+      </p:ext>
+    </p:extLst>
+  </p:cSld>
+  <p:clrMapOvr>
+    <a:masterClrMapping/>
+  </p:clrMapOvr>
+</p:sld>
+</file>
+
+<file path=ppt/slides/slide11.xml><?xml version="1.0" encoding="utf-8"?>
+<p:sld xmlns:a="http://schemas.openxmlformats.org/drawingml/2006/main" xmlns:r="http://schemas.openxmlformats.org/officeDocument/2006/relationships" xmlns:p="http://schemas.openxmlformats.org/presentationml/2006/main">
+  <p:cSld>
+    <p:spTree>
+      <p:nvGrpSpPr>
+        <p:cNvPr id="1" name=""/>
+        <p:cNvGrpSpPr/>
+        <p:nvPr/>
+      </p:nvGrpSpPr>
+      <p:grpSpPr>
+        <a:xfrm>
+          <a:off x="0" y="0"/>
+          <a:ext cx="0" cy="0"/>
+          <a:chOff x="0" y="0"/>
+          <a:chExt cx="0" cy="0"/>
+        </a:xfrm>
+      </p:grpSpPr>
+      <p:sp>
+        <p:nvSpPr>
           <p:cNvPr id="4" name="Title 1">
             <a:extLst>
               <a:ext uri="{FF2B5EF4-FFF2-40B4-BE49-F238E27FC236}">
@@ -5244,10 +5583,10 @@
       </p:sp>
       <p:pic>
         <p:nvPicPr>
-          <p:cNvPr id="6" name="Picture 5">
-            <a:extLst>
-              <a:ext uri="{FF2B5EF4-FFF2-40B4-BE49-F238E27FC236}">
-                <a16:creationId xmlns:a16="http://schemas.microsoft.com/office/drawing/2014/main" id="{A9DDEA2D-06FB-44B0-9DC2-A3611C8F8184}"/>
+          <p:cNvPr id="3" name="Picture 2">
+            <a:extLst>
+              <a:ext uri="{FF2B5EF4-FFF2-40B4-BE49-F238E27FC236}">
+                <a16:creationId xmlns:a16="http://schemas.microsoft.com/office/drawing/2014/main" id="{0CF272DB-9B37-45E0-960D-93A87450872B}"/>
               </a:ext>
             </a:extLst>
           </p:cNvPr>
@@ -5291,107 +5630,6 @@
 </p:sld>
 </file>
 
-<file path=ppt/slides/slide11.xml><?xml version="1.0" encoding="utf-8"?>
-<p:sld xmlns:a="http://schemas.openxmlformats.org/drawingml/2006/main" xmlns:r="http://schemas.openxmlformats.org/officeDocument/2006/relationships" xmlns:p="http://schemas.openxmlformats.org/presentationml/2006/main">
-  <p:cSld>
-    <p:spTree>
-      <p:nvGrpSpPr>
-        <p:cNvPr id="1" name=""/>
-        <p:cNvGrpSpPr/>
-        <p:nvPr/>
-      </p:nvGrpSpPr>
-      <p:grpSpPr>
-        <a:xfrm>
-          <a:off x="0" y="0"/>
-          <a:ext cx="0" cy="0"/>
-          <a:chOff x="0" y="0"/>
-          <a:chExt cx="0" cy="0"/>
-        </a:xfrm>
-      </p:grpSpPr>
-      <p:sp>
-        <p:nvSpPr>
-          <p:cNvPr id="6" name="Title 1">
-            <a:extLst>
-              <a:ext uri="{FF2B5EF4-FFF2-40B4-BE49-F238E27FC236}">
-                <a16:creationId xmlns:a16="http://schemas.microsoft.com/office/drawing/2014/main" id="{A6DBA07B-0ED9-40FA-8610-06B55AE0139A}"/>
-              </a:ext>
-            </a:extLst>
-          </p:cNvPr>
-          <p:cNvSpPr>
-            <a:spLocks noGrp="1"/>
-          </p:cNvSpPr>
-          <p:nvPr>
-            <p:ph type="title"/>
-          </p:nvPr>
-        </p:nvSpPr>
-        <p:spPr>
-          <a:xfrm>
-            <a:off x="838200" y="365125"/>
-            <a:ext cx="10515600" cy="616387"/>
-          </a:xfrm>
-        </p:spPr>
-        <p:txBody>
-          <a:bodyPr>
-            <a:normAutofit/>
-          </a:bodyPr>
-          <a:lstStyle/>
-          <a:p>
-            <a:r>
-              <a:rPr lang="en-GB" sz="1500" dirty="0"/>
-              <a:t>Posterior predictive check with three replicated datasets: (number of zeros of each region). This is used to assess the fit of the model to the data.</a:t>
-            </a:r>
-          </a:p>
-        </p:txBody>
-      </p:sp>
-      <p:pic>
-        <p:nvPicPr>
-          <p:cNvPr id="3" name="Picture 2">
-            <a:extLst>
-              <a:ext uri="{FF2B5EF4-FFF2-40B4-BE49-F238E27FC236}">
-                <a16:creationId xmlns:a16="http://schemas.microsoft.com/office/drawing/2014/main" id="{1ECA8A7E-6FEA-4C62-8679-8ED678163191}"/>
-              </a:ext>
-            </a:extLst>
-          </p:cNvPr>
-          <p:cNvPicPr>
-            <a:picLocks noChangeAspect="1"/>
-          </p:cNvPicPr>
-          <p:nvPr/>
-        </p:nvPicPr>
-        <p:blipFill>
-          <a:blip r:embed="rId2">
-            <a:extLst>
-              <a:ext uri="{28A0092B-C50C-407E-A947-70E740481C1C}">
-                <a14:useLocalDpi xmlns:a14="http://schemas.microsoft.com/office/drawing/2010/main" val="0"/>
-              </a:ext>
-            </a:extLst>
-          </a:blip>
-          <a:stretch>
-            <a:fillRect/>
-          </a:stretch>
-        </p:blipFill>
-        <p:spPr>
-          <a:xfrm>
-            <a:off x="838200" y="1134931"/>
-            <a:ext cx="7865378" cy="4588137"/>
-          </a:xfrm>
-          <a:prstGeom prst="rect">
-            <a:avLst/>
-          </a:prstGeom>
-        </p:spPr>
-      </p:pic>
-    </p:spTree>
-    <p:extLst>
-      <p:ext uri="{BB962C8B-B14F-4D97-AF65-F5344CB8AC3E}">
-        <p14:creationId xmlns:p14="http://schemas.microsoft.com/office/powerpoint/2010/main" val="4247530302"/>
-      </p:ext>
-    </p:extLst>
-  </p:cSld>
-  <p:clrMapOvr>
-    <a:masterClrMapping/>
-  </p:clrMapOvr>
-</p:sld>
-</file>
-
 <file path=ppt/slides/slide12.xml><?xml version="1.0" encoding="utf-8"?>
 <p:sld xmlns:a="http://schemas.openxmlformats.org/drawingml/2006/main" xmlns:r="http://schemas.openxmlformats.org/officeDocument/2006/relationships" xmlns:p="http://schemas.openxmlformats.org/presentationml/2006/main">
   <p:cSld>
@@ -5411,10 +5649,10 @@
       </p:grpSpPr>
       <p:sp>
         <p:nvSpPr>
-          <p:cNvPr id="4" name="Title 1">
-            <a:extLst>
-              <a:ext uri="{FF2B5EF4-FFF2-40B4-BE49-F238E27FC236}">
-                <a16:creationId xmlns:a16="http://schemas.microsoft.com/office/drawing/2014/main" id="{68FEA7F7-A326-43A0-A564-76F2CB63C93D}"/>
+          <p:cNvPr id="6" name="Title 1">
+            <a:extLst>
+              <a:ext uri="{FF2B5EF4-FFF2-40B4-BE49-F238E27FC236}">
+                <a16:creationId xmlns:a16="http://schemas.microsoft.com/office/drawing/2014/main" id="{A6DBA07B-0ED9-40FA-8610-06B55AE0139A}"/>
               </a:ext>
             </a:extLst>
           </p:cNvPr>
@@ -5428,7 +5666,7 @@
         <p:spPr>
           <a:xfrm>
             <a:off x="838200" y="365125"/>
-            <a:ext cx="10515600" cy="817723"/>
+            <a:ext cx="10515600" cy="616387"/>
           </a:xfrm>
         </p:spPr>
         <p:txBody>
@@ -5439,17 +5677,17 @@
           <a:p>
             <a:r>
               <a:rPr lang="en-GB" sz="1500" dirty="0"/>
-              <a:t>Distribution of non-zero projection strengths for the observed and replicated data.</a:t>
+              <a:t>Posterior predictive check with three replicated datasets: (number of zeros of each region). This is used to assess the fit of the model to the data.</a:t>
             </a:r>
           </a:p>
         </p:txBody>
       </p:sp>
       <p:pic>
         <p:nvPicPr>
-          <p:cNvPr id="3" name="Picture 2">
-            <a:extLst>
-              <a:ext uri="{FF2B5EF4-FFF2-40B4-BE49-F238E27FC236}">
-                <a16:creationId xmlns:a16="http://schemas.microsoft.com/office/drawing/2014/main" id="{B3C3B49C-B566-49FE-8638-E2B79EFCE204}"/>
+          <p:cNvPr id="4" name="Picture 3">
+            <a:extLst>
+              <a:ext uri="{FF2B5EF4-FFF2-40B4-BE49-F238E27FC236}">
+                <a16:creationId xmlns:a16="http://schemas.microsoft.com/office/drawing/2014/main" id="{C3EB412E-59CB-4113-8885-8DAFBA6EFF02}"/>
               </a:ext>
             </a:extLst>
           </p:cNvPr>
@@ -5472,8 +5710,8 @@
         </p:blipFill>
         <p:spPr>
           <a:xfrm>
-            <a:off x="838200" y="1370377"/>
-            <a:ext cx="7631285" cy="4451583"/>
+            <a:off x="838200" y="1331081"/>
+            <a:ext cx="7594600" cy="4430183"/>
           </a:xfrm>
           <a:prstGeom prst="rect">
             <a:avLst/>
@@ -5483,7 +5721,7 @@
     </p:spTree>
     <p:extLst>
       <p:ext uri="{BB962C8B-B14F-4D97-AF65-F5344CB8AC3E}">
-        <p14:creationId xmlns:p14="http://schemas.microsoft.com/office/powerpoint/2010/main" val="2518443356"/>
+        <p14:creationId xmlns:p14="http://schemas.microsoft.com/office/powerpoint/2010/main" val="4247530302"/>
       </p:ext>
     </p:extLst>
   </p:cSld>
@@ -5515,7 +5753,7 @@
           <p:cNvPr id="4" name="Title 1">
             <a:extLst>
               <a:ext uri="{FF2B5EF4-FFF2-40B4-BE49-F238E27FC236}">
-                <a16:creationId xmlns:a16="http://schemas.microsoft.com/office/drawing/2014/main" id="{816FE418-7905-411D-9484-15B51F543B4B}"/>
+                <a16:creationId xmlns:a16="http://schemas.microsoft.com/office/drawing/2014/main" id="{68FEA7F7-A326-43A0-A564-76F2CB63C93D}"/>
               </a:ext>
             </a:extLst>
           </p:cNvPr>
@@ -5528,8 +5766,8 @@
         </p:nvSpPr>
         <p:spPr>
           <a:xfrm>
-            <a:off x="838200" y="365126"/>
-            <a:ext cx="10515600" cy="943558"/>
+            <a:off x="838200" y="365125"/>
+            <a:ext cx="10515600" cy="817723"/>
           </a:xfrm>
         </p:spPr>
         <p:txBody>
@@ -5540,17 +5778,17 @@
           <a:p>
             <a:r>
               <a:rPr lang="en-GB" sz="1500" dirty="0"/>
-              <a:t>We can also carry out posterior predictive check with single replicated dataset. Figure below compares the distribution of projection strengths of neurons in mouse 1.</a:t>
+              <a:t>Distribution of non-zero projection strengths for the observed and replicated data.</a:t>
             </a:r>
           </a:p>
         </p:txBody>
       </p:sp>
       <p:pic>
         <p:nvPicPr>
-          <p:cNvPr id="3" name="Picture 2">
-            <a:extLst>
-              <a:ext uri="{FF2B5EF4-FFF2-40B4-BE49-F238E27FC236}">
-                <a16:creationId xmlns:a16="http://schemas.microsoft.com/office/drawing/2014/main" id="{BD5D8679-DAB7-4FA1-BCD5-5CFAD584B238}"/>
+          <p:cNvPr id="5" name="Picture 4">
+            <a:extLst>
+              <a:ext uri="{FF2B5EF4-FFF2-40B4-BE49-F238E27FC236}">
+                <a16:creationId xmlns:a16="http://schemas.microsoft.com/office/drawing/2014/main" id="{99C94245-FCD0-494A-BE59-896DF5271419}"/>
               </a:ext>
             </a:extLst>
           </p:cNvPr>
@@ -5573,8 +5811,8 @@
         </p:blipFill>
         <p:spPr>
           <a:xfrm>
-            <a:off x="838200" y="1308684"/>
-            <a:ext cx="8637165" cy="5038346"/>
+            <a:off x="838200" y="1240971"/>
+            <a:ext cx="7823603" cy="4563769"/>
           </a:xfrm>
           <a:prstGeom prst="rect">
             <a:avLst/>
@@ -5584,7 +5822,7 @@
     </p:spTree>
     <p:extLst>
       <p:ext uri="{BB962C8B-B14F-4D97-AF65-F5344CB8AC3E}">
-        <p14:creationId xmlns:p14="http://schemas.microsoft.com/office/powerpoint/2010/main" val="1536788149"/>
+        <p14:creationId xmlns:p14="http://schemas.microsoft.com/office/powerpoint/2010/main" val="2518443356"/>
       </p:ext>
     </p:extLst>
   </p:cSld>
@@ -5613,45 +5851,45 @@
       </p:grpSpPr>
       <p:sp>
         <p:nvSpPr>
-          <p:cNvPr id="4" name="TextBox 3">
-            <a:extLst>
-              <a:ext uri="{FF2B5EF4-FFF2-40B4-BE49-F238E27FC236}">
-                <a16:creationId xmlns:a16="http://schemas.microsoft.com/office/drawing/2014/main" id="{A55ADBBD-18DC-4F68-88B9-BEC2B2B4E073}"/>
-              </a:ext>
-            </a:extLst>
-          </p:cNvPr>
-          <p:cNvSpPr txBox="1"/>
-          <p:nvPr/>
+          <p:cNvPr id="4" name="Title 1">
+            <a:extLst>
+              <a:ext uri="{FF2B5EF4-FFF2-40B4-BE49-F238E27FC236}">
+                <a16:creationId xmlns:a16="http://schemas.microsoft.com/office/drawing/2014/main" id="{816FE418-7905-411D-9484-15B51F543B4B}"/>
+              </a:ext>
+            </a:extLst>
+          </p:cNvPr>
+          <p:cNvSpPr>
+            <a:spLocks noGrp="1"/>
+          </p:cNvSpPr>
+          <p:nvPr>
+            <p:ph type="title"/>
+          </p:nvPr>
         </p:nvSpPr>
         <p:spPr>
           <a:xfrm>
-            <a:off x="1392573" y="486561"/>
-            <a:ext cx="2506392" cy="369332"/>
+            <a:off x="838200" y="365126"/>
+            <a:ext cx="10515600" cy="943558"/>
           </a:xfrm>
-          <a:prstGeom prst="rect">
-            <a:avLst/>
-          </a:prstGeom>
-          <a:noFill/>
         </p:spPr>
         <p:txBody>
-          <a:bodyPr wrap="none" rtlCol="0">
-            <a:spAutoFit/>
+          <a:bodyPr>
+            <a:normAutofit/>
           </a:bodyPr>
           <a:lstStyle/>
           <a:p>
             <a:r>
-              <a:rPr lang="en-GB" dirty="0"/>
-              <a:t>k-means with 30 clusters</a:t>
+              <a:rPr lang="en-GB" sz="1500" dirty="0"/>
+              <a:t>We can also carry out posterior predictive check with single replicated dataset. Figure below compares the distribution of projection strengths of neurons in mouse 1.</a:t>
             </a:r>
           </a:p>
         </p:txBody>
       </p:sp>
       <p:pic>
         <p:nvPicPr>
-          <p:cNvPr id="8" name="Picture 7">
-            <a:extLst>
-              <a:ext uri="{FF2B5EF4-FFF2-40B4-BE49-F238E27FC236}">
-                <a16:creationId xmlns:a16="http://schemas.microsoft.com/office/drawing/2014/main" id="{87E096E7-3F37-49B8-AC03-1CAD56E2531F}"/>
+          <p:cNvPr id="5" name="Picture 4">
+            <a:extLst>
+              <a:ext uri="{FF2B5EF4-FFF2-40B4-BE49-F238E27FC236}">
+                <a16:creationId xmlns:a16="http://schemas.microsoft.com/office/drawing/2014/main" id="{3AEC3925-D7AC-4968-816D-72249DAF23D4}"/>
               </a:ext>
             </a:extLst>
           </p:cNvPr>
@@ -5674,8 +5912,8 @@
         </p:blipFill>
         <p:spPr>
           <a:xfrm>
-            <a:off x="1392573" y="1073791"/>
-            <a:ext cx="5217952" cy="5217952"/>
+            <a:off x="838200" y="1308684"/>
+            <a:ext cx="7928429" cy="4624917"/>
           </a:xfrm>
           <a:prstGeom prst="rect">
             <a:avLst/>
@@ -5685,7 +5923,7 @@
     </p:spTree>
     <p:extLst>
       <p:ext uri="{BB962C8B-B14F-4D97-AF65-F5344CB8AC3E}">
-        <p14:creationId xmlns:p14="http://schemas.microsoft.com/office/powerpoint/2010/main" val="1992865588"/>
+        <p14:creationId xmlns:p14="http://schemas.microsoft.com/office/powerpoint/2010/main" val="1536788149"/>
       </p:ext>
     </p:extLst>
   </p:cSld>
@@ -5717,7 +5955,7 @@
           <p:cNvPr id="4" name="TextBox 3">
             <a:extLst>
               <a:ext uri="{FF2B5EF4-FFF2-40B4-BE49-F238E27FC236}">
-                <a16:creationId xmlns:a16="http://schemas.microsoft.com/office/drawing/2014/main" id="{EF226F45-CF42-4A6A-BDD7-51403ABF6A0B}"/>
+                <a16:creationId xmlns:a16="http://schemas.microsoft.com/office/drawing/2014/main" id="{A55ADBBD-18DC-4F68-88B9-BEC2B2B4E073}"/>
               </a:ext>
             </a:extLst>
           </p:cNvPr>
@@ -5742,17 +5980,17 @@
           <a:p>
             <a:r>
               <a:rPr lang="en-GB" dirty="0"/>
-              <a:t>k-means with 50 clusters</a:t>
+              <a:t>k-means with 30 clusters</a:t>
             </a:r>
           </a:p>
         </p:txBody>
       </p:sp>
       <p:pic>
         <p:nvPicPr>
-          <p:cNvPr id="6" name="Picture 5">
-            <a:extLst>
-              <a:ext uri="{FF2B5EF4-FFF2-40B4-BE49-F238E27FC236}">
-                <a16:creationId xmlns:a16="http://schemas.microsoft.com/office/drawing/2014/main" id="{923ADC95-A644-493E-8EBB-5592029B7E67}"/>
+          <p:cNvPr id="3" name="Picture 2">
+            <a:extLst>
+              <a:ext uri="{FF2B5EF4-FFF2-40B4-BE49-F238E27FC236}">
+                <a16:creationId xmlns:a16="http://schemas.microsoft.com/office/drawing/2014/main" id="{7AF5F290-D4D9-4D5F-8258-0D017359087B}"/>
               </a:ext>
             </a:extLst>
           </p:cNvPr>
@@ -5775,8 +6013,8 @@
         </p:blipFill>
         <p:spPr>
           <a:xfrm>
-            <a:off x="1392573" y="1031628"/>
-            <a:ext cx="5457039" cy="5457039"/>
+            <a:off x="1392573" y="1146628"/>
+            <a:ext cx="4956629" cy="4956629"/>
           </a:xfrm>
           <a:prstGeom prst="rect">
             <a:avLst/>
@@ -5786,7 +6024,7 @@
     </p:spTree>
     <p:extLst>
       <p:ext uri="{BB962C8B-B14F-4D97-AF65-F5344CB8AC3E}">
-        <p14:creationId xmlns:p14="http://schemas.microsoft.com/office/powerpoint/2010/main" val="3241683728"/>
+        <p14:creationId xmlns:p14="http://schemas.microsoft.com/office/powerpoint/2010/main" val="1992865588"/>
       </p:ext>
     </p:extLst>
   </p:cSld>
@@ -5818,7 +6056,7 @@
           <p:cNvPr id="4" name="TextBox 3">
             <a:extLst>
               <a:ext uri="{FF2B5EF4-FFF2-40B4-BE49-F238E27FC236}">
-                <a16:creationId xmlns:a16="http://schemas.microsoft.com/office/drawing/2014/main" id="{CA68F086-73DF-4A69-8C9C-C04160B27E94}"/>
+                <a16:creationId xmlns:a16="http://schemas.microsoft.com/office/drawing/2014/main" id="{EF226F45-CF42-4A6A-BDD7-51403ABF6A0B}"/>
               </a:ext>
             </a:extLst>
           </p:cNvPr>
@@ -5843,17 +6081,17 @@
           <a:p>
             <a:r>
               <a:rPr lang="en-GB" dirty="0"/>
-              <a:t>k-means with 70 clusters</a:t>
+              <a:t>k-means with 50 clusters</a:t>
             </a:r>
           </a:p>
         </p:txBody>
       </p:sp>
       <p:pic>
         <p:nvPicPr>
-          <p:cNvPr id="6" name="Picture 5">
-            <a:extLst>
-              <a:ext uri="{FF2B5EF4-FFF2-40B4-BE49-F238E27FC236}">
-                <a16:creationId xmlns:a16="http://schemas.microsoft.com/office/drawing/2014/main" id="{6E6FAC0E-5E4A-4289-AF5D-5DB393482F74}"/>
+          <p:cNvPr id="3" name="Picture 2">
+            <a:extLst>
+              <a:ext uri="{FF2B5EF4-FFF2-40B4-BE49-F238E27FC236}">
+                <a16:creationId xmlns:a16="http://schemas.microsoft.com/office/drawing/2014/main" id="{A3E8E98A-FB51-4AA1-AEC3-988D7ED79DA4}"/>
               </a:ext>
             </a:extLst>
           </p:cNvPr>
@@ -5876,8 +6114,8 @@
         </p:blipFill>
         <p:spPr>
           <a:xfrm>
-            <a:off x="1392573" y="1149074"/>
-            <a:ext cx="5402510" cy="5402510"/>
+            <a:off x="1392573" y="1182914"/>
+            <a:ext cx="5124324" cy="5124324"/>
           </a:xfrm>
           <a:prstGeom prst="rect">
             <a:avLst/>
@@ -5887,7 +6125,7 @@
     </p:spTree>
     <p:extLst>
       <p:ext uri="{BB962C8B-B14F-4D97-AF65-F5344CB8AC3E}">
-        <p14:creationId xmlns:p14="http://schemas.microsoft.com/office/powerpoint/2010/main" val="455782353"/>
+        <p14:creationId xmlns:p14="http://schemas.microsoft.com/office/powerpoint/2010/main" val="3241683728"/>
       </p:ext>
     </p:extLst>
   </p:cSld>
@@ -5914,12 +6152,47 @@
           <a:chExt cx="0" cy="0"/>
         </a:xfrm>
       </p:grpSpPr>
+      <p:sp>
+        <p:nvSpPr>
+          <p:cNvPr id="4" name="TextBox 3">
+            <a:extLst>
+              <a:ext uri="{FF2B5EF4-FFF2-40B4-BE49-F238E27FC236}">
+                <a16:creationId xmlns:a16="http://schemas.microsoft.com/office/drawing/2014/main" id="{CA68F086-73DF-4A69-8C9C-C04160B27E94}"/>
+              </a:ext>
+            </a:extLst>
+          </p:cNvPr>
+          <p:cNvSpPr txBox="1"/>
+          <p:nvPr/>
+        </p:nvSpPr>
+        <p:spPr>
+          <a:xfrm>
+            <a:off x="1392573" y="486561"/>
+            <a:ext cx="2506392" cy="369332"/>
+          </a:xfrm>
+          <a:prstGeom prst="rect">
+            <a:avLst/>
+          </a:prstGeom>
+          <a:noFill/>
+        </p:spPr>
+        <p:txBody>
+          <a:bodyPr wrap="none" rtlCol="0">
+            <a:spAutoFit/>
+          </a:bodyPr>
+          <a:lstStyle/>
+          <a:p>
+            <a:r>
+              <a:rPr lang="en-GB" dirty="0"/>
+              <a:t>k-means with 70 clusters</a:t>
+            </a:r>
+          </a:p>
+        </p:txBody>
+      </p:sp>
       <p:pic>
         <p:nvPicPr>
-          <p:cNvPr id="5" name="Picture 4">
-            <a:extLst>
-              <a:ext uri="{FF2B5EF4-FFF2-40B4-BE49-F238E27FC236}">
-                <a16:creationId xmlns:a16="http://schemas.microsoft.com/office/drawing/2014/main" id="{4E336E4B-D93B-47C2-AB8A-DF274EEF7F87}"/>
+          <p:cNvPr id="3" name="Picture 2">
+            <a:extLst>
+              <a:ext uri="{FF2B5EF4-FFF2-40B4-BE49-F238E27FC236}">
+                <a16:creationId xmlns:a16="http://schemas.microsoft.com/office/drawing/2014/main" id="{F6DCC225-E627-4A3F-B506-ADB0159B220E}"/>
               </a:ext>
             </a:extLst>
           </p:cNvPr>
@@ -5942,53 +6215,18 @@
         </p:blipFill>
         <p:spPr>
           <a:xfrm>
-            <a:off x="1215704" y="855893"/>
-            <a:ext cx="5545821" cy="5545821"/>
+            <a:off x="1392572" y="1117599"/>
+            <a:ext cx="5095313" cy="5095313"/>
           </a:xfrm>
           <a:prstGeom prst="rect">
             <a:avLst/>
           </a:prstGeom>
         </p:spPr>
       </p:pic>
-      <p:sp>
-        <p:nvSpPr>
-          <p:cNvPr id="6" name="TextBox 5">
-            <a:extLst>
-              <a:ext uri="{FF2B5EF4-FFF2-40B4-BE49-F238E27FC236}">
-                <a16:creationId xmlns:a16="http://schemas.microsoft.com/office/drawing/2014/main" id="{AF234559-99C1-4DBA-9AA9-B55DB21FFFF1}"/>
-              </a:ext>
-            </a:extLst>
-          </p:cNvPr>
-          <p:cNvSpPr txBox="1"/>
-          <p:nvPr/>
-        </p:nvSpPr>
-        <p:spPr>
-          <a:xfrm>
-            <a:off x="1392573" y="486561"/>
-            <a:ext cx="9068499" cy="369332"/>
-          </a:xfrm>
-          <a:prstGeom prst="rect">
-            <a:avLst/>
-          </a:prstGeom>
-          <a:noFill/>
-        </p:spPr>
-        <p:txBody>
-          <a:bodyPr wrap="square" rtlCol="0">
-            <a:spAutoFit/>
-          </a:bodyPr>
-          <a:lstStyle/>
-          <a:p>
-            <a:r>
-              <a:rPr lang="en-GB" dirty="0"/>
-              <a:t>Heatmap of the Binomial model which detects 208 motifs: </a:t>
-            </a:r>
-          </a:p>
-        </p:txBody>
-      </p:sp>
     </p:spTree>
     <p:extLst>
       <p:ext uri="{BB962C8B-B14F-4D97-AF65-F5344CB8AC3E}">
-        <p14:creationId xmlns:p14="http://schemas.microsoft.com/office/powerpoint/2010/main" val="1479363705"/>
+        <p14:creationId xmlns:p14="http://schemas.microsoft.com/office/powerpoint/2010/main" val="455782353"/>
       </p:ext>
     </p:extLst>
   </p:cSld>
@@ -6015,47 +6253,12 @@
           <a:chExt cx="0" cy="0"/>
         </a:xfrm>
       </p:grpSpPr>
-      <p:sp>
-        <p:nvSpPr>
-          <p:cNvPr id="4" name="Title 1">
-            <a:extLst>
-              <a:ext uri="{FF2B5EF4-FFF2-40B4-BE49-F238E27FC236}">
-                <a16:creationId xmlns:a16="http://schemas.microsoft.com/office/drawing/2014/main" id="{2477414C-7355-4DF6-BAE9-A415B505CE03}"/>
-              </a:ext>
-            </a:extLst>
-          </p:cNvPr>
-          <p:cNvSpPr>
-            <a:spLocks noGrp="1"/>
-          </p:cNvSpPr>
-          <p:nvPr>
-            <p:ph type="title"/>
-          </p:nvPr>
-        </p:nvSpPr>
-        <p:spPr>
-          <a:xfrm>
-            <a:off x="838200" y="365125"/>
-            <a:ext cx="10515600" cy="1325563"/>
-          </a:xfrm>
-        </p:spPr>
-        <p:txBody>
-          <a:bodyPr>
-            <a:normAutofit/>
-          </a:bodyPr>
-          <a:lstStyle/>
-          <a:p>
-            <a:r>
-              <a:rPr lang="en-GB" sz="2000" dirty="0"/>
-              <a:t>Comparison of cluster estimates using VI (values shown are standardized to range [0,1])</a:t>
-            </a:r>
-          </a:p>
-        </p:txBody>
-      </p:sp>
       <p:pic>
         <p:nvPicPr>
-          <p:cNvPr id="3" name="Picture 2">
-            <a:extLst>
-              <a:ext uri="{FF2B5EF4-FFF2-40B4-BE49-F238E27FC236}">
-                <a16:creationId xmlns:a16="http://schemas.microsoft.com/office/drawing/2014/main" id="{3304C93B-6719-4105-B1F2-6EC642B44786}"/>
+          <p:cNvPr id="5" name="Picture 4">
+            <a:extLst>
+              <a:ext uri="{FF2B5EF4-FFF2-40B4-BE49-F238E27FC236}">
+                <a16:creationId xmlns:a16="http://schemas.microsoft.com/office/drawing/2014/main" id="{4E336E4B-D93B-47C2-AB8A-DF274EEF7F87}"/>
               </a:ext>
             </a:extLst>
           </p:cNvPr>
@@ -6078,18 +6281,53 @@
         </p:blipFill>
         <p:spPr>
           <a:xfrm>
-            <a:off x="838200" y="2131272"/>
-            <a:ext cx="5410955" cy="800212"/>
+            <a:off x="1215704" y="855893"/>
+            <a:ext cx="5545821" cy="5545821"/>
           </a:xfrm>
           <a:prstGeom prst="rect">
             <a:avLst/>
           </a:prstGeom>
         </p:spPr>
       </p:pic>
+      <p:sp>
+        <p:nvSpPr>
+          <p:cNvPr id="6" name="TextBox 5">
+            <a:extLst>
+              <a:ext uri="{FF2B5EF4-FFF2-40B4-BE49-F238E27FC236}">
+                <a16:creationId xmlns:a16="http://schemas.microsoft.com/office/drawing/2014/main" id="{AF234559-99C1-4DBA-9AA9-B55DB21FFFF1}"/>
+              </a:ext>
+            </a:extLst>
+          </p:cNvPr>
+          <p:cNvSpPr txBox="1"/>
+          <p:nvPr/>
+        </p:nvSpPr>
+        <p:spPr>
+          <a:xfrm>
+            <a:off x="1392573" y="486561"/>
+            <a:ext cx="9068499" cy="369332"/>
+          </a:xfrm>
+          <a:prstGeom prst="rect">
+            <a:avLst/>
+          </a:prstGeom>
+          <a:noFill/>
+        </p:spPr>
+        <p:txBody>
+          <a:bodyPr wrap="square" rtlCol="0">
+            <a:spAutoFit/>
+          </a:bodyPr>
+          <a:lstStyle/>
+          <a:p>
+            <a:r>
+              <a:rPr lang="en-GB" dirty="0"/>
+              <a:t>Heatmap of the Binomial model which detects 208 motifs: </a:t>
+            </a:r>
+          </a:p>
+        </p:txBody>
+      </p:sp>
     </p:spTree>
     <p:extLst>
       <p:ext uri="{BB962C8B-B14F-4D97-AF65-F5344CB8AC3E}">
-        <p14:creationId xmlns:p14="http://schemas.microsoft.com/office/powerpoint/2010/main" val="3809036169"/>
+        <p14:creationId xmlns:p14="http://schemas.microsoft.com/office/powerpoint/2010/main" val="1479363705"/>
       </p:ext>
     </p:extLst>
   </p:cSld>
@@ -6163,10 +6401,10 @@
       </p:sp>
       <p:pic>
         <p:nvPicPr>
-          <p:cNvPr id="5" name="Content Placeholder 4">
-            <a:extLst>
-              <a:ext uri="{FF2B5EF4-FFF2-40B4-BE49-F238E27FC236}">
-                <a16:creationId xmlns:a16="http://schemas.microsoft.com/office/drawing/2014/main" id="{6439DED4-03D9-48B6-9965-177F22110333}"/>
+          <p:cNvPr id="7" name="Content Placeholder 6">
+            <a:extLst>
+              <a:ext uri="{FF2B5EF4-FFF2-40B4-BE49-F238E27FC236}">
+                <a16:creationId xmlns:a16="http://schemas.microsoft.com/office/drawing/2014/main" id="{4292E51D-21B6-4DE1-BACF-BA637E122923}"/>
               </a:ext>
             </a:extLst>
           </p:cNvPr>
@@ -6191,8 +6429,8 @@
         </p:blipFill>
         <p:spPr>
           <a:xfrm>
-            <a:off x="3660273" y="0"/>
-            <a:ext cx="4351338" cy="4351338"/>
+            <a:off x="3767931" y="342295"/>
+            <a:ext cx="4106069" cy="4106069"/>
           </a:xfrm>
         </p:spPr>
       </p:pic>
@@ -6210,6 +6448,377 @@
 </file>
 
 <file path=ppt/slides/slide2.xml><?xml version="1.0" encoding="utf-8"?>
+<p:sld xmlns:a="http://schemas.openxmlformats.org/drawingml/2006/main" xmlns:r="http://schemas.openxmlformats.org/officeDocument/2006/relationships" xmlns:p="http://schemas.openxmlformats.org/presentationml/2006/main">
+  <p:cSld>
+    <p:spTree>
+      <p:nvGrpSpPr>
+        <p:cNvPr id="1" name=""/>
+        <p:cNvGrpSpPr/>
+        <p:nvPr/>
+      </p:nvGrpSpPr>
+      <p:grpSpPr>
+        <a:xfrm>
+          <a:off x="0" y="0"/>
+          <a:ext cx="0" cy="0"/>
+          <a:chOff x="0" y="0"/>
+          <a:chExt cx="0" cy="0"/>
+        </a:xfrm>
+      </p:grpSpPr>
+      <p:sp>
+        <p:nvSpPr>
+          <p:cNvPr id="2" name="Title 1">
+            <a:extLst>
+              <a:ext uri="{FF2B5EF4-FFF2-40B4-BE49-F238E27FC236}">
+                <a16:creationId xmlns:a16="http://schemas.microsoft.com/office/drawing/2014/main" id="{F703432D-C326-4D7F-BC2F-A83EE3FEC3C7}"/>
+              </a:ext>
+            </a:extLst>
+          </p:cNvPr>
+          <p:cNvSpPr>
+            <a:spLocks noGrp="1"/>
+          </p:cNvSpPr>
+          <p:nvPr>
+            <p:ph type="title"/>
+          </p:nvPr>
+        </p:nvSpPr>
+        <p:spPr/>
+        <p:txBody>
+          <a:bodyPr/>
+          <a:lstStyle/>
+          <a:p>
+            <a:endParaRPr lang="en-GB"/>
+          </a:p>
+        </p:txBody>
+      </p:sp>
+      <p:pic>
+        <p:nvPicPr>
+          <p:cNvPr id="5" name="Content Placeholder 4">
+            <a:extLst>
+              <a:ext uri="{FF2B5EF4-FFF2-40B4-BE49-F238E27FC236}">
+                <a16:creationId xmlns:a16="http://schemas.microsoft.com/office/drawing/2014/main" id="{DF9ED396-5B5D-4F8E-BE9E-72DE0B8288C9}"/>
+              </a:ext>
+            </a:extLst>
+          </p:cNvPr>
+          <p:cNvPicPr>
+            <a:picLocks noGrp="1" noChangeAspect="1"/>
+          </p:cNvPicPr>
+          <p:nvPr>
+            <p:ph idx="1"/>
+          </p:nvPr>
+        </p:nvPicPr>
+        <p:blipFill>
+          <a:blip r:embed="rId2">
+            <a:extLst>
+              <a:ext uri="{28A0092B-C50C-407E-A947-70E740481C1C}">
+                <a14:useLocalDpi xmlns:a14="http://schemas.microsoft.com/office/drawing/2010/main" val="0"/>
+              </a:ext>
+            </a:extLst>
+          </a:blip>
+          <a:stretch>
+            <a:fillRect/>
+          </a:stretch>
+        </p:blipFill>
+        <p:spPr>
+          <a:xfrm>
+            <a:off x="838200" y="1970767"/>
+            <a:ext cx="4351338" cy="4351338"/>
+          </a:xfrm>
+        </p:spPr>
+      </p:pic>
+      <p:pic>
+        <p:nvPicPr>
+          <p:cNvPr id="7" name="Picture 6">
+            <a:extLst>
+              <a:ext uri="{FF2B5EF4-FFF2-40B4-BE49-F238E27FC236}">
+                <a16:creationId xmlns:a16="http://schemas.microsoft.com/office/drawing/2014/main" id="{0B413866-1872-45BF-A202-80B0952C3037}"/>
+              </a:ext>
+            </a:extLst>
+          </p:cNvPr>
+          <p:cNvPicPr>
+            <a:picLocks noChangeAspect="1"/>
+          </p:cNvPicPr>
+          <p:nvPr/>
+        </p:nvPicPr>
+        <p:blipFill>
+          <a:blip r:embed="rId3">
+            <a:extLst>
+              <a:ext uri="{28A0092B-C50C-407E-A947-70E740481C1C}">
+                <a14:useLocalDpi xmlns:a14="http://schemas.microsoft.com/office/drawing/2010/main" val="0"/>
+              </a:ext>
+            </a:extLst>
+          </a:blip>
+          <a:stretch>
+            <a:fillRect/>
+          </a:stretch>
+        </p:blipFill>
+        <p:spPr>
+          <a:xfrm>
+            <a:off x="6313714" y="1970767"/>
+            <a:ext cx="4351338" cy="4351338"/>
+          </a:xfrm>
+          <a:prstGeom prst="rect">
+            <a:avLst/>
+          </a:prstGeom>
+        </p:spPr>
+      </p:pic>
+    </p:spTree>
+    <p:extLst>
+      <p:ext uri="{BB962C8B-B14F-4D97-AF65-F5344CB8AC3E}">
+        <p14:creationId xmlns:p14="http://schemas.microsoft.com/office/powerpoint/2010/main" val="2427716972"/>
+      </p:ext>
+    </p:extLst>
+  </p:cSld>
+  <p:clrMapOvr>
+    <a:masterClrMapping/>
+  </p:clrMapOvr>
+</p:sld>
+</file>
+
+<file path=ppt/slides/slide20.xml><?xml version="1.0" encoding="utf-8"?>
+<p:sld xmlns:a="http://schemas.openxmlformats.org/drawingml/2006/main" xmlns:r="http://schemas.openxmlformats.org/officeDocument/2006/relationships" xmlns:p="http://schemas.openxmlformats.org/presentationml/2006/main">
+  <p:cSld>
+    <p:spTree>
+      <p:nvGrpSpPr>
+        <p:cNvPr id="1" name=""/>
+        <p:cNvGrpSpPr/>
+        <p:nvPr/>
+      </p:nvGrpSpPr>
+      <p:grpSpPr>
+        <a:xfrm>
+          <a:off x="0" y="0"/>
+          <a:ext cx="0" cy="0"/>
+          <a:chOff x="0" y="0"/>
+          <a:chExt cx="0" cy="0"/>
+        </a:xfrm>
+      </p:grpSpPr>
+      <p:pic>
+        <p:nvPicPr>
+          <p:cNvPr id="5" name="Content Placeholder 4">
+            <a:extLst>
+              <a:ext uri="{FF2B5EF4-FFF2-40B4-BE49-F238E27FC236}">
+                <a16:creationId xmlns:a16="http://schemas.microsoft.com/office/drawing/2014/main" id="{64DFC7DE-F503-4943-AF39-ED6B0C7B6849}"/>
+              </a:ext>
+            </a:extLst>
+          </p:cNvPr>
+          <p:cNvPicPr>
+            <a:picLocks noGrp="1" noChangeAspect="1"/>
+          </p:cNvPicPr>
+          <p:nvPr>
+            <p:ph idx="1"/>
+          </p:nvPr>
+        </p:nvPicPr>
+        <p:blipFill>
+          <a:blip r:embed="rId2">
+            <a:extLst>
+              <a:ext uri="{28A0092B-C50C-407E-A947-70E740481C1C}">
+                <a14:useLocalDpi xmlns:a14="http://schemas.microsoft.com/office/drawing/2010/main" val="0"/>
+              </a:ext>
+            </a:extLst>
+          </a:blip>
+          <a:stretch>
+            <a:fillRect/>
+          </a:stretch>
+        </p:blipFill>
+        <p:spPr>
+          <a:xfrm>
+            <a:off x="538502" y="308428"/>
+            <a:ext cx="3066143" cy="3066143"/>
+          </a:xfrm>
+        </p:spPr>
+      </p:pic>
+      <p:pic>
+        <p:nvPicPr>
+          <p:cNvPr id="8" name="Picture 7">
+            <a:extLst>
+              <a:ext uri="{FF2B5EF4-FFF2-40B4-BE49-F238E27FC236}">
+                <a16:creationId xmlns:a16="http://schemas.microsoft.com/office/drawing/2014/main" id="{6C03D06F-BF93-418F-9CC4-025E84DA82AC}"/>
+              </a:ext>
+            </a:extLst>
+          </p:cNvPr>
+          <p:cNvPicPr>
+            <a:picLocks noChangeAspect="1"/>
+          </p:cNvPicPr>
+          <p:nvPr/>
+        </p:nvPicPr>
+        <p:blipFill>
+          <a:blip r:embed="rId3">
+            <a:extLst>
+              <a:ext uri="{28A0092B-C50C-407E-A947-70E740481C1C}">
+                <a14:useLocalDpi xmlns:a14="http://schemas.microsoft.com/office/drawing/2010/main" val="0"/>
+              </a:ext>
+            </a:extLst>
+          </a:blip>
+          <a:stretch>
+            <a:fillRect/>
+          </a:stretch>
+        </p:blipFill>
+        <p:spPr>
+          <a:xfrm>
+            <a:off x="4105729" y="308427"/>
+            <a:ext cx="3066143" cy="3066143"/>
+          </a:xfrm>
+          <a:prstGeom prst="rect">
+            <a:avLst/>
+          </a:prstGeom>
+        </p:spPr>
+      </p:pic>
+      <p:pic>
+        <p:nvPicPr>
+          <p:cNvPr id="11" name="Picture 10">
+            <a:extLst>
+              <a:ext uri="{FF2B5EF4-FFF2-40B4-BE49-F238E27FC236}">
+                <a16:creationId xmlns:a16="http://schemas.microsoft.com/office/drawing/2014/main" id="{EF317AAD-2A12-4F48-92FB-8D0B46D64547}"/>
+              </a:ext>
+            </a:extLst>
+          </p:cNvPr>
+          <p:cNvPicPr>
+            <a:picLocks noChangeAspect="1"/>
+          </p:cNvPicPr>
+          <p:nvPr/>
+        </p:nvPicPr>
+        <p:blipFill>
+          <a:blip r:embed="rId4">
+            <a:extLst>
+              <a:ext uri="{28A0092B-C50C-407E-A947-70E740481C1C}">
+                <a14:useLocalDpi xmlns:a14="http://schemas.microsoft.com/office/drawing/2010/main" val="0"/>
+              </a:ext>
+            </a:extLst>
+          </a:blip>
+          <a:stretch>
+            <a:fillRect/>
+          </a:stretch>
+        </p:blipFill>
+        <p:spPr>
+          <a:xfrm>
+            <a:off x="7621815" y="308427"/>
+            <a:ext cx="3066143" cy="3066143"/>
+          </a:xfrm>
+          <a:prstGeom prst="rect">
+            <a:avLst/>
+          </a:prstGeom>
+        </p:spPr>
+      </p:pic>
+      <p:pic>
+        <p:nvPicPr>
+          <p:cNvPr id="13" name="Picture 12">
+            <a:extLst>
+              <a:ext uri="{FF2B5EF4-FFF2-40B4-BE49-F238E27FC236}">
+                <a16:creationId xmlns:a16="http://schemas.microsoft.com/office/drawing/2014/main" id="{B5B2F94A-E799-4D91-9FB3-5D9E7DF93937}"/>
+              </a:ext>
+            </a:extLst>
+          </p:cNvPr>
+          <p:cNvPicPr>
+            <a:picLocks noChangeAspect="1"/>
+          </p:cNvPicPr>
+          <p:nvPr/>
+        </p:nvPicPr>
+        <p:blipFill>
+          <a:blip r:embed="rId5">
+            <a:extLst>
+              <a:ext uri="{28A0092B-C50C-407E-A947-70E740481C1C}">
+                <a14:useLocalDpi xmlns:a14="http://schemas.microsoft.com/office/drawing/2010/main" val="0"/>
+              </a:ext>
+            </a:extLst>
+          </a:blip>
+          <a:stretch>
+            <a:fillRect/>
+          </a:stretch>
+        </p:blipFill>
+        <p:spPr>
+          <a:xfrm>
+            <a:off x="538501" y="3575956"/>
+            <a:ext cx="3066143" cy="3066143"/>
+          </a:xfrm>
+          <a:prstGeom prst="rect">
+            <a:avLst/>
+          </a:prstGeom>
+        </p:spPr>
+      </p:pic>
+      <p:pic>
+        <p:nvPicPr>
+          <p:cNvPr id="16" name="Picture 15">
+            <a:extLst>
+              <a:ext uri="{FF2B5EF4-FFF2-40B4-BE49-F238E27FC236}">
+                <a16:creationId xmlns:a16="http://schemas.microsoft.com/office/drawing/2014/main" id="{F004501E-286B-4398-8AA3-96DD733CF661}"/>
+              </a:ext>
+            </a:extLst>
+          </p:cNvPr>
+          <p:cNvPicPr>
+            <a:picLocks noChangeAspect="1"/>
+          </p:cNvPicPr>
+          <p:nvPr/>
+        </p:nvPicPr>
+        <p:blipFill>
+          <a:blip r:embed="rId6">
+            <a:extLst>
+              <a:ext uri="{28A0092B-C50C-407E-A947-70E740481C1C}">
+                <a14:useLocalDpi xmlns:a14="http://schemas.microsoft.com/office/drawing/2010/main" val="0"/>
+              </a:ext>
+            </a:extLst>
+          </a:blip>
+          <a:stretch>
+            <a:fillRect/>
+          </a:stretch>
+        </p:blipFill>
+        <p:spPr>
+          <a:xfrm>
+            <a:off x="4105729" y="3483431"/>
+            <a:ext cx="3066143" cy="3066143"/>
+          </a:xfrm>
+          <a:prstGeom prst="rect">
+            <a:avLst/>
+          </a:prstGeom>
+        </p:spPr>
+      </p:pic>
+      <p:pic>
+        <p:nvPicPr>
+          <p:cNvPr id="20" name="Picture 19">
+            <a:extLst>
+              <a:ext uri="{FF2B5EF4-FFF2-40B4-BE49-F238E27FC236}">
+                <a16:creationId xmlns:a16="http://schemas.microsoft.com/office/drawing/2014/main" id="{CB3D6F32-285A-4681-A8B2-A4A4D29B9814}"/>
+              </a:ext>
+            </a:extLst>
+          </p:cNvPr>
+          <p:cNvPicPr>
+            <a:picLocks noChangeAspect="1"/>
+          </p:cNvPicPr>
+          <p:nvPr/>
+        </p:nvPicPr>
+        <p:blipFill>
+          <a:blip r:embed="rId7">
+            <a:extLst>
+              <a:ext uri="{28A0092B-C50C-407E-A947-70E740481C1C}">
+                <a14:useLocalDpi xmlns:a14="http://schemas.microsoft.com/office/drawing/2010/main" val="0"/>
+              </a:ext>
+            </a:extLst>
+          </a:blip>
+          <a:stretch>
+            <a:fillRect/>
+          </a:stretch>
+        </p:blipFill>
+        <p:spPr>
+          <a:xfrm>
+            <a:off x="7621815" y="3483431"/>
+            <a:ext cx="3066143" cy="3066143"/>
+          </a:xfrm>
+          <a:prstGeom prst="rect">
+            <a:avLst/>
+          </a:prstGeom>
+        </p:spPr>
+      </p:pic>
+    </p:spTree>
+    <p:extLst>
+      <p:ext uri="{BB962C8B-B14F-4D97-AF65-F5344CB8AC3E}">
+        <p14:creationId xmlns:p14="http://schemas.microsoft.com/office/powerpoint/2010/main" val="1301081757"/>
+      </p:ext>
+    </p:extLst>
+  </p:cSld>
+  <p:clrMapOvr>
+    <a:masterClrMapping/>
+  </p:clrMapOvr>
+</p:sld>
+</file>
+
+<file path=ppt/slides/slide3.xml><?xml version="1.0" encoding="utf-8"?>
 <p:sld xmlns:a="http://schemas.openxmlformats.org/drawingml/2006/main" xmlns:r="http://schemas.openxmlformats.org/officeDocument/2006/relationships" xmlns:p="http://schemas.openxmlformats.org/presentationml/2006/main">
   <p:cSld>
     <p:spTree>
@@ -6438,17 +7047,17 @@
             </a:pPr>
             <a:r>
               <a:rPr lang="en-GB" sz="1500" dirty="0"/>
-              <a:t>There are 130 clusters (motifs) in total:</a:t>
+              <a:t>There are 91 clusters (motifs) in total:</a:t>
             </a:r>
           </a:p>
         </p:txBody>
       </p:sp>
       <p:pic>
         <p:nvPicPr>
-          <p:cNvPr id="3" name="Picture 2">
-            <a:extLst>
-              <a:ext uri="{FF2B5EF4-FFF2-40B4-BE49-F238E27FC236}">
-                <a16:creationId xmlns:a16="http://schemas.microsoft.com/office/drawing/2014/main" id="{1C08116B-6845-4B12-BE03-DCA7372425F8}"/>
+          <p:cNvPr id="5" name="Picture 4">
+            <a:extLst>
+              <a:ext uri="{FF2B5EF4-FFF2-40B4-BE49-F238E27FC236}">
+                <a16:creationId xmlns:a16="http://schemas.microsoft.com/office/drawing/2014/main" id="{DFBB9CE5-2F27-4CEA-BA6D-EF2D7094C21E}"/>
               </a:ext>
             </a:extLst>
           </p:cNvPr>
@@ -6492,7 +7101,7 @@
 </p:sld>
 </file>
 
-<file path=ppt/slides/slide20.xml><?xml version="1.0" encoding="utf-8"?>
+<file path=ppt/slides/slide4.xml><?xml version="1.0" encoding="utf-8"?>
 <p:sld xmlns:a="http://schemas.openxmlformats.org/drawingml/2006/main" xmlns:r="http://schemas.openxmlformats.org/officeDocument/2006/relationships" xmlns:p="http://schemas.openxmlformats.org/presentationml/2006/main">
   <p:cSld>
     <p:spTree>
@@ -6509,251 +7118,6 @@
           <a:chExt cx="0" cy="0"/>
         </a:xfrm>
       </p:grpSpPr>
-      <p:pic>
-        <p:nvPicPr>
-          <p:cNvPr id="6" name="Content Placeholder 5">
-            <a:extLst>
-              <a:ext uri="{FF2B5EF4-FFF2-40B4-BE49-F238E27FC236}">
-                <a16:creationId xmlns:a16="http://schemas.microsoft.com/office/drawing/2014/main" id="{54A1D9A8-FA01-48FD-82DD-A4A4E61892A6}"/>
-              </a:ext>
-            </a:extLst>
-          </p:cNvPr>
-          <p:cNvPicPr>
-            <a:picLocks noGrp="1" noChangeAspect="1"/>
-          </p:cNvPicPr>
-          <p:nvPr>
-            <p:ph idx="1"/>
-          </p:nvPr>
-        </p:nvPicPr>
-        <p:blipFill>
-          <a:blip r:embed="rId2">
-            <a:extLst>
-              <a:ext uri="{28A0092B-C50C-407E-A947-70E740481C1C}">
-                <a14:useLocalDpi xmlns:a14="http://schemas.microsoft.com/office/drawing/2010/main" val="0"/>
-              </a:ext>
-            </a:extLst>
-          </a:blip>
-          <a:stretch>
-            <a:fillRect/>
-          </a:stretch>
-        </p:blipFill>
-        <p:spPr>
-          <a:xfrm>
-            <a:off x="493954" y="385893"/>
-            <a:ext cx="3148537" cy="3148537"/>
-          </a:xfrm>
-        </p:spPr>
-      </p:pic>
-      <p:pic>
-        <p:nvPicPr>
-          <p:cNvPr id="10" name="Picture 9">
-            <a:extLst>
-              <a:ext uri="{FF2B5EF4-FFF2-40B4-BE49-F238E27FC236}">
-                <a16:creationId xmlns:a16="http://schemas.microsoft.com/office/drawing/2014/main" id="{B72F3DC1-0B86-4FD8-B398-74AA980C9C2C}"/>
-              </a:ext>
-            </a:extLst>
-          </p:cNvPr>
-          <p:cNvPicPr>
-            <a:picLocks noChangeAspect="1"/>
-          </p:cNvPicPr>
-          <p:nvPr/>
-        </p:nvPicPr>
-        <p:blipFill>
-          <a:blip r:embed="rId3">
-            <a:extLst>
-              <a:ext uri="{28A0092B-C50C-407E-A947-70E740481C1C}">
-                <a14:useLocalDpi xmlns:a14="http://schemas.microsoft.com/office/drawing/2010/main" val="0"/>
-              </a:ext>
-            </a:extLst>
-          </a:blip>
-          <a:stretch>
-            <a:fillRect/>
-          </a:stretch>
-        </p:blipFill>
-        <p:spPr>
-          <a:xfrm>
-            <a:off x="3897721" y="388138"/>
-            <a:ext cx="3148538" cy="3148538"/>
-          </a:xfrm>
-          <a:prstGeom prst="rect">
-            <a:avLst/>
-          </a:prstGeom>
-        </p:spPr>
-      </p:pic>
-      <p:pic>
-        <p:nvPicPr>
-          <p:cNvPr id="14" name="Picture 13">
-            <a:extLst>
-              <a:ext uri="{FF2B5EF4-FFF2-40B4-BE49-F238E27FC236}">
-                <a16:creationId xmlns:a16="http://schemas.microsoft.com/office/drawing/2014/main" id="{91F898EB-9248-49EB-BE93-A2C58D6C356D}"/>
-              </a:ext>
-            </a:extLst>
-          </p:cNvPr>
-          <p:cNvPicPr>
-            <a:picLocks noChangeAspect="1"/>
-          </p:cNvPicPr>
-          <p:nvPr/>
-        </p:nvPicPr>
-        <p:blipFill>
-          <a:blip r:embed="rId4">
-            <a:extLst>
-              <a:ext uri="{28A0092B-C50C-407E-A947-70E740481C1C}">
-                <a14:useLocalDpi xmlns:a14="http://schemas.microsoft.com/office/drawing/2010/main" val="0"/>
-              </a:ext>
-            </a:extLst>
-          </a:blip>
-          <a:stretch>
-            <a:fillRect/>
-          </a:stretch>
-        </p:blipFill>
-        <p:spPr>
-          <a:xfrm>
-            <a:off x="7301489" y="385893"/>
-            <a:ext cx="3148537" cy="3148537"/>
-          </a:xfrm>
-          <a:prstGeom prst="rect">
-            <a:avLst/>
-          </a:prstGeom>
-        </p:spPr>
-      </p:pic>
-      <p:pic>
-        <p:nvPicPr>
-          <p:cNvPr id="17" name="Picture 16">
-            <a:extLst>
-              <a:ext uri="{FF2B5EF4-FFF2-40B4-BE49-F238E27FC236}">
-                <a16:creationId xmlns:a16="http://schemas.microsoft.com/office/drawing/2014/main" id="{81428D5F-DD3A-4E10-B790-FECFF6F376BA}"/>
-              </a:ext>
-            </a:extLst>
-          </p:cNvPr>
-          <p:cNvPicPr>
-            <a:picLocks noChangeAspect="1"/>
-          </p:cNvPicPr>
-          <p:nvPr/>
-        </p:nvPicPr>
-        <p:blipFill>
-          <a:blip r:embed="rId5">
-            <a:extLst>
-              <a:ext uri="{28A0092B-C50C-407E-A947-70E740481C1C}">
-                <a14:useLocalDpi xmlns:a14="http://schemas.microsoft.com/office/drawing/2010/main" val="0"/>
-              </a:ext>
-            </a:extLst>
-          </a:blip>
-          <a:stretch>
-            <a:fillRect/>
-          </a:stretch>
-        </p:blipFill>
-        <p:spPr>
-          <a:xfrm>
-            <a:off x="494038" y="3598878"/>
-            <a:ext cx="3148537" cy="3148537"/>
-          </a:xfrm>
-          <a:prstGeom prst="rect">
-            <a:avLst/>
-          </a:prstGeom>
-        </p:spPr>
-      </p:pic>
-      <p:pic>
-        <p:nvPicPr>
-          <p:cNvPr id="19" name="Picture 18">
-            <a:extLst>
-              <a:ext uri="{FF2B5EF4-FFF2-40B4-BE49-F238E27FC236}">
-                <a16:creationId xmlns:a16="http://schemas.microsoft.com/office/drawing/2014/main" id="{652C2DAA-3BEA-4891-8FA5-D4E42AF89C8B}"/>
-              </a:ext>
-            </a:extLst>
-          </p:cNvPr>
-          <p:cNvPicPr>
-            <a:picLocks noChangeAspect="1"/>
-          </p:cNvPicPr>
-          <p:nvPr/>
-        </p:nvPicPr>
-        <p:blipFill>
-          <a:blip r:embed="rId6">
-            <a:extLst>
-              <a:ext uri="{28A0092B-C50C-407E-A947-70E740481C1C}">
-                <a14:useLocalDpi xmlns:a14="http://schemas.microsoft.com/office/drawing/2010/main" val="0"/>
-              </a:ext>
-            </a:extLst>
-          </a:blip>
-          <a:stretch>
-            <a:fillRect/>
-          </a:stretch>
-        </p:blipFill>
-        <p:spPr>
-          <a:xfrm>
-            <a:off x="3897721" y="3598878"/>
-            <a:ext cx="3148537" cy="3148537"/>
-          </a:xfrm>
-          <a:prstGeom prst="rect">
-            <a:avLst/>
-          </a:prstGeom>
-        </p:spPr>
-      </p:pic>
-      <p:pic>
-        <p:nvPicPr>
-          <p:cNvPr id="21" name="Picture 20">
-            <a:extLst>
-              <a:ext uri="{FF2B5EF4-FFF2-40B4-BE49-F238E27FC236}">
-                <a16:creationId xmlns:a16="http://schemas.microsoft.com/office/drawing/2014/main" id="{9F07F99F-93A7-4089-B770-0948F7AD989F}"/>
-              </a:ext>
-            </a:extLst>
-          </p:cNvPr>
-          <p:cNvPicPr>
-            <a:picLocks noChangeAspect="1"/>
-          </p:cNvPicPr>
-          <p:nvPr/>
-        </p:nvPicPr>
-        <p:blipFill>
-          <a:blip r:embed="rId7">
-            <a:extLst>
-              <a:ext uri="{28A0092B-C50C-407E-A947-70E740481C1C}">
-                <a14:useLocalDpi xmlns:a14="http://schemas.microsoft.com/office/drawing/2010/main" val="0"/>
-              </a:ext>
-            </a:extLst>
-          </a:blip>
-          <a:stretch>
-            <a:fillRect/>
-          </a:stretch>
-        </p:blipFill>
-        <p:spPr>
-          <a:xfrm>
-            <a:off x="7301404" y="3598878"/>
-            <a:ext cx="3148537" cy="3148537"/>
-          </a:xfrm>
-          <a:prstGeom prst="rect">
-            <a:avLst/>
-          </a:prstGeom>
-        </p:spPr>
-      </p:pic>
-    </p:spTree>
-    <p:extLst>
-      <p:ext uri="{BB962C8B-B14F-4D97-AF65-F5344CB8AC3E}">
-        <p14:creationId xmlns:p14="http://schemas.microsoft.com/office/powerpoint/2010/main" val="1301081757"/>
-      </p:ext>
-    </p:extLst>
-  </p:cSld>
-  <p:clrMapOvr>
-    <a:masterClrMapping/>
-  </p:clrMapOvr>
-</p:sld>
-</file>
-
-<file path=ppt/slides/slide3.xml><?xml version="1.0" encoding="utf-8"?>
-<p:sld xmlns:a="http://schemas.openxmlformats.org/drawingml/2006/main" xmlns:r="http://schemas.openxmlformats.org/officeDocument/2006/relationships" xmlns:p="http://schemas.openxmlformats.org/presentationml/2006/main">
-  <p:cSld>
-    <p:spTree>
-      <p:nvGrpSpPr>
-        <p:cNvPr id="1" name=""/>
-        <p:cNvGrpSpPr/>
-        <p:nvPr/>
-      </p:nvGrpSpPr>
-      <p:grpSpPr>
-        <a:xfrm>
-          <a:off x="0" y="0"/>
-          <a:ext cx="0" cy="0"/>
-          <a:chOff x="0" y="0"/>
-          <a:chExt cx="0" cy="0"/>
-        </a:xfrm>
-      </p:grpSpPr>
       <p:sp>
         <p:nvSpPr>
           <p:cNvPr id="4" name="Title 1">
@@ -6791,10 +7155,10 @@
       </p:sp>
       <p:pic>
         <p:nvPicPr>
-          <p:cNvPr id="3" name="Picture 2">
-            <a:extLst>
-              <a:ext uri="{FF2B5EF4-FFF2-40B4-BE49-F238E27FC236}">
-                <a16:creationId xmlns:a16="http://schemas.microsoft.com/office/drawing/2014/main" id="{EF873782-F378-4B07-A2BE-AB4DC7093C7D}"/>
+          <p:cNvPr id="5" name="Picture 4">
+            <a:extLst>
+              <a:ext uri="{FF2B5EF4-FFF2-40B4-BE49-F238E27FC236}">
+                <a16:creationId xmlns:a16="http://schemas.microsoft.com/office/drawing/2014/main" id="{CE25FC9A-00DF-4C90-8D8B-85E0FD5CAA75}"/>
               </a:ext>
             </a:extLst>
           </p:cNvPr>
@@ -6838,7 +7202,7 @@
 </p:sld>
 </file>
 
-<file path=ppt/slides/slide4.xml><?xml version="1.0" encoding="utf-8"?>
+<file path=ppt/slides/slide5.xml><?xml version="1.0" encoding="utf-8"?>
 <p:sld xmlns:a="http://schemas.openxmlformats.org/drawingml/2006/main" xmlns:r="http://schemas.openxmlformats.org/officeDocument/2006/relationships" xmlns:p="http://schemas.openxmlformats.org/presentationml/2006/main">
   <p:cSld>
     <p:spTree>
@@ -6892,10 +7256,10 @@
       </p:sp>
       <p:pic>
         <p:nvPicPr>
-          <p:cNvPr id="3" name="Picture 2">
-            <a:extLst>
-              <a:ext uri="{FF2B5EF4-FFF2-40B4-BE49-F238E27FC236}">
-                <a16:creationId xmlns:a16="http://schemas.microsoft.com/office/drawing/2014/main" id="{967629A5-D9D5-4AB0-82A6-0B403D546676}"/>
+          <p:cNvPr id="5" name="Picture 4">
+            <a:extLst>
+              <a:ext uri="{FF2B5EF4-FFF2-40B4-BE49-F238E27FC236}">
+                <a16:creationId xmlns:a16="http://schemas.microsoft.com/office/drawing/2014/main" id="{5386CE3A-BC92-4871-9E5B-76E5CFFB0E73}"/>
               </a:ext>
             </a:extLst>
           </p:cNvPr>
@@ -6939,110 +7303,6 @@
 </p:sld>
 </file>
 
-<file path=ppt/slides/slide5.xml><?xml version="1.0" encoding="utf-8"?>
-<p:sld xmlns:a="http://schemas.openxmlformats.org/drawingml/2006/main" xmlns:r="http://schemas.openxmlformats.org/officeDocument/2006/relationships" xmlns:p="http://schemas.openxmlformats.org/presentationml/2006/main">
-  <p:cSld>
-    <p:spTree>
-      <p:nvGrpSpPr>
-        <p:cNvPr id="1" name=""/>
-        <p:cNvGrpSpPr/>
-        <p:nvPr/>
-      </p:nvGrpSpPr>
-      <p:grpSpPr>
-        <a:xfrm>
-          <a:off x="0" y="0"/>
-          <a:ext cx="0" cy="0"/>
-          <a:chOff x="0" y="0"/>
-          <a:chExt cx="0" cy="0"/>
-        </a:xfrm>
-      </p:grpSpPr>
-      <p:sp>
-        <p:nvSpPr>
-          <p:cNvPr id="4" name="TextBox 3">
-            <a:extLst>
-              <a:ext uri="{FF2B5EF4-FFF2-40B4-BE49-F238E27FC236}">
-                <a16:creationId xmlns:a16="http://schemas.microsoft.com/office/drawing/2014/main" id="{7BA59813-A062-4F02-A4E2-F3F9ADAC38F8}"/>
-              </a:ext>
-            </a:extLst>
-          </p:cNvPr>
-          <p:cNvSpPr txBox="1"/>
-          <p:nvPr/>
-        </p:nvSpPr>
-        <p:spPr>
-          <a:xfrm>
-            <a:off x="535280" y="42193"/>
-            <a:ext cx="11121440" cy="323165"/>
-          </a:xfrm>
-          <a:prstGeom prst="rect">
-            <a:avLst/>
-          </a:prstGeom>
-          <a:noFill/>
-        </p:spPr>
-        <p:txBody>
-          <a:bodyPr wrap="square">
-            <a:spAutoFit/>
-          </a:bodyPr>
-          <a:lstStyle/>
-          <a:p>
-            <a:pPr marL="0" indent="0">
-              <a:buNone/>
-            </a:pPr>
-            <a:r>
-              <a:rPr lang="en-GB" sz="1500" dirty="0"/>
-              <a:t>Estimated projection probability of neurons in each cluster with error-bars, color-coded by the number of projecting regions of each cluster:</a:t>
-            </a:r>
-          </a:p>
-        </p:txBody>
-      </p:sp>
-      <p:pic>
-        <p:nvPicPr>
-          <p:cNvPr id="3" name="Picture 2">
-            <a:extLst>
-              <a:ext uri="{FF2B5EF4-FFF2-40B4-BE49-F238E27FC236}">
-                <a16:creationId xmlns:a16="http://schemas.microsoft.com/office/drawing/2014/main" id="{B7F82D4C-06B5-4AAD-A269-EABC31C43D10}"/>
-              </a:ext>
-            </a:extLst>
-          </p:cNvPr>
-          <p:cNvPicPr>
-            <a:picLocks noChangeAspect="1"/>
-          </p:cNvPicPr>
-          <p:nvPr/>
-        </p:nvPicPr>
-        <p:blipFill>
-          <a:blip r:embed="rId2">
-            <a:extLst>
-              <a:ext uri="{28A0092B-C50C-407E-A947-70E740481C1C}">
-                <a14:useLocalDpi xmlns:a14="http://schemas.microsoft.com/office/drawing/2010/main" val="0"/>
-              </a:ext>
-            </a:extLst>
-          </a:blip>
-          <a:stretch>
-            <a:fillRect/>
-          </a:stretch>
-        </p:blipFill>
-        <p:spPr>
-          <a:xfrm>
-            <a:off x="661419" y="365358"/>
-            <a:ext cx="10869161" cy="6210949"/>
-          </a:xfrm>
-          <a:prstGeom prst="rect">
-            <a:avLst/>
-          </a:prstGeom>
-        </p:spPr>
-      </p:pic>
-    </p:spTree>
-    <p:extLst>
-      <p:ext uri="{BB962C8B-B14F-4D97-AF65-F5344CB8AC3E}">
-        <p14:creationId xmlns:p14="http://schemas.microsoft.com/office/powerpoint/2010/main" val="1924944567"/>
-      </p:ext>
-    </p:extLst>
-  </p:cSld>
-  <p:clrMapOvr>
-    <a:masterClrMapping/>
-  </p:clrMapOvr>
-</p:sld>
-</file>
-
 <file path=ppt/slides/slide6.xml><?xml version="1.0" encoding="utf-8"?>
 <p:sld xmlns:a="http://schemas.openxmlformats.org/drawingml/2006/main" xmlns:r="http://schemas.openxmlformats.org/officeDocument/2006/relationships" xmlns:p="http://schemas.openxmlformats.org/presentationml/2006/main">
   <p:cSld>
@@ -7062,45 +7322,48 @@
       </p:grpSpPr>
       <p:sp>
         <p:nvSpPr>
-          <p:cNvPr id="4" name="Title 1">
-            <a:extLst>
-              <a:ext uri="{FF2B5EF4-FFF2-40B4-BE49-F238E27FC236}">
-                <a16:creationId xmlns:a16="http://schemas.microsoft.com/office/drawing/2014/main" id="{BB2FB8EC-A971-4627-94CE-45DCF4666838}"/>
-              </a:ext>
-            </a:extLst>
-          </p:cNvPr>
-          <p:cNvSpPr>
-            <a:spLocks noGrp="1"/>
-          </p:cNvSpPr>
-          <p:nvPr>
-            <p:ph type="title"/>
-          </p:nvPr>
+          <p:cNvPr id="4" name="TextBox 3">
+            <a:extLst>
+              <a:ext uri="{FF2B5EF4-FFF2-40B4-BE49-F238E27FC236}">
+                <a16:creationId xmlns:a16="http://schemas.microsoft.com/office/drawing/2014/main" id="{7BA59813-A062-4F02-A4E2-F3F9ADAC38F8}"/>
+              </a:ext>
+            </a:extLst>
+          </p:cNvPr>
+          <p:cNvSpPr txBox="1"/>
+          <p:nvPr/>
         </p:nvSpPr>
         <p:spPr>
           <a:xfrm>
-            <a:off x="838200" y="365125"/>
-            <a:ext cx="10515600" cy="1027447"/>
+            <a:off x="535280" y="42193"/>
+            <a:ext cx="11121440" cy="323165"/>
           </a:xfrm>
+          <a:prstGeom prst="rect">
+            <a:avLst/>
+          </a:prstGeom>
+          <a:noFill/>
         </p:spPr>
         <p:txBody>
-          <a:bodyPr>
-            <a:normAutofit/>
+          <a:bodyPr wrap="square">
+            <a:spAutoFit/>
           </a:bodyPr>
           <a:lstStyle/>
           <a:p>
+            <a:pPr marL="0" indent="0">
+              <a:buNone/>
+            </a:pPr>
             <a:r>
               <a:rPr lang="en-GB" sz="1500" dirty="0"/>
-              <a:t>Heatmap of posterior similarity matrix</a:t>
+              <a:t>Estimated projection probability of neurons in each cluster with error-bars, color-coded by the number of projecting regions of each cluster:</a:t>
             </a:r>
           </a:p>
         </p:txBody>
       </p:sp>
       <p:pic>
         <p:nvPicPr>
-          <p:cNvPr id="3" name="Picture 2">
-            <a:extLst>
-              <a:ext uri="{FF2B5EF4-FFF2-40B4-BE49-F238E27FC236}">
-                <a16:creationId xmlns:a16="http://schemas.microsoft.com/office/drawing/2014/main" id="{2D63DB4E-6B94-4371-B299-D4F09F90D136}"/>
+          <p:cNvPr id="5" name="Picture 4">
+            <a:extLst>
+              <a:ext uri="{FF2B5EF4-FFF2-40B4-BE49-F238E27FC236}">
+                <a16:creationId xmlns:a16="http://schemas.microsoft.com/office/drawing/2014/main" id="{536353DC-D66F-497C-8316-42346B986AE3}"/>
               </a:ext>
             </a:extLst>
           </p:cNvPr>
@@ -7123,44 +7386,8 @@
         </p:blipFill>
         <p:spPr>
           <a:xfrm>
-            <a:off x="6141789" y="1081829"/>
-            <a:ext cx="5212011" cy="5212011"/>
-          </a:xfrm>
-          <a:prstGeom prst="rect">
-            <a:avLst/>
-          </a:prstGeom>
-        </p:spPr>
-      </p:pic>
-      <p:pic>
-        <p:nvPicPr>
-          <p:cNvPr id="7" name="Picture 6">
-            <a:extLst>
-              <a:ext uri="{FF2B5EF4-FFF2-40B4-BE49-F238E27FC236}">
-                <a16:creationId xmlns:a16="http://schemas.microsoft.com/office/drawing/2014/main" id="{A08C04D4-F176-4E54-AE79-BB53C692E7C6}"/>
-              </a:ext>
-            </a:extLst>
-          </p:cNvPr>
-          <p:cNvPicPr>
-            <a:picLocks noChangeAspect="1"/>
-          </p:cNvPicPr>
-          <p:nvPr/>
-        </p:nvPicPr>
-        <p:blipFill>
-          <a:blip r:embed="rId3">
-            <a:extLst>
-              <a:ext uri="{28A0092B-C50C-407E-A947-70E740481C1C}">
-                <a14:useLocalDpi xmlns:a14="http://schemas.microsoft.com/office/drawing/2010/main" val="0"/>
-              </a:ext>
-            </a:extLst>
-          </a:blip>
-          <a:stretch>
-            <a:fillRect/>
-          </a:stretch>
-        </p:blipFill>
-        <p:spPr>
-          <a:xfrm>
-            <a:off x="400225" y="1081829"/>
-            <a:ext cx="5212011" cy="5212011"/>
+            <a:off x="320221" y="457200"/>
+            <a:ext cx="10855779" cy="6203302"/>
           </a:xfrm>
           <a:prstGeom prst="rect">
             <a:avLst/>
@@ -7170,7 +7397,7 @@
     </p:spTree>
     <p:extLst>
       <p:ext uri="{BB962C8B-B14F-4D97-AF65-F5344CB8AC3E}">
-        <p14:creationId xmlns:p14="http://schemas.microsoft.com/office/powerpoint/2010/main" val="3079009305"/>
+        <p14:creationId xmlns:p14="http://schemas.microsoft.com/office/powerpoint/2010/main" val="1924944567"/>
       </p:ext>
     </p:extLst>
   </p:cSld>
@@ -7202,7 +7429,7 @@
           <p:cNvPr id="4" name="Title 1">
             <a:extLst>
               <a:ext uri="{FF2B5EF4-FFF2-40B4-BE49-F238E27FC236}">
-                <a16:creationId xmlns:a16="http://schemas.microsoft.com/office/drawing/2014/main" id="{01D44790-17AF-4529-A4AF-8444C144A314}"/>
+                <a16:creationId xmlns:a16="http://schemas.microsoft.com/office/drawing/2014/main" id="{BB2FB8EC-A971-4627-94CE-45DCF4666838}"/>
               </a:ext>
             </a:extLst>
           </p:cNvPr>
@@ -7215,8 +7442,8 @@
         </p:nvSpPr>
         <p:spPr>
           <a:xfrm>
-            <a:off x="838200" y="365126"/>
-            <a:ext cx="10515600" cy="503238"/>
+            <a:off x="838200" y="365125"/>
+            <a:ext cx="10515600" cy="1027447"/>
           </a:xfrm>
         </p:spPr>
         <p:txBody>
@@ -7227,17 +7454,17 @@
           <a:p>
             <a:r>
               <a:rPr lang="en-GB" sz="1500" dirty="0"/>
-              <a:t>Projection strength of neurons, reordered by the allocations.</a:t>
+              <a:t>Heatmap of posterior similarity matrix</a:t>
             </a:r>
           </a:p>
         </p:txBody>
       </p:sp>
       <p:pic>
         <p:nvPicPr>
-          <p:cNvPr id="3" name="Picture 2">
-            <a:extLst>
-              <a:ext uri="{FF2B5EF4-FFF2-40B4-BE49-F238E27FC236}">
-                <a16:creationId xmlns:a16="http://schemas.microsoft.com/office/drawing/2014/main" id="{5E93330B-B9AC-44D9-AB22-A473DB17E1DD}"/>
+          <p:cNvPr id="5" name="Picture 4">
+            <a:extLst>
+              <a:ext uri="{FF2B5EF4-FFF2-40B4-BE49-F238E27FC236}">
+                <a16:creationId xmlns:a16="http://schemas.microsoft.com/office/drawing/2014/main" id="{AB34BBE2-0986-4372-9D63-E9B6092BEF18}"/>
               </a:ext>
             </a:extLst>
           </p:cNvPr>
@@ -7260,8 +7487,44 @@
         </p:blipFill>
         <p:spPr>
           <a:xfrm>
-            <a:off x="838200" y="926779"/>
-            <a:ext cx="5566095" cy="5566095"/>
+            <a:off x="6115957" y="1153885"/>
+            <a:ext cx="5277757" cy="5277757"/>
+          </a:xfrm>
+          <a:prstGeom prst="rect">
+            <a:avLst/>
+          </a:prstGeom>
+        </p:spPr>
+      </p:pic>
+      <p:pic>
+        <p:nvPicPr>
+          <p:cNvPr id="8" name="Picture 7">
+            <a:extLst>
+              <a:ext uri="{FF2B5EF4-FFF2-40B4-BE49-F238E27FC236}">
+                <a16:creationId xmlns:a16="http://schemas.microsoft.com/office/drawing/2014/main" id="{AE8E6EEA-A94E-4ADB-B8E2-DFAEFF144B8D}"/>
+              </a:ext>
+            </a:extLst>
+          </p:cNvPr>
+          <p:cNvPicPr>
+            <a:picLocks noChangeAspect="1"/>
+          </p:cNvPicPr>
+          <p:nvPr/>
+        </p:nvPicPr>
+        <p:blipFill>
+          <a:blip r:embed="rId3">
+            <a:extLst>
+              <a:ext uri="{28A0092B-C50C-407E-A947-70E740481C1C}">
+                <a14:useLocalDpi xmlns:a14="http://schemas.microsoft.com/office/drawing/2010/main" val="0"/>
+              </a:ext>
+            </a:extLst>
+          </a:blip>
+          <a:stretch>
+            <a:fillRect/>
+          </a:stretch>
+        </p:blipFill>
+        <p:spPr>
+          <a:xfrm>
+            <a:off x="818243" y="1153885"/>
+            <a:ext cx="5277757" cy="5277757"/>
           </a:xfrm>
           <a:prstGeom prst="rect">
             <a:avLst/>
@@ -7271,7 +7534,7 @@
     </p:spTree>
     <p:extLst>
       <p:ext uri="{BB962C8B-B14F-4D97-AF65-F5344CB8AC3E}">
-        <p14:creationId xmlns:p14="http://schemas.microsoft.com/office/powerpoint/2010/main" val="3355012088"/>
+        <p14:creationId xmlns:p14="http://schemas.microsoft.com/office/powerpoint/2010/main" val="3079009305"/>
       </p:ext>
     </p:extLst>
   </p:cSld>
@@ -7300,10 +7563,10 @@
       </p:grpSpPr>
       <p:sp>
         <p:nvSpPr>
-          <p:cNvPr id="4" name="Content Placeholder 2">
-            <a:extLst>
-              <a:ext uri="{FF2B5EF4-FFF2-40B4-BE49-F238E27FC236}">
-                <a16:creationId xmlns:a16="http://schemas.microsoft.com/office/drawing/2014/main" id="{29CB1825-1378-4A63-8816-5B37B3DE9214}"/>
+          <p:cNvPr id="4" name="Title 1">
+            <a:extLst>
+              <a:ext uri="{FF2B5EF4-FFF2-40B4-BE49-F238E27FC236}">
+                <a16:creationId xmlns:a16="http://schemas.microsoft.com/office/drawing/2014/main" id="{01D44790-17AF-4529-A4AF-8444C144A314}"/>
               </a:ext>
             </a:extLst>
           </p:cNvPr>
@@ -7311,13 +7574,13 @@
             <a:spLocks noGrp="1"/>
           </p:cNvSpPr>
           <p:nvPr>
-            <p:ph idx="1"/>
+            <p:ph type="title"/>
           </p:nvPr>
         </p:nvSpPr>
         <p:spPr>
           <a:xfrm>
-            <a:off x="838200" y="525332"/>
-            <a:ext cx="10515600" cy="724628"/>
+            <a:off x="838200" y="365126"/>
+            <a:ext cx="10515600" cy="503238"/>
           </a:xfrm>
         </p:spPr>
         <p:txBody>
@@ -7326,22 +7589,19 @@
           </a:bodyPr>
           <a:lstStyle/>
           <a:p>
-            <a:pPr marL="0" indent="0">
-              <a:buNone/>
-            </a:pPr>
             <a:r>
               <a:rPr lang="en-GB" sz="1500" dirty="0"/>
-              <a:t>Distribution of the sum of counts across all brain regions for neurons within each cluster:</a:t>
+              <a:t>Projection strength of neurons, reordered by the allocations.</a:t>
             </a:r>
           </a:p>
         </p:txBody>
       </p:sp>
       <p:pic>
         <p:nvPicPr>
-          <p:cNvPr id="3" name="Picture 2">
-            <a:extLst>
-              <a:ext uri="{FF2B5EF4-FFF2-40B4-BE49-F238E27FC236}">
-                <a16:creationId xmlns:a16="http://schemas.microsoft.com/office/drawing/2014/main" id="{8C106C78-D0EF-46D0-903A-4C420DAFFCED}"/>
+          <p:cNvPr id="5" name="Picture 4">
+            <a:extLst>
+              <a:ext uri="{FF2B5EF4-FFF2-40B4-BE49-F238E27FC236}">
+                <a16:creationId xmlns:a16="http://schemas.microsoft.com/office/drawing/2014/main" id="{905C5EEB-14FA-458F-8480-5190CD9F9B09}"/>
               </a:ext>
             </a:extLst>
           </p:cNvPr>
@@ -7364,8 +7624,8 @@
         </p:blipFill>
         <p:spPr>
           <a:xfrm>
-            <a:off x="0" y="1234440"/>
-            <a:ext cx="12192000" cy="4389120"/>
+            <a:off x="838200" y="868364"/>
+            <a:ext cx="5783943" cy="5783943"/>
           </a:xfrm>
           <a:prstGeom prst="rect">
             <a:avLst/>
@@ -7375,7 +7635,7 @@
     </p:spTree>
     <p:extLst>
       <p:ext uri="{BB962C8B-B14F-4D97-AF65-F5344CB8AC3E}">
-        <p14:creationId xmlns:p14="http://schemas.microsoft.com/office/powerpoint/2010/main" val="4180811600"/>
+        <p14:creationId xmlns:p14="http://schemas.microsoft.com/office/powerpoint/2010/main" val="3355012088"/>
       </p:ext>
     </p:extLst>
   </p:cSld>
@@ -7404,45 +7664,48 @@
       </p:grpSpPr>
       <p:sp>
         <p:nvSpPr>
-          <p:cNvPr id="4" name="TextBox 3">
-            <a:extLst>
-              <a:ext uri="{FF2B5EF4-FFF2-40B4-BE49-F238E27FC236}">
-                <a16:creationId xmlns:a16="http://schemas.microsoft.com/office/drawing/2014/main" id="{5E93AB38-572B-4D75-978D-705B488F27ED}"/>
-              </a:ext>
-            </a:extLst>
-          </p:cNvPr>
-          <p:cNvSpPr txBox="1"/>
-          <p:nvPr/>
+          <p:cNvPr id="4" name="Content Placeholder 2">
+            <a:extLst>
+              <a:ext uri="{FF2B5EF4-FFF2-40B4-BE49-F238E27FC236}">
+                <a16:creationId xmlns:a16="http://schemas.microsoft.com/office/drawing/2014/main" id="{29CB1825-1378-4A63-8816-5B37B3DE9214}"/>
+              </a:ext>
+            </a:extLst>
+          </p:cNvPr>
+          <p:cNvSpPr>
+            <a:spLocks noGrp="1"/>
+          </p:cNvSpPr>
+          <p:nvPr>
+            <p:ph idx="1"/>
+          </p:nvPr>
         </p:nvSpPr>
         <p:spPr>
           <a:xfrm>
-            <a:off x="983609" y="687789"/>
-            <a:ext cx="6094602" cy="323165"/>
+            <a:off x="838200" y="525332"/>
+            <a:ext cx="10515600" cy="724628"/>
           </a:xfrm>
-          <a:prstGeom prst="rect">
-            <a:avLst/>
-          </a:prstGeom>
-          <a:noFill/>
         </p:spPr>
         <p:txBody>
-          <a:bodyPr wrap="square">
-            <a:spAutoFit/>
+          <a:bodyPr>
+            <a:normAutofit/>
           </a:bodyPr>
           <a:lstStyle/>
           <a:p>
+            <a:pPr marL="0" indent="0">
+              <a:buNone/>
+            </a:pPr>
             <a:r>
               <a:rPr lang="en-GB" sz="1500" dirty="0"/>
-              <a:t>Comparison of allocation proportions across any two mice:</a:t>
+              <a:t>Distribution of the sum of counts across all brain regions for neurons within each cluster:</a:t>
             </a:r>
           </a:p>
         </p:txBody>
       </p:sp>
       <p:pic>
         <p:nvPicPr>
-          <p:cNvPr id="3" name="Picture 2">
-            <a:extLst>
-              <a:ext uri="{FF2B5EF4-FFF2-40B4-BE49-F238E27FC236}">
-                <a16:creationId xmlns:a16="http://schemas.microsoft.com/office/drawing/2014/main" id="{BDC9D30F-321F-430B-942C-BE9D38F0DBEE}"/>
+          <p:cNvPr id="5" name="Picture 4">
+            <a:extLst>
+              <a:ext uri="{FF2B5EF4-FFF2-40B4-BE49-F238E27FC236}">
+                <a16:creationId xmlns:a16="http://schemas.microsoft.com/office/drawing/2014/main" id="{349DACA7-BA16-45D8-B0D9-2DBFDC161415}"/>
               </a:ext>
             </a:extLst>
           </p:cNvPr>
@@ -7465,8 +7728,8 @@
         </p:blipFill>
         <p:spPr>
           <a:xfrm>
-            <a:off x="0" y="1600200"/>
-            <a:ext cx="12192000" cy="3657600"/>
+            <a:off x="0" y="1234440"/>
+            <a:ext cx="12192000" cy="4389120"/>
           </a:xfrm>
           <a:prstGeom prst="rect">
             <a:avLst/>
@@ -7476,7 +7739,7 @@
     </p:spTree>
     <p:extLst>
       <p:ext uri="{BB962C8B-B14F-4D97-AF65-F5344CB8AC3E}">
-        <p14:creationId xmlns:p14="http://schemas.microsoft.com/office/powerpoint/2010/main" val="2720887239"/>
+        <p14:creationId xmlns:p14="http://schemas.microsoft.com/office/powerpoint/2010/main" val="4180811600"/>
       </p:ext>
     </p:extLst>
   </p:cSld>

--- a/jinlu/EC_new.pptx
+++ b/jinlu/EC_new.pptx
@@ -22,9 +22,10 @@
     <p:sldId id="276" r:id="rId16"/>
     <p:sldId id="277" r:id="rId17"/>
     <p:sldId id="278" r:id="rId18"/>
-    <p:sldId id="279" r:id="rId19"/>
-    <p:sldId id="283" r:id="rId20"/>
-    <p:sldId id="282" r:id="rId21"/>
+    <p:sldId id="283" r:id="rId19"/>
+    <p:sldId id="282" r:id="rId20"/>
+    <p:sldId id="285" r:id="rId21"/>
+    <p:sldId id="286" r:id="rId22"/>
   </p:sldIdLst>
   <p:sldSz cx="12192000" cy="6858000"/>
   <p:notesSz cx="6858000" cy="9144000"/>
@@ -152,14 +153,18 @@
           </p14:sldIdLst>
         </p14:section>
         <p14:section name="binomial" id="{6F04A8CC-9974-4875-B4EE-7A3239EA3165}">
-          <p14:sldIdLst>
-            <p14:sldId id="279"/>
-          </p14:sldIdLst>
+          <p14:sldIdLst/>
         </p14:section>
         <p14:section name="Similarity between mice" id="{7059D7A5-976B-41ED-B306-D0D97A5CFAEF}">
           <p14:sldIdLst>
             <p14:sldId id="283"/>
             <p14:sldId id="282"/>
+          </p14:sldIdLst>
+        </p14:section>
+        <p14:section name="conditional probability" id="{9528EF07-E4C7-4BC9-A060-F9C0BC56C2C8}">
+          <p14:sldIdLst>
+            <p14:sldId id="285"/>
+            <p14:sldId id="286"/>
           </p14:sldIdLst>
         </p14:section>
       </p14:sectionLst>
@@ -176,7 +181,7 @@
   <pc:docChgLst>
     <pc:chgData name="Jinlu Liu" userId="78a8ae01-c209-4833-a803-14efb296c1fa" providerId="ADAL" clId="{605EAD0C-2C14-49C9-9B36-055E4CDC6D39}"/>
     <pc:docChg chg="undo custSel addSld delSld modSld sldOrd addSection delSection modSection">
-      <pc:chgData name="Jinlu Liu" userId="78a8ae01-c209-4833-a803-14efb296c1fa" providerId="ADAL" clId="{605EAD0C-2C14-49C9-9B36-055E4CDC6D39}" dt="2024-04-19T09:00:03.900" v="547" actId="17846"/>
+      <pc:chgData name="Jinlu Liu" userId="78a8ae01-c209-4833-a803-14efb296c1fa" providerId="ADAL" clId="{605EAD0C-2C14-49C9-9B36-055E4CDC6D39}" dt="2024-04-26T09:03:14.356" v="798" actId="20577"/>
       <pc:docMkLst>
         <pc:docMk/>
       </pc:docMkLst>
@@ -220,7 +225,7 @@
         </pc:spChg>
       </pc:sldChg>
       <pc:sldChg chg="addSp delSp modSp new mod">
-        <pc:chgData name="Jinlu Liu" userId="78a8ae01-c209-4833-a803-14efb296c1fa" providerId="ADAL" clId="{605EAD0C-2C14-49C9-9B36-055E4CDC6D39}" dt="2024-04-19T08:53:59.935" v="439" actId="20577"/>
+        <pc:chgData name="Jinlu Liu" userId="78a8ae01-c209-4833-a803-14efb296c1fa" providerId="ADAL" clId="{605EAD0C-2C14-49C9-9B36-055E4CDC6D39}" dt="2024-04-26T08:55:25.854" v="554"/>
         <pc:sldMkLst>
           <pc:docMk/>
           <pc:sldMk cId="4187908222" sldId="257"/>
@@ -242,7 +247,7 @@
           </ac:spMkLst>
         </pc:spChg>
         <pc:spChg chg="add mod">
-          <ac:chgData name="Jinlu Liu" userId="78a8ae01-c209-4833-a803-14efb296c1fa" providerId="ADAL" clId="{605EAD0C-2C14-49C9-9B36-055E4CDC6D39}" dt="2024-04-19T08:53:59.935" v="439" actId="20577"/>
+          <ac:chgData name="Jinlu Liu" userId="78a8ae01-c209-4833-a803-14efb296c1fa" providerId="ADAL" clId="{605EAD0C-2C14-49C9-9B36-055E4CDC6D39}" dt="2024-04-26T08:55:20.337" v="552" actId="20577"/>
           <ac:spMkLst>
             <pc:docMk/>
             <pc:sldMk cId="4187908222" sldId="257"/>
@@ -257,6 +262,14 @@
             <ac:picMk id="3" creationId="{1C08116B-6845-4B12-BE03-DCA7372425F8}"/>
           </ac:picMkLst>
         </pc:picChg>
+        <pc:picChg chg="add mod">
+          <ac:chgData name="Jinlu Liu" userId="78a8ae01-c209-4833-a803-14efb296c1fa" providerId="ADAL" clId="{605EAD0C-2C14-49C9-9B36-055E4CDC6D39}" dt="2024-04-26T08:55:25.854" v="554"/>
+          <ac:picMkLst>
+            <pc:docMk/>
+            <pc:sldMk cId="4187908222" sldId="257"/>
+            <ac:picMk id="3" creationId="{4D96B414-0159-4FC5-9469-1269553B08BB}"/>
+          </ac:picMkLst>
+        </pc:picChg>
         <pc:picChg chg="add del mod">
           <ac:chgData name="Jinlu Liu" userId="78a8ae01-c209-4833-a803-14efb296c1fa" providerId="ADAL" clId="{605EAD0C-2C14-49C9-9B36-055E4CDC6D39}" dt="2024-04-03T13:02:53.550" v="20" actId="478"/>
           <ac:picMkLst>
@@ -265,8 +278,8 @@
             <ac:picMk id="5" creationId="{57FDE27C-7FD9-424F-995A-988C61709ED9}"/>
           </ac:picMkLst>
         </pc:picChg>
-        <pc:picChg chg="add mod">
-          <ac:chgData name="Jinlu Liu" userId="78a8ae01-c209-4833-a803-14efb296c1fa" providerId="ADAL" clId="{605EAD0C-2C14-49C9-9B36-055E4CDC6D39}" dt="2024-04-19T08:53:54.851" v="434"/>
+        <pc:picChg chg="add del mod">
+          <ac:chgData name="Jinlu Liu" userId="78a8ae01-c209-4833-a803-14efb296c1fa" providerId="ADAL" clId="{605EAD0C-2C14-49C9-9B36-055E4CDC6D39}" dt="2024-04-26T08:55:22.061" v="553" actId="478"/>
           <ac:picMkLst>
             <pc:docMk/>
             <pc:sldMk cId="4187908222" sldId="257"/>
@@ -283,7 +296,7 @@
         </pc:picChg>
       </pc:sldChg>
       <pc:sldChg chg="addSp delSp modSp new mod">
-        <pc:chgData name="Jinlu Liu" userId="78a8ae01-c209-4833-a803-14efb296c1fa" providerId="ADAL" clId="{605EAD0C-2C14-49C9-9B36-055E4CDC6D39}" dt="2024-04-19T08:54:07.602" v="441"/>
+        <pc:chgData name="Jinlu Liu" userId="78a8ae01-c209-4833-a803-14efb296c1fa" providerId="ADAL" clId="{605EAD0C-2C14-49C9-9B36-055E4CDC6D39}" dt="2024-04-26T08:55:32.738" v="556"/>
         <pc:sldMkLst>
           <pc:docMk/>
           <pc:sldMk cId="3896668668" sldId="258"/>
@@ -312,6 +325,14 @@
             <ac:spMk id="4" creationId="{46C9519F-335B-450E-9690-4EA4B81F0009}"/>
           </ac:spMkLst>
         </pc:spChg>
+        <pc:picChg chg="add mod">
+          <ac:chgData name="Jinlu Liu" userId="78a8ae01-c209-4833-a803-14efb296c1fa" providerId="ADAL" clId="{605EAD0C-2C14-49C9-9B36-055E4CDC6D39}" dt="2024-04-26T08:55:32.738" v="556"/>
+          <ac:picMkLst>
+            <pc:docMk/>
+            <pc:sldMk cId="3896668668" sldId="258"/>
+            <ac:picMk id="3" creationId="{2E8A1289-8E27-4654-B995-01E41C2709ED}"/>
+          </ac:picMkLst>
+        </pc:picChg>
         <pc:picChg chg="add del mod">
           <ac:chgData name="Jinlu Liu" userId="78a8ae01-c209-4833-a803-14efb296c1fa" providerId="ADAL" clId="{605EAD0C-2C14-49C9-9B36-055E4CDC6D39}" dt="2024-04-19T08:54:04.239" v="440" actId="478"/>
           <ac:picMkLst>
@@ -320,8 +341,8 @@
             <ac:picMk id="3" creationId="{EF873782-F378-4B07-A2BE-AB4DC7093C7D}"/>
           </ac:picMkLst>
         </pc:picChg>
-        <pc:picChg chg="add mod">
-          <ac:chgData name="Jinlu Liu" userId="78a8ae01-c209-4833-a803-14efb296c1fa" providerId="ADAL" clId="{605EAD0C-2C14-49C9-9B36-055E4CDC6D39}" dt="2024-04-19T08:54:07.602" v="441"/>
+        <pc:picChg chg="add del mod">
+          <ac:chgData name="Jinlu Liu" userId="78a8ae01-c209-4833-a803-14efb296c1fa" providerId="ADAL" clId="{605EAD0C-2C14-49C9-9B36-055E4CDC6D39}" dt="2024-04-26T08:55:29.444" v="555" actId="478"/>
           <ac:picMkLst>
             <pc:docMk/>
             <pc:sldMk cId="3896668668" sldId="258"/>
@@ -338,7 +359,7 @@
         </pc:picChg>
       </pc:sldChg>
       <pc:sldChg chg="addSp delSp modSp new add del mod">
-        <pc:chgData name="Jinlu Liu" userId="78a8ae01-c209-4833-a803-14efb296c1fa" providerId="ADAL" clId="{605EAD0C-2C14-49C9-9B36-055E4CDC6D39}" dt="2024-04-19T08:54:42.897" v="451" actId="47"/>
+        <pc:chgData name="Jinlu Liu" userId="78a8ae01-c209-4833-a803-14efb296c1fa" providerId="ADAL" clId="{605EAD0C-2C14-49C9-9B36-055E4CDC6D39}" dt="2024-04-26T08:55:38.553" v="558"/>
         <pc:sldMkLst>
           <pc:docMk/>
           <pc:sldMk cId="2191283333" sldId="259"/>
@@ -367,6 +388,14 @@
             <ac:spMk id="4" creationId="{70279AB2-6084-465F-AAAD-F8E4794ACA96}"/>
           </ac:spMkLst>
         </pc:spChg>
+        <pc:picChg chg="add mod">
+          <ac:chgData name="Jinlu Liu" userId="78a8ae01-c209-4833-a803-14efb296c1fa" providerId="ADAL" clId="{605EAD0C-2C14-49C9-9B36-055E4CDC6D39}" dt="2024-04-26T08:55:38.553" v="558"/>
+          <ac:picMkLst>
+            <pc:docMk/>
+            <pc:sldMk cId="2191283333" sldId="259"/>
+            <ac:picMk id="3" creationId="{937B7176-F3DC-4550-AB46-8D0811DC653A}"/>
+          </ac:picMkLst>
+        </pc:picChg>
         <pc:picChg chg="add del mod">
           <ac:chgData name="Jinlu Liu" userId="78a8ae01-c209-4833-a803-14efb296c1fa" providerId="ADAL" clId="{605EAD0C-2C14-49C9-9B36-055E4CDC6D39}" dt="2024-04-19T08:54:11.506" v="442" actId="478"/>
           <ac:picMkLst>
@@ -375,8 +404,8 @@
             <ac:picMk id="3" creationId="{967629A5-D9D5-4AB0-82A6-0B403D546676}"/>
           </ac:picMkLst>
         </pc:picChg>
-        <pc:picChg chg="add mod">
-          <ac:chgData name="Jinlu Liu" userId="78a8ae01-c209-4833-a803-14efb296c1fa" providerId="ADAL" clId="{605EAD0C-2C14-49C9-9B36-055E4CDC6D39}" dt="2024-04-19T08:54:14.286" v="443"/>
+        <pc:picChg chg="add del mod">
+          <ac:chgData name="Jinlu Liu" userId="78a8ae01-c209-4833-a803-14efb296c1fa" providerId="ADAL" clId="{605EAD0C-2C14-49C9-9B36-055E4CDC6D39}" dt="2024-04-26T08:55:35.616" v="557" actId="478"/>
           <ac:picMkLst>
             <pc:docMk/>
             <pc:sldMk cId="2191283333" sldId="259"/>
@@ -393,7 +422,7 @@
         </pc:picChg>
       </pc:sldChg>
       <pc:sldChg chg="addSp delSp modSp new mod">
-        <pc:chgData name="Jinlu Liu" userId="78a8ae01-c209-4833-a803-14efb296c1fa" providerId="ADAL" clId="{605EAD0C-2C14-49C9-9B36-055E4CDC6D39}" dt="2024-04-19T08:54:56.692" v="456" actId="1076"/>
+        <pc:chgData name="Jinlu Liu" userId="78a8ae01-c209-4833-a803-14efb296c1fa" providerId="ADAL" clId="{605EAD0C-2C14-49C9-9B36-055E4CDC6D39}" dt="2024-04-26T08:55:55.327" v="563" actId="1076"/>
         <pc:sldMkLst>
           <pc:docMk/>
           <pc:sldMk cId="1924944567" sldId="260"/>
@@ -422,6 +451,14 @@
             <ac:spMk id="4" creationId="{7BA59813-A062-4F02-A4E2-F3F9ADAC38F8}"/>
           </ac:spMkLst>
         </pc:spChg>
+        <pc:picChg chg="add mod">
+          <ac:chgData name="Jinlu Liu" userId="78a8ae01-c209-4833-a803-14efb296c1fa" providerId="ADAL" clId="{605EAD0C-2C14-49C9-9B36-055E4CDC6D39}" dt="2024-04-26T08:55:55.327" v="563" actId="1076"/>
+          <ac:picMkLst>
+            <pc:docMk/>
+            <pc:sldMk cId="1924944567" sldId="260"/>
+            <ac:picMk id="3" creationId="{5BED58BA-FDC3-4C1D-A023-FD633D49B5C5}"/>
+          </ac:picMkLst>
+        </pc:picChg>
         <pc:picChg chg="add del mod">
           <ac:chgData name="Jinlu Liu" userId="78a8ae01-c209-4833-a803-14efb296c1fa" providerId="ADAL" clId="{605EAD0C-2C14-49C9-9B36-055E4CDC6D39}" dt="2024-04-19T08:54:47.545" v="452" actId="478"/>
           <ac:picMkLst>
@@ -430,8 +467,8 @@
             <ac:picMk id="3" creationId="{B7F82D4C-06B5-4AAD-A269-EABC31C43D10}"/>
           </ac:picMkLst>
         </pc:picChg>
-        <pc:picChg chg="add mod">
-          <ac:chgData name="Jinlu Liu" userId="78a8ae01-c209-4833-a803-14efb296c1fa" providerId="ADAL" clId="{605EAD0C-2C14-49C9-9B36-055E4CDC6D39}" dt="2024-04-19T08:54:56.692" v="456" actId="1076"/>
+        <pc:picChg chg="add del mod">
+          <ac:chgData name="Jinlu Liu" userId="78a8ae01-c209-4833-a803-14efb296c1fa" providerId="ADAL" clId="{605EAD0C-2C14-49C9-9B36-055E4CDC6D39}" dt="2024-04-26T08:55:46.824" v="559" actId="478"/>
           <ac:picMkLst>
             <pc:docMk/>
             <pc:sldMk cId="1924944567" sldId="260"/>
@@ -487,7 +524,7 @@
         </pc:picChg>
       </pc:sldChg>
       <pc:sldChg chg="addSp delSp modSp new mod">
-        <pc:chgData name="Jinlu Liu" userId="78a8ae01-c209-4833-a803-14efb296c1fa" providerId="ADAL" clId="{605EAD0C-2C14-49C9-9B36-055E4CDC6D39}" dt="2024-04-19T08:55:28.732" v="466" actId="14100"/>
+        <pc:chgData name="Jinlu Liu" userId="78a8ae01-c209-4833-a803-14efb296c1fa" providerId="ADAL" clId="{605EAD0C-2C14-49C9-9B36-055E4CDC6D39}" dt="2024-04-26T08:56:19.418" v="572" actId="14100"/>
         <pc:sldMkLst>
           <pc:docMk/>
           <pc:sldMk cId="3079009305" sldId="262"/>
@@ -516,6 +553,14 @@
             <ac:spMk id="4" creationId="{BB2FB8EC-A971-4627-94CE-45DCF4666838}"/>
           </ac:spMkLst>
         </pc:spChg>
+        <pc:picChg chg="add mod">
+          <ac:chgData name="Jinlu Liu" userId="78a8ae01-c209-4833-a803-14efb296c1fa" providerId="ADAL" clId="{605EAD0C-2C14-49C9-9B36-055E4CDC6D39}" dt="2024-04-26T08:56:12.916" v="568" actId="1076"/>
+          <ac:picMkLst>
+            <pc:docMk/>
+            <pc:sldMk cId="3079009305" sldId="262"/>
+            <ac:picMk id="3" creationId="{09E54996-95B5-46A8-92B9-15CDE3C55457}"/>
+          </ac:picMkLst>
+        </pc:picChg>
         <pc:picChg chg="add del mod">
           <ac:chgData name="Jinlu Liu" userId="78a8ae01-c209-4833-a803-14efb296c1fa" providerId="ADAL" clId="{605EAD0C-2C14-49C9-9B36-055E4CDC6D39}" dt="2024-04-19T08:55:01.275" v="457" actId="478"/>
           <ac:picMkLst>
@@ -524,8 +569,8 @@
             <ac:picMk id="3" creationId="{2D63DB4E-6B94-4371-B299-D4F09F90D136}"/>
           </ac:picMkLst>
         </pc:picChg>
-        <pc:picChg chg="add mod">
-          <ac:chgData name="Jinlu Liu" userId="78a8ae01-c209-4833-a803-14efb296c1fa" providerId="ADAL" clId="{605EAD0C-2C14-49C9-9B36-055E4CDC6D39}" dt="2024-04-19T08:55:28.732" v="466" actId="14100"/>
+        <pc:picChg chg="add del mod">
+          <ac:chgData name="Jinlu Liu" userId="78a8ae01-c209-4833-a803-14efb296c1fa" providerId="ADAL" clId="{605EAD0C-2C14-49C9-9B36-055E4CDC6D39}" dt="2024-04-26T08:56:01.681" v="564" actId="478"/>
           <ac:picMkLst>
             <pc:docMk/>
             <pc:sldMk cId="3079009305" sldId="262"/>
@@ -540,6 +585,14 @@
             <ac:picMk id="6" creationId="{F8D394FB-B57E-4D21-9D61-9777D1A24FB3}"/>
           </ac:picMkLst>
         </pc:picChg>
+        <pc:picChg chg="add mod">
+          <ac:chgData name="Jinlu Liu" userId="78a8ae01-c209-4833-a803-14efb296c1fa" providerId="ADAL" clId="{605EAD0C-2C14-49C9-9B36-055E4CDC6D39}" dt="2024-04-26T08:56:19.418" v="572" actId="14100"/>
+          <ac:picMkLst>
+            <pc:docMk/>
+            <pc:sldMk cId="3079009305" sldId="262"/>
+            <ac:picMk id="7" creationId="{629580C7-3489-407E-8F76-BDFC3DE08006}"/>
+          </ac:picMkLst>
+        </pc:picChg>
         <pc:picChg chg="add del mod">
           <ac:chgData name="Jinlu Liu" userId="78a8ae01-c209-4833-a803-14efb296c1fa" providerId="ADAL" clId="{605EAD0C-2C14-49C9-9B36-055E4CDC6D39}" dt="2024-04-19T08:55:01.275" v="457" actId="478"/>
           <ac:picMkLst>
@@ -548,8 +601,8 @@
             <ac:picMk id="7" creationId="{A08C04D4-F176-4E54-AE79-BB53C692E7C6}"/>
           </ac:picMkLst>
         </pc:picChg>
-        <pc:picChg chg="add mod">
-          <ac:chgData name="Jinlu Liu" userId="78a8ae01-c209-4833-a803-14efb296c1fa" providerId="ADAL" clId="{605EAD0C-2C14-49C9-9B36-055E4CDC6D39}" dt="2024-04-19T08:55:18.440" v="462" actId="1076"/>
+        <pc:picChg chg="add del mod">
+          <ac:chgData name="Jinlu Liu" userId="78a8ae01-c209-4833-a803-14efb296c1fa" providerId="ADAL" clId="{605EAD0C-2C14-49C9-9B36-055E4CDC6D39}" dt="2024-04-26T08:56:01.681" v="564" actId="478"/>
           <ac:picMkLst>
             <pc:docMk/>
             <pc:sldMk cId="3079009305" sldId="262"/>
@@ -566,7 +619,7 @@
         </pc:picChg>
       </pc:sldChg>
       <pc:sldChg chg="addSp delSp modSp new mod">
-        <pc:chgData name="Jinlu Liu" userId="78a8ae01-c209-4833-a803-14efb296c1fa" providerId="ADAL" clId="{605EAD0C-2C14-49C9-9B36-055E4CDC6D39}" dt="2024-04-19T08:55:44.059" v="470" actId="1076"/>
+        <pc:chgData name="Jinlu Liu" userId="78a8ae01-c209-4833-a803-14efb296c1fa" providerId="ADAL" clId="{605EAD0C-2C14-49C9-9B36-055E4CDC6D39}" dt="2024-04-26T08:56:35.520" v="576" actId="1076"/>
         <pc:sldMkLst>
           <pc:docMk/>
           <pc:sldMk cId="3355012088" sldId="263"/>
@@ -595,6 +648,14 @@
             <ac:spMk id="4" creationId="{01D44790-17AF-4529-A4AF-8444C144A314}"/>
           </ac:spMkLst>
         </pc:spChg>
+        <pc:picChg chg="add mod">
+          <ac:chgData name="Jinlu Liu" userId="78a8ae01-c209-4833-a803-14efb296c1fa" providerId="ADAL" clId="{605EAD0C-2C14-49C9-9B36-055E4CDC6D39}" dt="2024-04-26T08:56:35.520" v="576" actId="1076"/>
+          <ac:picMkLst>
+            <pc:docMk/>
+            <pc:sldMk cId="3355012088" sldId="263"/>
+            <ac:picMk id="3" creationId="{3F0564B7-06FB-4295-8FF1-F512650A4947}"/>
+          </ac:picMkLst>
+        </pc:picChg>
         <pc:picChg chg="add del mod">
           <ac:chgData name="Jinlu Liu" userId="78a8ae01-c209-4833-a803-14efb296c1fa" providerId="ADAL" clId="{605EAD0C-2C14-49C9-9B36-055E4CDC6D39}" dt="2024-04-19T08:55:33.486" v="467" actId="478"/>
           <ac:picMkLst>
@@ -603,8 +664,8 @@
             <ac:picMk id="3" creationId="{5E93330B-B9AC-44D9-AB22-A473DB17E1DD}"/>
           </ac:picMkLst>
         </pc:picChg>
-        <pc:picChg chg="add mod">
-          <ac:chgData name="Jinlu Liu" userId="78a8ae01-c209-4833-a803-14efb296c1fa" providerId="ADAL" clId="{605EAD0C-2C14-49C9-9B36-055E4CDC6D39}" dt="2024-04-19T08:55:44.059" v="470" actId="1076"/>
+        <pc:picChg chg="add del mod">
+          <ac:chgData name="Jinlu Liu" userId="78a8ae01-c209-4833-a803-14efb296c1fa" providerId="ADAL" clId="{605EAD0C-2C14-49C9-9B36-055E4CDC6D39}" dt="2024-04-26T08:56:22.579" v="573" actId="478"/>
           <ac:picMkLst>
             <pc:docMk/>
             <pc:sldMk cId="3355012088" sldId="263"/>
@@ -621,7 +682,7 @@
         </pc:picChg>
       </pc:sldChg>
       <pc:sldChg chg="addSp delSp modSp new mod">
-        <pc:chgData name="Jinlu Liu" userId="78a8ae01-c209-4833-a803-14efb296c1fa" providerId="ADAL" clId="{605EAD0C-2C14-49C9-9B36-055E4CDC6D39}" dt="2024-04-19T08:55:49.799" v="472"/>
+        <pc:chgData name="Jinlu Liu" userId="78a8ae01-c209-4833-a803-14efb296c1fa" providerId="ADAL" clId="{605EAD0C-2C14-49C9-9B36-055E4CDC6D39}" dt="2024-04-26T08:56:55.559" v="578"/>
         <pc:sldMkLst>
           <pc:docMk/>
           <pc:sldMk cId="4180811600" sldId="264"/>
@@ -650,6 +711,14 @@
             <ac:spMk id="4" creationId="{29CB1825-1378-4A63-8816-5B37B3DE9214}"/>
           </ac:spMkLst>
         </pc:spChg>
+        <pc:picChg chg="add mod">
+          <ac:chgData name="Jinlu Liu" userId="78a8ae01-c209-4833-a803-14efb296c1fa" providerId="ADAL" clId="{605EAD0C-2C14-49C9-9B36-055E4CDC6D39}" dt="2024-04-26T08:56:55.559" v="578"/>
+          <ac:picMkLst>
+            <pc:docMk/>
+            <pc:sldMk cId="4180811600" sldId="264"/>
+            <ac:picMk id="3" creationId="{17CE030C-41A2-4F01-A617-65FE0F76986B}"/>
+          </ac:picMkLst>
+        </pc:picChg>
         <pc:picChg chg="add del mod">
           <ac:chgData name="Jinlu Liu" userId="78a8ae01-c209-4833-a803-14efb296c1fa" providerId="ADAL" clId="{605EAD0C-2C14-49C9-9B36-055E4CDC6D39}" dt="2024-04-19T08:55:46.733" v="471" actId="478"/>
           <ac:picMkLst>
@@ -658,8 +727,8 @@
             <ac:picMk id="3" creationId="{8C106C78-D0EF-46D0-903A-4C420DAFFCED}"/>
           </ac:picMkLst>
         </pc:picChg>
-        <pc:picChg chg="add mod">
-          <ac:chgData name="Jinlu Liu" userId="78a8ae01-c209-4833-a803-14efb296c1fa" providerId="ADAL" clId="{605EAD0C-2C14-49C9-9B36-055E4CDC6D39}" dt="2024-04-19T08:55:49.799" v="472"/>
+        <pc:picChg chg="add del mod">
+          <ac:chgData name="Jinlu Liu" userId="78a8ae01-c209-4833-a803-14efb296c1fa" providerId="ADAL" clId="{605EAD0C-2C14-49C9-9B36-055E4CDC6D39}" dt="2024-04-26T08:56:40.895" v="577" actId="478"/>
           <ac:picMkLst>
             <pc:docMk/>
             <pc:sldMk cId="4180811600" sldId="264"/>
@@ -676,7 +745,7 @@
         </pc:picChg>
       </pc:sldChg>
       <pc:sldChg chg="addSp delSp modSp new mod">
-        <pc:chgData name="Jinlu Liu" userId="78a8ae01-c209-4833-a803-14efb296c1fa" providerId="ADAL" clId="{605EAD0C-2C14-49C9-9B36-055E4CDC6D39}" dt="2024-04-19T08:55:58.938" v="474"/>
+        <pc:chgData name="Jinlu Liu" userId="78a8ae01-c209-4833-a803-14efb296c1fa" providerId="ADAL" clId="{605EAD0C-2C14-49C9-9B36-055E4CDC6D39}" dt="2024-04-26T08:57:16.421" v="580"/>
         <pc:sldMkLst>
           <pc:docMk/>
           <pc:sldMk cId="2720887239" sldId="265"/>
@@ -714,7 +783,15 @@
           </ac:picMkLst>
         </pc:picChg>
         <pc:picChg chg="add mod">
-          <ac:chgData name="Jinlu Liu" userId="78a8ae01-c209-4833-a803-14efb296c1fa" providerId="ADAL" clId="{605EAD0C-2C14-49C9-9B36-055E4CDC6D39}" dt="2024-04-19T08:55:58.938" v="474"/>
+          <ac:chgData name="Jinlu Liu" userId="78a8ae01-c209-4833-a803-14efb296c1fa" providerId="ADAL" clId="{605EAD0C-2C14-49C9-9B36-055E4CDC6D39}" dt="2024-04-26T08:57:16.421" v="580"/>
+          <ac:picMkLst>
+            <pc:docMk/>
+            <pc:sldMk cId="2720887239" sldId="265"/>
+            <ac:picMk id="3" creationId="{F76D141D-ACBD-4C43-8218-E9EC5E105A3F}"/>
+          </ac:picMkLst>
+        </pc:picChg>
+        <pc:picChg chg="add del mod">
+          <ac:chgData name="Jinlu Liu" userId="78a8ae01-c209-4833-a803-14efb296c1fa" providerId="ADAL" clId="{605EAD0C-2C14-49C9-9B36-055E4CDC6D39}" dt="2024-04-26T08:57:00.900" v="579" actId="478"/>
           <ac:picMkLst>
             <pc:docMk/>
             <pc:sldMk cId="2720887239" sldId="265"/>
@@ -933,7 +1010,7 @@
         </pc:picChg>
       </pc:sldChg>
       <pc:sldChg chg="addSp delSp modSp new mod">
-        <pc:chgData name="Jinlu Liu" userId="78a8ae01-c209-4833-a803-14efb296c1fa" providerId="ADAL" clId="{605EAD0C-2C14-49C9-9B36-055E4CDC6D39}" dt="2024-04-19T08:56:11.275" v="476"/>
+        <pc:chgData name="Jinlu Liu" userId="78a8ae01-c209-4833-a803-14efb296c1fa" providerId="ADAL" clId="{605EAD0C-2C14-49C9-9B36-055E4CDC6D39}" dt="2024-04-26T08:57:29.119" v="582"/>
         <pc:sldMkLst>
           <pc:docMk/>
           <pc:sldMk cId="109841601" sldId="272"/>
@@ -970,8 +1047,8 @@
             <ac:spMk id="5" creationId="{259B3E88-6BDD-4A94-90CD-06BD8CACF240}"/>
           </ac:spMkLst>
         </pc:spChg>
-        <pc:picChg chg="add mod">
-          <ac:chgData name="Jinlu Liu" userId="78a8ae01-c209-4833-a803-14efb296c1fa" providerId="ADAL" clId="{605EAD0C-2C14-49C9-9B36-055E4CDC6D39}" dt="2024-04-19T08:56:11.275" v="476"/>
+        <pc:picChg chg="add del mod">
+          <ac:chgData name="Jinlu Liu" userId="78a8ae01-c209-4833-a803-14efb296c1fa" providerId="ADAL" clId="{605EAD0C-2C14-49C9-9B36-055E4CDC6D39}" dt="2024-04-26T08:57:23.685" v="581" actId="478"/>
           <ac:picMkLst>
             <pc:docMk/>
             <pc:sldMk cId="109841601" sldId="272"/>
@@ -986,6 +1063,14 @@
             <ac:picMk id="3" creationId="{4E90AA99-A28C-4621-A0A4-F7563CFFA097}"/>
           </ac:picMkLst>
         </pc:picChg>
+        <pc:picChg chg="add mod">
+          <ac:chgData name="Jinlu Liu" userId="78a8ae01-c209-4833-a803-14efb296c1fa" providerId="ADAL" clId="{605EAD0C-2C14-49C9-9B36-055E4CDC6D39}" dt="2024-04-26T08:57:29.119" v="582"/>
+          <ac:picMkLst>
+            <pc:docMk/>
+            <pc:sldMk cId="109841601" sldId="272"/>
+            <ac:picMk id="5" creationId="{19BD8CD7-E38E-4EAC-97A3-61E6DFE8B774}"/>
+          </ac:picMkLst>
+        </pc:picChg>
         <pc:picChg chg="add del mod">
           <ac:chgData name="Jinlu Liu" userId="78a8ae01-c209-4833-a803-14efb296c1fa" providerId="ADAL" clId="{605EAD0C-2C14-49C9-9B36-055E4CDC6D39}" dt="2024-04-19T08:56:07.982" v="475" actId="478"/>
           <ac:picMkLst>
@@ -1004,7 +1089,7 @@
         </pc:picChg>
       </pc:sldChg>
       <pc:sldChg chg="addSp delSp modSp new mod">
-        <pc:chgData name="Jinlu Liu" userId="78a8ae01-c209-4833-a803-14efb296c1fa" providerId="ADAL" clId="{605EAD0C-2C14-49C9-9B36-055E4CDC6D39}" dt="2024-04-19T08:56:25.221" v="480" actId="1076"/>
+        <pc:chgData name="Jinlu Liu" userId="78a8ae01-c209-4833-a803-14efb296c1fa" providerId="ADAL" clId="{605EAD0C-2C14-49C9-9B36-055E4CDC6D39}" dt="2024-04-26T08:57:46.524" v="586" actId="1076"/>
         <pc:sldMkLst>
           <pc:docMk/>
           <pc:sldMk cId="4247530302" sldId="273"/>
@@ -1042,7 +1127,15 @@
           </ac:picMkLst>
         </pc:picChg>
         <pc:picChg chg="add mod">
-          <ac:chgData name="Jinlu Liu" userId="78a8ae01-c209-4833-a803-14efb296c1fa" providerId="ADAL" clId="{605EAD0C-2C14-49C9-9B36-055E4CDC6D39}" dt="2024-04-19T08:56:25.221" v="480" actId="1076"/>
+          <ac:chgData name="Jinlu Liu" userId="78a8ae01-c209-4833-a803-14efb296c1fa" providerId="ADAL" clId="{605EAD0C-2C14-49C9-9B36-055E4CDC6D39}" dt="2024-04-26T08:57:46.524" v="586" actId="1076"/>
+          <ac:picMkLst>
+            <pc:docMk/>
+            <pc:sldMk cId="4247530302" sldId="273"/>
+            <ac:picMk id="3" creationId="{CFA77E6C-064A-41D0-A494-40CAA6218F6A}"/>
+          </ac:picMkLst>
+        </pc:picChg>
+        <pc:picChg chg="add del mod">
+          <ac:chgData name="Jinlu Liu" userId="78a8ae01-c209-4833-a803-14efb296c1fa" providerId="ADAL" clId="{605EAD0C-2C14-49C9-9B36-055E4CDC6D39}" dt="2024-04-26T08:57:32.639" v="583" actId="478"/>
           <ac:picMkLst>
             <pc:docMk/>
             <pc:sldMk cId="4247530302" sldId="273"/>
@@ -1059,7 +1152,7 @@
         </pc:picChg>
       </pc:sldChg>
       <pc:sldChg chg="addSp delSp modSp new mod">
-        <pc:chgData name="Jinlu Liu" userId="78a8ae01-c209-4833-a803-14efb296c1fa" providerId="ADAL" clId="{605EAD0C-2C14-49C9-9B36-055E4CDC6D39}" dt="2024-04-19T08:56:44.629" v="488" actId="1076"/>
+        <pc:chgData name="Jinlu Liu" userId="78a8ae01-c209-4833-a803-14efb296c1fa" providerId="ADAL" clId="{605EAD0C-2C14-49C9-9B36-055E4CDC6D39}" dt="2024-04-26T08:57:58.231" v="592" actId="1076"/>
         <pc:sldMkLst>
           <pc:docMk/>
           <pc:sldMk cId="2518443356" sldId="274"/>
@@ -1097,7 +1190,15 @@
           </ac:picMkLst>
         </pc:picChg>
         <pc:picChg chg="add mod">
-          <ac:chgData name="Jinlu Liu" userId="78a8ae01-c209-4833-a803-14efb296c1fa" providerId="ADAL" clId="{605EAD0C-2C14-49C9-9B36-055E4CDC6D39}" dt="2024-04-19T08:56:44.629" v="488" actId="1076"/>
+          <ac:chgData name="Jinlu Liu" userId="78a8ae01-c209-4833-a803-14efb296c1fa" providerId="ADAL" clId="{605EAD0C-2C14-49C9-9B36-055E4CDC6D39}" dt="2024-04-26T08:57:58.231" v="592" actId="1076"/>
+          <ac:picMkLst>
+            <pc:docMk/>
+            <pc:sldMk cId="2518443356" sldId="274"/>
+            <ac:picMk id="3" creationId="{E20FD429-8ACE-414E-9A0C-D1C3A54768C6}"/>
+          </ac:picMkLst>
+        </pc:picChg>
+        <pc:picChg chg="add del mod">
+          <ac:chgData name="Jinlu Liu" userId="78a8ae01-c209-4833-a803-14efb296c1fa" providerId="ADAL" clId="{605EAD0C-2C14-49C9-9B36-055E4CDC6D39}" dt="2024-04-26T08:57:49.021" v="587" actId="478"/>
           <ac:picMkLst>
             <pc:docMk/>
             <pc:sldMk cId="2518443356" sldId="274"/>
@@ -1114,7 +1215,7 @@
         </pc:picChg>
       </pc:sldChg>
       <pc:sldChg chg="addSp delSp modSp new mod">
-        <pc:chgData name="Jinlu Liu" userId="78a8ae01-c209-4833-a803-14efb296c1fa" providerId="ADAL" clId="{605EAD0C-2C14-49C9-9B36-055E4CDC6D39}" dt="2024-04-19T08:56:55.806" v="492" actId="1076"/>
+        <pc:chgData name="Jinlu Liu" userId="78a8ae01-c209-4833-a803-14efb296c1fa" providerId="ADAL" clId="{605EAD0C-2C14-49C9-9B36-055E4CDC6D39}" dt="2024-04-26T08:58:11.274" v="598" actId="1076"/>
         <pc:sldMkLst>
           <pc:docMk/>
           <pc:sldMk cId="1536788149" sldId="275"/>
@@ -1143,6 +1244,14 @@
             <ac:spMk id="4" creationId="{816FE418-7905-411D-9484-15B51F543B4B}"/>
           </ac:spMkLst>
         </pc:spChg>
+        <pc:picChg chg="add mod">
+          <ac:chgData name="Jinlu Liu" userId="78a8ae01-c209-4833-a803-14efb296c1fa" providerId="ADAL" clId="{605EAD0C-2C14-49C9-9B36-055E4CDC6D39}" dt="2024-04-26T08:58:11.274" v="598" actId="1076"/>
+          <ac:picMkLst>
+            <pc:docMk/>
+            <pc:sldMk cId="1536788149" sldId="275"/>
+            <ac:picMk id="3" creationId="{91178D05-286E-409F-BAA3-A1D276612CF9}"/>
+          </ac:picMkLst>
+        </pc:picChg>
         <pc:picChg chg="add del mod">
           <ac:chgData name="Jinlu Liu" userId="78a8ae01-c209-4833-a803-14efb296c1fa" providerId="ADAL" clId="{605EAD0C-2C14-49C9-9B36-055E4CDC6D39}" dt="2024-04-19T08:56:48.559" v="489" actId="478"/>
           <ac:picMkLst>
@@ -1151,8 +1260,8 @@
             <ac:picMk id="3" creationId="{BD5D8679-DAB7-4FA1-BCD5-5CFAD584B238}"/>
           </ac:picMkLst>
         </pc:picChg>
-        <pc:picChg chg="add mod">
-          <ac:chgData name="Jinlu Liu" userId="78a8ae01-c209-4833-a803-14efb296c1fa" providerId="ADAL" clId="{605EAD0C-2C14-49C9-9B36-055E4CDC6D39}" dt="2024-04-19T08:56:55.806" v="492" actId="1076"/>
+        <pc:picChg chg="add del mod">
+          <ac:chgData name="Jinlu Liu" userId="78a8ae01-c209-4833-a803-14efb296c1fa" providerId="ADAL" clId="{605EAD0C-2C14-49C9-9B36-055E4CDC6D39}" dt="2024-04-26T08:58:01.799" v="593" actId="478"/>
           <ac:picMkLst>
             <pc:docMk/>
             <pc:sldMk cId="1536788149" sldId="275"/>
@@ -1169,7 +1278,7 @@
         </pc:picChg>
       </pc:sldChg>
       <pc:sldChg chg="addSp delSp modSp new mod">
-        <pc:chgData name="Jinlu Liu" userId="78a8ae01-c209-4833-a803-14efb296c1fa" providerId="ADAL" clId="{605EAD0C-2C14-49C9-9B36-055E4CDC6D39}" dt="2024-04-19T08:57:08.050" v="496" actId="1076"/>
+        <pc:chgData name="Jinlu Liu" userId="78a8ae01-c209-4833-a803-14efb296c1fa" providerId="ADAL" clId="{605EAD0C-2C14-49C9-9B36-055E4CDC6D39}" dt="2024-04-26T08:58:26.492" v="602" actId="1076"/>
         <pc:sldMkLst>
           <pc:docMk/>
           <pc:sldMk cId="1992865588" sldId="276"/>
@@ -1198,14 +1307,22 @@
             <ac:spMk id="4" creationId="{A55ADBBD-18DC-4F68-88B9-BEC2B2B4E073}"/>
           </ac:spMkLst>
         </pc:spChg>
-        <pc:picChg chg="add mod">
-          <ac:chgData name="Jinlu Liu" userId="78a8ae01-c209-4833-a803-14efb296c1fa" providerId="ADAL" clId="{605EAD0C-2C14-49C9-9B36-055E4CDC6D39}" dt="2024-04-19T08:57:08.050" v="496" actId="1076"/>
+        <pc:picChg chg="add del mod">
+          <ac:chgData name="Jinlu Liu" userId="78a8ae01-c209-4833-a803-14efb296c1fa" providerId="ADAL" clId="{605EAD0C-2C14-49C9-9B36-055E4CDC6D39}" dt="2024-04-26T08:58:16.978" v="599" actId="478"/>
           <ac:picMkLst>
             <pc:docMk/>
             <pc:sldMk cId="1992865588" sldId="276"/>
             <ac:picMk id="3" creationId="{7AF5F290-D4D9-4D5F-8258-0D017359087B}"/>
           </ac:picMkLst>
         </pc:picChg>
+        <pc:picChg chg="add mod">
+          <ac:chgData name="Jinlu Liu" userId="78a8ae01-c209-4833-a803-14efb296c1fa" providerId="ADAL" clId="{605EAD0C-2C14-49C9-9B36-055E4CDC6D39}" dt="2024-04-26T08:58:26.492" v="602" actId="1076"/>
+          <ac:picMkLst>
+            <pc:docMk/>
+            <pc:sldMk cId="1992865588" sldId="276"/>
+            <ac:picMk id="5" creationId="{7AC6DB89-E91D-4614-93B7-64A3CFF15EE7}"/>
+          </ac:picMkLst>
+        </pc:picChg>
         <pc:picChg chg="add del mod">
           <ac:chgData name="Jinlu Liu" userId="78a8ae01-c209-4833-a803-14efb296c1fa" providerId="ADAL" clId="{605EAD0C-2C14-49C9-9B36-055E4CDC6D39}" dt="2024-04-03T13:29:47.084" v="236" actId="478"/>
           <ac:picMkLst>
@@ -1224,7 +1341,7 @@
         </pc:picChg>
       </pc:sldChg>
       <pc:sldChg chg="addSp delSp modSp new mod">
-        <pc:chgData name="Jinlu Liu" userId="78a8ae01-c209-4833-a803-14efb296c1fa" providerId="ADAL" clId="{605EAD0C-2C14-49C9-9B36-055E4CDC6D39}" dt="2024-04-19T08:57:20.509" v="502" actId="1076"/>
+        <pc:chgData name="Jinlu Liu" userId="78a8ae01-c209-4833-a803-14efb296c1fa" providerId="ADAL" clId="{605EAD0C-2C14-49C9-9B36-055E4CDC6D39}" dt="2024-04-26T08:58:35.905" v="606" actId="1076"/>
         <pc:sldMkLst>
           <pc:docMk/>
           <pc:sldMk cId="3241683728" sldId="277"/>
@@ -1253,14 +1370,22 @@
             <ac:spMk id="4" creationId="{EF226F45-CF42-4A6A-BDD7-51403ABF6A0B}"/>
           </ac:spMkLst>
         </pc:spChg>
-        <pc:picChg chg="add mod">
-          <ac:chgData name="Jinlu Liu" userId="78a8ae01-c209-4833-a803-14efb296c1fa" providerId="ADAL" clId="{605EAD0C-2C14-49C9-9B36-055E4CDC6D39}" dt="2024-04-19T08:57:20.509" v="502" actId="1076"/>
+        <pc:picChg chg="add del mod">
+          <ac:chgData name="Jinlu Liu" userId="78a8ae01-c209-4833-a803-14efb296c1fa" providerId="ADAL" clId="{605EAD0C-2C14-49C9-9B36-055E4CDC6D39}" dt="2024-04-26T08:58:29.155" v="603" actId="478"/>
           <ac:picMkLst>
             <pc:docMk/>
             <pc:sldMk cId="3241683728" sldId="277"/>
             <ac:picMk id="3" creationId="{A3E8E98A-FB51-4AA1-AEC3-988D7ED79DA4}"/>
           </ac:picMkLst>
         </pc:picChg>
+        <pc:picChg chg="add mod">
+          <ac:chgData name="Jinlu Liu" userId="78a8ae01-c209-4833-a803-14efb296c1fa" providerId="ADAL" clId="{605EAD0C-2C14-49C9-9B36-055E4CDC6D39}" dt="2024-04-26T08:58:35.905" v="606" actId="1076"/>
+          <ac:picMkLst>
+            <pc:docMk/>
+            <pc:sldMk cId="3241683728" sldId="277"/>
+            <ac:picMk id="5" creationId="{C6D65699-CCD7-4B43-A933-A5A8F4333FF0}"/>
+          </ac:picMkLst>
+        </pc:picChg>
         <pc:picChg chg="add del mod">
           <ac:chgData name="Jinlu Liu" userId="78a8ae01-c209-4833-a803-14efb296c1fa" providerId="ADAL" clId="{605EAD0C-2C14-49C9-9B36-055E4CDC6D39}" dt="2024-04-19T08:57:10.696" v="497" actId="478"/>
           <ac:picMkLst>
@@ -1271,7 +1396,7 @@
         </pc:picChg>
       </pc:sldChg>
       <pc:sldChg chg="addSp delSp modSp new mod">
-        <pc:chgData name="Jinlu Liu" userId="78a8ae01-c209-4833-a803-14efb296c1fa" providerId="ADAL" clId="{605EAD0C-2C14-49C9-9B36-055E4CDC6D39}" dt="2024-04-19T08:57:30.592" v="507" actId="14100"/>
+        <pc:chgData name="Jinlu Liu" userId="78a8ae01-c209-4833-a803-14efb296c1fa" providerId="ADAL" clId="{605EAD0C-2C14-49C9-9B36-055E4CDC6D39}" dt="2024-04-26T08:58:48.992" v="611" actId="1076"/>
         <pc:sldMkLst>
           <pc:docMk/>
           <pc:sldMk cId="455782353" sldId="278"/>
@@ -1300,14 +1425,22 @@
             <ac:spMk id="4" creationId="{CA68F086-73DF-4A69-8C9C-C04160B27E94}"/>
           </ac:spMkLst>
         </pc:spChg>
-        <pc:picChg chg="add mod">
-          <ac:chgData name="Jinlu Liu" userId="78a8ae01-c209-4833-a803-14efb296c1fa" providerId="ADAL" clId="{605EAD0C-2C14-49C9-9B36-055E4CDC6D39}" dt="2024-04-19T08:57:30.592" v="507" actId="14100"/>
+        <pc:picChg chg="add del mod">
+          <ac:chgData name="Jinlu Liu" userId="78a8ae01-c209-4833-a803-14efb296c1fa" providerId="ADAL" clId="{605EAD0C-2C14-49C9-9B36-055E4CDC6D39}" dt="2024-04-26T08:58:42.656" v="608" actId="478"/>
           <ac:picMkLst>
             <pc:docMk/>
             <pc:sldMk cId="455782353" sldId="278"/>
             <ac:picMk id="3" creationId="{F6DCC225-E627-4A3F-B506-ADB0159B220E}"/>
           </ac:picMkLst>
         </pc:picChg>
+        <pc:picChg chg="add mod">
+          <ac:chgData name="Jinlu Liu" userId="78a8ae01-c209-4833-a803-14efb296c1fa" providerId="ADAL" clId="{605EAD0C-2C14-49C9-9B36-055E4CDC6D39}" dt="2024-04-26T08:58:48.992" v="611" actId="1076"/>
+          <ac:picMkLst>
+            <pc:docMk/>
+            <pc:sldMk cId="455782353" sldId="278"/>
+            <ac:picMk id="5" creationId="{45A15CF9-6C92-4D81-8CEF-17C190650181}"/>
+          </ac:picMkLst>
+        </pc:picChg>
         <pc:picChg chg="add del mod">
           <ac:chgData name="Jinlu Liu" userId="78a8ae01-c209-4833-a803-14efb296c1fa" providerId="ADAL" clId="{605EAD0C-2C14-49C9-9B36-055E4CDC6D39}" dt="2024-04-19T08:57:23.197" v="503" actId="478"/>
           <ac:picMkLst>
@@ -1317,8 +1450,8 @@
           </ac:picMkLst>
         </pc:picChg>
       </pc:sldChg>
-      <pc:sldChg chg="addSp delSp modSp new mod ord">
-        <pc:chgData name="Jinlu Liu" userId="78a8ae01-c209-4833-a803-14efb296c1fa" providerId="ADAL" clId="{605EAD0C-2C14-49C9-9B36-055E4CDC6D39}" dt="2024-04-03T14:00:36.026" v="310"/>
+      <pc:sldChg chg="addSp delSp modSp new del mod ord">
+        <pc:chgData name="Jinlu Liu" userId="78a8ae01-c209-4833-a803-14efb296c1fa" providerId="ADAL" clId="{605EAD0C-2C14-49C9-9B36-055E4CDC6D39}" dt="2024-04-26T08:58:40.034" v="607" actId="47"/>
         <pc:sldMkLst>
           <pc:docMk/>
           <pc:sldMk cId="1479363705" sldId="279"/>
@@ -1475,7 +1608,7 @@
         </pc:picChg>
       </pc:sldChg>
       <pc:sldChg chg="addSp delSp modSp mod">
-        <pc:chgData name="Jinlu Liu" userId="78a8ae01-c209-4833-a803-14efb296c1fa" providerId="ADAL" clId="{605EAD0C-2C14-49C9-9B36-055E4CDC6D39}" dt="2024-04-19T08:59:36.256" v="543" actId="14100"/>
+        <pc:chgData name="Jinlu Liu" userId="78a8ae01-c209-4833-a803-14efb296c1fa" providerId="ADAL" clId="{605EAD0C-2C14-49C9-9B36-055E4CDC6D39}" dt="2024-04-26T09:01:08.800" v="663" actId="1076"/>
         <pc:sldMkLst>
           <pc:docMk/>
           <pc:sldMk cId="1301081757" sldId="282"/>
@@ -1496,8 +1629,16 @@
             <ac:spMk id="3" creationId="{2F16CE3E-15DE-4641-988B-EDFBE25678EC}"/>
           </ac:spMkLst>
         </pc:spChg>
-        <pc:picChg chg="add mod">
-          <ac:chgData name="Jinlu Liu" userId="78a8ae01-c209-4833-a803-14efb296c1fa" providerId="ADAL" clId="{605EAD0C-2C14-49C9-9B36-055E4CDC6D39}" dt="2024-04-19T08:58:24.252" v="520" actId="1076"/>
+        <pc:spChg chg="add del mod">
+          <ac:chgData name="Jinlu Liu" userId="78a8ae01-c209-4833-a803-14efb296c1fa" providerId="ADAL" clId="{605EAD0C-2C14-49C9-9B36-055E4CDC6D39}" dt="2024-04-26T08:59:18.613" v="617"/>
+          <ac:spMkLst>
+            <pc:docMk/>
+            <pc:sldMk cId="1301081757" sldId="282"/>
+            <ac:spMk id="3" creationId="{76061F9F-2B85-463F-AA6F-6A6CDE16461B}"/>
+          </ac:spMkLst>
+        </pc:spChg>
+        <pc:picChg chg="add del mod">
+          <ac:chgData name="Jinlu Liu" userId="78a8ae01-c209-4833-a803-14efb296c1fa" providerId="ADAL" clId="{605EAD0C-2C14-49C9-9B36-055E4CDC6D39}" dt="2024-04-26T08:59:09.391" v="616" actId="478"/>
           <ac:picMkLst>
             <pc:docMk/>
             <pc:sldMk cId="1301081757" sldId="282"/>
@@ -1520,6 +1661,14 @@
             <ac:picMk id="6" creationId="{54A1D9A8-FA01-48FD-82DD-A4A4E61892A6}"/>
           </ac:picMkLst>
         </pc:picChg>
+        <pc:picChg chg="add mod">
+          <ac:chgData name="Jinlu Liu" userId="78a8ae01-c209-4833-a803-14efb296c1fa" providerId="ADAL" clId="{605EAD0C-2C14-49C9-9B36-055E4CDC6D39}" dt="2024-04-26T09:01:08.800" v="663" actId="1076"/>
+          <ac:picMkLst>
+            <pc:docMk/>
+            <pc:sldMk cId="1301081757" sldId="282"/>
+            <ac:picMk id="6" creationId="{B77F4460-6FA4-4359-B00B-BAACBA92670A}"/>
+          </ac:picMkLst>
+        </pc:picChg>
         <pc:picChg chg="del">
           <ac:chgData name="Jinlu Liu" userId="78a8ae01-c209-4833-a803-14efb296c1fa" providerId="ADAL" clId="{605EAD0C-2C14-49C9-9B36-055E4CDC6D39}" dt="2024-04-12T09:37:23.811" v="403" actId="478"/>
           <ac:picMkLst>
@@ -1528,14 +1677,22 @@
             <ac:picMk id="7" creationId="{2E774FCE-A0D8-0342-120A-71706A3EE23A}"/>
           </ac:picMkLst>
         </pc:picChg>
-        <pc:picChg chg="add mod">
-          <ac:chgData name="Jinlu Liu" userId="78a8ae01-c209-4833-a803-14efb296c1fa" providerId="ADAL" clId="{605EAD0C-2C14-49C9-9B36-055E4CDC6D39}" dt="2024-04-19T08:58:42.901" v="525" actId="14100"/>
+        <pc:picChg chg="add del mod">
+          <ac:chgData name="Jinlu Liu" userId="78a8ae01-c209-4833-a803-14efb296c1fa" providerId="ADAL" clId="{605EAD0C-2C14-49C9-9B36-055E4CDC6D39}" dt="2024-04-26T08:59:09.391" v="616" actId="478"/>
           <ac:picMkLst>
             <pc:docMk/>
             <pc:sldMk cId="1301081757" sldId="282"/>
             <ac:picMk id="8" creationId="{6C03D06F-BF93-418F-9CC4-025E84DA82AC}"/>
           </ac:picMkLst>
         </pc:picChg>
+        <pc:picChg chg="add mod">
+          <ac:chgData name="Jinlu Liu" userId="78a8ae01-c209-4833-a803-14efb296c1fa" providerId="ADAL" clId="{605EAD0C-2C14-49C9-9B36-055E4CDC6D39}" dt="2024-04-26T09:00:30.468" v="649" actId="1076"/>
+          <ac:picMkLst>
+            <pc:docMk/>
+            <pc:sldMk cId="1301081757" sldId="282"/>
+            <ac:picMk id="9" creationId="{6BDB248C-2454-448D-8223-F6BAA466B9FF}"/>
+          </ac:picMkLst>
+        </pc:picChg>
         <pc:picChg chg="del">
           <ac:chgData name="Jinlu Liu" userId="78a8ae01-c209-4833-a803-14efb296c1fa" providerId="ADAL" clId="{605EAD0C-2C14-49C9-9B36-055E4CDC6D39}" dt="2024-04-12T09:37:23.811" v="403" actId="478"/>
           <ac:picMkLst>
@@ -1560,14 +1717,22 @@
             <ac:picMk id="11" creationId="{A74A5697-34F6-34D9-6254-F51DDA0F6992}"/>
           </ac:picMkLst>
         </pc:picChg>
-        <pc:picChg chg="add mod">
-          <ac:chgData name="Jinlu Liu" userId="78a8ae01-c209-4833-a803-14efb296c1fa" providerId="ADAL" clId="{605EAD0C-2C14-49C9-9B36-055E4CDC6D39}" dt="2024-04-19T08:58:52.847" v="529" actId="14100"/>
+        <pc:picChg chg="add del mod">
+          <ac:chgData name="Jinlu Liu" userId="78a8ae01-c209-4833-a803-14efb296c1fa" providerId="ADAL" clId="{605EAD0C-2C14-49C9-9B36-055E4CDC6D39}" dt="2024-04-26T08:59:09.391" v="616" actId="478"/>
           <ac:picMkLst>
             <pc:docMk/>
             <pc:sldMk cId="1301081757" sldId="282"/>
             <ac:picMk id="11" creationId="{EF317AAD-2A12-4F48-92FB-8D0B46D64547}"/>
           </ac:picMkLst>
         </pc:picChg>
+        <pc:picChg chg="add mod">
+          <ac:chgData name="Jinlu Liu" userId="78a8ae01-c209-4833-a803-14efb296c1fa" providerId="ADAL" clId="{605EAD0C-2C14-49C9-9B36-055E4CDC6D39}" dt="2024-04-26T09:00:34.923" v="651" actId="14100"/>
+          <ac:picMkLst>
+            <pc:docMk/>
+            <pc:sldMk cId="1301081757" sldId="282"/>
+            <ac:picMk id="12" creationId="{DA45C007-EBF0-4EE6-83D2-D2301B286077}"/>
+          </ac:picMkLst>
+        </pc:picChg>
         <pc:picChg chg="del">
           <ac:chgData name="Jinlu Liu" userId="78a8ae01-c209-4833-a803-14efb296c1fa" providerId="ADAL" clId="{605EAD0C-2C14-49C9-9B36-055E4CDC6D39}" dt="2024-04-12T09:37:23.811" v="403" actId="478"/>
           <ac:picMkLst>
@@ -1576,8 +1741,8 @@
             <ac:picMk id="13" creationId="{08A8F202-BB8E-66CE-9840-104356F6BC40}"/>
           </ac:picMkLst>
         </pc:picChg>
-        <pc:picChg chg="add mod">
-          <ac:chgData name="Jinlu Liu" userId="78a8ae01-c209-4833-a803-14efb296c1fa" providerId="ADAL" clId="{605EAD0C-2C14-49C9-9B36-055E4CDC6D39}" dt="2024-04-19T08:59:04.165" v="533" actId="14100"/>
+        <pc:picChg chg="add del mod">
+          <ac:chgData name="Jinlu Liu" userId="78a8ae01-c209-4833-a803-14efb296c1fa" providerId="ADAL" clId="{605EAD0C-2C14-49C9-9B36-055E4CDC6D39}" dt="2024-04-26T08:59:09.391" v="616" actId="478"/>
           <ac:picMkLst>
             <pc:docMk/>
             <pc:sldMk cId="1301081757" sldId="282"/>
@@ -1592,6 +1757,14 @@
             <ac:picMk id="14" creationId="{91F898EB-9248-49EB-BE93-A2C58D6C356D}"/>
           </ac:picMkLst>
         </pc:picChg>
+        <pc:picChg chg="add del mod">
+          <ac:chgData name="Jinlu Liu" userId="78a8ae01-c209-4833-a803-14efb296c1fa" providerId="ADAL" clId="{605EAD0C-2C14-49C9-9B36-055E4CDC6D39}" dt="2024-04-26T09:00:14.357" v="640" actId="478"/>
+          <ac:picMkLst>
+            <pc:docMk/>
+            <pc:sldMk cId="1301081757" sldId="282"/>
+            <ac:picMk id="15" creationId="{B6FE8AD9-DAFB-4353-8E05-64B7C3BEB25F}"/>
+          </ac:picMkLst>
+        </pc:picChg>
         <pc:picChg chg="del">
           <ac:chgData name="Jinlu Liu" userId="78a8ae01-c209-4833-a803-14efb296c1fa" providerId="ADAL" clId="{605EAD0C-2C14-49C9-9B36-055E4CDC6D39}" dt="2024-04-12T09:37:23.811" v="403" actId="478"/>
           <ac:picMkLst>
@@ -1600,8 +1773,8 @@
             <ac:picMk id="15" creationId="{BD4B6706-FB02-C2A4-281F-5701D4866AB3}"/>
           </ac:picMkLst>
         </pc:picChg>
-        <pc:picChg chg="add mod">
-          <ac:chgData name="Jinlu Liu" userId="78a8ae01-c209-4833-a803-14efb296c1fa" providerId="ADAL" clId="{605EAD0C-2C14-49C9-9B36-055E4CDC6D39}" dt="2024-04-19T08:59:24.885" v="539" actId="14100"/>
+        <pc:picChg chg="add del mod">
+          <ac:chgData name="Jinlu Liu" userId="78a8ae01-c209-4833-a803-14efb296c1fa" providerId="ADAL" clId="{605EAD0C-2C14-49C9-9B36-055E4CDC6D39}" dt="2024-04-26T08:59:09.391" v="616" actId="478"/>
           <ac:picMkLst>
             <pc:docMk/>
             <pc:sldMk cId="1301081757" sldId="282"/>
@@ -1616,6 +1789,14 @@
             <ac:picMk id="17" creationId="{81428D5F-DD3A-4E10-B790-FECFF6F376BA}"/>
           </ac:picMkLst>
         </pc:picChg>
+        <pc:picChg chg="add mod">
+          <ac:chgData name="Jinlu Liu" userId="78a8ae01-c209-4833-a803-14efb296c1fa" providerId="ADAL" clId="{605EAD0C-2C14-49C9-9B36-055E4CDC6D39}" dt="2024-04-26T09:00:39.191" v="653" actId="14100"/>
+          <ac:picMkLst>
+            <pc:docMk/>
+            <pc:sldMk cId="1301081757" sldId="282"/>
+            <ac:picMk id="18" creationId="{EB5FDEF9-F4F6-4801-888C-547DAC5AAFD5}"/>
+          </ac:picMkLst>
+        </pc:picChg>
         <pc:picChg chg="add del mod">
           <ac:chgData name="Jinlu Liu" userId="78a8ae01-c209-4833-a803-14efb296c1fa" providerId="ADAL" clId="{605EAD0C-2C14-49C9-9B36-055E4CDC6D39}" dt="2024-04-19T08:58:14.282" v="516" actId="478"/>
           <ac:picMkLst>
@@ -1624,8 +1805,8 @@
             <ac:picMk id="19" creationId="{652C2DAA-3BEA-4891-8FA5-D4E42AF89C8B}"/>
           </ac:picMkLst>
         </pc:picChg>
-        <pc:picChg chg="add mod">
-          <ac:chgData name="Jinlu Liu" userId="78a8ae01-c209-4833-a803-14efb296c1fa" providerId="ADAL" clId="{605EAD0C-2C14-49C9-9B36-055E4CDC6D39}" dt="2024-04-19T08:59:36.256" v="543" actId="14100"/>
+        <pc:picChg chg="add del mod">
+          <ac:chgData name="Jinlu Liu" userId="78a8ae01-c209-4833-a803-14efb296c1fa" providerId="ADAL" clId="{605EAD0C-2C14-49C9-9B36-055E4CDC6D39}" dt="2024-04-26T08:59:09.391" v="616" actId="478"/>
           <ac:picMkLst>
             <pc:docMk/>
             <pc:sldMk cId="1301081757" sldId="282"/>
@@ -1640,9 +1821,25 @@
             <ac:picMk id="21" creationId="{9F07F99F-93A7-4089-B770-0948F7AD989F}"/>
           </ac:picMkLst>
         </pc:picChg>
+        <pc:picChg chg="add mod">
+          <ac:chgData name="Jinlu Liu" userId="78a8ae01-c209-4833-a803-14efb296c1fa" providerId="ADAL" clId="{605EAD0C-2C14-49C9-9B36-055E4CDC6D39}" dt="2024-04-26T09:00:42.977" v="655" actId="14100"/>
+          <ac:picMkLst>
+            <pc:docMk/>
+            <pc:sldMk cId="1301081757" sldId="282"/>
+            <ac:picMk id="21" creationId="{CD778118-26D9-4B78-8D8C-33892C5C3D76}"/>
+          </ac:picMkLst>
+        </pc:picChg>
+        <pc:picChg chg="add mod">
+          <ac:chgData name="Jinlu Liu" userId="78a8ae01-c209-4833-a803-14efb296c1fa" providerId="ADAL" clId="{605EAD0C-2C14-49C9-9B36-055E4CDC6D39}" dt="2024-04-26T09:01:07.757" v="662" actId="1076"/>
+          <ac:picMkLst>
+            <pc:docMk/>
+            <pc:sldMk cId="1301081757" sldId="282"/>
+            <ac:picMk id="23" creationId="{93AC6C6B-9ED5-48E0-869F-925593EB5CDE}"/>
+          </ac:picMkLst>
+        </pc:picChg>
       </pc:sldChg>
       <pc:sldChg chg="addSp delSp modSp mod">
-        <pc:chgData name="Jinlu Liu" userId="78a8ae01-c209-4833-a803-14efb296c1fa" providerId="ADAL" clId="{605EAD0C-2C14-49C9-9B36-055E4CDC6D39}" dt="2024-04-19T08:58:08.686" v="515" actId="1076"/>
+        <pc:chgData name="Jinlu Liu" userId="78a8ae01-c209-4833-a803-14efb296c1fa" providerId="ADAL" clId="{605EAD0C-2C14-49C9-9B36-055E4CDC6D39}" dt="2024-04-26T08:59:02.575" v="615" actId="1076"/>
         <pc:sldMkLst>
           <pc:docMk/>
           <pc:sldMk cId="211120387" sldId="283"/>
@@ -1656,6 +1853,14 @@
           </ac:spMkLst>
         </pc:spChg>
         <pc:spChg chg="add del mod">
+          <ac:chgData name="Jinlu Liu" userId="78a8ae01-c209-4833-a803-14efb296c1fa" providerId="ADAL" clId="{605EAD0C-2C14-49C9-9B36-055E4CDC6D39}" dt="2024-04-26T08:58:58.915" v="613"/>
+          <ac:spMkLst>
+            <pc:docMk/>
+            <pc:sldMk cId="211120387" sldId="283"/>
+            <ac:spMk id="3" creationId="{B5E8AF40-7BE6-469D-912C-5912B30044EF}"/>
+          </ac:spMkLst>
+        </pc:spChg>
+        <pc:spChg chg="add del mod">
           <ac:chgData name="Jinlu Liu" userId="78a8ae01-c209-4833-a803-14efb296c1fa" providerId="ADAL" clId="{605EAD0C-2C14-49C9-9B36-055E4CDC6D39}" dt="2024-04-12T09:37:15.578" v="401"/>
           <ac:spMkLst>
             <pc:docMk/>
@@ -1663,6 +1868,22 @@
             <ac:spMk id="3" creationId="{EC439B68-6BBE-4F83-A124-5C42BAC83EAD}"/>
           </ac:spMkLst>
         </pc:spChg>
+        <pc:spChg chg="mod">
+          <ac:chgData name="Jinlu Liu" userId="78a8ae01-c209-4833-a803-14efb296c1fa" providerId="ADAL" clId="{605EAD0C-2C14-49C9-9B36-055E4CDC6D39}" dt="2024-04-26T08:59:02.575" v="615" actId="1076"/>
+          <ac:spMkLst>
+            <pc:docMk/>
+            <pc:sldMk cId="211120387" sldId="283"/>
+            <ac:spMk id="6" creationId="{3E47F0E1-FB1F-6B21-DA02-059A1131FF2C}"/>
+          </ac:spMkLst>
+        </pc:spChg>
+        <pc:picChg chg="add mod">
+          <ac:chgData name="Jinlu Liu" userId="78a8ae01-c209-4833-a803-14efb296c1fa" providerId="ADAL" clId="{605EAD0C-2C14-49C9-9B36-055E4CDC6D39}" dt="2024-04-26T08:59:00.219" v="614" actId="1076"/>
+          <ac:picMkLst>
+            <pc:docMk/>
+            <pc:sldMk cId="211120387" sldId="283"/>
+            <ac:picMk id="5" creationId="{565459C8-B0B1-4F9E-BBEE-2903FA2D810E}"/>
+          </ac:picMkLst>
+        </pc:picChg>
         <pc:picChg chg="add del mod">
           <ac:chgData name="Jinlu Liu" userId="78a8ae01-c209-4833-a803-14efb296c1fa" providerId="ADAL" clId="{605EAD0C-2C14-49C9-9B36-055E4CDC6D39}" dt="2024-04-19T08:57:58.783" v="510" actId="478"/>
           <ac:picMkLst>
@@ -1671,8 +1892,8 @@
             <ac:picMk id="5" creationId="{6439DED4-03D9-48B6-9965-177F22110333}"/>
           </ac:picMkLst>
         </pc:picChg>
-        <pc:picChg chg="add mod">
-          <ac:chgData name="Jinlu Liu" userId="78a8ae01-c209-4833-a803-14efb296c1fa" providerId="ADAL" clId="{605EAD0C-2C14-49C9-9B36-055E4CDC6D39}" dt="2024-04-19T08:58:08.686" v="515" actId="1076"/>
+        <pc:picChg chg="add del mod">
+          <ac:chgData name="Jinlu Liu" userId="78a8ae01-c209-4833-a803-14efb296c1fa" providerId="ADAL" clId="{605EAD0C-2C14-49C9-9B36-055E4CDC6D39}" dt="2024-04-26T08:58:51.781" v="612" actId="478"/>
           <ac:picMkLst>
             <pc:docMk/>
             <pc:sldMk cId="211120387" sldId="283"/>
@@ -1724,6 +1945,84 @@
         <pc:sldMkLst>
           <pc:docMk/>
           <pc:sldMk cId="379933699" sldId="285"/>
+        </pc:sldMkLst>
+      </pc:sldChg>
+      <pc:sldChg chg="addSp delSp modSp new mod">
+        <pc:chgData name="Jinlu Liu" userId="78a8ae01-c209-4833-a803-14efb296c1fa" providerId="ADAL" clId="{605EAD0C-2C14-49C9-9B36-055E4CDC6D39}" dt="2024-04-26T09:03:14.356" v="798" actId="20577"/>
+        <pc:sldMkLst>
+          <pc:docMk/>
+          <pc:sldMk cId="3034206667" sldId="285"/>
+        </pc:sldMkLst>
+        <pc:spChg chg="mod">
+          <ac:chgData name="Jinlu Liu" userId="78a8ae01-c209-4833-a803-14efb296c1fa" providerId="ADAL" clId="{605EAD0C-2C14-49C9-9B36-055E4CDC6D39}" dt="2024-04-26T09:03:14.356" v="798" actId="20577"/>
+          <ac:spMkLst>
+            <pc:docMk/>
+            <pc:sldMk cId="3034206667" sldId="285"/>
+            <ac:spMk id="2" creationId="{A161F8B5-3F8D-4DB0-AADD-BA40C349F548}"/>
+          </ac:spMkLst>
+        </pc:spChg>
+        <pc:spChg chg="del">
+          <ac:chgData name="Jinlu Liu" userId="78a8ae01-c209-4833-a803-14efb296c1fa" providerId="ADAL" clId="{605EAD0C-2C14-49C9-9B36-055E4CDC6D39}" dt="2024-04-26T09:01:16.935" v="664"/>
+          <ac:spMkLst>
+            <pc:docMk/>
+            <pc:sldMk cId="3034206667" sldId="285"/>
+            <ac:spMk id="3" creationId="{1CEEBB26-D234-4981-A5B5-37B603A52195}"/>
+          </ac:spMkLst>
+        </pc:spChg>
+        <pc:picChg chg="add mod">
+          <ac:chgData name="Jinlu Liu" userId="78a8ae01-c209-4833-a803-14efb296c1fa" providerId="ADAL" clId="{605EAD0C-2C14-49C9-9B36-055E4CDC6D39}" dt="2024-04-26T09:01:20.778" v="667" actId="1076"/>
+          <ac:picMkLst>
+            <pc:docMk/>
+            <pc:sldMk cId="3034206667" sldId="285"/>
+            <ac:picMk id="5" creationId="{FDE27FA0-352E-410C-AC78-1E9FEB76FE7D}"/>
+          </ac:picMkLst>
+        </pc:picChg>
+        <pc:picChg chg="add mod">
+          <ac:chgData name="Jinlu Liu" userId="78a8ae01-c209-4833-a803-14efb296c1fa" providerId="ADAL" clId="{605EAD0C-2C14-49C9-9B36-055E4CDC6D39}" dt="2024-04-26T09:01:30.753" v="671" actId="14100"/>
+          <ac:picMkLst>
+            <pc:docMk/>
+            <pc:sldMk cId="3034206667" sldId="285"/>
+            <ac:picMk id="7" creationId="{A0013000-A88C-4B69-BEC4-40453D32D7D2}"/>
+          </ac:picMkLst>
+        </pc:picChg>
+        <pc:picChg chg="add mod">
+          <ac:chgData name="Jinlu Liu" userId="78a8ae01-c209-4833-a803-14efb296c1fa" providerId="ADAL" clId="{605EAD0C-2C14-49C9-9B36-055E4CDC6D39}" dt="2024-04-26T09:01:40.437" v="675" actId="14100"/>
+          <ac:picMkLst>
+            <pc:docMk/>
+            <pc:sldMk cId="3034206667" sldId="285"/>
+            <ac:picMk id="9" creationId="{84BE2B8B-9079-4DA9-83BB-BCBEA4563E32}"/>
+          </ac:picMkLst>
+        </pc:picChg>
+        <pc:picChg chg="add mod">
+          <ac:chgData name="Jinlu Liu" userId="78a8ae01-c209-4833-a803-14efb296c1fa" providerId="ADAL" clId="{605EAD0C-2C14-49C9-9B36-055E4CDC6D39}" dt="2024-04-26T09:01:50.381" v="680" actId="1076"/>
+          <ac:picMkLst>
+            <pc:docMk/>
+            <pc:sldMk cId="3034206667" sldId="285"/>
+            <ac:picMk id="11" creationId="{98B960B9-20BD-4B8E-8C5E-8BDDAAFF3AA2}"/>
+          </ac:picMkLst>
+        </pc:picChg>
+        <pc:picChg chg="add mod">
+          <ac:chgData name="Jinlu Liu" userId="78a8ae01-c209-4833-a803-14efb296c1fa" providerId="ADAL" clId="{605EAD0C-2C14-49C9-9B36-055E4CDC6D39}" dt="2024-04-26T09:01:56.906" v="683" actId="1076"/>
+          <ac:picMkLst>
+            <pc:docMk/>
+            <pc:sldMk cId="3034206667" sldId="285"/>
+            <ac:picMk id="13" creationId="{ABB9654C-1D37-4EB4-9E12-56F4637C5711}"/>
+          </ac:picMkLst>
+        </pc:picChg>
+        <pc:picChg chg="add mod">
+          <ac:chgData name="Jinlu Liu" userId="78a8ae01-c209-4833-a803-14efb296c1fa" providerId="ADAL" clId="{605EAD0C-2C14-49C9-9B36-055E4CDC6D39}" dt="2024-04-26T09:02:09.694" v="690" actId="14100"/>
+          <ac:picMkLst>
+            <pc:docMk/>
+            <pc:sldMk cId="3034206667" sldId="285"/>
+            <ac:picMk id="15" creationId="{1F67BAEC-BCB7-4C7E-B63A-5EE0CB9DA93E}"/>
+          </ac:picMkLst>
+        </pc:picChg>
+      </pc:sldChg>
+      <pc:sldChg chg="new">
+        <pc:chgData name="Jinlu Liu" userId="78a8ae01-c209-4833-a803-14efb296c1fa" providerId="ADAL" clId="{605EAD0C-2C14-49C9-9B36-055E4CDC6D39}" dt="2024-04-26T09:02:27" v="693" actId="680"/>
+        <pc:sldMkLst>
+          <pc:docMk/>
+          <pc:sldMk cId="2529851083" sldId="286"/>
         </pc:sldMkLst>
       </pc:sldChg>
     </pc:docChg>
@@ -2015,7 +2314,7 @@
           <a:p>
             <a:fld id="{305B9913-CA8E-4C40-A9DB-FE795F829002}" type="datetimeFigureOut">
               <a:rPr lang="en-GB" smtClean="0"/>
-              <a:t>19/04/2024</a:t>
+              <a:t>26/04/2024</a:t>
             </a:fld>
             <a:endParaRPr lang="en-GB"/>
           </a:p>
@@ -2215,7 +2514,7 @@
           <a:p>
             <a:fld id="{305B9913-CA8E-4C40-A9DB-FE795F829002}" type="datetimeFigureOut">
               <a:rPr lang="en-GB" smtClean="0"/>
-              <a:t>19/04/2024</a:t>
+              <a:t>26/04/2024</a:t>
             </a:fld>
             <a:endParaRPr lang="en-GB"/>
           </a:p>
@@ -2425,7 +2724,7 @@
           <a:p>
             <a:fld id="{305B9913-CA8E-4C40-A9DB-FE795F829002}" type="datetimeFigureOut">
               <a:rPr lang="en-GB" smtClean="0"/>
-              <a:t>19/04/2024</a:t>
+              <a:t>26/04/2024</a:t>
             </a:fld>
             <a:endParaRPr lang="en-GB"/>
           </a:p>
@@ -2625,7 +2924,7 @@
           <a:p>
             <a:fld id="{305B9913-CA8E-4C40-A9DB-FE795F829002}" type="datetimeFigureOut">
               <a:rPr lang="en-GB" smtClean="0"/>
-              <a:t>19/04/2024</a:t>
+              <a:t>26/04/2024</a:t>
             </a:fld>
             <a:endParaRPr lang="en-GB"/>
           </a:p>
@@ -2901,7 +3200,7 @@
           <a:p>
             <a:fld id="{305B9913-CA8E-4C40-A9DB-FE795F829002}" type="datetimeFigureOut">
               <a:rPr lang="en-GB" smtClean="0"/>
-              <a:t>19/04/2024</a:t>
+              <a:t>26/04/2024</a:t>
             </a:fld>
             <a:endParaRPr lang="en-GB"/>
           </a:p>
@@ -3169,7 +3468,7 @@
           <a:p>
             <a:fld id="{305B9913-CA8E-4C40-A9DB-FE795F829002}" type="datetimeFigureOut">
               <a:rPr lang="en-GB" smtClean="0"/>
-              <a:t>19/04/2024</a:t>
+              <a:t>26/04/2024</a:t>
             </a:fld>
             <a:endParaRPr lang="en-GB"/>
           </a:p>
@@ -3584,7 +3883,7 @@
           <a:p>
             <a:fld id="{305B9913-CA8E-4C40-A9DB-FE795F829002}" type="datetimeFigureOut">
               <a:rPr lang="en-GB" smtClean="0"/>
-              <a:t>19/04/2024</a:t>
+              <a:t>26/04/2024</a:t>
             </a:fld>
             <a:endParaRPr lang="en-GB"/>
           </a:p>
@@ -3726,7 +4025,7 @@
           <a:p>
             <a:fld id="{305B9913-CA8E-4C40-A9DB-FE795F829002}" type="datetimeFigureOut">
               <a:rPr lang="en-GB" smtClean="0"/>
-              <a:t>19/04/2024</a:t>
+              <a:t>26/04/2024</a:t>
             </a:fld>
             <a:endParaRPr lang="en-GB"/>
           </a:p>
@@ -3839,7 +4138,7 @@
           <a:p>
             <a:fld id="{305B9913-CA8E-4C40-A9DB-FE795F829002}" type="datetimeFigureOut">
               <a:rPr lang="en-GB" smtClean="0"/>
-              <a:t>19/04/2024</a:t>
+              <a:t>26/04/2024</a:t>
             </a:fld>
             <a:endParaRPr lang="en-GB"/>
           </a:p>
@@ -4152,7 +4451,7 @@
           <a:p>
             <a:fld id="{305B9913-CA8E-4C40-A9DB-FE795F829002}" type="datetimeFigureOut">
               <a:rPr lang="en-GB" smtClean="0"/>
-              <a:t>19/04/2024</a:t>
+              <a:t>26/04/2024</a:t>
             </a:fld>
             <a:endParaRPr lang="en-GB"/>
           </a:p>
@@ -4441,7 +4740,7 @@
           <a:p>
             <a:fld id="{305B9913-CA8E-4C40-A9DB-FE795F829002}" type="datetimeFigureOut">
               <a:rPr lang="en-GB" smtClean="0"/>
-              <a:t>19/04/2024</a:t>
+              <a:t>26/04/2024</a:t>
             </a:fld>
             <a:endParaRPr lang="en-GB"/>
           </a:p>
@@ -4684,7 +4983,7 @@
           <a:p>
             <a:fld id="{305B9913-CA8E-4C40-A9DB-FE795F829002}" type="datetimeFigureOut">
               <a:rPr lang="en-GB" smtClean="0"/>
-              <a:t>19/04/2024</a:t>
+              <a:t>26/04/2024</a:t>
             </a:fld>
             <a:endParaRPr lang="en-GB"/>
           </a:p>
@@ -5482,10 +5781,10 @@
       </p:sp>
       <p:pic>
         <p:nvPicPr>
-          <p:cNvPr id="5" name="Picture 4">
-            <a:extLst>
-              <a:ext uri="{FF2B5EF4-FFF2-40B4-BE49-F238E27FC236}">
-                <a16:creationId xmlns:a16="http://schemas.microsoft.com/office/drawing/2014/main" id="{5E38412D-625B-4510-BA86-747430E7B56C}"/>
+          <p:cNvPr id="3" name="Picture 2">
+            <a:extLst>
+              <a:ext uri="{FF2B5EF4-FFF2-40B4-BE49-F238E27FC236}">
+                <a16:creationId xmlns:a16="http://schemas.microsoft.com/office/drawing/2014/main" id="{F76D141D-ACBD-4C43-8218-E9EC5E105A3F}"/>
               </a:ext>
             </a:extLst>
           </p:cNvPr>
@@ -5583,10 +5882,10 @@
       </p:sp>
       <p:pic>
         <p:nvPicPr>
-          <p:cNvPr id="3" name="Picture 2">
-            <a:extLst>
-              <a:ext uri="{FF2B5EF4-FFF2-40B4-BE49-F238E27FC236}">
-                <a16:creationId xmlns:a16="http://schemas.microsoft.com/office/drawing/2014/main" id="{0CF272DB-9B37-45E0-960D-93A87450872B}"/>
+          <p:cNvPr id="5" name="Picture 4">
+            <a:extLst>
+              <a:ext uri="{FF2B5EF4-FFF2-40B4-BE49-F238E27FC236}">
+                <a16:creationId xmlns:a16="http://schemas.microsoft.com/office/drawing/2014/main" id="{19BD8CD7-E38E-4EAC-97A3-61E6DFE8B774}"/>
               </a:ext>
             </a:extLst>
           </p:cNvPr>
@@ -5684,10 +5983,10 @@
       </p:sp>
       <p:pic>
         <p:nvPicPr>
-          <p:cNvPr id="4" name="Picture 3">
-            <a:extLst>
-              <a:ext uri="{FF2B5EF4-FFF2-40B4-BE49-F238E27FC236}">
-                <a16:creationId xmlns:a16="http://schemas.microsoft.com/office/drawing/2014/main" id="{C3EB412E-59CB-4113-8885-8DAFBA6EFF02}"/>
+          <p:cNvPr id="3" name="Picture 2">
+            <a:extLst>
+              <a:ext uri="{FF2B5EF4-FFF2-40B4-BE49-F238E27FC236}">
+                <a16:creationId xmlns:a16="http://schemas.microsoft.com/office/drawing/2014/main" id="{CFA77E6C-064A-41D0-A494-40CAA6218F6A}"/>
               </a:ext>
             </a:extLst>
           </p:cNvPr>
@@ -5710,8 +6009,8 @@
         </p:blipFill>
         <p:spPr>
           <a:xfrm>
-            <a:off x="838200" y="1331081"/>
-            <a:ext cx="7594600" cy="4430183"/>
+            <a:off x="838200" y="1304471"/>
+            <a:ext cx="7478486" cy="4362450"/>
           </a:xfrm>
           <a:prstGeom prst="rect">
             <a:avLst/>
@@ -5785,10 +6084,10 @@
       </p:sp>
       <p:pic>
         <p:nvPicPr>
-          <p:cNvPr id="5" name="Picture 4">
-            <a:extLst>
-              <a:ext uri="{FF2B5EF4-FFF2-40B4-BE49-F238E27FC236}">
-                <a16:creationId xmlns:a16="http://schemas.microsoft.com/office/drawing/2014/main" id="{99C94245-FCD0-494A-BE59-896DF5271419}"/>
+          <p:cNvPr id="3" name="Picture 2">
+            <a:extLst>
+              <a:ext uri="{FF2B5EF4-FFF2-40B4-BE49-F238E27FC236}">
+                <a16:creationId xmlns:a16="http://schemas.microsoft.com/office/drawing/2014/main" id="{E20FD429-8ACE-414E-9A0C-D1C3A54768C6}"/>
               </a:ext>
             </a:extLst>
           </p:cNvPr>
@@ -5811,8 +6110,8 @@
         </p:blipFill>
         <p:spPr>
           <a:xfrm>
-            <a:off x="838200" y="1240971"/>
-            <a:ext cx="7823603" cy="4563769"/>
+            <a:off x="1055914" y="1371600"/>
+            <a:ext cx="7898361" cy="4607378"/>
           </a:xfrm>
           <a:prstGeom prst="rect">
             <a:avLst/>
@@ -5886,10 +6185,10 @@
       </p:sp>
       <p:pic>
         <p:nvPicPr>
-          <p:cNvPr id="5" name="Picture 4">
-            <a:extLst>
-              <a:ext uri="{FF2B5EF4-FFF2-40B4-BE49-F238E27FC236}">
-                <a16:creationId xmlns:a16="http://schemas.microsoft.com/office/drawing/2014/main" id="{3AEC3925-D7AC-4968-816D-72249DAF23D4}"/>
+          <p:cNvPr id="3" name="Picture 2">
+            <a:extLst>
+              <a:ext uri="{FF2B5EF4-FFF2-40B4-BE49-F238E27FC236}">
+                <a16:creationId xmlns:a16="http://schemas.microsoft.com/office/drawing/2014/main" id="{91178D05-286E-409F-BAA3-A1D276612CF9}"/>
               </a:ext>
             </a:extLst>
           </p:cNvPr>
@@ -5912,8 +6211,8 @@
         </p:blipFill>
         <p:spPr>
           <a:xfrm>
-            <a:off x="838200" y="1308684"/>
-            <a:ext cx="7928429" cy="4624917"/>
+            <a:off x="896259" y="1466395"/>
+            <a:ext cx="8305800" cy="4845050"/>
           </a:xfrm>
           <a:prstGeom prst="rect">
             <a:avLst/>
@@ -5987,10 +6286,10 @@
       </p:sp>
       <p:pic>
         <p:nvPicPr>
-          <p:cNvPr id="3" name="Picture 2">
-            <a:extLst>
-              <a:ext uri="{FF2B5EF4-FFF2-40B4-BE49-F238E27FC236}">
-                <a16:creationId xmlns:a16="http://schemas.microsoft.com/office/drawing/2014/main" id="{7AF5F290-D4D9-4D5F-8258-0D017359087B}"/>
+          <p:cNvPr id="5" name="Picture 4">
+            <a:extLst>
+              <a:ext uri="{FF2B5EF4-FFF2-40B4-BE49-F238E27FC236}">
+                <a16:creationId xmlns:a16="http://schemas.microsoft.com/office/drawing/2014/main" id="{7AC6DB89-E91D-4614-93B7-64A3CFF15EE7}"/>
               </a:ext>
             </a:extLst>
           </p:cNvPr>
@@ -6013,8 +6312,8 @@
         </p:blipFill>
         <p:spPr>
           <a:xfrm>
-            <a:off x="1392573" y="1146628"/>
-            <a:ext cx="4956629" cy="4956629"/>
+            <a:off x="1392573" y="1132896"/>
+            <a:ext cx="5355771" cy="5355771"/>
           </a:xfrm>
           <a:prstGeom prst="rect">
             <a:avLst/>
@@ -6088,10 +6387,10 @@
       </p:sp>
       <p:pic>
         <p:nvPicPr>
-          <p:cNvPr id="3" name="Picture 2">
-            <a:extLst>
-              <a:ext uri="{FF2B5EF4-FFF2-40B4-BE49-F238E27FC236}">
-                <a16:creationId xmlns:a16="http://schemas.microsoft.com/office/drawing/2014/main" id="{A3E8E98A-FB51-4AA1-AEC3-988D7ED79DA4}"/>
+          <p:cNvPr id="5" name="Picture 4">
+            <a:extLst>
+              <a:ext uri="{FF2B5EF4-FFF2-40B4-BE49-F238E27FC236}">
+                <a16:creationId xmlns:a16="http://schemas.microsoft.com/office/drawing/2014/main" id="{C6D65699-CCD7-4B43-A933-A5A8F4333FF0}"/>
               </a:ext>
             </a:extLst>
           </p:cNvPr>
@@ -6114,8 +6413,8 @@
         </p:blipFill>
         <p:spPr>
           <a:xfrm>
-            <a:off x="1392573" y="1182914"/>
-            <a:ext cx="5124324" cy="5124324"/>
+            <a:off x="1392573" y="1002268"/>
+            <a:ext cx="5486400" cy="5486400"/>
           </a:xfrm>
           <a:prstGeom prst="rect">
             <a:avLst/>
@@ -6189,10 +6488,10 @@
       </p:sp>
       <p:pic>
         <p:nvPicPr>
-          <p:cNvPr id="3" name="Picture 2">
-            <a:extLst>
-              <a:ext uri="{FF2B5EF4-FFF2-40B4-BE49-F238E27FC236}">
-                <a16:creationId xmlns:a16="http://schemas.microsoft.com/office/drawing/2014/main" id="{F6DCC225-E627-4A3F-B506-ADB0159B220E}"/>
+          <p:cNvPr id="5" name="Picture 4">
+            <a:extLst>
+              <a:ext uri="{FF2B5EF4-FFF2-40B4-BE49-F238E27FC236}">
+                <a16:creationId xmlns:a16="http://schemas.microsoft.com/office/drawing/2014/main" id="{45A15CF9-6C92-4D81-8CEF-17C190650181}"/>
               </a:ext>
             </a:extLst>
           </p:cNvPr>
@@ -6215,8 +6514,8 @@
         </p:blipFill>
         <p:spPr>
           <a:xfrm>
-            <a:off x="1392572" y="1117599"/>
-            <a:ext cx="5095313" cy="5095313"/>
+            <a:off x="1295400" y="1110343"/>
+            <a:ext cx="5522686" cy="5522686"/>
           </a:xfrm>
           <a:prstGeom prst="rect">
             <a:avLst/>
@@ -6253,48 +6552,12 @@
           <a:chExt cx="0" cy="0"/>
         </a:xfrm>
       </p:grpSpPr>
-      <p:pic>
-        <p:nvPicPr>
-          <p:cNvPr id="5" name="Picture 4">
-            <a:extLst>
-              <a:ext uri="{FF2B5EF4-FFF2-40B4-BE49-F238E27FC236}">
-                <a16:creationId xmlns:a16="http://schemas.microsoft.com/office/drawing/2014/main" id="{4E336E4B-D93B-47C2-AB8A-DF274EEF7F87}"/>
-              </a:ext>
-            </a:extLst>
-          </p:cNvPr>
-          <p:cNvPicPr>
-            <a:picLocks noChangeAspect="1"/>
-          </p:cNvPicPr>
-          <p:nvPr/>
-        </p:nvPicPr>
-        <p:blipFill>
-          <a:blip r:embed="rId2">
-            <a:extLst>
-              <a:ext uri="{28A0092B-C50C-407E-A947-70E740481C1C}">
-                <a14:useLocalDpi xmlns:a14="http://schemas.microsoft.com/office/drawing/2010/main" val="0"/>
-              </a:ext>
-            </a:extLst>
-          </a:blip>
-          <a:stretch>
-            <a:fillRect/>
-          </a:stretch>
-        </p:blipFill>
-        <p:spPr>
-          <a:xfrm>
-            <a:off x="1215704" y="855893"/>
-            <a:ext cx="5545821" cy="5545821"/>
-          </a:xfrm>
-          <a:prstGeom prst="rect">
-            <a:avLst/>
-          </a:prstGeom>
-        </p:spPr>
-      </p:pic>
       <p:sp>
         <p:nvSpPr>
           <p:cNvPr id="6" name="TextBox 5">
             <a:extLst>
               <a:ext uri="{FF2B5EF4-FFF2-40B4-BE49-F238E27FC236}">
-                <a16:creationId xmlns:a16="http://schemas.microsoft.com/office/drawing/2014/main" id="{AF234559-99C1-4DBA-9AA9-B55DB21FFFF1}"/>
+                <a16:creationId xmlns:a16="http://schemas.microsoft.com/office/drawing/2014/main" id="{3E47F0E1-FB1F-6B21-DA02-059A1131FF2C}"/>
               </a:ext>
             </a:extLst>
           </p:cNvPr>
@@ -6303,8 +6566,8 @@
         </p:nvSpPr>
         <p:spPr>
           <a:xfrm>
-            <a:off x="1392573" y="486561"/>
-            <a:ext cx="9068499" cy="369332"/>
+            <a:off x="1746481" y="5289984"/>
+            <a:ext cx="9031323" cy="923330"/>
           </a:xfrm>
           <a:prstGeom prst="rect">
             <a:avLst/>
@@ -6318,16 +6581,61 @@
           <a:lstStyle/>
           <a:p>
             <a:r>
-              <a:rPr lang="en-GB" dirty="0"/>
-              <a:t>Heatmap of the Binomial model which detects 208 motifs: </a:t>
+              <a:rPr lang="en-US" dirty="0"/>
+              <a:t>Posterior expected total variation distance between the mixing measures for all mouse pairs:</a:t>
+            </a:r>
+          </a:p>
+          <a:p>
+            <a:pPr marL="285750" indent="-285750">
+              <a:buFont typeface="Arial" panose="020B0604020202020204" pitchFamily="34" charset="0"/>
+              <a:buChar char="•"/>
+            </a:pPr>
+            <a:r>
+              <a:rPr lang="en-US" dirty="0"/>
+              <a:t>Ranges from 0 and 1, with 0 for equivalence and 1 if there is no overlap in the support (i.e. no overlap in the projection motifs)</a:t>
             </a:r>
           </a:p>
         </p:txBody>
       </p:sp>
+      <p:pic>
+        <p:nvPicPr>
+          <p:cNvPr id="5" name="Content Placeholder 4">
+            <a:extLst>
+              <a:ext uri="{FF2B5EF4-FFF2-40B4-BE49-F238E27FC236}">
+                <a16:creationId xmlns:a16="http://schemas.microsoft.com/office/drawing/2014/main" id="{565459C8-B0B1-4F9E-BBEE-2903FA2D810E}"/>
+              </a:ext>
+            </a:extLst>
+          </p:cNvPr>
+          <p:cNvPicPr>
+            <a:picLocks noGrp="1" noChangeAspect="1"/>
+          </p:cNvPicPr>
+          <p:nvPr>
+            <p:ph idx="1"/>
+          </p:nvPr>
+        </p:nvPicPr>
+        <p:blipFill>
+          <a:blip r:embed="rId2">
+            <a:extLst>
+              <a:ext uri="{28A0092B-C50C-407E-A947-70E740481C1C}">
+                <a14:useLocalDpi xmlns:a14="http://schemas.microsoft.com/office/drawing/2010/main" val="0"/>
+              </a:ext>
+            </a:extLst>
+          </a:blip>
+          <a:stretch>
+            <a:fillRect/>
+          </a:stretch>
+        </p:blipFill>
+        <p:spPr>
+          <a:xfrm>
+            <a:off x="3645530" y="519340"/>
+            <a:ext cx="4799339" cy="4351338"/>
+          </a:xfrm>
+        </p:spPr>
+      </p:pic>
     </p:spTree>
     <p:extLst>
       <p:ext uri="{BB962C8B-B14F-4D97-AF65-F5344CB8AC3E}">
-        <p14:creationId xmlns:p14="http://schemas.microsoft.com/office/powerpoint/2010/main" val="1479363705"/>
+        <p14:creationId xmlns:p14="http://schemas.microsoft.com/office/powerpoint/2010/main" val="211120387"/>
       </p:ext>
     </p:extLst>
   </p:cSld>
@@ -6354,57 +6662,12 @@
           <a:chExt cx="0" cy="0"/>
         </a:xfrm>
       </p:grpSpPr>
-      <p:sp>
-        <p:nvSpPr>
-          <p:cNvPr id="6" name="TextBox 5">
-            <a:extLst>
-              <a:ext uri="{FF2B5EF4-FFF2-40B4-BE49-F238E27FC236}">
-                <a16:creationId xmlns:a16="http://schemas.microsoft.com/office/drawing/2014/main" id="{3E47F0E1-FB1F-6B21-DA02-059A1131FF2C}"/>
-              </a:ext>
-            </a:extLst>
-          </p:cNvPr>
-          <p:cNvSpPr txBox="1"/>
-          <p:nvPr/>
-        </p:nvSpPr>
-        <p:spPr>
-          <a:xfrm>
-            <a:off x="1702938" y="4462670"/>
-            <a:ext cx="9031323" cy="923330"/>
-          </a:xfrm>
-          <a:prstGeom prst="rect">
-            <a:avLst/>
-          </a:prstGeom>
-          <a:noFill/>
-        </p:spPr>
-        <p:txBody>
-          <a:bodyPr wrap="square" rtlCol="0">
-            <a:spAutoFit/>
-          </a:bodyPr>
-          <a:lstStyle/>
-          <a:p>
-            <a:r>
-              <a:rPr lang="en-US" dirty="0"/>
-              <a:t>Posterior expected total variation distance between the mixing measures for all mouse pairs:</a:t>
-            </a:r>
-          </a:p>
-          <a:p>
-            <a:pPr marL="285750" indent="-285750">
-              <a:buFont typeface="Arial" panose="020B0604020202020204" pitchFamily="34" charset="0"/>
-              <a:buChar char="•"/>
-            </a:pPr>
-            <a:r>
-              <a:rPr lang="en-US" dirty="0"/>
-              <a:t>Ranges from 0 and 1, with 0 for equivalence and 1 if there is no overlap in the support (i.e. no overlap in the projection motifs)</a:t>
-            </a:r>
-          </a:p>
-        </p:txBody>
-      </p:sp>
       <p:pic>
         <p:nvPicPr>
-          <p:cNvPr id="7" name="Content Placeholder 6">
-            <a:extLst>
-              <a:ext uri="{FF2B5EF4-FFF2-40B4-BE49-F238E27FC236}">
-                <a16:creationId xmlns:a16="http://schemas.microsoft.com/office/drawing/2014/main" id="{4292E51D-21B6-4DE1-BACF-BA637E122923}"/>
+          <p:cNvPr id="6" name="Content Placeholder 5">
+            <a:extLst>
+              <a:ext uri="{FF2B5EF4-FFF2-40B4-BE49-F238E27FC236}">
+                <a16:creationId xmlns:a16="http://schemas.microsoft.com/office/drawing/2014/main" id="{B77F4460-6FA4-4359-B00B-BAACBA92670A}"/>
               </a:ext>
             </a:extLst>
           </p:cNvPr>
@@ -6429,15 +6692,195 @@
         </p:blipFill>
         <p:spPr>
           <a:xfrm>
-            <a:off x="3767931" y="342295"/>
-            <a:ext cx="4106069" cy="4106069"/>
+            <a:off x="7227431" y="3316968"/>
+            <a:ext cx="3012395" cy="3012395"/>
           </a:xfrm>
+        </p:spPr>
+      </p:pic>
+      <p:pic>
+        <p:nvPicPr>
+          <p:cNvPr id="9" name="Picture 8">
+            <a:extLst>
+              <a:ext uri="{FF2B5EF4-FFF2-40B4-BE49-F238E27FC236}">
+                <a16:creationId xmlns:a16="http://schemas.microsoft.com/office/drawing/2014/main" id="{6BDB248C-2454-448D-8223-F6BAA466B9FF}"/>
+              </a:ext>
+            </a:extLst>
+          </p:cNvPr>
+          <p:cNvPicPr>
+            <a:picLocks noChangeAspect="1"/>
+          </p:cNvPicPr>
+          <p:nvPr/>
+        </p:nvPicPr>
+        <p:blipFill>
+          <a:blip r:embed="rId3">
+            <a:extLst>
+              <a:ext uri="{28A0092B-C50C-407E-A947-70E740481C1C}">
+                <a14:useLocalDpi xmlns:a14="http://schemas.microsoft.com/office/drawing/2010/main" val="0"/>
+              </a:ext>
+            </a:extLst>
+          </a:blip>
+          <a:stretch>
+            <a:fillRect/>
+          </a:stretch>
+        </p:blipFill>
+        <p:spPr>
+          <a:xfrm>
+            <a:off x="769343" y="310243"/>
+            <a:ext cx="2902771" cy="2902771"/>
+          </a:xfrm>
+          <a:prstGeom prst="rect">
+            <a:avLst/>
+          </a:prstGeom>
+        </p:spPr>
+      </p:pic>
+      <p:pic>
+        <p:nvPicPr>
+          <p:cNvPr id="12" name="Picture 11">
+            <a:extLst>
+              <a:ext uri="{FF2B5EF4-FFF2-40B4-BE49-F238E27FC236}">
+                <a16:creationId xmlns:a16="http://schemas.microsoft.com/office/drawing/2014/main" id="{DA45C007-EBF0-4EE6-83D2-D2301B286077}"/>
+              </a:ext>
+            </a:extLst>
+          </p:cNvPr>
+          <p:cNvPicPr>
+            <a:picLocks noChangeAspect="1"/>
+          </p:cNvPicPr>
+          <p:nvPr/>
+        </p:nvPicPr>
+        <p:blipFill>
+          <a:blip r:embed="rId4">
+            <a:extLst>
+              <a:ext uri="{28A0092B-C50C-407E-A947-70E740481C1C}">
+                <a14:useLocalDpi xmlns:a14="http://schemas.microsoft.com/office/drawing/2010/main" val="0"/>
+              </a:ext>
+            </a:extLst>
+          </a:blip>
+          <a:stretch>
+            <a:fillRect/>
+          </a:stretch>
+        </p:blipFill>
+        <p:spPr>
+          <a:xfrm>
+            <a:off x="3969883" y="310243"/>
+            <a:ext cx="2902771" cy="2902771"/>
+          </a:xfrm>
+          <a:prstGeom prst="rect">
+            <a:avLst/>
+          </a:prstGeom>
+        </p:spPr>
+      </p:pic>
+      <p:pic>
+        <p:nvPicPr>
+          <p:cNvPr id="18" name="Picture 17">
+            <a:extLst>
+              <a:ext uri="{FF2B5EF4-FFF2-40B4-BE49-F238E27FC236}">
+                <a16:creationId xmlns:a16="http://schemas.microsoft.com/office/drawing/2014/main" id="{EB5FDEF9-F4F6-4801-888C-547DAC5AAFD5}"/>
+              </a:ext>
+            </a:extLst>
+          </p:cNvPr>
+          <p:cNvPicPr>
+            <a:picLocks noChangeAspect="1"/>
+          </p:cNvPicPr>
+          <p:nvPr/>
+        </p:nvPicPr>
+        <p:blipFill>
+          <a:blip r:embed="rId5">
+            <a:extLst>
+              <a:ext uri="{28A0092B-C50C-407E-A947-70E740481C1C}">
+                <a14:useLocalDpi xmlns:a14="http://schemas.microsoft.com/office/drawing/2010/main" val="0"/>
+              </a:ext>
+            </a:extLst>
+          </a:blip>
+          <a:stretch>
+            <a:fillRect/>
+          </a:stretch>
+        </p:blipFill>
+        <p:spPr>
+          <a:xfrm>
+            <a:off x="769343" y="3372233"/>
+            <a:ext cx="2902771" cy="2902771"/>
+          </a:xfrm>
+          <a:prstGeom prst="rect">
+            <a:avLst/>
+          </a:prstGeom>
+        </p:spPr>
+      </p:pic>
+      <p:pic>
+        <p:nvPicPr>
+          <p:cNvPr id="21" name="Picture 20">
+            <a:extLst>
+              <a:ext uri="{FF2B5EF4-FFF2-40B4-BE49-F238E27FC236}">
+                <a16:creationId xmlns:a16="http://schemas.microsoft.com/office/drawing/2014/main" id="{CD778118-26D9-4B78-8D8C-33892C5C3D76}"/>
+              </a:ext>
+            </a:extLst>
+          </p:cNvPr>
+          <p:cNvPicPr>
+            <a:picLocks noChangeAspect="1"/>
+          </p:cNvPicPr>
+          <p:nvPr/>
+        </p:nvPicPr>
+        <p:blipFill>
+          <a:blip r:embed="rId6">
+            <a:extLst>
+              <a:ext uri="{28A0092B-C50C-407E-A947-70E740481C1C}">
+                <a14:useLocalDpi xmlns:a14="http://schemas.microsoft.com/office/drawing/2010/main" val="0"/>
+              </a:ext>
+            </a:extLst>
+          </a:blip>
+          <a:stretch>
+            <a:fillRect/>
+          </a:stretch>
+        </p:blipFill>
+        <p:spPr>
+          <a:xfrm>
+            <a:off x="3969883" y="3316968"/>
+            <a:ext cx="2902770" cy="2902770"/>
+          </a:xfrm>
+          <a:prstGeom prst="rect">
+            <a:avLst/>
+          </a:prstGeom>
+        </p:spPr>
+      </p:pic>
+      <p:pic>
+        <p:nvPicPr>
+          <p:cNvPr id="23" name="Picture 22">
+            <a:extLst>
+              <a:ext uri="{FF2B5EF4-FFF2-40B4-BE49-F238E27FC236}">
+                <a16:creationId xmlns:a16="http://schemas.microsoft.com/office/drawing/2014/main" id="{93AC6C6B-9ED5-48E0-869F-925593EB5CDE}"/>
+              </a:ext>
+            </a:extLst>
+          </p:cNvPr>
+          <p:cNvPicPr>
+            <a:picLocks noChangeAspect="1"/>
+          </p:cNvPicPr>
+          <p:nvPr/>
+        </p:nvPicPr>
+        <p:blipFill>
+          <a:blip r:embed="rId7">
+            <a:extLst>
+              <a:ext uri="{28A0092B-C50C-407E-A947-70E740481C1C}">
+                <a14:useLocalDpi xmlns:a14="http://schemas.microsoft.com/office/drawing/2010/main" val="0"/>
+              </a:ext>
+            </a:extLst>
+          </a:blip>
+          <a:stretch>
+            <a:fillRect/>
+          </a:stretch>
+        </p:blipFill>
+        <p:spPr>
+          <a:xfrm>
+            <a:off x="7260473" y="310243"/>
+            <a:ext cx="2946313" cy="2946313"/>
+          </a:xfrm>
+          <a:prstGeom prst="rect">
+            <a:avLst/>
+          </a:prstGeom>
         </p:spPr>
       </p:pic>
     </p:spTree>
     <p:extLst>
       <p:ext uri="{BB962C8B-B14F-4D97-AF65-F5344CB8AC3E}">
-        <p14:creationId xmlns:p14="http://schemas.microsoft.com/office/powerpoint/2010/main" val="211120387"/>
+        <p14:creationId xmlns:p14="http://schemas.microsoft.com/office/powerpoint/2010/main" val="1301081757"/>
       </p:ext>
     </p:extLst>
   </p:cSld>
@@ -6590,12 +7033,52 @@
           <a:chExt cx="0" cy="0"/>
         </a:xfrm>
       </p:grpSpPr>
+      <p:sp>
+        <p:nvSpPr>
+          <p:cNvPr id="2" name="Title 1">
+            <a:extLst>
+              <a:ext uri="{FF2B5EF4-FFF2-40B4-BE49-F238E27FC236}">
+                <a16:creationId xmlns:a16="http://schemas.microsoft.com/office/drawing/2014/main" id="{A161F8B5-3F8D-4DB0-AADD-BA40C349F548}"/>
+              </a:ext>
+            </a:extLst>
+          </p:cNvPr>
+          <p:cNvSpPr>
+            <a:spLocks noGrp="1"/>
+          </p:cNvSpPr>
+          <p:nvPr>
+            <p:ph type="title"/>
+          </p:nvPr>
+        </p:nvSpPr>
+        <p:spPr>
+          <a:xfrm>
+            <a:off x="838200" y="365125"/>
+            <a:ext cx="10515600" cy="614589"/>
+          </a:xfrm>
+        </p:spPr>
+        <p:txBody>
+          <a:bodyPr>
+            <a:normAutofit/>
+          </a:bodyPr>
+          <a:lstStyle/>
+          <a:p>
+            <a:r>
+              <a:rPr lang="en-GB" sz="2000" dirty="0"/>
+              <a:t>Posterior probability of projecting to region B given it projects </a:t>
+            </a:r>
+            <a:r>
+              <a:rPr lang="en-GB" sz="2000"/>
+              <a:t>to region A</a:t>
+            </a:r>
+            <a:endParaRPr lang="en-GB" sz="2000" dirty="0"/>
+          </a:p>
+        </p:txBody>
+      </p:sp>
       <p:pic>
         <p:nvPicPr>
           <p:cNvPr id="5" name="Content Placeholder 4">
             <a:extLst>
               <a:ext uri="{FF2B5EF4-FFF2-40B4-BE49-F238E27FC236}">
-                <a16:creationId xmlns:a16="http://schemas.microsoft.com/office/drawing/2014/main" id="{64DFC7DE-F503-4943-AF39-ED6B0C7B6849}"/>
+                <a16:creationId xmlns:a16="http://schemas.microsoft.com/office/drawing/2014/main" id="{FDE27FA0-352E-410C-AC78-1E9FEB76FE7D}"/>
               </a:ext>
             </a:extLst>
           </p:cNvPr>
@@ -6620,17 +7103,17 @@
         </p:blipFill>
         <p:spPr>
           <a:xfrm>
-            <a:off x="538502" y="308428"/>
-            <a:ext cx="3066143" cy="3066143"/>
+            <a:off x="838200" y="787854"/>
+            <a:ext cx="2971346" cy="2971346"/>
           </a:xfrm>
         </p:spPr>
       </p:pic>
       <p:pic>
         <p:nvPicPr>
-          <p:cNvPr id="8" name="Picture 7">
-            <a:extLst>
-              <a:ext uri="{FF2B5EF4-FFF2-40B4-BE49-F238E27FC236}">
-                <a16:creationId xmlns:a16="http://schemas.microsoft.com/office/drawing/2014/main" id="{6C03D06F-BF93-418F-9CC4-025E84DA82AC}"/>
+          <p:cNvPr id="7" name="Picture 6">
+            <a:extLst>
+              <a:ext uri="{FF2B5EF4-FFF2-40B4-BE49-F238E27FC236}">
+                <a16:creationId xmlns:a16="http://schemas.microsoft.com/office/drawing/2014/main" id="{A0013000-A88C-4B69-BEC4-40453D32D7D2}"/>
               </a:ext>
             </a:extLst>
           </p:cNvPr>
@@ -6653,8 +7136,44 @@
         </p:blipFill>
         <p:spPr>
           <a:xfrm>
-            <a:off x="4105729" y="308427"/>
-            <a:ext cx="3066143" cy="3066143"/>
+            <a:off x="4457701" y="787855"/>
+            <a:ext cx="2971346" cy="2971346"/>
+          </a:xfrm>
+          <a:prstGeom prst="rect">
+            <a:avLst/>
+          </a:prstGeom>
+        </p:spPr>
+      </p:pic>
+      <p:pic>
+        <p:nvPicPr>
+          <p:cNvPr id="9" name="Picture 8">
+            <a:extLst>
+              <a:ext uri="{FF2B5EF4-FFF2-40B4-BE49-F238E27FC236}">
+                <a16:creationId xmlns:a16="http://schemas.microsoft.com/office/drawing/2014/main" id="{84BE2B8B-9079-4DA9-83BB-BCBEA4563E32}"/>
+              </a:ext>
+            </a:extLst>
+          </p:cNvPr>
+          <p:cNvPicPr>
+            <a:picLocks noChangeAspect="1"/>
+          </p:cNvPicPr>
+          <p:nvPr/>
+        </p:nvPicPr>
+        <p:blipFill>
+          <a:blip r:embed="rId4">
+            <a:extLst>
+              <a:ext uri="{28A0092B-C50C-407E-A947-70E740481C1C}">
+                <a14:useLocalDpi xmlns:a14="http://schemas.microsoft.com/office/drawing/2010/main" val="0"/>
+              </a:ext>
+            </a:extLst>
+          </a:blip>
+          <a:stretch>
+            <a:fillRect/>
+          </a:stretch>
+        </p:blipFill>
+        <p:spPr>
+          <a:xfrm>
+            <a:off x="7861301" y="746467"/>
+            <a:ext cx="2971346" cy="2971346"/>
           </a:xfrm>
           <a:prstGeom prst="rect">
             <a:avLst/>
@@ -6666,7 +7185,7 @@
           <p:cNvPr id="11" name="Picture 10">
             <a:extLst>
               <a:ext uri="{FF2B5EF4-FFF2-40B4-BE49-F238E27FC236}">
-                <a16:creationId xmlns:a16="http://schemas.microsoft.com/office/drawing/2014/main" id="{EF317AAD-2A12-4F48-92FB-8D0B46D64547}"/>
+                <a16:creationId xmlns:a16="http://schemas.microsoft.com/office/drawing/2014/main" id="{98B960B9-20BD-4B8E-8C5E-8BDDAAFF3AA2}"/>
               </a:ext>
             </a:extLst>
           </p:cNvPr>
@@ -6676,7 +7195,7 @@
           <p:nvPr/>
         </p:nvPicPr>
         <p:blipFill>
-          <a:blip r:embed="rId4">
+          <a:blip r:embed="rId5">
             <a:extLst>
               <a:ext uri="{28A0092B-C50C-407E-A947-70E740481C1C}">
                 <a14:useLocalDpi xmlns:a14="http://schemas.microsoft.com/office/drawing/2010/main" val="0"/>
@@ -6689,8 +7208,8 @@
         </p:blipFill>
         <p:spPr>
           <a:xfrm>
-            <a:off x="7621815" y="308427"/>
-            <a:ext cx="3066143" cy="3066143"/>
+            <a:off x="720045" y="3685946"/>
+            <a:ext cx="3216503" cy="3216503"/>
           </a:xfrm>
           <a:prstGeom prst="rect">
             <a:avLst/>
@@ -6702,7 +7221,7 @@
           <p:cNvPr id="13" name="Picture 12">
             <a:extLst>
               <a:ext uri="{FF2B5EF4-FFF2-40B4-BE49-F238E27FC236}">
-                <a16:creationId xmlns:a16="http://schemas.microsoft.com/office/drawing/2014/main" id="{B5B2F94A-E799-4D91-9FB3-5D9E7DF93937}"/>
+                <a16:creationId xmlns:a16="http://schemas.microsoft.com/office/drawing/2014/main" id="{ABB9654C-1D37-4EB4-9E12-56F4637C5711}"/>
               </a:ext>
             </a:extLst>
           </p:cNvPr>
@@ -6712,7 +7231,7 @@
           <p:nvPr/>
         </p:nvPicPr>
         <p:blipFill>
-          <a:blip r:embed="rId5">
+          <a:blip r:embed="rId6">
             <a:extLst>
               <a:ext uri="{28A0092B-C50C-407E-A947-70E740481C1C}">
                 <a14:useLocalDpi xmlns:a14="http://schemas.microsoft.com/office/drawing/2010/main" val="0"/>
@@ -6725,8 +7244,8 @@
         </p:blipFill>
         <p:spPr>
           <a:xfrm>
-            <a:off x="538501" y="3575956"/>
-            <a:ext cx="3066143" cy="3066143"/>
+            <a:off x="4410304" y="3685946"/>
+            <a:ext cx="3104243" cy="3104243"/>
           </a:xfrm>
           <a:prstGeom prst="rect">
             <a:avLst/>
@@ -6735,10 +7254,10 @@
       </p:pic>
       <p:pic>
         <p:nvPicPr>
-          <p:cNvPr id="16" name="Picture 15">
-            <a:extLst>
-              <a:ext uri="{FF2B5EF4-FFF2-40B4-BE49-F238E27FC236}">
-                <a16:creationId xmlns:a16="http://schemas.microsoft.com/office/drawing/2014/main" id="{F004501E-286B-4398-8AA3-96DD733CF661}"/>
+          <p:cNvPr id="15" name="Picture 14">
+            <a:extLst>
+              <a:ext uri="{FF2B5EF4-FFF2-40B4-BE49-F238E27FC236}">
+                <a16:creationId xmlns:a16="http://schemas.microsoft.com/office/drawing/2014/main" id="{1F67BAEC-BCB7-4C7E-B63A-5EE0CB9DA93E}"/>
               </a:ext>
             </a:extLst>
           </p:cNvPr>
@@ -6748,7 +7267,7 @@
           <p:nvPr/>
         </p:nvPicPr>
         <p:blipFill>
-          <a:blip r:embed="rId6">
+          <a:blip r:embed="rId7">
             <a:extLst>
               <a:ext uri="{28A0092B-C50C-407E-A947-70E740481C1C}">
                 <a14:useLocalDpi xmlns:a14="http://schemas.microsoft.com/office/drawing/2010/main" val="0"/>
@@ -6761,44 +7280,8 @@
         </p:blipFill>
         <p:spPr>
           <a:xfrm>
-            <a:off x="4105729" y="3483431"/>
-            <a:ext cx="3066143" cy="3066143"/>
-          </a:xfrm>
-          <a:prstGeom prst="rect">
-            <a:avLst/>
-          </a:prstGeom>
-        </p:spPr>
-      </p:pic>
-      <p:pic>
-        <p:nvPicPr>
-          <p:cNvPr id="20" name="Picture 19">
-            <a:extLst>
-              <a:ext uri="{FF2B5EF4-FFF2-40B4-BE49-F238E27FC236}">
-                <a16:creationId xmlns:a16="http://schemas.microsoft.com/office/drawing/2014/main" id="{CB3D6F32-285A-4681-A8B2-A4A4D29B9814}"/>
-              </a:ext>
-            </a:extLst>
-          </p:cNvPr>
-          <p:cNvPicPr>
-            <a:picLocks noChangeAspect="1"/>
-          </p:cNvPicPr>
-          <p:nvPr/>
-        </p:nvPicPr>
-        <p:blipFill>
-          <a:blip r:embed="rId7">
-            <a:extLst>
-              <a:ext uri="{28A0092B-C50C-407E-A947-70E740481C1C}">
-                <a14:useLocalDpi xmlns:a14="http://schemas.microsoft.com/office/drawing/2010/main" val="0"/>
-              </a:ext>
-            </a:extLst>
-          </a:blip>
-          <a:stretch>
-            <a:fillRect/>
-          </a:stretch>
-        </p:blipFill>
-        <p:spPr>
-          <a:xfrm>
-            <a:off x="7621815" y="3483431"/>
-            <a:ext cx="3066143" cy="3066143"/>
+            <a:off x="7861301" y="3685946"/>
+            <a:ext cx="3098348" cy="3098348"/>
           </a:xfrm>
           <a:prstGeom prst="rect">
             <a:avLst/>
@@ -6808,7 +7291,87 @@
     </p:spTree>
     <p:extLst>
       <p:ext uri="{BB962C8B-B14F-4D97-AF65-F5344CB8AC3E}">
-        <p14:creationId xmlns:p14="http://schemas.microsoft.com/office/powerpoint/2010/main" val="1301081757"/>
+        <p14:creationId xmlns:p14="http://schemas.microsoft.com/office/powerpoint/2010/main" val="3034206667"/>
+      </p:ext>
+    </p:extLst>
+  </p:cSld>
+  <p:clrMapOvr>
+    <a:masterClrMapping/>
+  </p:clrMapOvr>
+</p:sld>
+</file>
+
+<file path=ppt/slides/slide21.xml><?xml version="1.0" encoding="utf-8"?>
+<p:sld xmlns:a="http://schemas.openxmlformats.org/drawingml/2006/main" xmlns:r="http://schemas.openxmlformats.org/officeDocument/2006/relationships" xmlns:p="http://schemas.openxmlformats.org/presentationml/2006/main">
+  <p:cSld>
+    <p:spTree>
+      <p:nvGrpSpPr>
+        <p:cNvPr id="1" name=""/>
+        <p:cNvGrpSpPr/>
+        <p:nvPr/>
+      </p:nvGrpSpPr>
+      <p:grpSpPr>
+        <a:xfrm>
+          <a:off x="0" y="0"/>
+          <a:ext cx="0" cy="0"/>
+          <a:chOff x="0" y="0"/>
+          <a:chExt cx="0" cy="0"/>
+        </a:xfrm>
+      </p:grpSpPr>
+      <p:sp>
+        <p:nvSpPr>
+          <p:cNvPr id="2" name="Title 1">
+            <a:extLst>
+              <a:ext uri="{FF2B5EF4-FFF2-40B4-BE49-F238E27FC236}">
+                <a16:creationId xmlns:a16="http://schemas.microsoft.com/office/drawing/2014/main" id="{00EE83F1-23DC-448E-8D26-BC5165F80340}"/>
+              </a:ext>
+            </a:extLst>
+          </p:cNvPr>
+          <p:cNvSpPr>
+            <a:spLocks noGrp="1"/>
+          </p:cNvSpPr>
+          <p:nvPr>
+            <p:ph type="title"/>
+          </p:nvPr>
+        </p:nvSpPr>
+        <p:spPr/>
+        <p:txBody>
+          <a:bodyPr/>
+          <a:lstStyle/>
+          <a:p>
+            <a:endParaRPr lang="en-GB"/>
+          </a:p>
+        </p:txBody>
+      </p:sp>
+      <p:sp>
+        <p:nvSpPr>
+          <p:cNvPr id="3" name="Content Placeholder 2">
+            <a:extLst>
+              <a:ext uri="{FF2B5EF4-FFF2-40B4-BE49-F238E27FC236}">
+                <a16:creationId xmlns:a16="http://schemas.microsoft.com/office/drawing/2014/main" id="{8AB4FBC8-8E93-4CDF-8502-D47CDFE965BD}"/>
+              </a:ext>
+            </a:extLst>
+          </p:cNvPr>
+          <p:cNvSpPr>
+            <a:spLocks noGrp="1"/>
+          </p:cNvSpPr>
+          <p:nvPr>
+            <p:ph idx="1"/>
+          </p:nvPr>
+        </p:nvSpPr>
+        <p:spPr/>
+        <p:txBody>
+          <a:bodyPr/>
+          <a:lstStyle/>
+          <a:p>
+            <a:endParaRPr lang="en-GB"/>
+          </a:p>
+        </p:txBody>
+      </p:sp>
+    </p:spTree>
+    <p:extLst>
+      <p:ext uri="{BB962C8B-B14F-4D97-AF65-F5344CB8AC3E}">
+        <p14:creationId xmlns:p14="http://schemas.microsoft.com/office/powerpoint/2010/main" val="2529851083"/>
       </p:ext>
     </p:extLst>
   </p:cSld>
@@ -7047,17 +7610,17 @@
             </a:pPr>
             <a:r>
               <a:rPr lang="en-GB" sz="1500" dirty="0"/>
-              <a:t>There are 91 clusters (motifs) in total:</a:t>
+              <a:t>There are 72 clusters (motifs) in total:</a:t>
             </a:r>
           </a:p>
         </p:txBody>
       </p:sp>
       <p:pic>
         <p:nvPicPr>
-          <p:cNvPr id="5" name="Picture 4">
-            <a:extLst>
-              <a:ext uri="{FF2B5EF4-FFF2-40B4-BE49-F238E27FC236}">
-                <a16:creationId xmlns:a16="http://schemas.microsoft.com/office/drawing/2014/main" id="{DFBB9CE5-2F27-4CEA-BA6D-EF2D7094C21E}"/>
+          <p:cNvPr id="3" name="Picture 2">
+            <a:extLst>
+              <a:ext uri="{FF2B5EF4-FFF2-40B4-BE49-F238E27FC236}">
+                <a16:creationId xmlns:a16="http://schemas.microsoft.com/office/drawing/2014/main" id="{4D96B414-0159-4FC5-9469-1269553B08BB}"/>
               </a:ext>
             </a:extLst>
           </p:cNvPr>
@@ -7155,10 +7718,10 @@
       </p:sp>
       <p:pic>
         <p:nvPicPr>
-          <p:cNvPr id="5" name="Picture 4">
-            <a:extLst>
-              <a:ext uri="{FF2B5EF4-FFF2-40B4-BE49-F238E27FC236}">
-                <a16:creationId xmlns:a16="http://schemas.microsoft.com/office/drawing/2014/main" id="{CE25FC9A-00DF-4C90-8D8B-85E0FD5CAA75}"/>
+          <p:cNvPr id="3" name="Picture 2">
+            <a:extLst>
+              <a:ext uri="{FF2B5EF4-FFF2-40B4-BE49-F238E27FC236}">
+                <a16:creationId xmlns:a16="http://schemas.microsoft.com/office/drawing/2014/main" id="{2E8A1289-8E27-4654-B995-01E41C2709ED}"/>
               </a:ext>
             </a:extLst>
           </p:cNvPr>
@@ -7256,10 +7819,10 @@
       </p:sp>
       <p:pic>
         <p:nvPicPr>
-          <p:cNvPr id="5" name="Picture 4">
-            <a:extLst>
-              <a:ext uri="{FF2B5EF4-FFF2-40B4-BE49-F238E27FC236}">
-                <a16:creationId xmlns:a16="http://schemas.microsoft.com/office/drawing/2014/main" id="{5386CE3A-BC92-4871-9E5B-76E5CFFB0E73}"/>
+          <p:cNvPr id="3" name="Picture 2">
+            <a:extLst>
+              <a:ext uri="{FF2B5EF4-FFF2-40B4-BE49-F238E27FC236}">
+                <a16:creationId xmlns:a16="http://schemas.microsoft.com/office/drawing/2014/main" id="{937B7176-F3DC-4550-AB46-8D0811DC653A}"/>
               </a:ext>
             </a:extLst>
           </p:cNvPr>
@@ -7360,10 +7923,10 @@
       </p:sp>
       <p:pic>
         <p:nvPicPr>
-          <p:cNvPr id="5" name="Picture 4">
-            <a:extLst>
-              <a:ext uri="{FF2B5EF4-FFF2-40B4-BE49-F238E27FC236}">
-                <a16:creationId xmlns:a16="http://schemas.microsoft.com/office/drawing/2014/main" id="{536353DC-D66F-497C-8316-42346B986AE3}"/>
+          <p:cNvPr id="3" name="Picture 2">
+            <a:extLst>
+              <a:ext uri="{FF2B5EF4-FFF2-40B4-BE49-F238E27FC236}">
+                <a16:creationId xmlns:a16="http://schemas.microsoft.com/office/drawing/2014/main" id="{5BED58BA-FDC3-4C1D-A023-FD633D49B5C5}"/>
               </a:ext>
             </a:extLst>
           </p:cNvPr>
@@ -7386,8 +7949,8 @@
         </p:blipFill>
         <p:spPr>
           <a:xfrm>
-            <a:off x="320221" y="457200"/>
-            <a:ext cx="10855779" cy="6203302"/>
+            <a:off x="593337" y="425893"/>
+            <a:ext cx="10775950" cy="6157686"/>
           </a:xfrm>
           <a:prstGeom prst="rect">
             <a:avLst/>
@@ -7461,10 +8024,10 @@
       </p:sp>
       <p:pic>
         <p:nvPicPr>
-          <p:cNvPr id="5" name="Picture 4">
-            <a:extLst>
-              <a:ext uri="{FF2B5EF4-FFF2-40B4-BE49-F238E27FC236}">
-                <a16:creationId xmlns:a16="http://schemas.microsoft.com/office/drawing/2014/main" id="{AB34BBE2-0986-4372-9D63-E9B6092BEF18}"/>
+          <p:cNvPr id="3" name="Picture 2">
+            <a:extLst>
+              <a:ext uri="{FF2B5EF4-FFF2-40B4-BE49-F238E27FC236}">
+                <a16:creationId xmlns:a16="http://schemas.microsoft.com/office/drawing/2014/main" id="{09E54996-95B5-46A8-92B9-15CDE3C55457}"/>
               </a:ext>
             </a:extLst>
           </p:cNvPr>
@@ -7487,8 +8050,8 @@
         </p:blipFill>
         <p:spPr>
           <a:xfrm>
-            <a:off x="6115957" y="1153885"/>
-            <a:ext cx="5277757" cy="5277757"/>
+            <a:off x="838200" y="1530350"/>
+            <a:ext cx="4726214" cy="4726214"/>
           </a:xfrm>
           <a:prstGeom prst="rect">
             <a:avLst/>
@@ -7497,10 +8060,10 @@
       </p:pic>
       <p:pic>
         <p:nvPicPr>
-          <p:cNvPr id="8" name="Picture 7">
-            <a:extLst>
-              <a:ext uri="{FF2B5EF4-FFF2-40B4-BE49-F238E27FC236}">
-                <a16:creationId xmlns:a16="http://schemas.microsoft.com/office/drawing/2014/main" id="{AE8E6EEA-A94E-4ADB-B8E2-DFAEFF144B8D}"/>
+          <p:cNvPr id="7" name="Picture 6">
+            <a:extLst>
+              <a:ext uri="{FF2B5EF4-FFF2-40B4-BE49-F238E27FC236}">
+                <a16:creationId xmlns:a16="http://schemas.microsoft.com/office/drawing/2014/main" id="{629580C7-3489-407E-8F76-BDFC3DE08006}"/>
               </a:ext>
             </a:extLst>
           </p:cNvPr>
@@ -7523,8 +8086,8 @@
         </p:blipFill>
         <p:spPr>
           <a:xfrm>
-            <a:off x="818243" y="1153885"/>
-            <a:ext cx="5277757" cy="5277757"/>
+            <a:off x="6518730" y="1530350"/>
+            <a:ext cx="4726214" cy="4726214"/>
           </a:xfrm>
           <a:prstGeom prst="rect">
             <a:avLst/>
@@ -7598,10 +8161,10 @@
       </p:sp>
       <p:pic>
         <p:nvPicPr>
-          <p:cNvPr id="5" name="Picture 4">
-            <a:extLst>
-              <a:ext uri="{FF2B5EF4-FFF2-40B4-BE49-F238E27FC236}">
-                <a16:creationId xmlns:a16="http://schemas.microsoft.com/office/drawing/2014/main" id="{905C5EEB-14FA-458F-8480-5190CD9F9B09}"/>
+          <p:cNvPr id="3" name="Picture 2">
+            <a:extLst>
+              <a:ext uri="{FF2B5EF4-FFF2-40B4-BE49-F238E27FC236}">
+                <a16:creationId xmlns:a16="http://schemas.microsoft.com/office/drawing/2014/main" id="{3F0564B7-06FB-4295-8FF1-F512650A4947}"/>
               </a:ext>
             </a:extLst>
           </p:cNvPr>
@@ -7624,8 +8187,8 @@
         </p:blipFill>
         <p:spPr>
           <a:xfrm>
-            <a:off x="838200" y="868364"/>
-            <a:ext cx="5783943" cy="5783943"/>
+            <a:off x="838200" y="1030515"/>
+            <a:ext cx="5588000" cy="5588000"/>
           </a:xfrm>
           <a:prstGeom prst="rect">
             <a:avLst/>
@@ -7702,10 +8265,10 @@
       </p:sp>
       <p:pic>
         <p:nvPicPr>
-          <p:cNvPr id="5" name="Picture 4">
-            <a:extLst>
-              <a:ext uri="{FF2B5EF4-FFF2-40B4-BE49-F238E27FC236}">
-                <a16:creationId xmlns:a16="http://schemas.microsoft.com/office/drawing/2014/main" id="{349DACA7-BA16-45D8-B0D9-2DBFDC161415}"/>
+          <p:cNvPr id="3" name="Picture 2">
+            <a:extLst>
+              <a:ext uri="{FF2B5EF4-FFF2-40B4-BE49-F238E27FC236}">
+                <a16:creationId xmlns:a16="http://schemas.microsoft.com/office/drawing/2014/main" id="{17CE030C-41A2-4F01-A617-65FE0F76986B}"/>
               </a:ext>
             </a:extLst>
           </p:cNvPr>

--- a/jinlu/EC_new.pptx
+++ b/jinlu/EC_new.pptx
@@ -181,7 +181,7 @@
   <pc:docChgLst>
     <pc:chgData name="Jinlu Liu" userId="78a8ae01-c209-4833-a803-14efb296c1fa" providerId="ADAL" clId="{605EAD0C-2C14-49C9-9B36-055E4CDC6D39}"/>
     <pc:docChg chg="undo custSel addSld delSld modSld sldOrd addSection delSection modSection">
-      <pc:chgData name="Jinlu Liu" userId="78a8ae01-c209-4833-a803-14efb296c1fa" providerId="ADAL" clId="{605EAD0C-2C14-49C9-9B36-055E4CDC6D39}" dt="2024-04-26T09:03:14.356" v="798" actId="20577"/>
+      <pc:chgData name="Jinlu Liu" userId="78a8ae01-c209-4833-a803-14efb296c1fa" providerId="ADAL" clId="{605EAD0C-2C14-49C9-9B36-055E4CDC6D39}" dt="2024-04-26T09:40:10.327" v="800" actId="1076"/>
       <pc:docMkLst>
         <pc:docMk/>
       </pc:docMkLst>
@@ -2018,12 +2018,28 @@
           </ac:picMkLst>
         </pc:picChg>
       </pc:sldChg>
-      <pc:sldChg chg="new">
-        <pc:chgData name="Jinlu Liu" userId="78a8ae01-c209-4833-a803-14efb296c1fa" providerId="ADAL" clId="{605EAD0C-2C14-49C9-9B36-055E4CDC6D39}" dt="2024-04-26T09:02:27" v="693" actId="680"/>
+      <pc:sldChg chg="addSp delSp modSp new mod">
+        <pc:chgData name="Jinlu Liu" userId="78a8ae01-c209-4833-a803-14efb296c1fa" providerId="ADAL" clId="{605EAD0C-2C14-49C9-9B36-055E4CDC6D39}" dt="2024-04-26T09:40:10.327" v="800" actId="1076"/>
         <pc:sldMkLst>
           <pc:docMk/>
           <pc:sldMk cId="2529851083" sldId="286"/>
         </pc:sldMkLst>
+        <pc:spChg chg="del">
+          <ac:chgData name="Jinlu Liu" userId="78a8ae01-c209-4833-a803-14efb296c1fa" providerId="ADAL" clId="{605EAD0C-2C14-49C9-9B36-055E4CDC6D39}" dt="2024-04-26T09:40:08.023" v="799"/>
+          <ac:spMkLst>
+            <pc:docMk/>
+            <pc:sldMk cId="2529851083" sldId="286"/>
+            <ac:spMk id="3" creationId="{8AB4FBC8-8E93-4CDF-8502-D47CDFE965BD}"/>
+          </ac:spMkLst>
+        </pc:spChg>
+        <pc:picChg chg="add mod">
+          <ac:chgData name="Jinlu Liu" userId="78a8ae01-c209-4833-a803-14efb296c1fa" providerId="ADAL" clId="{605EAD0C-2C14-49C9-9B36-055E4CDC6D39}" dt="2024-04-26T09:40:10.327" v="800" actId="1076"/>
+          <ac:picMkLst>
+            <pc:docMk/>
+            <pc:sldMk cId="2529851083" sldId="286"/>
+            <ac:picMk id="5" creationId="{9894D03E-6701-4CC8-9F70-BD68F787569A}"/>
+          </ac:picMkLst>
+        </pc:picChg>
       </pc:sldChg>
     </pc:docChg>
   </pc:docChgLst>
@@ -7343,31 +7359,41 @@
           </a:p>
         </p:txBody>
       </p:sp>
-      <p:sp>
-        <p:nvSpPr>
-          <p:cNvPr id="3" name="Content Placeholder 2">
-            <a:extLst>
-              <a:ext uri="{FF2B5EF4-FFF2-40B4-BE49-F238E27FC236}">
-                <a16:creationId xmlns:a16="http://schemas.microsoft.com/office/drawing/2014/main" id="{8AB4FBC8-8E93-4CDF-8502-D47CDFE965BD}"/>
-              </a:ext>
-            </a:extLst>
-          </p:cNvPr>
-          <p:cNvSpPr>
-            <a:spLocks noGrp="1"/>
-          </p:cNvSpPr>
+      <p:pic>
+        <p:nvPicPr>
+          <p:cNvPr id="5" name="Content Placeholder 4">
+            <a:extLst>
+              <a:ext uri="{FF2B5EF4-FFF2-40B4-BE49-F238E27FC236}">
+                <a16:creationId xmlns:a16="http://schemas.microsoft.com/office/drawing/2014/main" id="{9894D03E-6701-4CC8-9F70-BD68F787569A}"/>
+              </a:ext>
+            </a:extLst>
+          </p:cNvPr>
+          <p:cNvPicPr>
+            <a:picLocks noGrp="1" noChangeAspect="1"/>
+          </p:cNvPicPr>
           <p:nvPr>
             <p:ph idx="1"/>
           </p:nvPr>
-        </p:nvSpPr>
-        <p:spPr/>
-        <p:txBody>
-          <a:bodyPr/>
-          <a:lstStyle/>
-          <a:p>
-            <a:endParaRPr lang="en-GB"/>
-          </a:p>
-        </p:txBody>
-      </p:sp>
+        </p:nvPicPr>
+        <p:blipFill>
+          <a:blip r:embed="rId2">
+            <a:extLst>
+              <a:ext uri="{28A0092B-C50C-407E-A947-70E740481C1C}">
+                <a14:useLocalDpi xmlns:a14="http://schemas.microsoft.com/office/drawing/2010/main" val="0"/>
+              </a:ext>
+            </a:extLst>
+          </a:blip>
+          <a:stretch>
+            <a:fillRect/>
+          </a:stretch>
+        </p:blipFill>
+        <p:spPr>
+          <a:xfrm>
+            <a:off x="838200" y="1948997"/>
+            <a:ext cx="4351338" cy="4351338"/>
+          </a:xfrm>
+        </p:spPr>
+      </p:pic>
     </p:spTree>
     <p:extLst>
       <p:ext uri="{BB962C8B-B14F-4D97-AF65-F5344CB8AC3E}">

--- a/jinlu/EC_new.pptx
+++ b/jinlu/EC_new.pptx
@@ -26,6 +26,8 @@
     <p:sldId id="282" r:id="rId20"/>
     <p:sldId id="285" r:id="rId21"/>
     <p:sldId id="286" r:id="rId22"/>
+    <p:sldId id="287" r:id="rId23"/>
+    <p:sldId id="288" r:id="rId24"/>
   </p:sldIdLst>
   <p:sldSz cx="12192000" cy="6858000"/>
   <p:notesSz cx="6858000" cy="9144000"/>
@@ -165,6 +167,8 @@
           <p14:sldIdLst>
             <p14:sldId id="285"/>
             <p14:sldId id="286"/>
+            <p14:sldId id="287"/>
+            <p14:sldId id="288"/>
           </p14:sldIdLst>
         </p14:section>
       </p14:sectionLst>
@@ -7334,37 +7338,222 @@
           <a:chExt cx="0" cy="0"/>
         </a:xfrm>
       </p:grpSpPr>
-      <p:sp>
-        <p:nvSpPr>
-          <p:cNvPr id="2" name="Title 1">
-            <a:extLst>
-              <a:ext uri="{FF2B5EF4-FFF2-40B4-BE49-F238E27FC236}">
-                <a16:creationId xmlns:a16="http://schemas.microsoft.com/office/drawing/2014/main" id="{00EE83F1-23DC-448E-8D26-BC5165F80340}"/>
-              </a:ext>
-            </a:extLst>
-          </p:cNvPr>
-          <p:cNvSpPr>
-            <a:spLocks noGrp="1"/>
-          </p:cNvSpPr>
-          <p:nvPr>
-            <p:ph type="title"/>
-          </p:nvPr>
-        </p:nvSpPr>
-        <p:spPr/>
-        <p:txBody>
-          <a:bodyPr/>
-          <a:lstStyle/>
-          <a:p>
-            <a:endParaRPr lang="en-GB"/>
-          </a:p>
-        </p:txBody>
-      </p:sp>
       <p:pic>
         <p:nvPicPr>
-          <p:cNvPr id="5" name="Content Placeholder 4">
-            <a:extLst>
-              <a:ext uri="{FF2B5EF4-FFF2-40B4-BE49-F238E27FC236}">
-                <a16:creationId xmlns:a16="http://schemas.microsoft.com/office/drawing/2014/main" id="{9894D03E-6701-4CC8-9F70-BD68F787569A}"/>
+          <p:cNvPr id="3" name="Picture 2">
+            <a:extLst>
+              <a:ext uri="{FF2B5EF4-FFF2-40B4-BE49-F238E27FC236}">
+                <a16:creationId xmlns:a16="http://schemas.microsoft.com/office/drawing/2014/main" id="{B55AAB88-1EEB-0CB2-C6FA-B2E491475652}"/>
+              </a:ext>
+            </a:extLst>
+          </p:cNvPr>
+          <p:cNvPicPr>
+            <a:picLocks noChangeAspect="1"/>
+          </p:cNvPicPr>
+          <p:nvPr/>
+        </p:nvPicPr>
+        <p:blipFill>
+          <a:blip r:embed="rId2">
+            <a:extLst>
+              <a:ext uri="{28A0092B-C50C-407E-A947-70E740481C1C}">
+                <a14:useLocalDpi xmlns:a14="http://schemas.microsoft.com/office/drawing/2010/main" val="0"/>
+              </a:ext>
+            </a:extLst>
+          </a:blip>
+          <a:stretch>
+            <a:fillRect/>
+          </a:stretch>
+        </p:blipFill>
+        <p:spPr>
+          <a:xfrm>
+            <a:off x="5601285" y="332468"/>
+            <a:ext cx="3223378" cy="3223378"/>
+          </a:xfrm>
+          <a:prstGeom prst="rect">
+            <a:avLst/>
+          </a:prstGeom>
+        </p:spPr>
+      </p:pic>
+      <p:pic>
+        <p:nvPicPr>
+          <p:cNvPr id="4" name="Content Placeholder 4">
+            <a:extLst>
+              <a:ext uri="{FF2B5EF4-FFF2-40B4-BE49-F238E27FC236}">
+                <a16:creationId xmlns:a16="http://schemas.microsoft.com/office/drawing/2014/main" id="{2F11FA9F-467B-5601-7952-0747D5D23857}"/>
+              </a:ext>
+            </a:extLst>
+          </p:cNvPr>
+          <p:cNvPicPr>
+            <a:picLocks noChangeAspect="1"/>
+          </p:cNvPicPr>
+          <p:nvPr/>
+        </p:nvPicPr>
+        <p:blipFill>
+          <a:blip r:embed="rId3">
+            <a:extLst>
+              <a:ext uri="{28A0092B-C50C-407E-A947-70E740481C1C}">
+                <a14:useLocalDpi xmlns:a14="http://schemas.microsoft.com/office/drawing/2010/main" val="0"/>
+              </a:ext>
+            </a:extLst>
+          </a:blip>
+          <a:stretch>
+            <a:fillRect/>
+          </a:stretch>
+        </p:blipFill>
+        <p:spPr>
+          <a:xfrm>
+            <a:off x="8824663" y="332468"/>
+            <a:ext cx="2843784" cy="2843784"/>
+          </a:xfrm>
+          <a:prstGeom prst="rect">
+            <a:avLst/>
+          </a:prstGeom>
+        </p:spPr>
+      </p:pic>
+      <p:pic>
+        <p:nvPicPr>
+          <p:cNvPr id="7" name="Picture 6" descr="A graph of different colored bars&#10;&#10;Description automatically generated with medium confidence">
+            <a:extLst>
+              <a:ext uri="{FF2B5EF4-FFF2-40B4-BE49-F238E27FC236}">
+                <a16:creationId xmlns:a16="http://schemas.microsoft.com/office/drawing/2014/main" id="{D3114AB5-B744-5F3F-7FD8-7F4C23AD0283}"/>
+              </a:ext>
+            </a:extLst>
+          </p:cNvPr>
+          <p:cNvPicPr>
+            <a:picLocks noChangeAspect="1"/>
+          </p:cNvPicPr>
+          <p:nvPr/>
+        </p:nvPicPr>
+        <p:blipFill>
+          <a:blip r:embed="rId4">
+            <a:extLst>
+              <a:ext uri="{28A0092B-C50C-407E-A947-70E740481C1C}">
+                <a14:useLocalDpi xmlns:a14="http://schemas.microsoft.com/office/drawing/2010/main" val="0"/>
+              </a:ext>
+            </a:extLst>
+          </a:blip>
+          <a:stretch>
+            <a:fillRect/>
+          </a:stretch>
+        </p:blipFill>
+        <p:spPr>
+          <a:xfrm>
+            <a:off x="1521619" y="332468"/>
+            <a:ext cx="2984500" cy="1968500"/>
+          </a:xfrm>
+          <a:prstGeom prst="rect">
+            <a:avLst/>
+          </a:prstGeom>
+        </p:spPr>
+      </p:pic>
+      <p:pic>
+        <p:nvPicPr>
+          <p:cNvPr id="9" name="Picture 8" descr="A graph with colored lines and dots&#10;&#10;Description automatically generated">
+            <a:extLst>
+              <a:ext uri="{FF2B5EF4-FFF2-40B4-BE49-F238E27FC236}">
+                <a16:creationId xmlns:a16="http://schemas.microsoft.com/office/drawing/2014/main" id="{AF0FC42F-6FBD-C1FE-4E0F-D4643B7F19CE}"/>
+              </a:ext>
+            </a:extLst>
+          </p:cNvPr>
+          <p:cNvPicPr>
+            <a:picLocks noChangeAspect="1"/>
+          </p:cNvPicPr>
+          <p:nvPr/>
+        </p:nvPicPr>
+        <p:blipFill>
+          <a:blip r:embed="rId5">
+            <a:extLst>
+              <a:ext uri="{28A0092B-C50C-407E-A947-70E740481C1C}">
+                <a14:useLocalDpi xmlns:a14="http://schemas.microsoft.com/office/drawing/2010/main" val="0"/>
+              </a:ext>
+            </a:extLst>
+          </a:blip>
+          <a:stretch>
+            <a:fillRect/>
+          </a:stretch>
+        </p:blipFill>
+        <p:spPr>
+          <a:xfrm>
+            <a:off x="6096000" y="3369918"/>
+            <a:ext cx="4686300" cy="3467100"/>
+          </a:xfrm>
+          <a:prstGeom prst="rect">
+            <a:avLst/>
+          </a:prstGeom>
+        </p:spPr>
+      </p:pic>
+      <p:pic>
+        <p:nvPicPr>
+          <p:cNvPr id="13" name="Picture 12" descr="A graph with colored lines and dots&#10;&#10;Description automatically generated">
+            <a:extLst>
+              <a:ext uri="{FF2B5EF4-FFF2-40B4-BE49-F238E27FC236}">
+                <a16:creationId xmlns:a16="http://schemas.microsoft.com/office/drawing/2014/main" id="{087C5107-A4CB-38E5-95DD-F2D039F574FE}"/>
+              </a:ext>
+            </a:extLst>
+          </p:cNvPr>
+          <p:cNvPicPr>
+            <a:picLocks noChangeAspect="1"/>
+          </p:cNvPicPr>
+          <p:nvPr/>
+        </p:nvPicPr>
+        <p:blipFill>
+          <a:blip r:embed="rId6">
+            <a:extLst>
+              <a:ext uri="{28A0092B-C50C-407E-A947-70E740481C1C}">
+                <a14:useLocalDpi xmlns:a14="http://schemas.microsoft.com/office/drawing/2010/main" val="0"/>
+              </a:ext>
+            </a:extLst>
+          </a:blip>
+          <a:stretch>
+            <a:fillRect/>
+          </a:stretch>
+        </p:blipFill>
+        <p:spPr>
+          <a:xfrm>
+            <a:off x="667628" y="3064194"/>
+            <a:ext cx="4686300" cy="3467100"/>
+          </a:xfrm>
+          <a:prstGeom prst="rect">
+            <a:avLst/>
+          </a:prstGeom>
+        </p:spPr>
+      </p:pic>
+    </p:spTree>
+    <p:extLst>
+      <p:ext uri="{BB962C8B-B14F-4D97-AF65-F5344CB8AC3E}">
+        <p14:creationId xmlns:p14="http://schemas.microsoft.com/office/powerpoint/2010/main" val="2529851083"/>
+      </p:ext>
+    </p:extLst>
+  </p:cSld>
+  <p:clrMapOvr>
+    <a:masterClrMapping/>
+  </p:clrMapOvr>
+</p:sld>
+</file>
+
+<file path=ppt/slides/slide22.xml><?xml version="1.0" encoding="utf-8"?>
+<p:sld xmlns:a="http://schemas.openxmlformats.org/drawingml/2006/main" xmlns:r="http://schemas.openxmlformats.org/officeDocument/2006/relationships" xmlns:p="http://schemas.openxmlformats.org/presentationml/2006/main">
+  <p:cSld>
+    <p:spTree>
+      <p:nvGrpSpPr>
+        <p:cNvPr id="1" name=""/>
+        <p:cNvGrpSpPr/>
+        <p:nvPr/>
+      </p:nvGrpSpPr>
+      <p:grpSpPr>
+        <a:xfrm>
+          <a:off x="0" y="0"/>
+          <a:ext cx="0" cy="0"/>
+          <a:chOff x="0" y="0"/>
+          <a:chExt cx="0" cy="0"/>
+        </a:xfrm>
+      </p:grpSpPr>
+      <p:pic>
+        <p:nvPicPr>
+          <p:cNvPr id="5" name="Content Placeholder 4" descr="A close-up of a chart&#10;&#10;Description automatically generated">
+            <a:extLst>
+              <a:ext uri="{FF2B5EF4-FFF2-40B4-BE49-F238E27FC236}">
+                <a16:creationId xmlns:a16="http://schemas.microsoft.com/office/drawing/2014/main" id="{DFC7FBD3-8F5E-9033-05E0-727679414C11}"/>
               </a:ext>
             </a:extLst>
           </p:cNvPr>
@@ -7389,15 +7578,368 @@
         </p:blipFill>
         <p:spPr>
           <a:xfrm>
-            <a:off x="838200" y="1948997"/>
-            <a:ext cx="4351338" cy="4351338"/>
+            <a:off x="4095750" y="688748"/>
+            <a:ext cx="2895600" cy="2641600"/>
           </a:xfrm>
+        </p:spPr>
+      </p:pic>
+      <p:pic>
+        <p:nvPicPr>
+          <p:cNvPr id="7" name="Picture 6" descr="A red and blue squares with black stars&#10;&#10;Description automatically generated">
+            <a:extLst>
+              <a:ext uri="{FF2B5EF4-FFF2-40B4-BE49-F238E27FC236}">
+                <a16:creationId xmlns:a16="http://schemas.microsoft.com/office/drawing/2014/main" id="{4AE030A1-0033-99D0-A7A9-66BA64CE072E}"/>
+              </a:ext>
+            </a:extLst>
+          </p:cNvPr>
+          <p:cNvPicPr>
+            <a:picLocks noChangeAspect="1"/>
+          </p:cNvPicPr>
+          <p:nvPr/>
+        </p:nvPicPr>
+        <p:blipFill>
+          <a:blip r:embed="rId3">
+            <a:extLst>
+              <a:ext uri="{28A0092B-C50C-407E-A947-70E740481C1C}">
+                <a14:useLocalDpi xmlns:a14="http://schemas.microsoft.com/office/drawing/2010/main" val="0"/>
+              </a:ext>
+            </a:extLst>
+          </a:blip>
+          <a:stretch>
+            <a:fillRect/>
+          </a:stretch>
+        </p:blipFill>
+        <p:spPr>
+          <a:xfrm>
+            <a:off x="6487886" y="3330348"/>
+            <a:ext cx="4686300" cy="3467100"/>
+          </a:xfrm>
+          <a:prstGeom prst="rect">
+            <a:avLst/>
+          </a:prstGeom>
+        </p:spPr>
+      </p:pic>
+      <p:pic>
+        <p:nvPicPr>
+          <p:cNvPr id="9" name="Picture 8" descr="A red and blue squares with numbers&#10;&#10;Description automatically generated">
+            <a:extLst>
+              <a:ext uri="{FF2B5EF4-FFF2-40B4-BE49-F238E27FC236}">
+                <a16:creationId xmlns:a16="http://schemas.microsoft.com/office/drawing/2014/main" id="{17446E94-2775-940E-3096-04846E609403}"/>
+              </a:ext>
+            </a:extLst>
+          </p:cNvPr>
+          <p:cNvPicPr>
+            <a:picLocks noChangeAspect="1"/>
+          </p:cNvPicPr>
+          <p:nvPr/>
+        </p:nvPicPr>
+        <p:blipFill>
+          <a:blip r:embed="rId4">
+            <a:extLst>
+              <a:ext uri="{28A0092B-C50C-407E-A947-70E740481C1C}">
+                <a14:useLocalDpi xmlns:a14="http://schemas.microsoft.com/office/drawing/2010/main" val="0"/>
+              </a:ext>
+            </a:extLst>
+          </a:blip>
+          <a:stretch>
+            <a:fillRect/>
+          </a:stretch>
+        </p:blipFill>
+        <p:spPr>
+          <a:xfrm>
+            <a:off x="887186" y="3330348"/>
+            <a:ext cx="4686300" cy="3467100"/>
+          </a:xfrm>
+          <a:prstGeom prst="rect">
+            <a:avLst/>
+          </a:prstGeom>
         </p:spPr>
       </p:pic>
     </p:spTree>
     <p:extLst>
       <p:ext uri="{BB962C8B-B14F-4D97-AF65-F5344CB8AC3E}">
-        <p14:creationId xmlns:p14="http://schemas.microsoft.com/office/powerpoint/2010/main" val="2529851083"/>
+        <p14:creationId xmlns:p14="http://schemas.microsoft.com/office/powerpoint/2010/main" val="3291732258"/>
+      </p:ext>
+    </p:extLst>
+  </p:cSld>
+  <p:clrMapOvr>
+    <a:masterClrMapping/>
+  </p:clrMapOvr>
+</p:sld>
+</file>
+
+<file path=ppt/slides/slide23.xml><?xml version="1.0" encoding="utf-8"?>
+<p:sld xmlns:a="http://schemas.openxmlformats.org/drawingml/2006/main" xmlns:r="http://schemas.openxmlformats.org/officeDocument/2006/relationships" xmlns:p="http://schemas.openxmlformats.org/presentationml/2006/main">
+  <p:cSld>
+    <p:spTree>
+      <p:nvGrpSpPr>
+        <p:cNvPr id="1" name=""/>
+        <p:cNvGrpSpPr/>
+        <p:nvPr/>
+      </p:nvGrpSpPr>
+      <p:grpSpPr>
+        <a:xfrm>
+          <a:off x="0" y="0"/>
+          <a:ext cx="0" cy="0"/>
+          <a:chOff x="0" y="0"/>
+          <a:chExt cx="0" cy="0"/>
+        </a:xfrm>
+      </p:grpSpPr>
+      <p:pic>
+        <p:nvPicPr>
+          <p:cNvPr id="7" name="Picture 6" descr="A diagram of a graph&#10;&#10;Description automatically generated with medium confidence">
+            <a:extLst>
+              <a:ext uri="{FF2B5EF4-FFF2-40B4-BE49-F238E27FC236}">
+                <a16:creationId xmlns:a16="http://schemas.microsoft.com/office/drawing/2014/main" id="{FF57E078-FBE6-C28E-99B5-D3AA8450298E}"/>
+              </a:ext>
+            </a:extLst>
+          </p:cNvPr>
+          <p:cNvPicPr>
+            <a:picLocks noChangeAspect="1"/>
+          </p:cNvPicPr>
+          <p:nvPr/>
+        </p:nvPicPr>
+        <p:blipFill>
+          <a:blip r:embed="rId2">
+            <a:extLst>
+              <a:ext uri="{28A0092B-C50C-407E-A947-70E740481C1C}">
+                <a14:useLocalDpi xmlns:a14="http://schemas.microsoft.com/office/drawing/2010/main" val="0"/>
+              </a:ext>
+            </a:extLst>
+          </a:blip>
+          <a:stretch>
+            <a:fillRect/>
+          </a:stretch>
+        </p:blipFill>
+        <p:spPr>
+          <a:xfrm>
+            <a:off x="4019536" y="757919"/>
+            <a:ext cx="4152928" cy="3072492"/>
+          </a:xfrm>
+          <a:prstGeom prst="rect">
+            <a:avLst/>
+          </a:prstGeom>
+        </p:spPr>
+      </p:pic>
+      <p:pic>
+        <p:nvPicPr>
+          <p:cNvPr id="5" name="Picture 4" descr="A diagram of a number of red squares&#10;&#10;Description automatically generated with medium confidence">
+            <a:extLst>
+              <a:ext uri="{FF2B5EF4-FFF2-40B4-BE49-F238E27FC236}">
+                <a16:creationId xmlns:a16="http://schemas.microsoft.com/office/drawing/2014/main" id="{73AF7777-7421-8110-CA91-22BD49C9A8C6}"/>
+              </a:ext>
+            </a:extLst>
+          </p:cNvPr>
+          <p:cNvPicPr>
+            <a:picLocks noChangeAspect="1"/>
+          </p:cNvPicPr>
+          <p:nvPr/>
+        </p:nvPicPr>
+        <p:blipFill>
+          <a:blip r:embed="rId3">
+            <a:extLst>
+              <a:ext uri="{28A0092B-C50C-407E-A947-70E740481C1C}">
+                <a14:useLocalDpi xmlns:a14="http://schemas.microsoft.com/office/drawing/2010/main" val="0"/>
+              </a:ext>
+            </a:extLst>
+          </a:blip>
+          <a:stretch>
+            <a:fillRect/>
+          </a:stretch>
+        </p:blipFill>
+        <p:spPr>
+          <a:xfrm>
+            <a:off x="55178" y="757919"/>
+            <a:ext cx="4152928" cy="3072492"/>
+          </a:xfrm>
+          <a:prstGeom prst="rect">
+            <a:avLst/>
+          </a:prstGeom>
+        </p:spPr>
+      </p:pic>
+      <p:pic>
+        <p:nvPicPr>
+          <p:cNvPr id="9" name="Picture 8" descr="A diagram of different colors&#10;&#10;Description automatically generated">
+            <a:extLst>
+              <a:ext uri="{FF2B5EF4-FFF2-40B4-BE49-F238E27FC236}">
+                <a16:creationId xmlns:a16="http://schemas.microsoft.com/office/drawing/2014/main" id="{2B1FCB9B-604F-2EAA-209B-23603AB73491}"/>
+              </a:ext>
+            </a:extLst>
+          </p:cNvPr>
+          <p:cNvPicPr>
+            <a:picLocks noChangeAspect="1"/>
+          </p:cNvPicPr>
+          <p:nvPr/>
+        </p:nvPicPr>
+        <p:blipFill>
+          <a:blip r:embed="rId4">
+            <a:extLst>
+              <a:ext uri="{28A0092B-C50C-407E-A947-70E740481C1C}">
+                <a14:useLocalDpi xmlns:a14="http://schemas.microsoft.com/office/drawing/2010/main" val="0"/>
+              </a:ext>
+            </a:extLst>
+          </a:blip>
+          <a:stretch>
+            <a:fillRect/>
+          </a:stretch>
+        </p:blipFill>
+        <p:spPr>
+          <a:xfrm>
+            <a:off x="7983894" y="679639"/>
+            <a:ext cx="4152928" cy="3072492"/>
+          </a:xfrm>
+          <a:prstGeom prst="rect">
+            <a:avLst/>
+          </a:prstGeom>
+        </p:spPr>
+      </p:pic>
+      <p:pic>
+        <p:nvPicPr>
+          <p:cNvPr id="11" name="Picture 10" descr="A diagram of a red square with black stars&#10;&#10;Description automatically generated">
+            <a:extLst>
+              <a:ext uri="{FF2B5EF4-FFF2-40B4-BE49-F238E27FC236}">
+                <a16:creationId xmlns:a16="http://schemas.microsoft.com/office/drawing/2014/main" id="{33C3ED7A-E417-0648-146E-7206C0FF9DA6}"/>
+              </a:ext>
+            </a:extLst>
+          </p:cNvPr>
+          <p:cNvPicPr>
+            <a:picLocks noChangeAspect="1"/>
+          </p:cNvPicPr>
+          <p:nvPr/>
+        </p:nvPicPr>
+        <p:blipFill>
+          <a:blip r:embed="rId5">
+            <a:extLst>
+              <a:ext uri="{28A0092B-C50C-407E-A947-70E740481C1C}">
+                <a14:useLocalDpi xmlns:a14="http://schemas.microsoft.com/office/drawing/2010/main" val="0"/>
+              </a:ext>
+            </a:extLst>
+          </a:blip>
+          <a:stretch>
+            <a:fillRect/>
+          </a:stretch>
+        </p:blipFill>
+        <p:spPr>
+          <a:xfrm>
+            <a:off x="1" y="3823607"/>
+            <a:ext cx="4152928" cy="3072492"/>
+          </a:xfrm>
+          <a:prstGeom prst="rect">
+            <a:avLst/>
+          </a:prstGeom>
+        </p:spPr>
+      </p:pic>
+      <p:pic>
+        <p:nvPicPr>
+          <p:cNvPr id="13" name="Picture 12" descr="A diagram of a red and blue squares with black stars&#10;&#10;Description automatically generated">
+            <a:extLst>
+              <a:ext uri="{FF2B5EF4-FFF2-40B4-BE49-F238E27FC236}">
+                <a16:creationId xmlns:a16="http://schemas.microsoft.com/office/drawing/2014/main" id="{604BD6F4-D6EB-617A-B733-7436B95AA47B}"/>
+              </a:ext>
+            </a:extLst>
+          </p:cNvPr>
+          <p:cNvPicPr>
+            <a:picLocks noChangeAspect="1"/>
+          </p:cNvPicPr>
+          <p:nvPr/>
+        </p:nvPicPr>
+        <p:blipFill>
+          <a:blip r:embed="rId6">
+            <a:extLst>
+              <a:ext uri="{28A0092B-C50C-407E-A947-70E740481C1C}">
+                <a14:useLocalDpi xmlns:a14="http://schemas.microsoft.com/office/drawing/2010/main" val="0"/>
+              </a:ext>
+            </a:extLst>
+          </a:blip>
+          <a:stretch>
+            <a:fillRect/>
+          </a:stretch>
+        </p:blipFill>
+        <p:spPr>
+          <a:xfrm>
+            <a:off x="4019536" y="3837214"/>
+            <a:ext cx="4019535" cy="2973802"/>
+          </a:xfrm>
+          <a:prstGeom prst="rect">
+            <a:avLst/>
+          </a:prstGeom>
+        </p:spPr>
+      </p:pic>
+      <p:pic>
+        <p:nvPicPr>
+          <p:cNvPr id="15" name="Picture 14" descr="A diagram of a red and blue box&#10;&#10;Description automatically generated with medium confidence">
+            <a:extLst>
+              <a:ext uri="{FF2B5EF4-FFF2-40B4-BE49-F238E27FC236}">
+                <a16:creationId xmlns:a16="http://schemas.microsoft.com/office/drawing/2014/main" id="{FEEB3A78-6CA9-EE91-CC2B-A58FF5DC9675}"/>
+              </a:ext>
+            </a:extLst>
+          </p:cNvPr>
+          <p:cNvPicPr>
+            <a:picLocks noChangeAspect="1"/>
+          </p:cNvPicPr>
+          <p:nvPr/>
+        </p:nvPicPr>
+        <p:blipFill>
+          <a:blip r:embed="rId7">
+            <a:extLst>
+              <a:ext uri="{28A0092B-C50C-407E-A947-70E740481C1C}">
+                <a14:useLocalDpi xmlns:a14="http://schemas.microsoft.com/office/drawing/2010/main" val="0"/>
+              </a:ext>
+            </a:extLst>
+          </a:blip>
+          <a:stretch>
+            <a:fillRect/>
+          </a:stretch>
+        </p:blipFill>
+        <p:spPr>
+          <a:xfrm>
+            <a:off x="7928717" y="3703864"/>
+            <a:ext cx="4263283" cy="3154136"/>
+          </a:xfrm>
+          <a:prstGeom prst="rect">
+            <a:avLst/>
+          </a:prstGeom>
+        </p:spPr>
+      </p:pic>
+      <p:sp>
+        <p:nvSpPr>
+          <p:cNvPr id="18" name="TextBox 17">
+            <a:extLst>
+              <a:ext uri="{FF2B5EF4-FFF2-40B4-BE49-F238E27FC236}">
+                <a16:creationId xmlns:a16="http://schemas.microsoft.com/office/drawing/2014/main" id="{690946CC-A425-3AA5-9EF0-4D40C4656B90}"/>
+              </a:ext>
+            </a:extLst>
+          </p:cNvPr>
+          <p:cNvSpPr txBox="1"/>
+          <p:nvPr/>
+        </p:nvSpPr>
+        <p:spPr>
+          <a:xfrm>
+            <a:off x="2025353" y="149687"/>
+            <a:ext cx="7887767" cy="646331"/>
+          </a:xfrm>
+          <a:prstGeom prst="rect">
+            <a:avLst/>
+          </a:prstGeom>
+          <a:noFill/>
+        </p:spPr>
+        <p:txBody>
+          <a:bodyPr wrap="square" rtlCol="0">
+            <a:spAutoFit/>
+          </a:bodyPr>
+          <a:lstStyle/>
+          <a:p>
+            <a:r>
+              <a:rPr lang="en-US" dirty="0"/>
+              <a:t>Estimated Covariance of projection strength between two regions, with stars indicating 95% CI not containing zero</a:t>
+            </a:r>
+          </a:p>
+        </p:txBody>
+      </p:sp>
+    </p:spTree>
+    <p:extLst>
+      <p:ext uri="{BB962C8B-B14F-4D97-AF65-F5344CB8AC3E}">
+        <p14:creationId xmlns:p14="http://schemas.microsoft.com/office/powerpoint/2010/main" val="372816673"/>
       </p:ext>
     </p:extLst>
   </p:cSld>

--- a/jinlu/EC_new.pptx
+++ b/jinlu/EC_new.pptx
@@ -7578,7 +7578,7 @@
         </p:blipFill>
         <p:spPr>
           <a:xfrm>
-            <a:off x="4095750" y="688748"/>
+            <a:off x="7408426" y="504370"/>
             <a:ext cx="2895600" cy="2641600"/>
           </a:xfrm>
         </p:spPr>
@@ -7611,7 +7611,7 @@
         </p:blipFill>
         <p:spPr>
           <a:xfrm>
-            <a:off x="6487886" y="3330348"/>
+            <a:off x="7505700" y="3354160"/>
             <a:ext cx="4686300" cy="3467100"/>
           </a:xfrm>
           <a:prstGeom prst="rect">
@@ -7647,7 +7647,79 @@
         </p:blipFill>
         <p:spPr>
           <a:xfrm>
-            <a:off x="887186" y="3330348"/>
+            <a:off x="4673739" y="3238159"/>
+            <a:ext cx="4686300" cy="3467100"/>
+          </a:xfrm>
+          <a:prstGeom prst="rect">
+            <a:avLst/>
+          </a:prstGeom>
+        </p:spPr>
+      </p:pic>
+      <p:pic>
+        <p:nvPicPr>
+          <p:cNvPr id="11" name="Picture 10" descr="A comparison of blue squares&#10;&#10;Description automatically generated">
+            <a:extLst>
+              <a:ext uri="{FF2B5EF4-FFF2-40B4-BE49-F238E27FC236}">
+                <a16:creationId xmlns:a16="http://schemas.microsoft.com/office/drawing/2014/main" id="{83AB73CE-B66F-B262-E275-3DA926DD97D2}"/>
+              </a:ext>
+            </a:extLst>
+          </p:cNvPr>
+          <p:cNvPicPr>
+            <a:picLocks noChangeAspect="1"/>
+          </p:cNvPicPr>
+          <p:nvPr/>
+        </p:nvPicPr>
+        <p:blipFill>
+          <a:blip r:embed="rId5">
+            <a:extLst>
+              <a:ext uri="{28A0092B-C50C-407E-A947-70E740481C1C}">
+                <a14:useLocalDpi xmlns:a14="http://schemas.microsoft.com/office/drawing/2010/main" val="0"/>
+              </a:ext>
+            </a:extLst>
+          </a:blip>
+          <a:stretch>
+            <a:fillRect/>
+          </a:stretch>
+        </p:blipFill>
+        <p:spPr>
+          <a:xfrm>
+            <a:off x="1221921" y="313530"/>
+            <a:ext cx="5403430" cy="2924629"/>
+          </a:xfrm>
+          <a:prstGeom prst="rect">
+            <a:avLst/>
+          </a:prstGeom>
+        </p:spPr>
+      </p:pic>
+      <p:pic>
+        <p:nvPicPr>
+          <p:cNvPr id="13" name="Picture 12" descr="A screenshot of a graph&#10;&#10;Description automatically generated">
+            <a:extLst>
+              <a:ext uri="{FF2B5EF4-FFF2-40B4-BE49-F238E27FC236}">
+                <a16:creationId xmlns:a16="http://schemas.microsoft.com/office/drawing/2014/main" id="{F1D0D41F-03C3-37EC-B8E3-2DCBD8E1B3A7}"/>
+              </a:ext>
+            </a:extLst>
+          </p:cNvPr>
+          <p:cNvPicPr>
+            <a:picLocks noChangeAspect="1"/>
+          </p:cNvPicPr>
+          <p:nvPr/>
+        </p:nvPicPr>
+        <p:blipFill>
+          <a:blip r:embed="rId6">
+            <a:extLst>
+              <a:ext uri="{28A0092B-C50C-407E-A947-70E740481C1C}">
+                <a14:useLocalDpi xmlns:a14="http://schemas.microsoft.com/office/drawing/2010/main" val="0"/>
+              </a:ext>
+            </a:extLst>
+          </a:blip>
+          <a:stretch>
+            <a:fillRect/>
+          </a:stretch>
+        </p:blipFill>
+        <p:spPr>
+          <a:xfrm>
+            <a:off x="813708" y="3238159"/>
             <a:ext cx="4686300" cy="3467100"/>
           </a:xfrm>
           <a:prstGeom prst="rect">

--- a/jinlu/EC_new.pptx
+++ b/jinlu/EC_new.pptx
@@ -28,6 +28,7 @@
     <p:sldId id="286" r:id="rId22"/>
     <p:sldId id="287" r:id="rId23"/>
     <p:sldId id="288" r:id="rId24"/>
+    <p:sldId id="289" r:id="rId25"/>
   </p:sldIdLst>
   <p:sldSz cx="12192000" cy="6858000"/>
   <p:notesSz cx="6858000" cy="9144000"/>
@@ -169,6 +170,7 @@
             <p14:sldId id="286"/>
             <p14:sldId id="287"/>
             <p14:sldId id="288"/>
+            <p14:sldId id="289"/>
           </p14:sldIdLst>
         </p14:section>
       </p14:sectionLst>
@@ -2334,7 +2336,7 @@
           <a:p>
             <a:fld id="{305B9913-CA8E-4C40-A9DB-FE795F829002}" type="datetimeFigureOut">
               <a:rPr lang="en-GB" smtClean="0"/>
-              <a:t>26/04/2024</a:t>
+              <a:t>31/05/2024</a:t>
             </a:fld>
             <a:endParaRPr lang="en-GB"/>
           </a:p>
@@ -2534,7 +2536,7 @@
           <a:p>
             <a:fld id="{305B9913-CA8E-4C40-A9DB-FE795F829002}" type="datetimeFigureOut">
               <a:rPr lang="en-GB" smtClean="0"/>
-              <a:t>26/04/2024</a:t>
+              <a:t>31/05/2024</a:t>
             </a:fld>
             <a:endParaRPr lang="en-GB"/>
           </a:p>
@@ -2744,7 +2746,7 @@
           <a:p>
             <a:fld id="{305B9913-CA8E-4C40-A9DB-FE795F829002}" type="datetimeFigureOut">
               <a:rPr lang="en-GB" smtClean="0"/>
-              <a:t>26/04/2024</a:t>
+              <a:t>31/05/2024</a:t>
             </a:fld>
             <a:endParaRPr lang="en-GB"/>
           </a:p>
@@ -2944,7 +2946,7 @@
           <a:p>
             <a:fld id="{305B9913-CA8E-4C40-A9DB-FE795F829002}" type="datetimeFigureOut">
               <a:rPr lang="en-GB" smtClean="0"/>
-              <a:t>26/04/2024</a:t>
+              <a:t>31/05/2024</a:t>
             </a:fld>
             <a:endParaRPr lang="en-GB"/>
           </a:p>
@@ -3220,7 +3222,7 @@
           <a:p>
             <a:fld id="{305B9913-CA8E-4C40-A9DB-FE795F829002}" type="datetimeFigureOut">
               <a:rPr lang="en-GB" smtClean="0"/>
-              <a:t>26/04/2024</a:t>
+              <a:t>31/05/2024</a:t>
             </a:fld>
             <a:endParaRPr lang="en-GB"/>
           </a:p>
@@ -3488,7 +3490,7 @@
           <a:p>
             <a:fld id="{305B9913-CA8E-4C40-A9DB-FE795F829002}" type="datetimeFigureOut">
               <a:rPr lang="en-GB" smtClean="0"/>
-              <a:t>26/04/2024</a:t>
+              <a:t>31/05/2024</a:t>
             </a:fld>
             <a:endParaRPr lang="en-GB"/>
           </a:p>
@@ -3903,7 +3905,7 @@
           <a:p>
             <a:fld id="{305B9913-CA8E-4C40-A9DB-FE795F829002}" type="datetimeFigureOut">
               <a:rPr lang="en-GB" smtClean="0"/>
-              <a:t>26/04/2024</a:t>
+              <a:t>31/05/2024</a:t>
             </a:fld>
             <a:endParaRPr lang="en-GB"/>
           </a:p>
@@ -4045,7 +4047,7 @@
           <a:p>
             <a:fld id="{305B9913-CA8E-4C40-A9DB-FE795F829002}" type="datetimeFigureOut">
               <a:rPr lang="en-GB" smtClean="0"/>
-              <a:t>26/04/2024</a:t>
+              <a:t>31/05/2024</a:t>
             </a:fld>
             <a:endParaRPr lang="en-GB"/>
           </a:p>
@@ -4158,7 +4160,7 @@
           <a:p>
             <a:fld id="{305B9913-CA8E-4C40-A9DB-FE795F829002}" type="datetimeFigureOut">
               <a:rPr lang="en-GB" smtClean="0"/>
-              <a:t>26/04/2024</a:t>
+              <a:t>31/05/2024</a:t>
             </a:fld>
             <a:endParaRPr lang="en-GB"/>
           </a:p>
@@ -4471,7 +4473,7 @@
           <a:p>
             <a:fld id="{305B9913-CA8E-4C40-A9DB-FE795F829002}" type="datetimeFigureOut">
               <a:rPr lang="en-GB" smtClean="0"/>
-              <a:t>26/04/2024</a:t>
+              <a:t>31/05/2024</a:t>
             </a:fld>
             <a:endParaRPr lang="en-GB"/>
           </a:p>
@@ -4760,7 +4762,7 @@
           <a:p>
             <a:fld id="{305B9913-CA8E-4C40-A9DB-FE795F829002}" type="datetimeFigureOut">
               <a:rPr lang="en-GB" smtClean="0"/>
-              <a:t>26/04/2024</a:t>
+              <a:t>31/05/2024</a:t>
             </a:fld>
             <a:endParaRPr lang="en-GB"/>
           </a:p>
@@ -5003,7 +5005,7 @@
           <a:p>
             <a:fld id="{305B9913-CA8E-4C40-A9DB-FE795F829002}" type="datetimeFigureOut">
               <a:rPr lang="en-GB" smtClean="0"/>
-              <a:t>26/04/2024</a:t>
+              <a:t>31/05/2024</a:t>
             </a:fld>
             <a:endParaRPr lang="en-GB"/>
           </a:p>
@@ -8021,6 +8023,249 @@
 </p:sld>
 </file>
 
+<file path=ppt/slides/slide24.xml><?xml version="1.0" encoding="utf-8"?>
+<p:sld xmlns:a="http://schemas.openxmlformats.org/drawingml/2006/main" xmlns:r="http://schemas.openxmlformats.org/officeDocument/2006/relationships" xmlns:p="http://schemas.openxmlformats.org/presentationml/2006/main">
+  <p:cSld>
+    <p:spTree>
+      <p:nvGrpSpPr>
+        <p:cNvPr id="1" name=""/>
+        <p:cNvGrpSpPr/>
+        <p:nvPr/>
+      </p:nvGrpSpPr>
+      <p:grpSpPr>
+        <a:xfrm>
+          <a:off x="0" y="0"/>
+          <a:ext cx="0" cy="0"/>
+          <a:chOff x="0" y="0"/>
+          <a:chExt cx="0" cy="0"/>
+        </a:xfrm>
+      </p:grpSpPr>
+      <p:sp>
+        <p:nvSpPr>
+          <p:cNvPr id="3" name="Content Placeholder 2">
+            <a:extLst>
+              <a:ext uri="{FF2B5EF4-FFF2-40B4-BE49-F238E27FC236}">
+                <a16:creationId xmlns:a16="http://schemas.microsoft.com/office/drawing/2014/main" id="{28BFCBC9-58E9-EBD7-E342-5C90EB1A4738}"/>
+              </a:ext>
+            </a:extLst>
+          </p:cNvPr>
+          <p:cNvSpPr>
+            <a:spLocks noGrp="1"/>
+          </p:cNvSpPr>
+          <p:nvPr>
+            <p:ph idx="1"/>
+          </p:nvPr>
+        </p:nvSpPr>
+        <p:spPr>
+          <a:xfrm>
+            <a:off x="646611" y="449671"/>
+            <a:ext cx="10515600" cy="4351338"/>
+          </a:xfrm>
+        </p:spPr>
+        <p:txBody>
+          <a:bodyPr/>
+          <a:lstStyle/>
+          <a:p>
+            <a:r>
+              <a:rPr lang="en-US" dirty="0"/>
+              <a:t>Bar plot of total counts of neurons. MEC neurons have higher total counts, is this influencing the observation that MEC neurons project more broadly when binarizing the data?</a:t>
+            </a:r>
+          </a:p>
+        </p:txBody>
+      </p:sp>
+      <p:pic>
+        <p:nvPicPr>
+          <p:cNvPr id="5" name="Picture 4" descr="A graph of a number of neurons&#10;&#10;Description automatically generated">
+            <a:extLst>
+              <a:ext uri="{FF2B5EF4-FFF2-40B4-BE49-F238E27FC236}">
+                <a16:creationId xmlns:a16="http://schemas.microsoft.com/office/drawing/2014/main" id="{525C0287-4D9C-8D01-7B64-B90655AB4D30}"/>
+              </a:ext>
+            </a:extLst>
+          </p:cNvPr>
+          <p:cNvPicPr>
+            <a:picLocks noChangeAspect="1"/>
+          </p:cNvPicPr>
+          <p:nvPr/>
+        </p:nvPicPr>
+        <p:blipFill>
+          <a:blip r:embed="rId2">
+            <a:extLst>
+              <a:ext uri="{28A0092B-C50C-407E-A947-70E740481C1C}">
+                <a14:useLocalDpi xmlns:a14="http://schemas.microsoft.com/office/drawing/2010/main" val="0"/>
+              </a:ext>
+            </a:extLst>
+          </a:blip>
+          <a:stretch>
+            <a:fillRect/>
+          </a:stretch>
+        </p:blipFill>
+        <p:spPr>
+          <a:xfrm>
+            <a:off x="3924300" y="1625600"/>
+            <a:ext cx="4343400" cy="1803400"/>
+          </a:xfrm>
+          <a:prstGeom prst="rect">
+            <a:avLst/>
+          </a:prstGeom>
+        </p:spPr>
+      </p:pic>
+      <p:pic>
+        <p:nvPicPr>
+          <p:cNvPr id="7" name="Picture 6" descr="A graph with numbers and lines&#10;&#10;Description automatically generated">
+            <a:extLst>
+              <a:ext uri="{FF2B5EF4-FFF2-40B4-BE49-F238E27FC236}">
+                <a16:creationId xmlns:a16="http://schemas.microsoft.com/office/drawing/2014/main" id="{F2386D46-F978-0398-DAF6-2595D9327C83}"/>
+              </a:ext>
+            </a:extLst>
+          </p:cNvPr>
+          <p:cNvPicPr>
+            <a:picLocks noChangeAspect="1"/>
+          </p:cNvPicPr>
+          <p:nvPr/>
+        </p:nvPicPr>
+        <p:blipFill>
+          <a:blip r:embed="rId3">
+            <a:extLst>
+              <a:ext uri="{28A0092B-C50C-407E-A947-70E740481C1C}">
+                <a14:useLocalDpi xmlns:a14="http://schemas.microsoft.com/office/drawing/2010/main" val="0"/>
+              </a:ext>
+            </a:extLst>
+          </a:blip>
+          <a:stretch>
+            <a:fillRect/>
+          </a:stretch>
+        </p:blipFill>
+        <p:spPr>
+          <a:xfrm>
+            <a:off x="174351" y="3164285"/>
+            <a:ext cx="4343400" cy="1803400"/>
+          </a:xfrm>
+          <a:prstGeom prst="rect">
+            <a:avLst/>
+          </a:prstGeom>
+        </p:spPr>
+      </p:pic>
+      <p:pic>
+        <p:nvPicPr>
+          <p:cNvPr id="9" name="Picture 8" descr="A graph with numbers and lines&#10;&#10;Description automatically generated">
+            <a:extLst>
+              <a:ext uri="{FF2B5EF4-FFF2-40B4-BE49-F238E27FC236}">
+                <a16:creationId xmlns:a16="http://schemas.microsoft.com/office/drawing/2014/main" id="{67F05B27-78E6-201D-0204-1F0F8E1B610E}"/>
+              </a:ext>
+            </a:extLst>
+          </p:cNvPr>
+          <p:cNvPicPr>
+            <a:picLocks noChangeAspect="1"/>
+          </p:cNvPicPr>
+          <p:nvPr/>
+        </p:nvPicPr>
+        <p:blipFill>
+          <a:blip r:embed="rId4">
+            <a:extLst>
+              <a:ext uri="{28A0092B-C50C-407E-A947-70E740481C1C}">
+                <a14:useLocalDpi xmlns:a14="http://schemas.microsoft.com/office/drawing/2010/main" val="0"/>
+              </a:ext>
+            </a:extLst>
+          </a:blip>
+          <a:stretch>
+            <a:fillRect/>
+          </a:stretch>
+        </p:blipFill>
+        <p:spPr>
+          <a:xfrm>
+            <a:off x="7699373" y="2997609"/>
+            <a:ext cx="4343400" cy="1803400"/>
+          </a:xfrm>
+          <a:prstGeom prst="rect">
+            <a:avLst/>
+          </a:prstGeom>
+        </p:spPr>
+      </p:pic>
+      <p:pic>
+        <p:nvPicPr>
+          <p:cNvPr id="11" name="Picture 10" descr="A graph with numbers and lines&#10;&#10;Description automatically generated">
+            <a:extLst>
+              <a:ext uri="{FF2B5EF4-FFF2-40B4-BE49-F238E27FC236}">
+                <a16:creationId xmlns:a16="http://schemas.microsoft.com/office/drawing/2014/main" id="{8AB99BBF-5940-C009-0132-F747D5F9E78E}"/>
+              </a:ext>
+            </a:extLst>
+          </p:cNvPr>
+          <p:cNvPicPr>
+            <a:picLocks noChangeAspect="1"/>
+          </p:cNvPicPr>
+          <p:nvPr/>
+        </p:nvPicPr>
+        <p:blipFill>
+          <a:blip r:embed="rId4">
+            <a:extLst>
+              <a:ext uri="{28A0092B-C50C-407E-A947-70E740481C1C}">
+                <a14:useLocalDpi xmlns:a14="http://schemas.microsoft.com/office/drawing/2010/main" val="0"/>
+              </a:ext>
+            </a:extLst>
+          </a:blip>
+          <a:stretch>
+            <a:fillRect/>
+          </a:stretch>
+        </p:blipFill>
+        <p:spPr>
+          <a:xfrm>
+            <a:off x="101995" y="4967685"/>
+            <a:ext cx="4343400" cy="1803400"/>
+          </a:xfrm>
+          <a:prstGeom prst="rect">
+            <a:avLst/>
+          </a:prstGeom>
+        </p:spPr>
+      </p:pic>
+      <p:pic>
+        <p:nvPicPr>
+          <p:cNvPr id="13" name="Picture 12" descr="A graph with numbers and lines&#10;&#10;Description automatically generated">
+            <a:extLst>
+              <a:ext uri="{FF2B5EF4-FFF2-40B4-BE49-F238E27FC236}">
+                <a16:creationId xmlns:a16="http://schemas.microsoft.com/office/drawing/2014/main" id="{675B1171-ECC4-1F32-6475-D5687AD228D6}"/>
+              </a:ext>
+            </a:extLst>
+          </p:cNvPr>
+          <p:cNvPicPr>
+            <a:picLocks noChangeAspect="1"/>
+          </p:cNvPicPr>
+          <p:nvPr/>
+        </p:nvPicPr>
+        <p:blipFill>
+          <a:blip r:embed="rId5">
+            <a:extLst>
+              <a:ext uri="{28A0092B-C50C-407E-A947-70E740481C1C}">
+                <a14:useLocalDpi xmlns:a14="http://schemas.microsoft.com/office/drawing/2010/main" val="0"/>
+              </a:ext>
+            </a:extLst>
+          </a:blip>
+          <a:stretch>
+            <a:fillRect/>
+          </a:stretch>
+        </p:blipFill>
+        <p:spPr>
+          <a:xfrm>
+            <a:off x="7798645" y="4887332"/>
+            <a:ext cx="4343400" cy="1803400"/>
+          </a:xfrm>
+          <a:prstGeom prst="rect">
+            <a:avLst/>
+          </a:prstGeom>
+        </p:spPr>
+      </p:pic>
+    </p:spTree>
+    <p:extLst>
+      <p:ext uri="{BB962C8B-B14F-4D97-AF65-F5344CB8AC3E}">
+        <p14:creationId xmlns:p14="http://schemas.microsoft.com/office/powerpoint/2010/main" val="84640508"/>
+      </p:ext>
+    </p:extLst>
+  </p:cSld>
+  <p:clrMapOvr>
+    <a:masterClrMapping/>
+  </p:clrMapOvr>
+</p:sld>
+</file>
+
 <file path=ppt/slides/slide3.xml><?xml version="1.0" encoding="utf-8"?>
 <p:sld xmlns:a="http://schemas.openxmlformats.org/drawingml/2006/main" xmlns:r="http://schemas.openxmlformats.org/officeDocument/2006/relationships" xmlns:p="http://schemas.openxmlformats.org/presentationml/2006/main">
   <p:cSld>
